--- a/第5讲 自定义菜单.pptx
+++ b/第5讲 自定义菜单.pptx
@@ -9,10 +9,10 @@
     <p:sldMasterId id="2147483691" r:id="rId5"/>
   </p:sldMasterIdLst>
   <p:notesMasterIdLst>
-    <p:notesMasterId r:id="rId34"/>
+    <p:notesMasterId r:id="rId32"/>
   </p:notesMasterIdLst>
   <p:handoutMasterIdLst>
-    <p:handoutMasterId r:id="rId35"/>
+    <p:handoutMasterId r:id="rId33"/>
   </p:handoutMasterIdLst>
   <p:sldIdLst>
     <p:sldId id="257" r:id="rId6"/>
@@ -20,34 +20,32 @@
     <p:sldId id="454" r:id="rId8"/>
     <p:sldId id="451" r:id="rId9"/>
     <p:sldId id="465" r:id="rId10"/>
-    <p:sldId id="479" r:id="rId11"/>
-    <p:sldId id="466" r:id="rId12"/>
-    <p:sldId id="460" r:id="rId13"/>
-    <p:sldId id="480" r:id="rId14"/>
+    <p:sldId id="480" r:id="rId11"/>
+    <p:sldId id="479" r:id="rId12"/>
+    <p:sldId id="466" r:id="rId13"/>
+    <p:sldId id="460" r:id="rId14"/>
     <p:sldId id="439" r:id="rId15"/>
     <p:sldId id="456" r:id="rId16"/>
     <p:sldId id="440" r:id="rId17"/>
     <p:sldId id="467" r:id="rId18"/>
-    <p:sldId id="468" r:id="rId19"/>
-    <p:sldId id="474" r:id="rId20"/>
-    <p:sldId id="475" r:id="rId21"/>
-    <p:sldId id="470" r:id="rId22"/>
-    <p:sldId id="471" r:id="rId23"/>
-    <p:sldId id="452" r:id="rId24"/>
-    <p:sldId id="473" r:id="rId25"/>
-    <p:sldId id="472" r:id="rId26"/>
-    <p:sldId id="469" r:id="rId27"/>
-    <p:sldId id="457" r:id="rId28"/>
-    <p:sldId id="435" r:id="rId29"/>
-    <p:sldId id="476" r:id="rId30"/>
-    <p:sldId id="477" r:id="rId31"/>
-    <p:sldId id="478" r:id="rId32"/>
-    <p:sldId id="311" r:id="rId33"/>
+    <p:sldId id="470" r:id="rId19"/>
+    <p:sldId id="471" r:id="rId20"/>
+    <p:sldId id="483" r:id="rId21"/>
+    <p:sldId id="484" r:id="rId22"/>
+    <p:sldId id="452" r:id="rId23"/>
+    <p:sldId id="473" r:id="rId24"/>
+    <p:sldId id="472" r:id="rId25"/>
+    <p:sldId id="469" r:id="rId26"/>
+    <p:sldId id="457" r:id="rId27"/>
+    <p:sldId id="435" r:id="rId28"/>
+    <p:sldId id="481" r:id="rId29"/>
+    <p:sldId id="482" r:id="rId30"/>
+    <p:sldId id="311" r:id="rId31"/>
   </p:sldIdLst>
   <p:sldSz cx="12192000" cy="6858000"/>
   <p:notesSz cx="6858000" cy="9144000"/>
   <p:custDataLst>
-    <p:tags r:id="rId36"/>
+    <p:tags r:id="rId34"/>
   </p:custDataLst>
   <p:defaultTextStyle>
     <a:defPPr>
@@ -192,6 +190,10 @@
 </p:cmAuthorLst>
 </file>
 
+<file path=ppt/revisionInfo.xml><?xml version="1.0" encoding="utf-8"?>
+<p1510:revInfo xmlns:a="http://schemas.openxmlformats.org/drawingml/2006/main" xmlns:r="http://schemas.openxmlformats.org/officeDocument/2006/relationships" xmlns:p1510="http://schemas.microsoft.com/office/powerpoint/2015/10/main"/>
+</file>
+
 <file path=ppt/handoutMasters/handoutMaster1.xml><?xml version="1.0" encoding="utf-8"?>
 <p:handoutMaster xmlns:a="http://schemas.openxmlformats.org/drawingml/2006/main" xmlns:r="http://schemas.openxmlformats.org/officeDocument/2006/relationships" xmlns:p="http://schemas.openxmlformats.org/presentationml/2006/main">
   <p:cSld>
@@ -274,7 +276,7 @@
           <a:p>
             <a:fld id="{2B71C804-97F5-4B36-A7AC-EEEC7F44F6C2}" type="datetimeFigureOut">
               <a:rPr lang="zh-CN" altLang="en-US" smtClean="0"/>
-              <a:t>2017/7/10</a:t>
+              <a:t>2017/8/23</a:t>
             </a:fld>
             <a:endParaRPr lang="zh-CN" altLang="en-US"/>
           </a:p>
@@ -440,7 +442,7 @@
           <a:p>
             <a:fld id="{0568D9C6-D8DC-4CC3-8480-E0C4DBA1CC07}" type="datetimeFigureOut">
               <a:rPr lang="zh-CN" altLang="en-US" smtClean="0"/>
-              <a:t>2017/7/10</a:t>
+              <a:t>2017/8/23</a:t>
             </a:fld>
             <a:endParaRPr lang="zh-CN" altLang="en-US"/>
           </a:p>
@@ -951,7 +953,7 @@
                 <a:ea typeface="宋体" charset="-122"/>
               </a:rPr>
               <a:pPr algn="r" eaLnBrk="1" hangingPunct="1"/>
-              <a:t>28</a:t>
+              <a:t>26</a:t>
             </a:fld>
             <a:endParaRPr lang="zh-CN" altLang="en-US" sz="1200">
               <a:latin typeface="Calibri" pitchFamily="34" charset="0"/>
@@ -1053,7 +1055,7 @@
           <a:p>
             <a:fld id="{DB9D664F-4C68-42D2-B189-678958EFAFDA}" type="datetime1">
               <a:rPr lang="zh-CN" altLang="en-US" smtClean="0"/>
-              <a:t>2017/7/10</a:t>
+              <a:t>2017/8/23</a:t>
             </a:fld>
             <a:endParaRPr lang="zh-CN" altLang="en-US"/>
           </a:p>
@@ -2035,7 +2037,7 @@
           <a:p>
             <a:fld id="{ED5513C8-E3A4-4D78-B249-887659A958FF}" type="datetime1">
               <a:rPr lang="en-US" altLang="zh-CN" smtClean="0"/>
-              <a:t>7/10/2017</a:t>
+              <a:t>8/23/2017</a:t>
             </a:fld>
             <a:endParaRPr lang="en-US"/>
           </a:p>
@@ -2213,7 +2215,7 @@
           <a:p>
             <a:fld id="{EBEDA52C-3EEE-4289-818C-901C0A7814FE}" type="datetime1">
               <a:rPr lang="en-US" altLang="zh-CN" smtClean="0"/>
-              <a:t>7/10/2017</a:t>
+              <a:t>8/23/2017</a:t>
             </a:fld>
             <a:endParaRPr lang="en-US"/>
           </a:p>
@@ -2467,7 +2469,7 @@
           <a:p>
             <a:fld id="{09EF5D7F-EA15-485C-85DD-8FDC010A62D4}" type="datetime1">
               <a:rPr lang="en-US" altLang="zh-CN" smtClean="0"/>
-              <a:t>7/10/2017</a:t>
+              <a:t>8/23/2017</a:t>
             </a:fld>
             <a:endParaRPr lang="en-US"/>
           </a:p>
@@ -2707,7 +2709,7 @@
           <a:p>
             <a:fld id="{9541C2B2-0BAB-4CD4-83EE-25F1A7138896}" type="datetime1">
               <a:rPr lang="en-US" altLang="zh-CN" smtClean="0"/>
-              <a:t>7/10/2017</a:t>
+              <a:t>8/23/2017</a:t>
             </a:fld>
             <a:endParaRPr lang="en-US"/>
           </a:p>
@@ -3082,7 +3084,7 @@
           <a:p>
             <a:fld id="{7DEA23E7-D0FC-41DC-8745-BE6FC447B182}" type="datetime1">
               <a:rPr lang="en-US" altLang="zh-CN" smtClean="0"/>
-              <a:t>7/10/2017</a:t>
+              <a:t>8/23/2017</a:t>
             </a:fld>
             <a:endParaRPr lang="en-US"/>
           </a:p>
@@ -3867,7 +3869,7 @@
           <a:p>
             <a:fld id="{5DEA8378-5F33-490B-8120-8DE6B7EE2781}" type="datetime1">
               <a:rPr lang="en-US" altLang="zh-CN" smtClean="0"/>
-              <a:t>7/10/2017</a:t>
+              <a:t>8/23/2017</a:t>
             </a:fld>
             <a:endParaRPr lang="en-US"/>
           </a:p>
@@ -4121,7 +4123,7 @@
           <a:p>
             <a:fld id="{38DD30CF-78A7-4C73-91B4-38D3E3317745}" type="datetime1">
               <a:rPr lang="en-US" altLang="zh-CN" smtClean="0"/>
-              <a:t>7/10/2017</a:t>
+              <a:t>8/23/2017</a:t>
             </a:fld>
             <a:endParaRPr lang="en-US"/>
           </a:p>
@@ -4224,7 +4226,7 @@
           <a:p>
             <a:fld id="{A1BE0A72-8501-4974-A7B7-5BD248ABBAFC}" type="datetime1">
               <a:rPr lang="zh-CN" altLang="en-US" smtClean="0"/>
-              <a:t>2017/7/10</a:t>
+              <a:t>2017/8/23</a:t>
             </a:fld>
             <a:endParaRPr lang="zh-CN" altLang="en-US"/>
           </a:p>
@@ -4485,7 +4487,7 @@
           <a:p>
             <a:fld id="{0B7E01DD-16D0-4DBA-9C1A-51468BA0B73A}" type="datetime1">
               <a:rPr lang="en-US" altLang="zh-CN" smtClean="0"/>
-              <a:t>7/10/2017</a:t>
+              <a:t>8/23/2017</a:t>
             </a:fld>
             <a:endParaRPr lang="en-US"/>
           </a:p>
@@ -4663,7 +4665,7 @@
           <a:p>
             <a:fld id="{B587E63F-0E62-4A50-901F-E071D77F7634}" type="datetime1">
               <a:rPr lang="en-US" altLang="zh-CN" smtClean="0"/>
-              <a:t>7/10/2017</a:t>
+              <a:t>8/23/2017</a:t>
             </a:fld>
             <a:endParaRPr lang="en-US"/>
           </a:p>
@@ -4851,7 +4853,7 @@
           <a:p>
             <a:fld id="{BD8521E8-9297-400B-AD8C-0A4D05699D33}" type="datetime1">
               <a:rPr lang="en-US" altLang="zh-CN" smtClean="0"/>
-              <a:t>7/10/2017</a:t>
+              <a:t>8/23/2017</a:t>
             </a:fld>
             <a:endParaRPr lang="en-US"/>
           </a:p>
@@ -5082,7 +5084,7 @@
           <a:p>
             <a:fld id="{ED5513C8-E3A4-4D78-B249-887659A958FF}" type="datetime1">
               <a:rPr lang="en-US" altLang="zh-CN" smtClean="0"/>
-              <a:t>7/10/2017</a:t>
+              <a:t>8/23/2017</a:t>
             </a:fld>
             <a:endParaRPr lang="en-US"/>
           </a:p>
@@ -5260,7 +5262,7 @@
           <a:p>
             <a:fld id="{EBEDA52C-3EEE-4289-818C-901C0A7814FE}" type="datetime1">
               <a:rPr lang="en-US" altLang="zh-CN" smtClean="0"/>
-              <a:t>7/10/2017</a:t>
+              <a:t>8/23/2017</a:t>
             </a:fld>
             <a:endParaRPr lang="en-US"/>
           </a:p>
@@ -5514,7 +5516,7 @@
           <a:p>
             <a:fld id="{09EF5D7F-EA15-485C-85DD-8FDC010A62D4}" type="datetime1">
               <a:rPr lang="en-US" altLang="zh-CN" smtClean="0"/>
-              <a:t>7/10/2017</a:t>
+              <a:t>8/23/2017</a:t>
             </a:fld>
             <a:endParaRPr lang="en-US"/>
           </a:p>
@@ -5754,7 +5756,7 @@
           <a:p>
             <a:fld id="{9541C2B2-0BAB-4CD4-83EE-25F1A7138896}" type="datetime1">
               <a:rPr lang="en-US" altLang="zh-CN" smtClean="0"/>
-              <a:t>7/10/2017</a:t>
+              <a:t>8/23/2017</a:t>
             </a:fld>
             <a:endParaRPr lang="en-US"/>
           </a:p>
@@ -6129,7 +6131,7 @@
           <a:p>
             <a:fld id="{7DEA23E7-D0FC-41DC-8745-BE6FC447B182}" type="datetime1">
               <a:rPr lang="en-US" altLang="zh-CN" smtClean="0"/>
-              <a:t>7/10/2017</a:t>
+              <a:t>8/23/2017</a:t>
             </a:fld>
             <a:endParaRPr lang="en-US"/>
           </a:p>
@@ -6914,7 +6916,7 @@
           <a:p>
             <a:fld id="{A1BE0A72-8501-4974-A7B7-5BD248ABBAFC}" type="datetime1">
               <a:rPr lang="zh-CN" altLang="en-US" smtClean="0"/>
-              <a:t>2017/7/10</a:t>
+              <a:t>2017/8/23</a:t>
             </a:fld>
             <a:endParaRPr lang="zh-CN" altLang="en-US"/>
           </a:p>
@@ -6967,7 +6969,7 @@
           <a:p>
             <a:fld id="{5DEA8378-5F33-490B-8120-8DE6B7EE2781}" type="datetime1">
               <a:rPr lang="en-US" altLang="zh-CN" smtClean="0"/>
-              <a:t>7/10/2017</a:t>
+              <a:t>8/23/2017</a:t>
             </a:fld>
             <a:endParaRPr lang="en-US"/>
           </a:p>
@@ -7221,7 +7223,7 @@
           <a:p>
             <a:fld id="{38DD30CF-78A7-4C73-91B4-38D3E3317745}" type="datetime1">
               <a:rPr lang="en-US" altLang="zh-CN" smtClean="0"/>
-              <a:t>7/10/2017</a:t>
+              <a:t>8/23/2017</a:t>
             </a:fld>
             <a:endParaRPr lang="en-US"/>
           </a:p>
@@ -7486,7 +7488,7 @@
           <a:p>
             <a:fld id="{0B7E01DD-16D0-4DBA-9C1A-51468BA0B73A}" type="datetime1">
               <a:rPr lang="en-US" altLang="zh-CN" smtClean="0"/>
-              <a:t>7/10/2017</a:t>
+              <a:t>8/23/2017</a:t>
             </a:fld>
             <a:endParaRPr lang="en-US"/>
           </a:p>
@@ -7664,7 +7666,7 @@
           <a:p>
             <a:fld id="{B587E63F-0E62-4A50-901F-E071D77F7634}" type="datetime1">
               <a:rPr lang="en-US" altLang="zh-CN" smtClean="0"/>
-              <a:t>7/10/2017</a:t>
+              <a:t>8/23/2017</a:t>
             </a:fld>
             <a:endParaRPr lang="en-US"/>
           </a:p>
@@ -7852,7 +7854,7 @@
           <a:p>
             <a:fld id="{BD8521E8-9297-400B-AD8C-0A4D05699D33}" type="datetime1">
               <a:rPr lang="en-US" altLang="zh-CN" smtClean="0"/>
-              <a:t>7/10/2017</a:t>
+              <a:t>8/23/2017</a:t>
             </a:fld>
             <a:endParaRPr lang="en-US"/>
           </a:p>
@@ -7955,7 +7957,7 @@
           <a:p>
             <a:fld id="{EF452D9C-F9EB-4417-9C3A-C876C2AF9415}" type="datetime1">
               <a:rPr lang="zh-CN" altLang="en-US" smtClean="0"/>
-              <a:t>2017/7/10</a:t>
+              <a:t>2017/8/23</a:t>
             </a:fld>
             <a:endParaRPr lang="zh-CN" altLang="en-US"/>
           </a:p>
@@ -8141,7 +8143,7 @@
           <a:p>
             <a:fld id="{2F2E9289-9B4C-49AE-BDDA-70D6EDC89D17}" type="datetime1">
               <a:rPr lang="zh-CN" altLang="en-US" smtClean="0"/>
-              <a:t>2017/7/10</a:t>
+              <a:t>2017/8/23</a:t>
             </a:fld>
             <a:endParaRPr lang="zh-CN" altLang="en-US"/>
           </a:p>
@@ -8311,7 +8313,7 @@
           <a:p>
             <a:fld id="{2F2E9289-9B4C-49AE-BDDA-70D6EDC89D17}" type="datetime1">
               <a:rPr lang="zh-CN" altLang="en-US" smtClean="0"/>
-              <a:t>2017/7/10</a:t>
+              <a:t>2017/8/23</a:t>
             </a:fld>
             <a:endParaRPr lang="zh-CN" altLang="en-US"/>
           </a:p>
@@ -8547,7 +8549,7 @@
           <a:p>
             <a:fld id="{8C5BA751-A251-47D6-8494-C134D9EBED5F}" type="datetime1">
               <a:rPr lang="zh-CN" altLang="en-US" smtClean="0"/>
-              <a:t>2017/7/10</a:t>
+              <a:t>2017/8/23</a:t>
             </a:fld>
             <a:endParaRPr lang="zh-CN" altLang="en-US"/>
           </a:p>
@@ -8903,7 +8905,7 @@
           <a:p>
             <a:fld id="{C46E2078-F302-4651-A2A2-2FC6C4E1A3F1}" type="datetime1">
               <a:rPr lang="zh-CN" altLang="en-US" smtClean="0"/>
-              <a:t>2017/7/10</a:t>
+              <a:t>2017/8/23</a:t>
             </a:fld>
             <a:endParaRPr lang="zh-CN" altLang="en-US"/>
           </a:p>
@@ -9025,7 +9027,7 @@
               <a:pPr>
                 <a:defRPr/>
               </a:pPr>
-              <a:t>2017/7/10</a:t>
+              <a:t>2017/8/23</a:t>
             </a:fld>
             <a:endParaRPr lang="zh-CN" altLang="en-US"/>
           </a:p>
@@ -9173,7 +9175,7 @@
           <a:p>
             <a:fld id="{A1BE0A72-8501-4974-A7B7-5BD248ABBAFC}" type="datetime1">
               <a:rPr lang="zh-CN" altLang="en-US" smtClean="0"/>
-              <a:t>2017/7/10</a:t>
+              <a:t>2017/8/23</a:t>
             </a:fld>
             <a:endParaRPr lang="zh-CN" altLang="en-US"/>
           </a:p>
@@ -9687,7 +9689,7 @@
           <a:p>
             <a:fld id="{A1BE0A72-8501-4974-A7B7-5BD248ABBAFC}" type="datetime1">
               <a:rPr lang="zh-CN" altLang="en-US" smtClean="0"/>
-              <a:t>2017/7/10</a:t>
+              <a:t>2017/8/23</a:t>
             </a:fld>
             <a:endParaRPr lang="zh-CN" altLang="en-US"/>
           </a:p>
@@ -10293,7 +10295,7 @@
           <a:p>
             <a:fld id="{7A78726F-0AD2-4A20-BC72-263D2D3F3A2F}" type="datetime1">
               <a:rPr lang="en-US" altLang="zh-CN" smtClean="0"/>
-              <a:t>7/10/2017</a:t>
+              <a:t>8/23/2017</a:t>
             </a:fld>
             <a:endParaRPr lang="en-US"/>
           </a:p>
@@ -11274,7 +11276,7 @@
           <a:p>
             <a:fld id="{A1BE0A72-8501-4974-A7B7-5BD248ABBAFC}" type="datetime1">
               <a:rPr lang="zh-CN" altLang="en-US" smtClean="0"/>
-              <a:t>2017/7/10</a:t>
+              <a:t>2017/8/23</a:t>
             </a:fld>
             <a:endParaRPr lang="zh-CN" altLang="en-US"/>
           </a:p>
@@ -11880,7 +11882,7 @@
           <a:p>
             <a:fld id="{7A78726F-0AD2-4A20-BC72-263D2D3F3A2F}" type="datetime1">
               <a:rPr lang="en-US" altLang="zh-CN" smtClean="0"/>
-              <a:t>7/10/2017</a:t>
+              <a:t>8/23/2017</a:t>
             </a:fld>
             <a:endParaRPr lang="en-US"/>
           </a:p>
@@ -12751,7 +12753,7 @@
           <a:lstStyle/>
           <a:p>
             <a:r>
-              <a:rPr lang="zh-CN" altLang="en-US" dirty="0" smtClean="0"/>
+              <a:rPr lang="zh-CN" altLang="en-US" dirty="0"/>
               <a:t>第</a:t>
             </a:r>
             <a:r>
@@ -12759,10 +12761,9 @@
               <a:t>5</a:t>
             </a:r>
             <a:r>
-              <a:rPr lang="zh-CN" altLang="en-US" dirty="0" smtClean="0"/>
+              <a:rPr lang="zh-CN" altLang="en-US" dirty="0"/>
               <a:t>讲 自定义菜单</a:t>
             </a:r>
-            <a:endParaRPr lang="zh-CN" altLang="en-US" dirty="0"/>
           </a:p>
         </p:txBody>
       </p:sp>
@@ -12815,13 +12816,6 @@
   <p:clrMapOvr>
     <a:masterClrMapping/>
   </p:clrMapOvr>
-  <p:timing>
-    <p:tnLst>
-      <p:par>
-        <p:cTn id="1" dur="indefinite" restart="never" nodeType="tmRoot"/>
-      </p:par>
-    </p:tnLst>
-  </p:timing>
 </p:sld>
 </file>
 
@@ -12863,18 +12857,18 @@
           <a:lstStyle/>
           <a:p>
             <a:r>
-              <a:rPr lang="en-US" altLang="zh-CN" dirty="0" smtClean="0"/>
+              <a:rPr lang="en-US" altLang="zh-CN" b="0" dirty="0"/>
               <a:t>PHP</a:t>
             </a:r>
             <a:r>
-              <a:rPr lang="zh-CN" altLang="en-US" dirty="0" smtClean="0"/>
+              <a:rPr lang="zh-CN" altLang="en-US" b="0" dirty="0"/>
               <a:t>扩展</a:t>
             </a:r>
             <a:r>
-              <a:rPr lang="en-US" altLang="zh-CN" dirty="0" smtClean="0"/>
+              <a:rPr lang="en-US" altLang="zh-CN" b="0" dirty="0"/>
               <a:t>CURL</a:t>
             </a:r>
-            <a:endParaRPr lang="zh-CN" altLang="en-US" dirty="0"/>
+            <a:endParaRPr lang="zh-CN" altLang="en-US" b="0" dirty="0"/>
           </a:p>
         </p:txBody>
       </p:sp>
@@ -12908,7 +12902,7 @@
               <a:buChar char="•"/>
             </a:pPr>
             <a:r>
-              <a:rPr lang="en-US" altLang="zh-CN" sz="2000" dirty="0" smtClean="0">
+              <a:rPr lang="en-US" altLang="zh-CN" sz="2000" dirty="0">
                 <a:latin typeface="微软雅黑" panose="020B0503020204020204" pitchFamily="34" charset="-122"/>
                 <a:ea typeface="微软雅黑" panose="020B0503020204020204" pitchFamily="34" charset="-122"/>
               </a:rPr>
@@ -12919,28 +12913,28 @@
                 <a:latin typeface="微软雅黑" panose="020B0503020204020204" pitchFamily="34" charset="-122"/>
                 <a:ea typeface="微软雅黑" panose="020B0503020204020204" pitchFamily="34" charset="-122"/>
               </a:rPr>
-              <a:t>能够连接通讯各种服务器、使用各种</a:t>
-            </a:r>
-            <a:r>
-              <a:rPr lang="zh-CN" altLang="en-US" sz="2000" dirty="0" smtClean="0">
-                <a:latin typeface="微软雅黑" panose="020B0503020204020204" pitchFamily="34" charset="-122"/>
-                <a:ea typeface="微软雅黑" panose="020B0503020204020204" pitchFamily="34" charset="-122"/>
-              </a:rPr>
-              <a:t>协议。</a:t>
+              <a:t>能够连接通讯各种服务器、使用各种协议。目前支持的协议有 </a:t>
+            </a:r>
+            <a:r>
+              <a:rPr lang="en-US" altLang="zh-CN" sz="2000" dirty="0">
+                <a:latin typeface="微软雅黑" panose="020B0503020204020204" pitchFamily="34" charset="-122"/>
+                <a:ea typeface="微软雅黑" panose="020B0503020204020204" pitchFamily="34" charset="-122"/>
+              </a:rPr>
+              <a:t>http</a:t>
             </a:r>
             <a:r>
               <a:rPr lang="zh-CN" altLang="en-US" sz="2000" dirty="0">
                 <a:latin typeface="微软雅黑" panose="020B0503020204020204" pitchFamily="34" charset="-122"/>
                 <a:ea typeface="微软雅黑" panose="020B0503020204020204" pitchFamily="34" charset="-122"/>
               </a:rPr>
-              <a:t>目前支持的协议有 </a:t>
+              <a:t>、</a:t>
             </a:r>
             <a:r>
               <a:rPr lang="en-US" altLang="zh-CN" sz="2000" dirty="0">
                 <a:latin typeface="微软雅黑" panose="020B0503020204020204" pitchFamily="34" charset="-122"/>
                 <a:ea typeface="微软雅黑" panose="020B0503020204020204" pitchFamily="34" charset="-122"/>
               </a:rPr>
-              <a:t>http</a:t>
+              <a:t>https</a:t>
             </a:r>
             <a:r>
               <a:rPr lang="zh-CN" altLang="en-US" sz="2000" dirty="0">
@@ -12954,7 +12948,7 @@
                 <a:latin typeface="微软雅黑" panose="020B0503020204020204" pitchFamily="34" charset="-122"/>
                 <a:ea typeface="微软雅黑" panose="020B0503020204020204" pitchFamily="34" charset="-122"/>
               </a:rPr>
-              <a:t>https</a:t>
+              <a:t>ftp</a:t>
             </a:r>
             <a:r>
               <a:rPr lang="zh-CN" altLang="en-US" sz="2000" dirty="0">
@@ -12968,30 +12962,16 @@
                 <a:latin typeface="微软雅黑" panose="020B0503020204020204" pitchFamily="34" charset="-122"/>
                 <a:ea typeface="微软雅黑" panose="020B0503020204020204" pitchFamily="34" charset="-122"/>
               </a:rPr>
-              <a:t>ftp</a:t>
-            </a:r>
-            <a:r>
-              <a:rPr lang="zh-CN" altLang="en-US" sz="2000" dirty="0" smtClean="0">
-                <a:latin typeface="微软雅黑" panose="020B0503020204020204" pitchFamily="34" charset="-122"/>
-                <a:ea typeface="微软雅黑" panose="020B0503020204020204" pitchFamily="34" charset="-122"/>
-              </a:rPr>
-              <a:t>、</a:t>
-            </a:r>
-            <a:r>
-              <a:rPr lang="en-US" altLang="zh-CN" sz="2000" dirty="0" smtClean="0">
-                <a:latin typeface="微软雅黑" panose="020B0503020204020204" pitchFamily="34" charset="-122"/>
-                <a:ea typeface="微软雅黑" panose="020B0503020204020204" pitchFamily="34" charset="-122"/>
-              </a:rPr>
               <a:t>telnet</a:t>
             </a:r>
             <a:r>
-              <a:rPr lang="zh-CN" altLang="en-US" sz="2000" dirty="0" smtClean="0">
+              <a:rPr lang="zh-CN" altLang="en-US" sz="2000" dirty="0">
                 <a:latin typeface="微软雅黑" panose="020B0503020204020204" pitchFamily="34" charset="-122"/>
                 <a:ea typeface="微软雅黑" panose="020B0503020204020204" pitchFamily="34" charset="-122"/>
               </a:rPr>
               <a:t>等。</a:t>
             </a:r>
-            <a:endParaRPr lang="en-US" altLang="zh-CN" sz="2000" dirty="0" smtClean="0">
+            <a:endParaRPr lang="en-US" altLang="zh-CN" sz="2000" dirty="0">
               <a:latin typeface="微软雅黑" panose="020B0503020204020204" pitchFamily="34" charset="-122"/>
               <a:ea typeface="微软雅黑" panose="020B0503020204020204" pitchFamily="34" charset="-122"/>
             </a:endParaRPr>
@@ -13005,48 +12985,48 @@
               <a:buChar char="•"/>
             </a:pPr>
             <a:r>
-              <a:rPr lang="en-US" altLang="zh-CN" sz="2000" dirty="0" smtClean="0">
+              <a:rPr lang="en-US" altLang="zh-CN" sz="2000" dirty="0">
                 <a:latin typeface="微软雅黑" panose="020B0503020204020204" pitchFamily="34" charset="-122"/>
                 <a:ea typeface="微软雅黑" panose="020B0503020204020204" pitchFamily="34" charset="-122"/>
               </a:rPr>
               <a:t>PHP</a:t>
             </a:r>
             <a:r>
-              <a:rPr lang="zh-CN" altLang="en-US" sz="2000" dirty="0" smtClean="0">
+              <a:rPr lang="zh-CN" altLang="en-US" sz="2000" dirty="0">
                 <a:latin typeface="微软雅黑" panose="020B0503020204020204" pitchFamily="34" charset="-122"/>
                 <a:ea typeface="微软雅黑" panose="020B0503020204020204" pitchFamily="34" charset="-122"/>
               </a:rPr>
               <a:t>使用</a:t>
             </a:r>
             <a:r>
-              <a:rPr lang="en-US" altLang="zh-CN" sz="2000" dirty="0" smtClean="0">
+              <a:rPr lang="en-US" altLang="zh-CN" sz="2000" dirty="0">
                 <a:latin typeface="微软雅黑" panose="020B0503020204020204" pitchFamily="34" charset="-122"/>
                 <a:ea typeface="微软雅黑" panose="020B0503020204020204" pitchFamily="34" charset="-122"/>
               </a:rPr>
               <a:t>curl</a:t>
             </a:r>
             <a:r>
-              <a:rPr lang="zh-CN" altLang="en-US" sz="2000" dirty="0" smtClean="0">
+              <a:rPr lang="zh-CN" altLang="en-US" sz="2000" dirty="0">
                 <a:latin typeface="微软雅黑" panose="020B0503020204020204" pitchFamily="34" charset="-122"/>
                 <a:ea typeface="微软雅黑" panose="020B0503020204020204" pitchFamily="34" charset="-122"/>
               </a:rPr>
               <a:t>发起</a:t>
             </a:r>
             <a:r>
-              <a:rPr lang="en-US" altLang="zh-CN" sz="2000" dirty="0" smtClean="0">
+              <a:rPr lang="en-US" altLang="zh-CN" sz="2000" dirty="0">
                 <a:latin typeface="微软雅黑" panose="020B0503020204020204" pitchFamily="34" charset="-122"/>
                 <a:ea typeface="微软雅黑" panose="020B0503020204020204" pitchFamily="34" charset="-122"/>
               </a:rPr>
               <a:t>http</a:t>
             </a:r>
             <a:r>
-              <a:rPr lang="zh-CN" altLang="en-US" sz="2000" dirty="0" smtClean="0">
+              <a:rPr lang="zh-CN" altLang="en-US" sz="2000" dirty="0">
                 <a:latin typeface="微软雅黑" panose="020B0503020204020204" pitchFamily="34" charset="-122"/>
                 <a:ea typeface="微软雅黑" panose="020B0503020204020204" pitchFamily="34" charset="-122"/>
               </a:rPr>
               <a:t>请求。</a:t>
             </a:r>
-            <a:endParaRPr lang="en-US" altLang="zh-CN" sz="2000" dirty="0" smtClean="0">
+            <a:endParaRPr lang="en-US" altLang="zh-CN" sz="2000" dirty="0">
               <a:latin typeface="微软雅黑" panose="020B0503020204020204" pitchFamily="34" charset="-122"/>
               <a:ea typeface="微软雅黑" panose="020B0503020204020204" pitchFamily="34" charset="-122"/>
             </a:endParaRPr>
@@ -13060,55 +13040,48 @@
               <a:buChar char="•"/>
             </a:pPr>
             <a:r>
-              <a:rPr lang="en-US" altLang="zh-CN" sz="2000" dirty="0" smtClean="0">
+              <a:rPr lang="en-US" altLang="zh-CN" sz="2000" dirty="0">
                 <a:latin typeface="微软雅黑" panose="020B0503020204020204" pitchFamily="34" charset="-122"/>
                 <a:ea typeface="微软雅黑" panose="020B0503020204020204" pitchFamily="34" charset="-122"/>
               </a:rPr>
               <a:t>PHP</a:t>
             </a:r>
             <a:r>
-              <a:rPr lang="zh-CN" altLang="en-US" sz="2000" dirty="0" smtClean="0">
+              <a:rPr lang="zh-CN" altLang="en-US" sz="2000" dirty="0">
                 <a:latin typeface="微软雅黑" panose="020B0503020204020204" pitchFamily="34" charset="-122"/>
                 <a:ea typeface="微软雅黑" panose="020B0503020204020204" pitchFamily="34" charset="-122"/>
               </a:rPr>
               <a:t>调用微信接口需要使用</a:t>
             </a:r>
             <a:r>
-              <a:rPr lang="en-US" altLang="zh-CN" sz="2000" dirty="0" smtClean="0">
+              <a:rPr lang="en-US" altLang="zh-CN" sz="2000" dirty="0">
                 <a:latin typeface="微软雅黑" panose="020B0503020204020204" pitchFamily="34" charset="-122"/>
                 <a:ea typeface="微软雅黑" panose="020B0503020204020204" pitchFamily="34" charset="-122"/>
               </a:rPr>
               <a:t>curl</a:t>
             </a:r>
             <a:r>
-              <a:rPr lang="zh-CN" altLang="en-US" sz="2000" dirty="0" smtClean="0">
+              <a:rPr lang="zh-CN" altLang="en-US" sz="2000" dirty="0">
                 <a:latin typeface="微软雅黑" panose="020B0503020204020204" pitchFamily="34" charset="-122"/>
                 <a:ea typeface="微软雅黑" panose="020B0503020204020204" pitchFamily="34" charset="-122"/>
               </a:rPr>
               <a:t>扩展或是基于</a:t>
             </a:r>
             <a:r>
-              <a:rPr lang="en-US" altLang="zh-CN" sz="2000" dirty="0" smtClean="0">
+              <a:rPr lang="en-US" altLang="zh-CN" sz="2000" dirty="0">
                 <a:latin typeface="微软雅黑" panose="020B0503020204020204" pitchFamily="34" charset="-122"/>
                 <a:ea typeface="微软雅黑" panose="020B0503020204020204" pitchFamily="34" charset="-122"/>
               </a:rPr>
               <a:t>curl</a:t>
             </a:r>
             <a:r>
-              <a:rPr lang="zh-CN" altLang="en-US" sz="2000" dirty="0" smtClean="0">
-                <a:latin typeface="微软雅黑" panose="020B0503020204020204" pitchFamily="34" charset="-122"/>
-                <a:ea typeface="微软雅黑" panose="020B0503020204020204" pitchFamily="34" charset="-122"/>
-              </a:rPr>
-              <a:t>的第三方库</a:t>
-            </a:r>
-            <a:r>
-              <a:rPr lang="zh-CN" altLang="en-US" sz="2000" dirty="0" smtClean="0">
-                <a:latin typeface="微软雅黑" panose="020B0503020204020204" pitchFamily="34" charset="-122"/>
-                <a:ea typeface="微软雅黑" panose="020B0503020204020204" pitchFamily="34" charset="-122"/>
-              </a:rPr>
-              <a:t>。</a:t>
-            </a:r>
-            <a:endParaRPr lang="en-US" altLang="zh-CN" sz="2000" dirty="0" smtClean="0">
+              <a:rPr lang="zh-CN" altLang="en-US" sz="2000" dirty="0">
+                <a:latin typeface="微软雅黑" panose="020B0503020204020204" pitchFamily="34" charset="-122"/>
+                <a:ea typeface="微软雅黑" panose="020B0503020204020204" pitchFamily="34" charset="-122"/>
+              </a:rPr>
+              <a:t>的第三方库。</a:t>
+            </a:r>
+            <a:endParaRPr lang="en-US" altLang="zh-CN" sz="2000" dirty="0">
               <a:latin typeface="微软雅黑" panose="020B0503020204020204" pitchFamily="34" charset="-122"/>
               <a:ea typeface="微软雅黑" panose="020B0503020204020204" pitchFamily="34" charset="-122"/>
             </a:endParaRPr>
@@ -13122,27 +13095,27 @@
               <a:buChar char="•"/>
             </a:pPr>
             <a:r>
-              <a:rPr lang="zh-CN" altLang="en-US" sz="2000" dirty="0" smtClean="0">
+              <a:rPr lang="zh-CN" altLang="en-US" sz="2000" dirty="0">
                 <a:latin typeface="微软雅黑" panose="020B0503020204020204" pitchFamily="34" charset="-122"/>
                 <a:ea typeface="微软雅黑" panose="020B0503020204020204" pitchFamily="34" charset="-122"/>
               </a:rPr>
               <a:t>使用</a:t>
             </a:r>
             <a:r>
-              <a:rPr lang="en-US" altLang="zh-CN" sz="2000" dirty="0" smtClean="0">
+              <a:rPr lang="en-US" altLang="zh-CN" sz="2000" dirty="0">
                 <a:latin typeface="微软雅黑" panose="020B0503020204020204" pitchFamily="34" charset="-122"/>
                 <a:ea typeface="微软雅黑" panose="020B0503020204020204" pitchFamily="34" charset="-122"/>
               </a:rPr>
               <a:t>CURL</a:t>
             </a:r>
             <a:r>
-              <a:rPr lang="zh-CN" altLang="en-US" sz="2000" dirty="0" smtClean="0">
+              <a:rPr lang="zh-CN" altLang="en-US" sz="2000" dirty="0">
                 <a:latin typeface="微软雅黑" panose="020B0503020204020204" pitchFamily="34" charset="-122"/>
                 <a:ea typeface="微软雅黑" panose="020B0503020204020204" pitchFamily="34" charset="-122"/>
               </a:rPr>
               <a:t>与浏览器访问网站：</a:t>
             </a:r>
-            <a:endParaRPr lang="en-US" altLang="zh-CN" sz="2000" dirty="0" smtClean="0">
+            <a:endParaRPr lang="en-US" altLang="zh-CN" sz="2000" dirty="0">
               <a:latin typeface="微软雅黑" panose="020B0503020204020204" pitchFamily="34" charset="-122"/>
               <a:ea typeface="微软雅黑" panose="020B0503020204020204" pitchFamily="34" charset="-122"/>
             </a:endParaRPr>
@@ -13154,77 +13127,63 @@
               </a:lnSpc>
             </a:pPr>
             <a:r>
-              <a:rPr lang="zh-CN" altLang="en-US" sz="2000" dirty="0" smtClean="0">
-                <a:latin typeface="微软雅黑" panose="020B0503020204020204" pitchFamily="34" charset="-122"/>
-                <a:ea typeface="微软雅黑" panose="020B0503020204020204" pitchFamily="34" charset="-122"/>
-              </a:rPr>
-              <a:t>在</a:t>
-            </a:r>
-            <a:r>
               <a:rPr lang="zh-CN" altLang="en-US" sz="2000" dirty="0">
                 <a:latin typeface="微软雅黑" panose="020B0503020204020204" pitchFamily="34" charset="-122"/>
                 <a:ea typeface="微软雅黑" panose="020B0503020204020204" pitchFamily="34" charset="-122"/>
               </a:rPr>
-              <a:t>浏览器</a:t>
-            </a:r>
-            <a:r>
-              <a:rPr lang="zh-CN" altLang="en-US" sz="2000" dirty="0" smtClean="0">
-                <a:latin typeface="微软雅黑" panose="020B0503020204020204" pitchFamily="34" charset="-122"/>
-                <a:ea typeface="微软雅黑" panose="020B0503020204020204" pitchFamily="34" charset="-122"/>
-              </a:rPr>
-              <a:t>上输入网址后，是浏览器发起的</a:t>
-            </a:r>
-            <a:r>
-              <a:rPr lang="en-US" altLang="zh-CN" sz="2000" dirty="0" smtClean="0">
+              <a:t>在浏览器上输入网址后，是浏览器发起的</a:t>
+            </a:r>
+            <a:r>
+              <a:rPr lang="en-US" altLang="zh-CN" sz="2000" dirty="0">
                 <a:latin typeface="微软雅黑" panose="020B0503020204020204" pitchFamily="34" charset="-122"/>
                 <a:ea typeface="微软雅黑" panose="020B0503020204020204" pitchFamily="34" charset="-122"/>
               </a:rPr>
               <a:t>http</a:t>
             </a:r>
             <a:r>
-              <a:rPr lang="zh-CN" altLang="en-US" sz="2000" dirty="0" smtClean="0">
+              <a:rPr lang="zh-CN" altLang="en-US" sz="2000" dirty="0">
                 <a:latin typeface="微软雅黑" panose="020B0503020204020204" pitchFamily="34" charset="-122"/>
                 <a:ea typeface="微软雅黑" panose="020B0503020204020204" pitchFamily="34" charset="-122"/>
               </a:rPr>
               <a:t>请求获取数据，现在进行微信接口调用，无法使用浏览器实现，需要程序发起</a:t>
             </a:r>
             <a:r>
-              <a:rPr lang="en-US" altLang="zh-CN" sz="2000" dirty="0" smtClean="0">
+              <a:rPr lang="en-US" altLang="zh-CN" sz="2000" dirty="0">
                 <a:latin typeface="微软雅黑" panose="020B0503020204020204" pitchFamily="34" charset="-122"/>
                 <a:ea typeface="微软雅黑" panose="020B0503020204020204" pitchFamily="34" charset="-122"/>
               </a:rPr>
               <a:t>http</a:t>
             </a:r>
             <a:r>
-              <a:rPr lang="zh-CN" altLang="en-US" sz="2000" dirty="0" smtClean="0">
+              <a:rPr lang="zh-CN" altLang="en-US" sz="2000" dirty="0">
                 <a:latin typeface="微软雅黑" panose="020B0503020204020204" pitchFamily="34" charset="-122"/>
                 <a:ea typeface="微软雅黑" panose="020B0503020204020204" pitchFamily="34" charset="-122"/>
               </a:rPr>
               <a:t>请求获取数据，此时</a:t>
             </a:r>
             <a:r>
-              <a:rPr lang="en-US" altLang="zh-CN" sz="2000" dirty="0" smtClean="0">
+              <a:rPr lang="en-US" altLang="zh-CN" sz="2000" dirty="0">
                 <a:latin typeface="微软雅黑" panose="020B0503020204020204" pitchFamily="34" charset="-122"/>
                 <a:ea typeface="微软雅黑" panose="020B0503020204020204" pitchFamily="34" charset="-122"/>
               </a:rPr>
               <a:t>CURL</a:t>
             </a:r>
             <a:r>
-              <a:rPr lang="zh-CN" altLang="en-US" sz="2000" dirty="0" smtClean="0">
+              <a:rPr lang="zh-CN" altLang="en-US" sz="2000" dirty="0">
                 <a:latin typeface="微软雅黑" panose="020B0503020204020204" pitchFamily="34" charset="-122"/>
                 <a:ea typeface="微软雅黑" panose="020B0503020204020204" pitchFamily="34" charset="-122"/>
               </a:rPr>
               <a:t>就像是浏览器，提供了</a:t>
             </a:r>
             <a:r>
-              <a:rPr lang="en-US" altLang="zh-CN" sz="2000" dirty="0" smtClean="0">
+              <a:rPr lang="en-US" altLang="zh-CN" sz="2000" dirty="0">
                 <a:latin typeface="微软雅黑" panose="020B0503020204020204" pitchFamily="34" charset="-122"/>
                 <a:ea typeface="微软雅黑" panose="020B0503020204020204" pitchFamily="34" charset="-122"/>
               </a:rPr>
               <a:t>http</a:t>
             </a:r>
             <a:r>
-              <a:rPr lang="zh-CN" altLang="en-US" sz="2000" dirty="0" smtClean="0">
+              <a:rPr lang="zh-CN" altLang="en-US" sz="2000" dirty="0">
                 <a:latin typeface="微软雅黑" panose="020B0503020204020204" pitchFamily="34" charset="-122"/>
                 <a:ea typeface="微软雅黑" panose="020B0503020204020204" pitchFamily="34" charset="-122"/>
               </a:rPr>
@@ -13247,13 +13206,6 @@
   <p:clrMapOvr>
     <a:masterClrMapping/>
   </p:clrMapOvr>
-  <p:timing>
-    <p:tnLst>
-      <p:par>
-        <p:cTn id="1" dur="indefinite" restart="never" nodeType="tmRoot"/>
-      </p:par>
-    </p:tnLst>
-  </p:timing>
 </p:sld>
 </file>
 
@@ -13295,18 +13247,14 @@
           <a:lstStyle/>
           <a:p>
             <a:r>
-              <a:rPr lang="zh-CN" altLang="en-US" dirty="0"/>
-              <a:t>如何</a:t>
-            </a:r>
-            <a:r>
-              <a:rPr lang="zh-CN" altLang="en-US" dirty="0" smtClean="0"/>
-              <a:t>使用</a:t>
-            </a:r>
-            <a:r>
-              <a:rPr lang="en-US" altLang="zh-CN" dirty="0" smtClean="0"/>
+              <a:rPr lang="zh-CN" altLang="en-US" b="0" dirty="0"/>
+              <a:t>如何使用</a:t>
+            </a:r>
+            <a:r>
+              <a:rPr lang="en-US" altLang="zh-CN" b="0" dirty="0"/>
               <a:t>CURL</a:t>
             </a:r>
-            <a:endParaRPr lang="zh-CN" altLang="en-US" dirty="0"/>
+            <a:endParaRPr lang="zh-CN" altLang="en-US" b="0" dirty="0"/>
           </a:p>
         </p:txBody>
       </p:sp>
@@ -13344,30 +13292,23 @@
                 <a:latin typeface="微软雅黑" panose="020B0503020204020204" pitchFamily="34" charset="-122"/>
                 <a:ea typeface="微软雅黑" panose="020B0503020204020204" pitchFamily="34" charset="-122"/>
               </a:rPr>
-              <a:t>原</a:t>
-            </a:r>
-            <a:r>
-              <a:rPr lang="zh-CN" altLang="en-US" sz="2000" dirty="0" smtClean="0">
-                <a:latin typeface="微软雅黑" panose="020B0503020204020204" pitchFamily="34" charset="-122"/>
-                <a:ea typeface="微软雅黑" panose="020B0503020204020204" pitchFamily="34" charset="-122"/>
-              </a:rPr>
-              <a:t>生</a:t>
-            </a:r>
-            <a:r>
-              <a:rPr lang="en-US" altLang="zh-CN" sz="2000" dirty="0" smtClean="0">
+              <a:t>原生</a:t>
+            </a:r>
+            <a:r>
+              <a:rPr lang="en-US" altLang="zh-CN" sz="2000" dirty="0">
                 <a:latin typeface="微软雅黑" panose="020B0503020204020204" pitchFamily="34" charset="-122"/>
                 <a:ea typeface="微软雅黑" panose="020B0503020204020204" pitchFamily="34" charset="-122"/>
               </a:rPr>
               <a:t>CURL</a:t>
             </a:r>
             <a:r>
-              <a:rPr lang="zh-CN" altLang="en-US" sz="2000" dirty="0" smtClean="0">
+              <a:rPr lang="zh-CN" altLang="en-US" sz="2000" dirty="0">
                 <a:latin typeface="微软雅黑" panose="020B0503020204020204" pitchFamily="34" charset="-122"/>
                 <a:ea typeface="微软雅黑" panose="020B0503020204020204" pitchFamily="34" charset="-122"/>
               </a:rPr>
               <a:t>的使用流程：</a:t>
             </a:r>
-            <a:endParaRPr lang="en-US" altLang="zh-CN" sz="2000" dirty="0" smtClean="0">
+            <a:endParaRPr lang="en-US" altLang="zh-CN" sz="2000" dirty="0">
               <a:latin typeface="微软雅黑" panose="020B0503020204020204" pitchFamily="34" charset="-122"/>
               <a:ea typeface="微软雅黑" panose="020B0503020204020204" pitchFamily="34" charset="-122"/>
             </a:endParaRPr>
@@ -13379,20 +13320,20 @@
               </a:lnSpc>
             </a:pPr>
             <a:r>
-              <a:rPr lang="en-US" altLang="zh-CN" sz="2000" dirty="0" err="1" smtClean="0">
+              <a:rPr lang="en-US" altLang="zh-CN" sz="2000" dirty="0" err="1">
                 <a:latin typeface="微软雅黑" panose="020B0503020204020204" pitchFamily="34" charset="-122"/>
                 <a:ea typeface="微软雅黑" panose="020B0503020204020204" pitchFamily="34" charset="-122"/>
               </a:rPr>
               <a:t>curl_init</a:t>
             </a:r>
             <a:r>
-              <a:rPr lang="zh-CN" altLang="en-US" sz="2000" dirty="0" smtClean="0">
+              <a:rPr lang="zh-CN" altLang="en-US" sz="2000" dirty="0">
                 <a:latin typeface="微软雅黑" panose="020B0503020204020204" pitchFamily="34" charset="-122"/>
                 <a:ea typeface="微软雅黑" panose="020B0503020204020204" pitchFamily="34" charset="-122"/>
               </a:rPr>
               <a:t>初始化连接</a:t>
             </a:r>
-            <a:endParaRPr lang="en-US" altLang="zh-CN" sz="2000" dirty="0" smtClean="0">
+            <a:endParaRPr lang="en-US" altLang="zh-CN" sz="2000" dirty="0">
               <a:latin typeface="微软雅黑" panose="020B0503020204020204" pitchFamily="34" charset="-122"/>
               <a:ea typeface="微软雅黑" panose="020B0503020204020204" pitchFamily="34" charset="-122"/>
             </a:endParaRPr>
@@ -13404,20 +13345,20 @@
               </a:lnSpc>
             </a:pPr>
             <a:r>
-              <a:rPr lang="en-US" altLang="zh-CN" sz="2000" dirty="0" err="1" smtClean="0">
+              <a:rPr lang="en-US" altLang="zh-CN" sz="2000" dirty="0" err="1">
                 <a:latin typeface="微软雅黑" panose="020B0503020204020204" pitchFamily="34" charset="-122"/>
                 <a:ea typeface="微软雅黑" panose="020B0503020204020204" pitchFamily="34" charset="-122"/>
               </a:rPr>
               <a:t>curl_setopt</a:t>
             </a:r>
             <a:r>
-              <a:rPr lang="zh-CN" altLang="en-US" sz="2000" dirty="0" smtClean="0">
+              <a:rPr lang="zh-CN" altLang="en-US" sz="2000" dirty="0">
                 <a:latin typeface="微软雅黑" panose="020B0503020204020204" pitchFamily="34" charset="-122"/>
                 <a:ea typeface="微软雅黑" panose="020B0503020204020204" pitchFamily="34" charset="-122"/>
               </a:rPr>
               <a:t>设置选项值</a:t>
             </a:r>
-            <a:endParaRPr lang="en-US" altLang="zh-CN" sz="2000" dirty="0" smtClean="0">
+            <a:endParaRPr lang="en-US" altLang="zh-CN" sz="2000" dirty="0">
               <a:latin typeface="微软雅黑" panose="020B0503020204020204" pitchFamily="34" charset="-122"/>
               <a:ea typeface="微软雅黑" panose="020B0503020204020204" pitchFamily="34" charset="-122"/>
             </a:endParaRPr>
@@ -13429,20 +13370,20 @@
               </a:lnSpc>
             </a:pPr>
             <a:r>
-              <a:rPr lang="en-US" altLang="zh-CN" sz="2000" dirty="0" err="1" smtClean="0">
+              <a:rPr lang="en-US" altLang="zh-CN" sz="2000" dirty="0" err="1">
                 <a:latin typeface="微软雅黑" panose="020B0503020204020204" pitchFamily="34" charset="-122"/>
                 <a:ea typeface="微软雅黑" panose="020B0503020204020204" pitchFamily="34" charset="-122"/>
               </a:rPr>
               <a:t>curl_exec</a:t>
             </a:r>
             <a:r>
-              <a:rPr lang="zh-CN" altLang="en-US" sz="2000" dirty="0" smtClean="0">
+              <a:rPr lang="zh-CN" altLang="en-US" sz="2000" dirty="0">
                 <a:latin typeface="微软雅黑" panose="020B0503020204020204" pitchFamily="34" charset="-122"/>
                 <a:ea typeface="微软雅黑" panose="020B0503020204020204" pitchFamily="34" charset="-122"/>
               </a:rPr>
               <a:t>运行连接结果</a:t>
             </a:r>
-            <a:endParaRPr lang="en-US" altLang="zh-CN" sz="2000" dirty="0" smtClean="0">
+            <a:endParaRPr lang="en-US" altLang="zh-CN" sz="2000" dirty="0">
               <a:latin typeface="微软雅黑" panose="020B0503020204020204" pitchFamily="34" charset="-122"/>
               <a:ea typeface="微软雅黑" panose="020B0503020204020204" pitchFamily="34" charset="-122"/>
             </a:endParaRPr>
@@ -13454,20 +13395,20 @@
               </a:lnSpc>
             </a:pPr>
             <a:r>
-              <a:rPr lang="en-US" altLang="zh-CN" sz="2000" dirty="0" err="1" smtClean="0">
+              <a:rPr lang="en-US" altLang="zh-CN" sz="2000" dirty="0" err="1">
                 <a:latin typeface="微软雅黑" panose="020B0503020204020204" pitchFamily="34" charset="-122"/>
                 <a:ea typeface="微软雅黑" panose="020B0503020204020204" pitchFamily="34" charset="-122"/>
               </a:rPr>
               <a:t>curl_close</a:t>
             </a:r>
             <a:r>
-              <a:rPr lang="zh-CN" altLang="en-US" sz="2000" dirty="0" smtClean="0">
+              <a:rPr lang="zh-CN" altLang="en-US" sz="2000" dirty="0">
                 <a:latin typeface="微软雅黑" panose="020B0503020204020204" pitchFamily="34" charset="-122"/>
                 <a:ea typeface="微软雅黑" panose="020B0503020204020204" pitchFamily="34" charset="-122"/>
               </a:rPr>
               <a:t>关闭连接。</a:t>
             </a:r>
-            <a:endParaRPr lang="en-US" altLang="zh-CN" sz="2000" dirty="0" smtClean="0">
+            <a:endParaRPr lang="en-US" altLang="zh-CN" sz="2000" dirty="0">
               <a:latin typeface="微软雅黑" panose="020B0503020204020204" pitchFamily="34" charset="-122"/>
               <a:ea typeface="微软雅黑" panose="020B0503020204020204" pitchFamily="34" charset="-122"/>
             </a:endParaRPr>
@@ -13483,16 +13424,9 @@
                 <a:latin typeface="微软雅黑" panose="020B0503020204020204" pitchFamily="34" charset="-122"/>
                 <a:ea typeface="微软雅黑" panose="020B0503020204020204" pitchFamily="34" charset="-122"/>
               </a:rPr>
-              <a:t>输出</a:t>
-            </a:r>
-            <a:r>
-              <a:rPr lang="zh-CN" altLang="en-US" sz="2000" dirty="0" smtClean="0">
-                <a:latin typeface="微软雅黑" panose="020B0503020204020204" pitchFamily="34" charset="-122"/>
-                <a:ea typeface="微软雅黑" panose="020B0503020204020204" pitchFamily="34" charset="-122"/>
-              </a:rPr>
-              <a:t>结果。</a:t>
-            </a:r>
-            <a:endParaRPr lang="en-US" altLang="zh-CN" sz="2000" dirty="0" smtClean="0">
+              <a:t>输出结果。</a:t>
+            </a:r>
+            <a:endParaRPr lang="en-US" altLang="zh-CN" sz="2000" dirty="0">
               <a:latin typeface="微软雅黑" panose="020B0503020204020204" pitchFamily="34" charset="-122"/>
               <a:ea typeface="微软雅黑" panose="020B0503020204020204" pitchFamily="34" charset="-122"/>
             </a:endParaRPr>
@@ -13503,7 +13437,7 @@
                 <a:spcPct val="150000"/>
               </a:lnSpc>
             </a:pPr>
-            <a:endParaRPr lang="en-US" altLang="zh-CN" dirty="0" smtClean="0">
+            <a:endParaRPr lang="en-US" altLang="zh-CN" dirty="0">
               <a:latin typeface="微软雅黑" panose="020B0503020204020204" pitchFamily="34" charset="-122"/>
               <a:ea typeface="微软雅黑" panose="020B0503020204020204" pitchFamily="34" charset="-122"/>
             </a:endParaRPr>
@@ -13561,22 +13495,17 @@
           <a:lstStyle/>
           <a:p>
             <a:r>
-              <a:rPr lang="zh-CN" altLang="en-US" dirty="0"/>
-              <a:t>原</a:t>
-            </a:r>
-            <a:r>
-              <a:rPr lang="zh-CN" altLang="en-US" dirty="0" smtClean="0"/>
-              <a:t>生</a:t>
-            </a:r>
-            <a:r>
-              <a:rPr lang="en-US" altLang="zh-CN" dirty="0" smtClean="0"/>
+              <a:rPr lang="zh-CN" altLang="en-US" b="0" dirty="0"/>
+              <a:t>原生</a:t>
+            </a:r>
+            <a:r>
+              <a:rPr lang="en-US" altLang="zh-CN" b="0" dirty="0"/>
               <a:t>CURL</a:t>
             </a:r>
             <a:r>
-              <a:rPr lang="zh-CN" altLang="en-US" dirty="0" smtClean="0"/>
+              <a:rPr lang="zh-CN" altLang="en-US" b="0" dirty="0"/>
               <a:t>示例</a:t>
             </a:r>
-            <a:endParaRPr lang="zh-CN" altLang="en-US" dirty="0"/>
           </a:p>
         </p:txBody>
       </p:sp>
@@ -13608,7 +13537,7 @@
               </a:lnSpc>
             </a:pPr>
             <a:r>
-              <a:rPr lang="en-US" altLang="zh-CN" dirty="0" smtClean="0">
+              <a:rPr lang="en-US" altLang="zh-CN" dirty="0">
                 <a:latin typeface="Microsoft JhengHei" panose="020B0604030504040204" pitchFamily="34" charset="-120"/>
                 <a:ea typeface="Microsoft JhengHei" panose="020B0604030504040204" pitchFamily="34" charset="-120"/>
               </a:rPr>
@@ -13647,19 +13576,8 @@
                 <a:latin typeface="Microsoft JhengHei" panose="020B0604030504040204" pitchFamily="34" charset="-120"/>
                 <a:ea typeface="Microsoft JhengHei" panose="020B0604030504040204" pitchFamily="34" charset="-120"/>
               </a:rPr>
-              <a:t>('http://www.baidu.com</a:t>
-            </a:r>
-            <a:r>
-              <a:rPr lang="en-US" altLang="zh-CN" dirty="0" smtClean="0">
-                <a:latin typeface="Microsoft JhengHei" panose="020B0604030504040204" pitchFamily="34" charset="-120"/>
-                <a:ea typeface="Microsoft JhengHei" panose="020B0604030504040204" pitchFamily="34" charset="-120"/>
-              </a:rPr>
-              <a:t>');</a:t>
-            </a:r>
-            <a:endParaRPr lang="en-US" altLang="zh-CN" dirty="0">
-              <a:latin typeface="Microsoft JhengHei" panose="020B0604030504040204" pitchFamily="34" charset="-120"/>
-              <a:ea typeface="Microsoft JhengHei" panose="020B0604030504040204" pitchFamily="34" charset="-120"/>
-            </a:endParaRPr>
+              <a:t>('http://www.baidu.com');</a:t>
+            </a:r>
           </a:p>
           <a:p>
             <a:pPr>
@@ -13731,16 +13649,12 @@
               <a:t>c,CURLOPT_RETURNTRANSFER,true</a:t>
             </a:r>
             <a:r>
-              <a:rPr lang="en-US" altLang="zh-CN" dirty="0" smtClean="0">
+              <a:rPr lang="en-US" altLang="zh-CN" dirty="0">
                 <a:latin typeface="Microsoft JhengHei" panose="020B0604030504040204" pitchFamily="34" charset="-120"/>
                 <a:ea typeface="Microsoft JhengHei" panose="020B0604030504040204" pitchFamily="34" charset="-120"/>
               </a:rPr>
               <a:t>);</a:t>
             </a:r>
-            <a:endParaRPr lang="en-US" altLang="zh-CN" dirty="0">
-              <a:latin typeface="Microsoft JhengHei" panose="020B0604030504040204" pitchFamily="34" charset="-120"/>
-              <a:ea typeface="Microsoft JhengHei" panose="020B0604030504040204" pitchFamily="34" charset="-120"/>
-            </a:endParaRPr>
           </a:p>
           <a:p>
             <a:pPr>
@@ -13847,16 +13761,12 @@
               <a:t>c,CURLOPT_SSL_VERIFYPEER,false</a:t>
             </a:r>
             <a:r>
-              <a:rPr lang="en-US" altLang="zh-CN" dirty="0" smtClean="0">
+              <a:rPr lang="en-US" altLang="zh-CN" dirty="0">
                 <a:latin typeface="Microsoft JhengHei" panose="020B0604030504040204" pitchFamily="34" charset="-120"/>
                 <a:ea typeface="Microsoft JhengHei" panose="020B0604030504040204" pitchFamily="34" charset="-120"/>
               </a:rPr>
               <a:t>);</a:t>
             </a:r>
-            <a:endParaRPr lang="en-US" altLang="zh-CN" dirty="0">
-              <a:latin typeface="Microsoft JhengHei" panose="020B0604030504040204" pitchFamily="34" charset="-120"/>
-              <a:ea typeface="Microsoft JhengHei" panose="020B0604030504040204" pitchFamily="34" charset="-120"/>
-            </a:endParaRPr>
           </a:p>
           <a:p>
             <a:pPr>
@@ -13904,19 +13814,8 @@
                 <a:latin typeface="Microsoft JhengHei" panose="020B0604030504040204" pitchFamily="34" charset="-120"/>
                 <a:ea typeface="Microsoft JhengHei" panose="020B0604030504040204" pitchFamily="34" charset="-120"/>
               </a:rPr>
-              <a:t>($c</a:t>
-            </a:r>
-            <a:r>
-              <a:rPr lang="en-US" altLang="zh-CN" dirty="0" smtClean="0">
-                <a:latin typeface="Microsoft JhengHei" panose="020B0604030504040204" pitchFamily="34" charset="-120"/>
-                <a:ea typeface="Microsoft JhengHei" panose="020B0604030504040204" pitchFamily="34" charset="-120"/>
-              </a:rPr>
-              <a:t>);</a:t>
-            </a:r>
-            <a:endParaRPr lang="en-US" altLang="zh-CN" dirty="0">
-              <a:latin typeface="Microsoft JhengHei" panose="020B0604030504040204" pitchFamily="34" charset="-120"/>
-              <a:ea typeface="Microsoft JhengHei" panose="020B0604030504040204" pitchFamily="34" charset="-120"/>
-            </a:endParaRPr>
+              <a:t>($c);</a:t>
+            </a:r>
           </a:p>
           <a:p>
             <a:pPr>
@@ -13957,19 +13856,8 @@
                 <a:latin typeface="Microsoft JhengHei" panose="020B0604030504040204" pitchFamily="34" charset="-120"/>
                 <a:ea typeface="Microsoft JhengHei" panose="020B0604030504040204" pitchFamily="34" charset="-120"/>
               </a:rPr>
-              <a:t>($c</a:t>
-            </a:r>
-            <a:r>
-              <a:rPr lang="en-US" altLang="zh-CN" dirty="0" smtClean="0">
-                <a:latin typeface="Microsoft JhengHei" panose="020B0604030504040204" pitchFamily="34" charset="-120"/>
-                <a:ea typeface="Microsoft JhengHei" panose="020B0604030504040204" pitchFamily="34" charset="-120"/>
-              </a:rPr>
-              <a:t>);</a:t>
-            </a:r>
-            <a:endParaRPr lang="en-US" altLang="zh-CN" dirty="0">
-              <a:latin typeface="Microsoft JhengHei" panose="020B0604030504040204" pitchFamily="34" charset="-120"/>
-              <a:ea typeface="Microsoft JhengHei" panose="020B0604030504040204" pitchFamily="34" charset="-120"/>
-            </a:endParaRPr>
+              <a:t>($c);</a:t>
+            </a:r>
           </a:p>
           <a:p>
             <a:pPr>
@@ -14022,19 +13910,8 @@
                 <a:latin typeface="微软雅黑" panose="020B0503020204020204" pitchFamily="34" charset="-122"/>
                 <a:ea typeface="微软雅黑" panose="020B0503020204020204" pitchFamily="34" charset="-122"/>
               </a:rPr>
-              <a:t>运行</a:t>
-            </a:r>
-            <a:r>
-              <a:rPr lang="zh-CN" altLang="en-US" sz="2000" dirty="0" smtClean="0">
-                <a:latin typeface="微软雅黑" panose="020B0503020204020204" pitchFamily="34" charset="-122"/>
-                <a:ea typeface="微软雅黑" panose="020B0503020204020204" pitchFamily="34" charset="-122"/>
-              </a:rPr>
-              <a:t>此示例会显示百度搜索页面。</a:t>
-            </a:r>
-            <a:endParaRPr lang="zh-CN" altLang="en-US" sz="2000" dirty="0">
-              <a:latin typeface="微软雅黑" panose="020B0503020204020204" pitchFamily="34" charset="-122"/>
-              <a:ea typeface="微软雅黑" panose="020B0503020204020204" pitchFamily="34" charset="-122"/>
-            </a:endParaRPr>
+              <a:t>运行此示例会显示百度搜索页面。</a:t>
+            </a:r>
           </a:p>
         </p:txBody>
       </p:sp>
@@ -14048,13 +13925,6 @@
   <p:clrMapOvr>
     <a:masterClrMapping/>
   </p:clrMapOvr>
-  <p:timing>
-    <p:tnLst>
-      <p:par>
-        <p:cTn id="1" dur="indefinite" restart="never" nodeType="tmRoot"/>
-      </p:par>
-    </p:tnLst>
-  </p:timing>
 </p:sld>
 </file>
 
@@ -14091,10 +13961,9 @@
           <a:lstStyle/>
           <a:p>
             <a:r>
-              <a:rPr lang="zh-CN" altLang="en-US" dirty="0" smtClean="0"/>
+              <a:rPr lang="zh-CN" altLang="en-US" b="0" dirty="0"/>
               <a:t>使用第三方扩展库</a:t>
             </a:r>
-            <a:endParaRPr lang="zh-CN" altLang="en-US" dirty="0"/>
           </a:p>
         </p:txBody>
       </p:sp>
@@ -14125,21 +13994,21 @@
               <a:buChar char="•"/>
             </a:pPr>
             <a:r>
-              <a:rPr lang="zh-CN" altLang="en-US" sz="2000" dirty="0" smtClean="0">
+              <a:rPr lang="zh-CN" altLang="en-US" sz="2000" dirty="0">
                 <a:latin typeface="微软雅黑" panose="020B0503020204020204" pitchFamily="34" charset="-122"/>
                 <a:ea typeface="微软雅黑" panose="020B0503020204020204" pitchFamily="34" charset="-122"/>
               </a:rPr>
               <a:t>使用</a:t>
             </a:r>
             <a:r>
-              <a:rPr lang="en-US" altLang="zh-CN" sz="2000" dirty="0" err="1" smtClean="0">
+              <a:rPr lang="en-US" altLang="zh-CN" sz="2000" dirty="0" err="1">
                 <a:latin typeface="微软雅黑" panose="020B0503020204020204" pitchFamily="34" charset="-122"/>
                 <a:ea typeface="微软雅黑" panose="020B0503020204020204" pitchFamily="34" charset="-122"/>
               </a:rPr>
               <a:t>anlutro</a:t>
             </a:r>
             <a:r>
-              <a:rPr lang="en-US" altLang="zh-CN" sz="2000" dirty="0" smtClean="0">
+              <a:rPr lang="en-US" altLang="zh-CN" sz="2000" dirty="0">
                 <a:latin typeface="微软雅黑" panose="020B0503020204020204" pitchFamily="34" charset="-122"/>
                 <a:ea typeface="微软雅黑" panose="020B0503020204020204" pitchFamily="34" charset="-122"/>
               </a:rPr>
@@ -14153,24 +14022,17 @@
                 <a:latin typeface="微软雅黑" panose="020B0503020204020204" pitchFamily="34" charset="-122"/>
                 <a:ea typeface="微软雅黑" panose="020B0503020204020204" pitchFamily="34" charset="-122"/>
               </a:rPr>
-              <a:t>composer </a:t>
-            </a:r>
-            <a:r>
-              <a:rPr lang="en-US" altLang="zh-CN" sz="2000" dirty="0" smtClean="0">
-                <a:latin typeface="微软雅黑" panose="020B0503020204020204" pitchFamily="34" charset="-122"/>
-                <a:ea typeface="微软雅黑" panose="020B0503020204020204" pitchFamily="34" charset="-122"/>
-              </a:rPr>
-              <a:t>require </a:t>
-            </a:r>
-            <a:r>
-              <a:rPr lang="en-US" altLang="zh-CN" sz="2000" dirty="0" err="1" smtClean="0">
+              <a:t>composer require </a:t>
+            </a:r>
+            <a:r>
+              <a:rPr lang="en-US" altLang="zh-CN" sz="2000" dirty="0" err="1">
                 <a:latin typeface="微软雅黑" panose="020B0503020204020204" pitchFamily="34" charset="-122"/>
                 <a:ea typeface="微软雅黑" panose="020B0503020204020204" pitchFamily="34" charset="-122"/>
               </a:rPr>
               <a:t>anlutro</a:t>
             </a:r>
             <a:r>
-              <a:rPr lang="en-US" altLang="zh-CN" sz="2000" dirty="0" smtClean="0">
+              <a:rPr lang="en-US" altLang="zh-CN" sz="2000" dirty="0">
                 <a:latin typeface="微软雅黑" panose="020B0503020204020204" pitchFamily="34" charset="-122"/>
                 <a:ea typeface="微软雅黑" panose="020B0503020204020204" pitchFamily="34" charset="-122"/>
               </a:rPr>
@@ -14183,13 +14045,13 @@
               <a:buChar char="•"/>
             </a:pPr>
             <a:r>
-              <a:rPr lang="zh-CN" altLang="en-US" sz="2000" dirty="0" smtClean="0">
+              <a:rPr lang="zh-CN" altLang="en-US" sz="2000" dirty="0">
                 <a:latin typeface="微软雅黑" panose="020B0503020204020204" pitchFamily="34" charset="-122"/>
                 <a:ea typeface="微软雅黑" panose="020B0503020204020204" pitchFamily="34" charset="-122"/>
               </a:rPr>
               <a:t>示例代码：</a:t>
             </a:r>
-            <a:endParaRPr lang="en-US" altLang="zh-CN" sz="2000" dirty="0" smtClean="0">
+            <a:endParaRPr lang="en-US" altLang="zh-CN" sz="2000" dirty="0">
               <a:latin typeface="微软雅黑" panose="020B0503020204020204" pitchFamily="34" charset="-122"/>
               <a:ea typeface="微软雅黑" panose="020B0503020204020204" pitchFamily="34" charset="-122"/>
             </a:endParaRPr>
@@ -14208,51 +14070,47 @@
               <a:t>use </a:t>
             </a:r>
             <a:r>
-              <a:rPr lang="en-US" altLang="zh-CN" sz="2000" dirty="0" err="1" smtClean="0">
+              <a:rPr lang="en-US" altLang="zh-CN" sz="2000" dirty="0" err="1">
                 <a:latin typeface="Microsoft JhengHei" panose="020B0604030504040204" pitchFamily="34" charset="-120"/>
                 <a:ea typeface="Microsoft JhengHei" panose="020B0604030504040204" pitchFamily="34" charset="-120"/>
               </a:rPr>
               <a:t>anlutro</a:t>
             </a:r>
             <a:r>
-              <a:rPr lang="en-US" altLang="zh-CN" sz="2000" dirty="0" smtClean="0">
+              <a:rPr lang="en-US" altLang="zh-CN" sz="2000" dirty="0">
                 <a:latin typeface="Microsoft JhengHei" panose="020B0604030504040204" pitchFamily="34" charset="-120"/>
                 <a:ea typeface="Microsoft JhengHei" panose="020B0604030504040204" pitchFamily="34" charset="-120"/>
               </a:rPr>
               <a:t>\</a:t>
             </a:r>
             <a:r>
-              <a:rPr lang="en-US" altLang="zh-CN" sz="2000" dirty="0" err="1" smtClean="0">
+              <a:rPr lang="en-US" altLang="zh-CN" sz="2000" dirty="0" err="1">
                 <a:latin typeface="Microsoft JhengHei" panose="020B0604030504040204" pitchFamily="34" charset="-120"/>
                 <a:ea typeface="Microsoft JhengHei" panose="020B0604030504040204" pitchFamily="34" charset="-120"/>
               </a:rPr>
               <a:t>cURL</a:t>
             </a:r>
             <a:r>
-              <a:rPr lang="en-US" altLang="zh-CN" sz="2000" dirty="0" smtClean="0">
+              <a:rPr lang="en-US" altLang="zh-CN" sz="2000" dirty="0">
                 <a:latin typeface="Microsoft JhengHei" panose="020B0604030504040204" pitchFamily="34" charset="-120"/>
                 <a:ea typeface="Microsoft JhengHei" panose="020B0604030504040204" pitchFamily="34" charset="-120"/>
               </a:rPr>
               <a:t>\</a:t>
             </a:r>
             <a:r>
-              <a:rPr lang="en-US" altLang="zh-CN" sz="2000" dirty="0" err="1" smtClean="0">
+              <a:rPr lang="en-US" altLang="zh-CN" sz="2000" dirty="0" err="1">
                 <a:latin typeface="Microsoft JhengHei" panose="020B0604030504040204" pitchFamily="34" charset="-120"/>
                 <a:ea typeface="Microsoft JhengHei" panose="020B0604030504040204" pitchFamily="34" charset="-120"/>
               </a:rPr>
               <a:t>cURL</a:t>
             </a:r>
             <a:r>
-              <a:rPr lang="en-US" altLang="zh-CN" sz="2000" dirty="0" smtClean="0">
+              <a:rPr lang="en-US" altLang="zh-CN" sz="2000" dirty="0">
                 <a:latin typeface="Microsoft JhengHei" panose="020B0604030504040204" pitchFamily="34" charset="-120"/>
                 <a:ea typeface="Microsoft JhengHei" panose="020B0604030504040204" pitchFamily="34" charset="-120"/>
               </a:rPr>
               <a:t>;</a:t>
             </a:r>
-            <a:endParaRPr lang="en-US" altLang="zh-CN" sz="2000" dirty="0">
-              <a:latin typeface="Microsoft JhengHei" panose="020B0604030504040204" pitchFamily="34" charset="-120"/>
-              <a:ea typeface="Microsoft JhengHei" panose="020B0604030504040204" pitchFamily="34" charset="-120"/>
-            </a:endParaRPr>
           </a:p>
           <a:p>
             <a:pPr lvl="1">
@@ -14296,35 +14154,35 @@
               <a:t>$curl = new </a:t>
             </a:r>
             <a:r>
-              <a:rPr lang="en-US" altLang="zh-CN" sz="2000" dirty="0" err="1" smtClean="0">
+              <a:rPr lang="en-US" altLang="zh-CN" sz="2000" dirty="0" err="1">
                 <a:latin typeface="Microsoft JhengHei" panose="020B0604030504040204" pitchFamily="34" charset="-120"/>
                 <a:ea typeface="Microsoft JhengHei" panose="020B0604030504040204" pitchFamily="34" charset="-120"/>
               </a:rPr>
               <a:t>anlutro</a:t>
             </a:r>
             <a:r>
-              <a:rPr lang="en-US" altLang="zh-CN" sz="2000" dirty="0" smtClean="0">
+              <a:rPr lang="en-US" altLang="zh-CN" sz="2000" dirty="0">
                 <a:latin typeface="Microsoft JhengHei" panose="020B0604030504040204" pitchFamily="34" charset="-120"/>
                 <a:ea typeface="Microsoft JhengHei" panose="020B0604030504040204" pitchFamily="34" charset="-120"/>
               </a:rPr>
               <a:t>\</a:t>
             </a:r>
             <a:r>
-              <a:rPr lang="en-US" altLang="zh-CN" sz="2000" dirty="0" err="1" smtClean="0">
+              <a:rPr lang="en-US" altLang="zh-CN" sz="2000" dirty="0" err="1">
                 <a:latin typeface="Microsoft JhengHei" panose="020B0604030504040204" pitchFamily="34" charset="-120"/>
                 <a:ea typeface="Microsoft JhengHei" panose="020B0604030504040204" pitchFamily="34" charset="-120"/>
               </a:rPr>
               <a:t>cURL</a:t>
             </a:r>
             <a:r>
-              <a:rPr lang="en-US" altLang="zh-CN" sz="2000" dirty="0" smtClean="0">
+              <a:rPr lang="en-US" altLang="zh-CN" sz="2000" dirty="0">
                 <a:latin typeface="Microsoft JhengHei" panose="020B0604030504040204" pitchFamily="34" charset="-120"/>
                 <a:ea typeface="Microsoft JhengHei" panose="020B0604030504040204" pitchFamily="34" charset="-120"/>
               </a:rPr>
               <a:t>\</a:t>
             </a:r>
             <a:r>
-              <a:rPr lang="en-US" altLang="zh-CN" sz="2000" dirty="0" err="1" smtClean="0">
+              <a:rPr lang="en-US" altLang="zh-CN" sz="2000" dirty="0" err="1">
                 <a:latin typeface="Microsoft JhengHei" panose="020B0604030504040204" pitchFamily="34" charset="-120"/>
                 <a:ea typeface="Microsoft JhengHei" panose="020B0604030504040204" pitchFamily="34" charset="-120"/>
               </a:rPr>
@@ -14391,14 +14249,7 @@
                 <a:latin typeface="Microsoft JhengHei" panose="020B0604030504040204" pitchFamily="34" charset="-120"/>
                 <a:ea typeface="Microsoft JhengHei" panose="020B0604030504040204" pitchFamily="34" charset="-120"/>
               </a:rPr>
-              <a:t>  </a:t>
-            </a:r>
-            <a:r>
-              <a:rPr lang="en-US" altLang="zh-CN" sz="2000" dirty="0" smtClean="0">
-                <a:latin typeface="Microsoft JhengHei" panose="020B0604030504040204" pitchFamily="34" charset="-120"/>
-                <a:ea typeface="Microsoft JhengHei" panose="020B0604030504040204" pitchFamily="34" charset="-120"/>
-              </a:rPr>
-              <a:t>    -&gt;</a:t>
+              <a:t>      -&gt;</a:t>
             </a:r>
             <a:r>
               <a:rPr lang="en-US" altLang="zh-CN" sz="2000" dirty="0" err="1">
@@ -14426,14 +14277,7 @@
                 <a:latin typeface="Microsoft JhengHei" panose="020B0604030504040204" pitchFamily="34" charset="-120"/>
                 <a:ea typeface="Microsoft JhengHei" panose="020B0604030504040204" pitchFamily="34" charset="-120"/>
               </a:rPr>
-              <a:t>  </a:t>
-            </a:r>
-            <a:r>
-              <a:rPr lang="en-US" altLang="zh-CN" sz="2000" dirty="0" smtClean="0">
-                <a:latin typeface="Microsoft JhengHei" panose="020B0604030504040204" pitchFamily="34" charset="-120"/>
-                <a:ea typeface="Microsoft JhengHei" panose="020B0604030504040204" pitchFamily="34" charset="-120"/>
-              </a:rPr>
-              <a:t>    -&gt;</a:t>
+              <a:t>      -&gt;</a:t>
             </a:r>
             <a:r>
               <a:rPr lang="en-US" altLang="zh-CN" sz="2000" dirty="0" err="1">
@@ -14461,14 +14305,7 @@
                 <a:latin typeface="Microsoft JhengHei" panose="020B0604030504040204" pitchFamily="34" charset="-120"/>
                 <a:ea typeface="Microsoft JhengHei" panose="020B0604030504040204" pitchFamily="34" charset="-120"/>
               </a:rPr>
-              <a:t>  </a:t>
-            </a:r>
-            <a:r>
-              <a:rPr lang="en-US" altLang="zh-CN" sz="2000" dirty="0" smtClean="0">
-                <a:latin typeface="Microsoft JhengHei" panose="020B0604030504040204" pitchFamily="34" charset="-120"/>
-                <a:ea typeface="Microsoft JhengHei" panose="020B0604030504040204" pitchFamily="34" charset="-120"/>
-              </a:rPr>
-              <a:t>    -&gt;</a:t>
+              <a:t>      -&gt;</a:t>
             </a:r>
             <a:r>
               <a:rPr lang="en-US" altLang="zh-CN" sz="2000" dirty="0" err="1">
@@ -14510,19 +14347,8 @@
                 <a:latin typeface="Microsoft JhengHei" panose="020B0604030504040204" pitchFamily="34" charset="-120"/>
                 <a:ea typeface="Microsoft JhengHei" panose="020B0604030504040204" pitchFamily="34" charset="-120"/>
               </a:rPr>
-              <a:t>echo $response</a:t>
-            </a:r>
-            <a:r>
-              <a:rPr lang="en-US" altLang="zh-CN" sz="2000" dirty="0" smtClean="0">
-                <a:latin typeface="Microsoft JhengHei" panose="020B0604030504040204" pitchFamily="34" charset="-120"/>
-                <a:ea typeface="Microsoft JhengHei" panose="020B0604030504040204" pitchFamily="34" charset="-120"/>
-              </a:rPr>
-              <a:t>;</a:t>
-            </a:r>
-            <a:endParaRPr lang="en-US" altLang="zh-CN" sz="2000" dirty="0">
-              <a:latin typeface="Microsoft JhengHei" panose="020B0604030504040204" pitchFamily="34" charset="-120"/>
-              <a:ea typeface="Microsoft JhengHei" panose="020B0604030504040204" pitchFamily="34" charset="-120"/>
-            </a:endParaRPr>
+              <a:t>echo $response;</a:t>
+            </a:r>
           </a:p>
           <a:p>
             <a:pPr marL="342900" indent="-342900">
@@ -14533,27 +14359,27 @@
               <a:buChar char="•"/>
             </a:pPr>
             <a:r>
-              <a:rPr lang="zh-CN" altLang="en-US" sz="2000" dirty="0" smtClean="0">
+              <a:rPr lang="zh-CN" altLang="en-US" sz="2000" dirty="0">
                 <a:latin typeface="Microsoft JhengHei" panose="020B0604030504040204" pitchFamily="34" charset="-120"/>
                 <a:ea typeface="Microsoft JhengHei" panose="020B0604030504040204" pitchFamily="34" charset="-120"/>
               </a:rPr>
               <a:t>运行此代码显示</a:t>
             </a:r>
             <a:r>
-              <a:rPr lang="en-US" altLang="zh-CN" sz="2000" dirty="0" smtClean="0">
+              <a:rPr lang="en-US" altLang="zh-CN" sz="2000" dirty="0">
                 <a:latin typeface="Microsoft JhengHei" panose="020B0604030504040204" pitchFamily="34" charset="-120"/>
                 <a:ea typeface="Microsoft JhengHei" panose="020B0604030504040204" pitchFamily="34" charset="-120"/>
               </a:rPr>
               <a:t>PHP</a:t>
             </a:r>
             <a:r>
-              <a:rPr lang="zh-CN" altLang="en-US" sz="2000" dirty="0" smtClean="0">
+              <a:rPr lang="zh-CN" altLang="en-US" sz="2000" dirty="0">
                 <a:latin typeface="Microsoft JhengHei" panose="020B0604030504040204" pitchFamily="34" charset="-120"/>
                 <a:ea typeface="Microsoft JhengHei" panose="020B0604030504040204" pitchFamily="34" charset="-120"/>
               </a:rPr>
               <a:t>官方网站页面</a:t>
             </a:r>
-            <a:endParaRPr lang="en-US" altLang="zh-CN" sz="2000" dirty="0" smtClean="0">
+            <a:endParaRPr lang="en-US" altLang="zh-CN" sz="2000" dirty="0">
               <a:latin typeface="Microsoft JhengHei" panose="020B0604030504040204" pitchFamily="34" charset="-120"/>
               <a:ea typeface="Microsoft JhengHei" panose="020B0604030504040204" pitchFamily="34" charset="-120"/>
             </a:endParaRPr>
@@ -14606,27 +14432,26 @@
           <a:lstStyle/>
           <a:p>
             <a:r>
-              <a:rPr lang="en-US" altLang="zh-CN" dirty="0" smtClean="0"/>
-              <a:t>CURL</a:t>
-            </a:r>
-            <a:r>
-              <a:rPr lang="zh-CN" altLang="en-US" dirty="0" smtClean="0"/>
-              <a:t>上传文件</a:t>
-            </a:r>
-            <a:endParaRPr lang="zh-CN" altLang="en-US" dirty="0"/>
-          </a:p>
-        </p:txBody>
-      </p:sp>
-      <p:sp>
-        <p:nvSpPr>
-          <p:cNvPr id="3" name="文本框 2"/>
+              <a:rPr lang="en-US" altLang="zh-CN" b="0" dirty="0"/>
+              <a:t>JSON</a:t>
+            </a:r>
+            <a:r>
+              <a:rPr lang="zh-CN" altLang="en-US" b="0" dirty="0"/>
+              <a:t>基础</a:t>
+            </a:r>
+          </a:p>
+        </p:txBody>
+      </p:sp>
+      <p:sp>
+        <p:nvSpPr>
+          <p:cNvPr id="4" name="文本框 3"/>
           <p:cNvSpPr txBox="1"/>
           <p:nvPr/>
         </p:nvSpPr>
         <p:spPr>
           <a:xfrm>
-            <a:off x="1054100" y="1557337"/>
-            <a:ext cx="10847388" cy="4524315"/>
+            <a:off x="1054101" y="1614488"/>
+            <a:ext cx="6832600" cy="4662815"/>
           </a:xfrm>
           <a:prstGeom prst="rect">
             <a:avLst/>
@@ -14639,309 +14464,463 @@
           </a:bodyPr>
           <a:lstStyle/>
           <a:p>
+            <a:pPr marL="285750" indent="-285750">
+              <a:lnSpc>
+                <a:spcPct val="150000"/>
+              </a:lnSpc>
+              <a:buFont typeface="Arial" panose="020B0604020202020204" pitchFamily="34" charset="0"/>
+              <a:buChar char="•"/>
+            </a:pPr>
+            <a:r>
+              <a:rPr lang="en-US" altLang="zh-CN" dirty="0">
+                <a:latin typeface="微软雅黑" panose="020B0503020204020204" pitchFamily="34" charset="-122"/>
+                <a:ea typeface="微软雅黑" panose="020B0503020204020204" pitchFamily="34" charset="-122"/>
+              </a:rPr>
+              <a:t>JSON </a:t>
+            </a:r>
+            <a:r>
+              <a:rPr lang="zh-CN" altLang="en-US" dirty="0">
+                <a:latin typeface="微软雅黑" panose="020B0503020204020204" pitchFamily="34" charset="-122"/>
+                <a:ea typeface="微软雅黑" panose="020B0503020204020204" pitchFamily="34" charset="-122"/>
+              </a:rPr>
+              <a:t>是存储和交换文本信息的语法。类似 </a:t>
+            </a:r>
+            <a:r>
+              <a:rPr lang="en-US" altLang="zh-CN" dirty="0">
+                <a:latin typeface="微软雅黑" panose="020B0503020204020204" pitchFamily="34" charset="-122"/>
+                <a:ea typeface="微软雅黑" panose="020B0503020204020204" pitchFamily="34" charset="-122"/>
+              </a:rPr>
+              <a:t>XML</a:t>
+            </a:r>
+            <a:r>
+              <a:rPr lang="zh-CN" altLang="en-US" dirty="0">
+                <a:latin typeface="微软雅黑" panose="020B0503020204020204" pitchFamily="34" charset="-122"/>
+                <a:ea typeface="微软雅黑" panose="020B0503020204020204" pitchFamily="34" charset="-122"/>
+              </a:rPr>
+              <a:t>。</a:t>
+            </a:r>
+            <a:endParaRPr lang="en-US" altLang="zh-CN" dirty="0">
+              <a:latin typeface="微软雅黑" panose="020B0503020204020204" pitchFamily="34" charset="-122"/>
+              <a:ea typeface="微软雅黑" panose="020B0503020204020204" pitchFamily="34" charset="-122"/>
+            </a:endParaRPr>
+          </a:p>
+          <a:p>
+            <a:pPr marL="285750" indent="-285750">
+              <a:lnSpc>
+                <a:spcPct val="150000"/>
+              </a:lnSpc>
+              <a:buFont typeface="Arial" panose="020B0604020202020204" pitchFamily="34" charset="0"/>
+              <a:buChar char="•"/>
+            </a:pPr>
+            <a:r>
+              <a:rPr lang="en-US" altLang="zh-CN" dirty="0">
+                <a:latin typeface="微软雅黑" panose="020B0503020204020204" pitchFamily="34" charset="-122"/>
+                <a:ea typeface="微软雅黑" panose="020B0503020204020204" pitchFamily="34" charset="-122"/>
+              </a:rPr>
+              <a:t>JSON </a:t>
+            </a:r>
+            <a:r>
+              <a:rPr lang="zh-CN" altLang="en-US" dirty="0">
+                <a:latin typeface="微软雅黑" panose="020B0503020204020204" pitchFamily="34" charset="-122"/>
+                <a:ea typeface="微软雅黑" panose="020B0503020204020204" pitchFamily="34" charset="-122"/>
+              </a:rPr>
+              <a:t>比 </a:t>
+            </a:r>
+            <a:r>
+              <a:rPr lang="en-US" altLang="zh-CN" dirty="0">
+                <a:latin typeface="微软雅黑" panose="020B0503020204020204" pitchFamily="34" charset="-122"/>
+                <a:ea typeface="微软雅黑" panose="020B0503020204020204" pitchFamily="34" charset="-122"/>
+              </a:rPr>
+              <a:t>XML </a:t>
+            </a:r>
+            <a:r>
+              <a:rPr lang="zh-CN" altLang="en-US" dirty="0">
+                <a:latin typeface="微软雅黑" panose="020B0503020204020204" pitchFamily="34" charset="-122"/>
+                <a:ea typeface="微软雅黑" panose="020B0503020204020204" pitchFamily="34" charset="-122"/>
+              </a:rPr>
+              <a:t>更小、更快，更易解析。</a:t>
+            </a:r>
+            <a:endParaRPr lang="en-US" altLang="zh-CN" dirty="0">
+              <a:latin typeface="微软雅黑" panose="020B0503020204020204" pitchFamily="34" charset="-122"/>
+              <a:ea typeface="微软雅黑" panose="020B0503020204020204" pitchFamily="34" charset="-122"/>
+            </a:endParaRPr>
+          </a:p>
+          <a:p>
+            <a:pPr marL="285750" indent="-285750">
+              <a:lnSpc>
+                <a:spcPct val="150000"/>
+              </a:lnSpc>
+              <a:buFont typeface="Arial" panose="020B0604020202020204" pitchFamily="34" charset="0"/>
+              <a:buChar char="•"/>
+            </a:pPr>
+            <a:r>
+              <a:rPr lang="en-US" altLang="zh-CN" dirty="0">
+                <a:latin typeface="微软雅黑" panose="020B0503020204020204" pitchFamily="34" charset="-122"/>
+                <a:ea typeface="微软雅黑" panose="020B0503020204020204" pitchFamily="34" charset="-122"/>
+              </a:rPr>
+              <a:t>JSON </a:t>
+            </a:r>
+            <a:r>
+              <a:rPr lang="zh-CN" altLang="en-US" dirty="0">
+                <a:latin typeface="微软雅黑" panose="020B0503020204020204" pitchFamily="34" charset="-122"/>
+                <a:ea typeface="微软雅黑" panose="020B0503020204020204" pitchFamily="34" charset="-122"/>
+              </a:rPr>
+              <a:t>使用 </a:t>
+            </a:r>
+            <a:r>
+              <a:rPr lang="en-US" altLang="zh-CN" dirty="0" err="1">
+                <a:latin typeface="微软雅黑" panose="020B0503020204020204" pitchFamily="34" charset="-122"/>
+                <a:ea typeface="微软雅黑" panose="020B0503020204020204" pitchFamily="34" charset="-122"/>
+              </a:rPr>
+              <a:t>Javascript</a:t>
+            </a:r>
+            <a:r>
+              <a:rPr lang="zh-CN" altLang="en-US" dirty="0">
+                <a:latin typeface="微软雅黑" panose="020B0503020204020204" pitchFamily="34" charset="-122"/>
+                <a:ea typeface="微软雅黑" panose="020B0503020204020204" pitchFamily="34" charset="-122"/>
+              </a:rPr>
+              <a:t>语法来描述数据对象，但是 </a:t>
+            </a:r>
+            <a:r>
+              <a:rPr lang="en-US" altLang="zh-CN" dirty="0">
+                <a:latin typeface="微软雅黑" panose="020B0503020204020204" pitchFamily="34" charset="-122"/>
+                <a:ea typeface="微软雅黑" panose="020B0503020204020204" pitchFamily="34" charset="-122"/>
+              </a:rPr>
+              <a:t>JSON </a:t>
+            </a:r>
+            <a:r>
+              <a:rPr lang="zh-CN" altLang="en-US" dirty="0">
+                <a:latin typeface="微软雅黑" panose="020B0503020204020204" pitchFamily="34" charset="-122"/>
+                <a:ea typeface="微软雅黑" panose="020B0503020204020204" pitchFamily="34" charset="-122"/>
+              </a:rPr>
+              <a:t>仍然独立于语言和平台。</a:t>
+            </a:r>
+            <a:r>
+              <a:rPr lang="en-US" altLang="zh-CN" dirty="0">
+                <a:latin typeface="微软雅黑" panose="020B0503020204020204" pitchFamily="34" charset="-122"/>
+                <a:ea typeface="微软雅黑" panose="020B0503020204020204" pitchFamily="34" charset="-122"/>
+              </a:rPr>
+              <a:t>JSON </a:t>
+            </a:r>
+            <a:r>
+              <a:rPr lang="zh-CN" altLang="en-US" dirty="0">
+                <a:latin typeface="微软雅黑" panose="020B0503020204020204" pitchFamily="34" charset="-122"/>
+                <a:ea typeface="微软雅黑" panose="020B0503020204020204" pitchFamily="34" charset="-122"/>
+              </a:rPr>
+              <a:t>解析器和 </a:t>
+            </a:r>
+            <a:r>
+              <a:rPr lang="en-US" altLang="zh-CN" dirty="0">
+                <a:latin typeface="微软雅黑" panose="020B0503020204020204" pitchFamily="34" charset="-122"/>
+                <a:ea typeface="微软雅黑" panose="020B0503020204020204" pitchFamily="34" charset="-122"/>
+              </a:rPr>
+              <a:t>JSON </a:t>
+            </a:r>
+            <a:r>
+              <a:rPr lang="zh-CN" altLang="en-US" dirty="0">
+                <a:latin typeface="微软雅黑" panose="020B0503020204020204" pitchFamily="34" charset="-122"/>
+                <a:ea typeface="微软雅黑" panose="020B0503020204020204" pitchFamily="34" charset="-122"/>
+              </a:rPr>
+              <a:t>库支持许多不同的编程语言。</a:t>
+            </a:r>
+            <a:endParaRPr lang="en-US" altLang="zh-CN" dirty="0">
+              <a:latin typeface="微软雅黑" panose="020B0503020204020204" pitchFamily="34" charset="-122"/>
+              <a:ea typeface="微软雅黑" panose="020B0503020204020204" pitchFamily="34" charset="-122"/>
+            </a:endParaRPr>
+          </a:p>
+          <a:p>
+            <a:pPr marL="285750" indent="-285750">
+              <a:lnSpc>
+                <a:spcPct val="150000"/>
+              </a:lnSpc>
+              <a:buFont typeface="Arial" panose="020B0604020202020204" pitchFamily="34" charset="0"/>
+              <a:buChar char="•"/>
+            </a:pPr>
+            <a:r>
+              <a:rPr lang="en-US" altLang="zh-CN" dirty="0">
+                <a:latin typeface="微软雅黑" panose="020B0503020204020204" pitchFamily="34" charset="-122"/>
+                <a:ea typeface="微软雅黑" panose="020B0503020204020204" pitchFamily="34" charset="-122"/>
+              </a:rPr>
+              <a:t>JSON </a:t>
+            </a:r>
+            <a:r>
+              <a:rPr lang="zh-CN" altLang="en-US" dirty="0">
+                <a:latin typeface="微软雅黑" panose="020B0503020204020204" pitchFamily="34" charset="-122"/>
+                <a:ea typeface="微软雅黑" panose="020B0503020204020204" pitchFamily="34" charset="-122"/>
+              </a:rPr>
+              <a:t>语法是 </a:t>
+            </a:r>
+            <a:r>
+              <a:rPr lang="en-US" altLang="zh-CN" dirty="0">
+                <a:latin typeface="微软雅黑" panose="020B0503020204020204" pitchFamily="34" charset="-122"/>
+                <a:ea typeface="微软雅黑" panose="020B0503020204020204" pitchFamily="34" charset="-122"/>
+              </a:rPr>
+              <a:t>JavaScript </a:t>
+            </a:r>
+            <a:r>
+              <a:rPr lang="zh-CN" altLang="en-US" dirty="0">
+                <a:latin typeface="微软雅黑" panose="020B0503020204020204" pitchFamily="34" charset="-122"/>
+                <a:ea typeface="微软雅黑" panose="020B0503020204020204" pitchFamily="34" charset="-122"/>
+              </a:rPr>
+              <a:t>语法的子集。</a:t>
+            </a:r>
+            <a:endParaRPr lang="en-US" altLang="zh-CN" dirty="0">
+              <a:latin typeface="微软雅黑" panose="020B0503020204020204" pitchFamily="34" charset="-122"/>
+              <a:ea typeface="微软雅黑" panose="020B0503020204020204" pitchFamily="34" charset="-122"/>
+            </a:endParaRPr>
+          </a:p>
+          <a:p>
+            <a:pPr marL="285750" indent="-285750">
+              <a:lnSpc>
+                <a:spcPct val="150000"/>
+              </a:lnSpc>
+              <a:buFont typeface="Arial" panose="020B0604020202020204" pitchFamily="34" charset="0"/>
+              <a:buChar char="•"/>
+            </a:pPr>
+            <a:r>
+              <a:rPr lang="en-US" altLang="zh-CN" dirty="0">
+                <a:latin typeface="微软雅黑" panose="020B0503020204020204" pitchFamily="34" charset="-122"/>
+                <a:ea typeface="微软雅黑" panose="020B0503020204020204" pitchFamily="34" charset="-122"/>
+              </a:rPr>
+              <a:t>JSON </a:t>
+            </a:r>
+            <a:r>
+              <a:rPr lang="zh-CN" altLang="en-US" dirty="0">
+                <a:latin typeface="微软雅黑" panose="020B0503020204020204" pitchFamily="34" charset="-122"/>
+                <a:ea typeface="微软雅黑" panose="020B0503020204020204" pitchFamily="34" charset="-122"/>
+              </a:rPr>
+              <a:t>语法是 </a:t>
+            </a:r>
+            <a:r>
+              <a:rPr lang="en-US" altLang="zh-CN" dirty="0">
+                <a:latin typeface="微软雅黑" panose="020B0503020204020204" pitchFamily="34" charset="-122"/>
+                <a:ea typeface="微软雅黑" panose="020B0503020204020204" pitchFamily="34" charset="-122"/>
+              </a:rPr>
+              <a:t>JavaScript </a:t>
+            </a:r>
+            <a:r>
+              <a:rPr lang="zh-CN" altLang="en-US" dirty="0">
+                <a:latin typeface="微软雅黑" panose="020B0503020204020204" pitchFamily="34" charset="-122"/>
+                <a:ea typeface="微软雅黑" panose="020B0503020204020204" pitchFamily="34" charset="-122"/>
+              </a:rPr>
+              <a:t>对象表示法语法的子集：</a:t>
+            </a:r>
+          </a:p>
+          <a:p>
+            <a:pPr lvl="1">
+              <a:lnSpc>
+                <a:spcPct val="150000"/>
+              </a:lnSpc>
+            </a:pPr>
+            <a:r>
+              <a:rPr lang="zh-CN" altLang="en-US" dirty="0">
+                <a:latin typeface="微软雅黑" panose="020B0503020204020204" pitchFamily="34" charset="-122"/>
+                <a:ea typeface="微软雅黑" panose="020B0503020204020204" pitchFamily="34" charset="-122"/>
+              </a:rPr>
+              <a:t>    数据在名称</a:t>
+            </a:r>
+            <a:r>
+              <a:rPr lang="en-US" altLang="zh-CN" dirty="0">
+                <a:latin typeface="微软雅黑" panose="020B0503020204020204" pitchFamily="34" charset="-122"/>
+                <a:ea typeface="微软雅黑" panose="020B0503020204020204" pitchFamily="34" charset="-122"/>
+              </a:rPr>
+              <a:t>/</a:t>
+            </a:r>
+            <a:r>
+              <a:rPr lang="zh-CN" altLang="en-US" dirty="0">
+                <a:latin typeface="微软雅黑" panose="020B0503020204020204" pitchFamily="34" charset="-122"/>
+                <a:ea typeface="微软雅黑" panose="020B0503020204020204" pitchFamily="34" charset="-122"/>
+              </a:rPr>
+              <a:t>值对中</a:t>
+            </a:r>
+          </a:p>
+          <a:p>
+            <a:pPr lvl="1">
+              <a:lnSpc>
+                <a:spcPct val="150000"/>
+              </a:lnSpc>
+            </a:pPr>
+            <a:r>
+              <a:rPr lang="zh-CN" altLang="en-US" dirty="0">
+                <a:latin typeface="微软雅黑" panose="020B0503020204020204" pitchFamily="34" charset="-122"/>
+                <a:ea typeface="微软雅黑" panose="020B0503020204020204" pitchFamily="34" charset="-122"/>
+              </a:rPr>
+              <a:t>    数据由逗号分隔</a:t>
+            </a:r>
+          </a:p>
+          <a:p>
+            <a:pPr lvl="1">
+              <a:lnSpc>
+                <a:spcPct val="150000"/>
+              </a:lnSpc>
+            </a:pPr>
+            <a:r>
+              <a:rPr lang="zh-CN" altLang="en-US" dirty="0">
+                <a:latin typeface="微软雅黑" panose="020B0503020204020204" pitchFamily="34" charset="-122"/>
+                <a:ea typeface="微软雅黑" panose="020B0503020204020204" pitchFamily="34" charset="-122"/>
+              </a:rPr>
+              <a:t>    大括号保存对象</a:t>
+            </a:r>
+          </a:p>
+          <a:p>
+            <a:pPr lvl="1">
+              <a:lnSpc>
+                <a:spcPct val="150000"/>
+              </a:lnSpc>
+            </a:pPr>
+            <a:r>
+              <a:rPr lang="zh-CN" altLang="en-US" dirty="0">
+                <a:latin typeface="微软雅黑" panose="020B0503020204020204" pitchFamily="34" charset="-122"/>
+                <a:ea typeface="微软雅黑" panose="020B0503020204020204" pitchFamily="34" charset="-122"/>
+              </a:rPr>
+              <a:t>    中括号保存数组</a:t>
+            </a:r>
+          </a:p>
+        </p:txBody>
+      </p:sp>
+      <p:sp>
+        <p:nvSpPr>
+          <p:cNvPr id="5" name="文本框 4"/>
+          <p:cNvSpPr txBox="1"/>
+          <p:nvPr/>
+        </p:nvSpPr>
+        <p:spPr>
+          <a:xfrm>
+            <a:off x="8129589" y="1614488"/>
+            <a:ext cx="3786187" cy="3970318"/>
+          </a:xfrm>
+          <a:prstGeom prst="rect">
+            <a:avLst/>
+          </a:prstGeom>
+          <a:noFill/>
+        </p:spPr>
+        <p:txBody>
+          <a:bodyPr wrap="square" rtlCol="0">
+            <a:spAutoFit/>
+          </a:bodyPr>
+          <a:lstStyle/>
+          <a:p>
+            <a:r>
+              <a:rPr lang="zh-CN" altLang="en-US" dirty="0"/>
+              <a:t>示例：</a:t>
+            </a:r>
+            <a:endParaRPr lang="en-US" altLang="zh-CN" dirty="0"/>
+          </a:p>
+          <a:p>
             <a:r>
               <a:rPr lang="en-US" altLang="zh-CN" dirty="0"/>
-              <a:t>$</a:t>
+              <a:t>{</a:t>
+            </a:r>
+          </a:p>
+          <a:p>
+            <a:r>
+              <a:rPr lang="en-US" altLang="zh-CN" dirty="0"/>
+              <a:t>    "name":"</a:t>
             </a:r>
             <a:r>
               <a:rPr lang="en-US" altLang="zh-CN" dirty="0" err="1"/>
-              <a:t>ch</a:t>
+              <a:t>AlbertWang</a:t>
             </a:r>
             <a:r>
               <a:rPr lang="en-US" altLang="zh-CN" dirty="0"/>
-              <a:t> = </a:t>
+              <a:t>",</a:t>
+            </a:r>
+          </a:p>
+          <a:p>
+            <a:r>
+              <a:rPr lang="en-US" altLang="zh-CN" dirty="0"/>
+              <a:t>    "age":"27",            </a:t>
+            </a:r>
+          </a:p>
+          <a:p>
+            <a:r>
+              <a:rPr lang="en-US" altLang="zh-CN" dirty="0"/>
+              <a:t>    "info":{</a:t>
+            </a:r>
+          </a:p>
+          <a:p>
+            <a:r>
+              <a:rPr lang="en-US" altLang="zh-CN" dirty="0"/>
+              <a:t>          "</a:t>
             </a:r>
             <a:r>
               <a:rPr lang="en-US" altLang="zh-CN" dirty="0" err="1"/>
-              <a:t>curl_init</a:t>
+              <a:t>sex":"male</a:t>
             </a:r>
             <a:r>
               <a:rPr lang="en-US" altLang="zh-CN" dirty="0"/>
-              <a:t>();</a:t>
-            </a:r>
-          </a:p>
-          <a:p>
-            <a:r>
-              <a:rPr lang="en-US" altLang="zh-CN" dirty="0" smtClean="0"/>
-              <a:t>//</a:t>
-            </a:r>
-            <a:r>
-              <a:rPr lang="zh-CN" altLang="en-US" dirty="0" smtClean="0"/>
-              <a:t>创建</a:t>
-            </a:r>
-            <a:r>
-              <a:rPr lang="en-US" altLang="zh-CN" dirty="0" smtClean="0"/>
-              <a:t>CURL</a:t>
-            </a:r>
-            <a:r>
-              <a:rPr lang="zh-CN" altLang="en-US" dirty="0" smtClean="0"/>
-              <a:t>文件对象，用于</a:t>
-            </a:r>
-            <a:r>
-              <a:rPr lang="en-US" altLang="zh-CN" dirty="0" smtClean="0"/>
-              <a:t>CURL</a:t>
-            </a:r>
-            <a:r>
-              <a:rPr lang="zh-CN" altLang="en-US" dirty="0" smtClean="0"/>
-              <a:t>上传文件</a:t>
-            </a:r>
-            <a:endParaRPr lang="en-US" altLang="zh-CN" dirty="0"/>
+              <a:t>",        </a:t>
+            </a:r>
           </a:p>
           <a:p>
             <a:r>
               <a:rPr lang="en-US" altLang="zh-CN" dirty="0"/>
-              <a:t>$</a:t>
+              <a:t>          "</a:t>
             </a:r>
             <a:r>
               <a:rPr lang="en-US" altLang="zh-CN" dirty="0" err="1"/>
-              <a:t>cf</a:t>
+              <a:t>native_place":"Hebei</a:t>
             </a:r>
             <a:r>
               <a:rPr lang="en-US" altLang="zh-CN" dirty="0"/>
-              <a:t> = new </a:t>
-            </a:r>
-            <a:r>
-              <a:rPr lang="en-US" altLang="zh-CN" dirty="0" err="1"/>
-              <a:t>CURLFile</a:t>
-            </a:r>
+              <a:t>“</a:t>
+            </a:r>
+          </a:p>
+          <a:p>
             <a:r>
               <a:rPr lang="en-US" altLang="zh-CN" dirty="0"/>
-              <a:t>('</a:t>
-            </a:r>
-            <a:r>
-              <a:rPr lang="en-US" altLang="zh-CN" dirty="0" err="1"/>
-              <a:t>upload_test.jpg','application</a:t>
-            </a:r>
+              <a:t>    },</a:t>
+            </a:r>
+          </a:p>
+          <a:p>
             <a:r>
               <a:rPr lang="en-US" altLang="zh-CN" dirty="0"/>
-              <a:t>/octet-</a:t>
-            </a:r>
-            <a:r>
-              <a:rPr lang="en-US" altLang="zh-CN" dirty="0" err="1"/>
-              <a:t>stream','upload</a:t>
-            </a:r>
+              <a:t>    "skill":[</a:t>
+            </a:r>
+          </a:p>
+          <a:p>
             <a:r>
               <a:rPr lang="en-US" altLang="zh-CN" dirty="0"/>
-              <a:t>');</a:t>
+              <a:t>         "PHP",</a:t>
             </a:r>
           </a:p>
           <a:p>
             <a:r>
               <a:rPr lang="en-US" altLang="zh-CN" dirty="0"/>
-              <a:t>$data = [</a:t>
+              <a:t>         "Python",</a:t>
             </a:r>
           </a:p>
           <a:p>
             <a:r>
               <a:rPr lang="en-US" altLang="zh-CN" dirty="0"/>
-              <a:t>  'upload'=&gt;$</a:t>
-            </a:r>
-            <a:r>
-              <a:rPr lang="en-US" altLang="zh-CN" dirty="0" err="1"/>
-              <a:t>cf</a:t>
-            </a:r>
-            <a:endParaRPr lang="en-US" altLang="zh-CN" dirty="0"/>
+              <a:t>         "Linux“</a:t>
+            </a:r>
           </a:p>
           <a:p>
             <a:r>
               <a:rPr lang="en-US" altLang="zh-CN" dirty="0"/>
-              <a:t>];</a:t>
-            </a:r>
-          </a:p>
-          <a:p>
-            <a:r>
-              <a:rPr lang="en-US" altLang="zh-CN" dirty="0" err="1"/>
-              <a:t>curl_setopt</a:t>
-            </a:r>
+              <a:t>    ]</a:t>
+            </a:r>
+          </a:p>
+          <a:p>
             <a:r>
               <a:rPr lang="en-US" altLang="zh-CN" dirty="0"/>
-              <a:t>($</a:t>
-            </a:r>
-            <a:r>
-              <a:rPr lang="en-US" altLang="zh-CN" dirty="0" err="1"/>
-              <a:t>ch</a:t>
-            </a:r>
-            <a:r>
-              <a:rPr lang="en-US" altLang="zh-CN" dirty="0"/>
-              <a:t>, CURLOPT_URL, 'http://www.hzwjia.com/shop/weixin/fileupload.php');</a:t>
-            </a:r>
-          </a:p>
-          <a:p>
-            <a:r>
-              <a:rPr lang="en-US" altLang="zh-CN" dirty="0" err="1"/>
-              <a:t>curl_setopt</a:t>
-            </a:r>
-            <a:r>
-              <a:rPr lang="en-US" altLang="zh-CN" dirty="0"/>
-              <a:t>($</a:t>
-            </a:r>
-            <a:r>
-              <a:rPr lang="en-US" altLang="zh-CN" dirty="0" err="1"/>
-              <a:t>ch,CURLOPT_RETURNTRANSFER,true</a:t>
-            </a:r>
-            <a:r>
-              <a:rPr lang="en-US" altLang="zh-CN" dirty="0"/>
-              <a:t>);</a:t>
-            </a:r>
-          </a:p>
-          <a:p>
-            <a:r>
-              <a:rPr lang="en-US" altLang="zh-CN" dirty="0" err="1"/>
-              <a:t>curl_setopt</a:t>
-            </a:r>
-            <a:r>
-              <a:rPr lang="en-US" altLang="zh-CN" dirty="0"/>
-              <a:t>($</a:t>
-            </a:r>
-            <a:r>
-              <a:rPr lang="en-US" altLang="zh-CN" dirty="0" err="1"/>
-              <a:t>ch,CURLOPT_SSL_VERIFYPEER,false</a:t>
-            </a:r>
-            <a:r>
-              <a:rPr lang="en-US" altLang="zh-CN" dirty="0" smtClean="0"/>
-              <a:t>);</a:t>
-            </a:r>
-          </a:p>
-          <a:p>
-            <a:r>
-              <a:rPr lang="en-US" altLang="zh-CN" i="1" dirty="0" smtClean="0"/>
-              <a:t>//</a:t>
-            </a:r>
-            <a:r>
-              <a:rPr lang="zh-CN" altLang="en-US" i="1" dirty="0" smtClean="0"/>
-              <a:t>设置使用</a:t>
-            </a:r>
-            <a:r>
-              <a:rPr lang="en-US" altLang="zh-CN" i="1" dirty="0" smtClean="0"/>
-              <a:t>POST</a:t>
-            </a:r>
-            <a:r>
-              <a:rPr lang="zh-CN" altLang="en-US" i="1" dirty="0" smtClean="0"/>
-              <a:t>提交数据</a:t>
-            </a:r>
-            <a:endParaRPr lang="en-US" altLang="zh-CN" i="1" dirty="0"/>
-          </a:p>
-          <a:p>
-            <a:r>
-              <a:rPr lang="en-US" altLang="zh-CN" dirty="0" err="1"/>
-              <a:t>curl_setopt</a:t>
-            </a:r>
-            <a:r>
-              <a:rPr lang="en-US" altLang="zh-CN" dirty="0"/>
-              <a:t>($</a:t>
-            </a:r>
-            <a:r>
-              <a:rPr lang="en-US" altLang="zh-CN" dirty="0" err="1"/>
-              <a:t>ch</a:t>
-            </a:r>
-            <a:r>
-              <a:rPr lang="en-US" altLang="zh-CN" dirty="0"/>
-              <a:t>, CURLOPT_POST, true</a:t>
-            </a:r>
-            <a:r>
-              <a:rPr lang="en-US" altLang="zh-CN" dirty="0" smtClean="0"/>
-              <a:t>);</a:t>
-            </a:r>
-          </a:p>
-          <a:p>
-            <a:r>
-              <a:rPr lang="en-US" altLang="zh-CN" i="1" dirty="0" smtClean="0"/>
-              <a:t>//</a:t>
-            </a:r>
-            <a:r>
-              <a:rPr lang="zh-CN" altLang="en-US" i="1" dirty="0" smtClean="0"/>
-              <a:t>设置文件数据</a:t>
-            </a:r>
-            <a:endParaRPr lang="en-US" altLang="zh-CN" i="1" dirty="0"/>
-          </a:p>
-          <a:p>
-            <a:r>
-              <a:rPr lang="en-US" altLang="zh-CN" dirty="0" err="1"/>
-              <a:t>curl_setopt</a:t>
-            </a:r>
-            <a:r>
-              <a:rPr lang="en-US" altLang="zh-CN" dirty="0"/>
-              <a:t>($</a:t>
-            </a:r>
-            <a:r>
-              <a:rPr lang="en-US" altLang="zh-CN" dirty="0" err="1"/>
-              <a:t>ch</a:t>
-            </a:r>
-            <a:r>
-              <a:rPr lang="en-US" altLang="zh-CN" dirty="0"/>
-              <a:t>, CURLOPT_POSTFIELDS, $data);</a:t>
-            </a:r>
-          </a:p>
-          <a:p>
-            <a:r>
-              <a:rPr lang="en-US" altLang="zh-CN" dirty="0"/>
-              <a:t>$ret = </a:t>
-            </a:r>
-            <a:r>
-              <a:rPr lang="en-US" altLang="zh-CN" dirty="0" err="1"/>
-              <a:t>curl_exec</a:t>
-            </a:r>
-            <a:r>
-              <a:rPr lang="en-US" altLang="zh-CN" dirty="0"/>
-              <a:t>($</a:t>
-            </a:r>
-            <a:r>
-              <a:rPr lang="en-US" altLang="zh-CN" dirty="0" err="1"/>
-              <a:t>ch</a:t>
-            </a:r>
-            <a:r>
-              <a:rPr lang="en-US" altLang="zh-CN" dirty="0"/>
-              <a:t>);</a:t>
-            </a:r>
-          </a:p>
-          <a:p>
-            <a:r>
-              <a:rPr lang="en-US" altLang="zh-CN" dirty="0" err="1"/>
-              <a:t>curl_close</a:t>
-            </a:r>
-            <a:r>
-              <a:rPr lang="en-US" altLang="zh-CN" dirty="0"/>
-              <a:t>($</a:t>
-            </a:r>
-            <a:r>
-              <a:rPr lang="en-US" altLang="zh-CN" dirty="0" err="1"/>
-              <a:t>ch</a:t>
-            </a:r>
-            <a:r>
-              <a:rPr lang="en-US" altLang="zh-CN" dirty="0"/>
-              <a:t>);</a:t>
-            </a:r>
-          </a:p>
-          <a:p>
-            <a:r>
-              <a:rPr lang="en-US" altLang="zh-CN" dirty="0"/>
-              <a:t>exit($ret</a:t>
-            </a:r>
-            <a:r>
-              <a:rPr lang="en-US" altLang="zh-CN" dirty="0" smtClean="0"/>
-              <a:t>);</a:t>
-            </a:r>
-            <a:endParaRPr lang="en-US" altLang="zh-CN" dirty="0"/>
+              <a:t>}</a:t>
+            </a:r>
+            <a:endParaRPr lang="zh-CN" altLang="en-US" dirty="0"/>
           </a:p>
         </p:txBody>
       </p:sp>
     </p:spTree>
     <p:extLst>
       <p:ext uri="{BB962C8B-B14F-4D97-AF65-F5344CB8AC3E}">
-        <p14:creationId xmlns:p14="http://schemas.microsoft.com/office/powerpoint/2010/main" val="3609406795"/>
+        <p14:creationId xmlns:p14="http://schemas.microsoft.com/office/powerpoint/2010/main" val="2100823401"/>
       </p:ext>
     </p:extLst>
   </p:cSld>
   <p:clrMapOvr>
     <a:masterClrMapping/>
   </p:clrMapOvr>
-  <p:timing>
-    <p:tnLst>
-      <p:par>
-        <p:cTn id="1" dur="indefinite" restart="never" nodeType="tmRoot"/>
-      </p:par>
-    </p:tnLst>
-  </p:timing>
 </p:sld>
 </file>
 
@@ -14975,7 +14954,7 @@
         <p:spPr>
           <a:xfrm>
             <a:off x="1054099" y="543636"/>
-            <a:ext cx="5889625" cy="685800"/>
+            <a:ext cx="5846763" cy="685800"/>
           </a:xfrm>
         </p:spPr>
         <p:txBody>
@@ -14983,23 +14962,26 @@
           <a:lstStyle/>
           <a:p>
             <a:r>
-              <a:rPr lang="zh-CN" altLang="en-US" dirty="0" smtClean="0"/>
-              <a:t>上传文件注意的问题</a:t>
-            </a:r>
-            <a:endParaRPr lang="zh-CN" altLang="en-US" dirty="0"/>
-          </a:p>
-        </p:txBody>
-      </p:sp>
-      <p:sp>
-        <p:nvSpPr>
-          <p:cNvPr id="4" name="文本框 3"/>
+              <a:rPr lang="en-US" altLang="zh-CN" b="0" dirty="0"/>
+              <a:t>JSON</a:t>
+            </a:r>
+            <a:r>
+              <a:rPr lang="zh-CN" altLang="en-US" b="0" dirty="0"/>
+              <a:t>格式解析处理</a:t>
+            </a:r>
+          </a:p>
+        </p:txBody>
+      </p:sp>
+      <p:sp>
+        <p:nvSpPr>
+          <p:cNvPr id="6" name="文本框 5"/>
           <p:cNvSpPr txBox="1"/>
           <p:nvPr/>
         </p:nvSpPr>
         <p:spPr>
           <a:xfrm>
-            <a:off x="1228725" y="1871663"/>
-            <a:ext cx="9658350" cy="3323987"/>
+            <a:off x="1243013" y="1814513"/>
+            <a:ext cx="9672637" cy="1477328"/>
           </a:xfrm>
           <a:prstGeom prst="rect">
             <a:avLst/>
@@ -15020,82 +15002,26 @@
               <a:buChar char="•"/>
             </a:pPr>
             <a:r>
+              <a:rPr lang="en-US" altLang="zh-CN" sz="2000" dirty="0">
+                <a:latin typeface="微软雅黑" panose="020B0503020204020204" pitchFamily="34" charset="-122"/>
+                <a:ea typeface="微软雅黑" panose="020B0503020204020204" pitchFamily="34" charset="-122"/>
+              </a:rPr>
+              <a:t>PHP</a:t>
+            </a:r>
+            <a:r>
               <a:rPr lang="zh-CN" altLang="en-US" sz="2000" dirty="0">
                 <a:latin typeface="微软雅黑" panose="020B0503020204020204" pitchFamily="34" charset="-122"/>
                 <a:ea typeface="微软雅黑" panose="020B0503020204020204" pitchFamily="34" charset="-122"/>
               </a:rPr>
-              <a:t>注意：如果在网上搜索代码示例有很多使用</a:t>
-            </a:r>
-            <a:r>
-              <a:rPr lang="en-US" altLang="zh-CN" sz="2000" dirty="0">
-                <a:latin typeface="微软雅黑" panose="020B0503020204020204" pitchFamily="34" charset="-122"/>
-                <a:ea typeface="微软雅黑" panose="020B0503020204020204" pitchFamily="34" charset="-122"/>
-              </a:rPr>
-              <a:t>CURLOPT_SAFE_UPLOAD</a:t>
-            </a:r>
-            <a:r>
-              <a:rPr lang="zh-CN" altLang="en-US" sz="2000" dirty="0">
-                <a:latin typeface="微软雅黑" panose="020B0503020204020204" pitchFamily="34" charset="-122"/>
-                <a:ea typeface="微软雅黑" panose="020B0503020204020204" pitchFamily="34" charset="-122"/>
-              </a:rPr>
-              <a:t>选项的示例</a:t>
-            </a:r>
-            <a:r>
-              <a:rPr lang="zh-CN" altLang="en-US" sz="2000" dirty="0" smtClean="0">
-                <a:latin typeface="微软雅黑" panose="020B0503020204020204" pitchFamily="34" charset="-122"/>
-                <a:ea typeface="微软雅黑" panose="020B0503020204020204" pitchFamily="34" charset="-122"/>
-              </a:rPr>
-              <a:t>，通过设置此选项为</a:t>
-            </a:r>
-            <a:r>
-              <a:rPr lang="en-US" altLang="zh-CN" sz="2000" dirty="0">
-                <a:latin typeface="微软雅黑" panose="020B0503020204020204" pitchFamily="34" charset="-122"/>
-                <a:ea typeface="微软雅黑" panose="020B0503020204020204" pitchFamily="34" charset="-122"/>
-              </a:rPr>
-              <a:t>false</a:t>
-            </a:r>
-            <a:r>
-              <a:rPr lang="zh-CN" altLang="en-US" sz="2000" dirty="0" smtClean="0">
-                <a:latin typeface="微软雅黑" panose="020B0503020204020204" pitchFamily="34" charset="-122"/>
-                <a:ea typeface="微软雅黑" panose="020B0503020204020204" pitchFamily="34" charset="-122"/>
-              </a:rPr>
-              <a:t>，构造</a:t>
-            </a:r>
-            <a:r>
-              <a:rPr lang="en-US" altLang="zh-CN" sz="2000" dirty="0" smtClean="0">
-                <a:latin typeface="微软雅黑" panose="020B0503020204020204" pitchFamily="34" charset="-122"/>
-                <a:ea typeface="微软雅黑" panose="020B0503020204020204" pitchFamily="34" charset="-122"/>
-              </a:rPr>
-              <a:t>data</a:t>
-            </a:r>
-            <a:r>
-              <a:rPr lang="zh-CN" altLang="en-US" sz="2000" dirty="0" smtClean="0">
-                <a:latin typeface="微软雅黑" panose="020B0503020204020204" pitchFamily="34" charset="-122"/>
-                <a:ea typeface="微软雅黑" panose="020B0503020204020204" pitchFamily="34" charset="-122"/>
-              </a:rPr>
-              <a:t>文件上传数组时，可以使用</a:t>
-            </a:r>
-            <a:r>
-              <a:rPr lang="en-US" altLang="zh-CN" sz="2000" dirty="0" smtClean="0">
-                <a:latin typeface="微软雅黑" panose="020B0503020204020204" pitchFamily="34" charset="-122"/>
-                <a:ea typeface="微软雅黑" panose="020B0503020204020204" pitchFamily="34" charset="-122"/>
-              </a:rPr>
-              <a:t>@</a:t>
-            </a:r>
-            <a:r>
-              <a:rPr lang="zh-CN" altLang="en-US" sz="2000" dirty="0" smtClean="0">
-                <a:latin typeface="微软雅黑" panose="020B0503020204020204" pitchFamily="34" charset="-122"/>
-                <a:ea typeface="微软雅黑" panose="020B0503020204020204" pitchFamily="34" charset="-122"/>
-              </a:rPr>
-              <a:t>字符开头后面加上文件路径的方式。</a:t>
-            </a:r>
-            <a:endParaRPr lang="en-US" altLang="zh-CN" sz="2000" dirty="0" smtClean="0">
+              <a:t>处理：</a:t>
+            </a:r>
+            <a:endParaRPr lang="en-US" altLang="zh-CN" sz="2000" dirty="0">
               <a:latin typeface="微软雅黑" panose="020B0503020204020204" pitchFamily="34" charset="-122"/>
               <a:ea typeface="微软雅黑" panose="020B0503020204020204" pitchFamily="34" charset="-122"/>
             </a:endParaRPr>
           </a:p>
           <a:p>
-            <a:pPr marL="285750" indent="-285750">
+            <a:pPr marL="742950" lvl="1" indent="-285750">
               <a:lnSpc>
                 <a:spcPct val="150000"/>
               </a:lnSpc>
@@ -15103,131 +15029,47 @@
               <a:buChar char="•"/>
             </a:pPr>
             <a:r>
+              <a:rPr lang="en-US" altLang="zh-CN" sz="2000" dirty="0" err="1">
+                <a:latin typeface="微软雅黑" panose="020B0503020204020204" pitchFamily="34" charset="-122"/>
+                <a:ea typeface="微软雅黑" panose="020B0503020204020204" pitchFamily="34" charset="-122"/>
+              </a:rPr>
+              <a:t>json_encode</a:t>
+            </a:r>
+            <a:r>
+              <a:rPr lang="en-US" altLang="zh-CN" sz="2000" dirty="0">
+                <a:latin typeface="微软雅黑" panose="020B0503020204020204" pitchFamily="34" charset="-122"/>
+                <a:ea typeface="微软雅黑" panose="020B0503020204020204" pitchFamily="34" charset="-122"/>
+              </a:rPr>
+              <a:t>($data);</a:t>
+            </a:r>
+            <a:r>
               <a:rPr lang="zh-CN" altLang="en-US" sz="2000" dirty="0">
                 <a:latin typeface="微软雅黑" panose="020B0503020204020204" pitchFamily="34" charset="-122"/>
                 <a:ea typeface="微软雅黑" panose="020B0503020204020204" pitchFamily="34" charset="-122"/>
               </a:rPr>
-              <a:t>此</a:t>
-            </a:r>
-            <a:r>
-              <a:rPr lang="zh-CN" altLang="en-US" sz="2000" dirty="0" smtClean="0">
-                <a:latin typeface="微软雅黑" panose="020B0503020204020204" pitchFamily="34" charset="-122"/>
-                <a:ea typeface="微软雅黑" panose="020B0503020204020204" pitchFamily="34" charset="-122"/>
-              </a:rPr>
-              <a:t>选项在</a:t>
-            </a:r>
-            <a:r>
-              <a:rPr lang="en-US" altLang="zh-CN" sz="2000" dirty="0" smtClean="0">
-                <a:latin typeface="微软雅黑" panose="020B0503020204020204" pitchFamily="34" charset="-122"/>
-                <a:ea typeface="微软雅黑" panose="020B0503020204020204" pitchFamily="34" charset="-122"/>
-              </a:rPr>
-              <a:t>PHP </a:t>
+              <a:t>把数组转换成</a:t>
             </a:r>
             <a:r>
               <a:rPr lang="en-US" altLang="zh-CN" sz="2000" dirty="0">
                 <a:latin typeface="微软雅黑" panose="020B0503020204020204" pitchFamily="34" charset="-122"/>
                 <a:ea typeface="微软雅黑" panose="020B0503020204020204" pitchFamily="34" charset="-122"/>
               </a:rPr>
-              <a:t>5.5.0 </a:t>
+              <a:t>JSON</a:t>
             </a:r>
             <a:r>
               <a:rPr lang="zh-CN" altLang="en-US" sz="2000" dirty="0">
                 <a:latin typeface="微软雅黑" panose="020B0503020204020204" pitchFamily="34" charset="-122"/>
                 <a:ea typeface="微软雅黑" panose="020B0503020204020204" pitchFamily="34" charset="-122"/>
               </a:rPr>
-              <a:t>中添加，默认值 </a:t>
-            </a:r>
-            <a:r>
-              <a:rPr lang="en-US" altLang="zh-CN" sz="2000" dirty="0">
-                <a:latin typeface="微软雅黑" panose="020B0503020204020204" pitchFamily="34" charset="-122"/>
-                <a:ea typeface="微软雅黑" panose="020B0503020204020204" pitchFamily="34" charset="-122"/>
-              </a:rPr>
-              <a:t>FALSE</a:t>
-            </a:r>
-            <a:r>
-              <a:rPr lang="zh-CN" altLang="en-US" sz="2000" dirty="0">
-                <a:latin typeface="微软雅黑" panose="020B0503020204020204" pitchFamily="34" charset="-122"/>
-                <a:ea typeface="微软雅黑" panose="020B0503020204020204" pitchFamily="34" charset="-122"/>
-              </a:rPr>
-              <a:t>。 </a:t>
-            </a:r>
-            <a:r>
-              <a:rPr lang="en-US" altLang="zh-CN" sz="2000" dirty="0">
-                <a:latin typeface="微软雅黑" panose="020B0503020204020204" pitchFamily="34" charset="-122"/>
-                <a:ea typeface="微软雅黑" panose="020B0503020204020204" pitchFamily="34" charset="-122"/>
-              </a:rPr>
-              <a:t>PHP 5.6.0 </a:t>
-            </a:r>
-            <a:r>
-              <a:rPr lang="zh-CN" altLang="en-US" sz="2000" dirty="0">
-                <a:latin typeface="微软雅黑" panose="020B0503020204020204" pitchFamily="34" charset="-122"/>
-                <a:ea typeface="微软雅黑" panose="020B0503020204020204" pitchFamily="34" charset="-122"/>
-              </a:rPr>
-              <a:t>改默认值为 </a:t>
-            </a:r>
-            <a:r>
-              <a:rPr lang="en-US" altLang="zh-CN" sz="2000" dirty="0">
-                <a:latin typeface="微软雅黑" panose="020B0503020204020204" pitchFamily="34" charset="-122"/>
-                <a:ea typeface="微软雅黑" panose="020B0503020204020204" pitchFamily="34" charset="-122"/>
-              </a:rPr>
-              <a:t>TRUE</a:t>
-            </a:r>
-            <a:r>
-              <a:rPr lang="zh-CN" altLang="en-US" sz="2000" dirty="0">
-                <a:latin typeface="微软雅黑" panose="020B0503020204020204" pitchFamily="34" charset="-122"/>
-                <a:ea typeface="微软雅黑" panose="020B0503020204020204" pitchFamily="34" charset="-122"/>
-              </a:rPr>
-              <a:t>。</a:t>
-            </a:r>
-            <a:r>
-              <a:rPr lang="en-US" altLang="zh-CN" sz="2000" dirty="0">
-                <a:latin typeface="微软雅黑" panose="020B0503020204020204" pitchFamily="34" charset="-122"/>
-                <a:ea typeface="微软雅黑" panose="020B0503020204020204" pitchFamily="34" charset="-122"/>
-              </a:rPr>
-              <a:t>. PHP 7 </a:t>
-            </a:r>
-            <a:r>
-              <a:rPr lang="zh-CN" altLang="en-US" sz="2000" dirty="0">
-                <a:latin typeface="微软雅黑" panose="020B0503020204020204" pitchFamily="34" charset="-122"/>
-                <a:ea typeface="微软雅黑" panose="020B0503020204020204" pitchFamily="34" charset="-122"/>
-              </a:rPr>
-              <a:t>删除了此选项， 必须使用 </a:t>
-            </a:r>
-            <a:r>
-              <a:rPr lang="en-US" altLang="zh-CN" sz="2000" dirty="0" err="1" smtClean="0">
-                <a:latin typeface="微软雅黑" panose="020B0503020204020204" pitchFamily="34" charset="-122"/>
-                <a:ea typeface="微软雅黑" panose="020B0503020204020204" pitchFamily="34" charset="-122"/>
-              </a:rPr>
-              <a:t>CURLFile</a:t>
-            </a:r>
-            <a:r>
-              <a:rPr lang="zh-CN" altLang="en-US" sz="2000" dirty="0" smtClean="0">
-                <a:latin typeface="微软雅黑" panose="020B0503020204020204" pitchFamily="34" charset="-122"/>
-                <a:ea typeface="微软雅黑" panose="020B0503020204020204" pitchFamily="34" charset="-122"/>
-              </a:rPr>
-              <a:t>来</a:t>
-            </a:r>
-            <a:r>
-              <a:rPr lang="zh-CN" altLang="en-US" sz="2000" dirty="0">
-                <a:latin typeface="微软雅黑" panose="020B0503020204020204" pitchFamily="34" charset="-122"/>
-                <a:ea typeface="微软雅黑" panose="020B0503020204020204" pitchFamily="34" charset="-122"/>
-              </a:rPr>
-              <a:t>上传文件</a:t>
-            </a:r>
-            <a:r>
-              <a:rPr lang="zh-CN" altLang="en-US" sz="2000" dirty="0" smtClean="0">
-                <a:latin typeface="微软雅黑" panose="020B0503020204020204" pitchFamily="34" charset="-122"/>
-                <a:ea typeface="微软雅黑" panose="020B0503020204020204" pitchFamily="34" charset="-122"/>
-              </a:rPr>
-              <a:t>。</a:t>
-            </a:r>
-            <a:endParaRPr lang="en-US" altLang="zh-CN" sz="2000" dirty="0" smtClean="0">
+              <a:t>格式字符串。</a:t>
+            </a:r>
+            <a:endParaRPr lang="en-US" altLang="zh-CN" sz="2000" dirty="0">
               <a:latin typeface="微软雅黑" panose="020B0503020204020204" pitchFamily="34" charset="-122"/>
               <a:ea typeface="微软雅黑" panose="020B0503020204020204" pitchFamily="34" charset="-122"/>
             </a:endParaRPr>
           </a:p>
           <a:p>
-            <a:pPr marL="285750" indent="-285750">
+            <a:pPr marL="742950" lvl="1" indent="-285750">
               <a:lnSpc>
                 <a:spcPct val="150000"/>
               </a:lnSpc>
@@ -15235,39 +15077,67 @@
               <a:buChar char="•"/>
             </a:pPr>
             <a:r>
-              <a:rPr lang="zh-CN" altLang="en-US" sz="2000" dirty="0" smtClean="0">
-                <a:latin typeface="微软雅黑" panose="020B0503020204020204" pitchFamily="34" charset="-122"/>
-                <a:ea typeface="微软雅黑" panose="020B0503020204020204" pitchFamily="34" charset="-122"/>
-              </a:rPr>
-              <a:t>由于以后旧版本</a:t>
-            </a:r>
-            <a:r>
-              <a:rPr lang="en-US" altLang="zh-CN" sz="2000" dirty="0" smtClean="0">
+              <a:rPr lang="en-US" altLang="zh-CN" sz="2000" dirty="0" err="1">
+                <a:latin typeface="微软雅黑" panose="020B0503020204020204" pitchFamily="34" charset="-122"/>
+                <a:ea typeface="微软雅黑" panose="020B0503020204020204" pitchFamily="34" charset="-122"/>
+              </a:rPr>
+              <a:t>json_decode</a:t>
+            </a:r>
+            <a:r>
+              <a:rPr lang="en-US" altLang="zh-CN" sz="2000" dirty="0">
+                <a:latin typeface="微软雅黑" panose="020B0503020204020204" pitchFamily="34" charset="-122"/>
+                <a:ea typeface="微软雅黑" panose="020B0503020204020204" pitchFamily="34" charset="-122"/>
+              </a:rPr>
+              <a:t>($</a:t>
+            </a:r>
+            <a:r>
+              <a:rPr lang="en-US" altLang="zh-CN" sz="2000" dirty="0" err="1">
+                <a:latin typeface="微软雅黑" panose="020B0503020204020204" pitchFamily="34" charset="-122"/>
+                <a:ea typeface="微软雅黑" panose="020B0503020204020204" pitchFamily="34" charset="-122"/>
+              </a:rPr>
+              <a:t>data,true</a:t>
+            </a:r>
+            <a:r>
+              <a:rPr lang="en-US" altLang="zh-CN" sz="2000" dirty="0">
+                <a:latin typeface="微软雅黑" panose="020B0503020204020204" pitchFamily="34" charset="-122"/>
+                <a:ea typeface="微软雅黑" panose="020B0503020204020204" pitchFamily="34" charset="-122"/>
+              </a:rPr>
+              <a:t>);</a:t>
+            </a:r>
+            <a:r>
+              <a:rPr lang="zh-CN" altLang="en-US" sz="2000" dirty="0">
+                <a:latin typeface="微软雅黑" panose="020B0503020204020204" pitchFamily="34" charset="-122"/>
+                <a:ea typeface="微软雅黑" panose="020B0503020204020204" pitchFamily="34" charset="-122"/>
+              </a:rPr>
+              <a:t>把</a:t>
+            </a:r>
+            <a:r>
+              <a:rPr lang="en-US" altLang="zh-CN" sz="2000" dirty="0">
+                <a:latin typeface="微软雅黑" panose="020B0503020204020204" pitchFamily="34" charset="-122"/>
+                <a:ea typeface="微软雅黑" panose="020B0503020204020204" pitchFamily="34" charset="-122"/>
+              </a:rPr>
+              <a:t>JSON</a:t>
+            </a:r>
+            <a:r>
+              <a:rPr lang="zh-CN" altLang="en-US" sz="2000" dirty="0">
+                <a:latin typeface="微软雅黑" panose="020B0503020204020204" pitchFamily="34" charset="-122"/>
+                <a:ea typeface="微软雅黑" panose="020B0503020204020204" pitchFamily="34" charset="-122"/>
+              </a:rPr>
+              <a:t>格式字符串转换成</a:t>
+            </a:r>
+            <a:r>
+              <a:rPr lang="en-US" altLang="zh-CN" sz="2000" dirty="0">
                 <a:latin typeface="微软雅黑" panose="020B0503020204020204" pitchFamily="34" charset="-122"/>
                 <a:ea typeface="微软雅黑" panose="020B0503020204020204" pitchFamily="34" charset="-122"/>
               </a:rPr>
               <a:t>PHP</a:t>
             </a:r>
             <a:r>
-              <a:rPr lang="zh-CN" altLang="en-US" sz="2000" dirty="0" smtClean="0">
-                <a:latin typeface="微软雅黑" panose="020B0503020204020204" pitchFamily="34" charset="-122"/>
-                <a:ea typeface="微软雅黑" panose="020B0503020204020204" pitchFamily="34" charset="-122"/>
-              </a:rPr>
-              <a:t>都会被淘汰，不建议使用此种方式上传文件，而是使用</a:t>
-            </a:r>
-            <a:r>
-              <a:rPr lang="en-US" altLang="zh-CN" sz="2000" dirty="0" err="1" smtClean="0">
-                <a:latin typeface="微软雅黑" panose="020B0503020204020204" pitchFamily="34" charset="-122"/>
-                <a:ea typeface="微软雅黑" panose="020B0503020204020204" pitchFamily="34" charset="-122"/>
-              </a:rPr>
-              <a:t>CURLFile</a:t>
-            </a:r>
-            <a:r>
-              <a:rPr lang="zh-CN" altLang="en-US" sz="2000" dirty="0" smtClean="0">
-                <a:latin typeface="微软雅黑" panose="020B0503020204020204" pitchFamily="34" charset="-122"/>
-                <a:ea typeface="微软雅黑" panose="020B0503020204020204" pitchFamily="34" charset="-122"/>
-              </a:rPr>
-              <a:t>类构造文件上传对象。</a:t>
+              <a:rPr lang="zh-CN" altLang="en-US" sz="2000" dirty="0">
+                <a:latin typeface="微软雅黑" panose="020B0503020204020204" pitchFamily="34" charset="-122"/>
+                <a:ea typeface="微软雅黑" panose="020B0503020204020204" pitchFamily="34" charset="-122"/>
+              </a:rPr>
+              <a:t>数组。</a:t>
             </a:r>
             <a:endParaRPr lang="en-US" altLang="zh-CN" sz="2000" dirty="0">
               <a:latin typeface="微软雅黑" panose="020B0503020204020204" pitchFamily="34" charset="-122"/>
@@ -15279,7 +15149,7 @@
     </p:spTree>
     <p:extLst>
       <p:ext uri="{BB962C8B-B14F-4D97-AF65-F5344CB8AC3E}">
-        <p14:creationId xmlns:p14="http://schemas.microsoft.com/office/powerpoint/2010/main" val="921697031"/>
+        <p14:creationId xmlns:p14="http://schemas.microsoft.com/office/powerpoint/2010/main" val="134963268"/>
       </p:ext>
     </p:extLst>
   </p:cSld>
@@ -15318,8 +15188,8 @@
         </p:nvSpPr>
         <p:spPr>
           <a:xfrm>
-            <a:off x="1054100" y="543636"/>
-            <a:ext cx="6432550" cy="685800"/>
+            <a:off x="1054099" y="543636"/>
+            <a:ext cx="5846763" cy="685800"/>
           </a:xfrm>
         </p:spPr>
         <p:txBody>
@@ -15327,23 +15197,26 @@
           <a:lstStyle/>
           <a:p>
             <a:r>
-              <a:rPr lang="zh-CN" altLang="en-US" dirty="0" smtClean="0"/>
-              <a:t>使用第三方扩展上传文件</a:t>
-            </a:r>
-            <a:endParaRPr lang="zh-CN" altLang="en-US" dirty="0"/>
-          </a:p>
-        </p:txBody>
-      </p:sp>
-      <p:sp>
-        <p:nvSpPr>
-          <p:cNvPr id="4" name="文本框 3"/>
+              <a:rPr lang="en-US" altLang="zh-CN" b="0" dirty="0"/>
+              <a:t>JSON</a:t>
+            </a:r>
+            <a:r>
+              <a:rPr lang="zh-CN" altLang="en-US" b="0" dirty="0"/>
+              <a:t>解析示例</a:t>
+            </a:r>
+          </a:p>
+        </p:txBody>
+      </p:sp>
+      <p:sp>
+        <p:nvSpPr>
+          <p:cNvPr id="6" name="文本框 5"/>
           <p:cNvSpPr txBox="1"/>
           <p:nvPr/>
         </p:nvSpPr>
         <p:spPr>
           <a:xfrm>
-            <a:off x="1200150" y="1828800"/>
-            <a:ext cx="9515475" cy="2862322"/>
+            <a:off x="1243013" y="1814513"/>
+            <a:ext cx="9672637" cy="3269613"/>
           </a:xfrm>
           <a:prstGeom prst="rect">
             <a:avLst/>
@@ -15356,148 +15229,266 @@
           </a:bodyPr>
           <a:lstStyle/>
           <a:p>
-            <a:r>
-              <a:rPr lang="en-US" altLang="zh-CN" sz="2000" dirty="0"/>
-              <a:t>require('vendor/</a:t>
-            </a:r>
-            <a:r>
-              <a:rPr lang="en-US" altLang="zh-CN" sz="2000" dirty="0" err="1"/>
-              <a:t>autoload.php</a:t>
-            </a:r>
-            <a:r>
-              <a:rPr lang="en-US" altLang="zh-CN" sz="2000" dirty="0"/>
-              <a:t>');</a:t>
-            </a:r>
-          </a:p>
-          <a:p>
-            <a:endParaRPr lang="en-US" altLang="zh-CN" sz="2000" dirty="0"/>
-          </a:p>
-          <a:p>
-            <a:r>
-              <a:rPr lang="en-US" altLang="zh-CN" sz="2000" dirty="0"/>
-              <a:t>use </a:t>
-            </a:r>
-            <a:r>
-              <a:rPr lang="en-US" altLang="zh-CN" sz="2000" dirty="0" err="1"/>
-              <a:t>anlutro</a:t>
-            </a:r>
-            <a:r>
-              <a:rPr lang="en-US" altLang="zh-CN" sz="2000" dirty="0"/>
-              <a:t>\</a:t>
-            </a:r>
-            <a:r>
-              <a:rPr lang="en-US" altLang="zh-CN" sz="2000" dirty="0" err="1"/>
-              <a:t>cURL</a:t>
-            </a:r>
-            <a:r>
-              <a:rPr lang="en-US" altLang="zh-CN" sz="2000" dirty="0"/>
-              <a:t>\</a:t>
-            </a:r>
-            <a:r>
-              <a:rPr lang="en-US" altLang="zh-CN" sz="2000" dirty="0" err="1"/>
-              <a:t>cURL</a:t>
-            </a:r>
-            <a:r>
-              <a:rPr lang="en-US" altLang="zh-CN" sz="2000" dirty="0"/>
-              <a:t>;</a:t>
-            </a:r>
-          </a:p>
-          <a:p>
-            <a:endParaRPr lang="en-US" altLang="zh-CN" sz="2000" dirty="0"/>
-          </a:p>
-          <a:p>
-            <a:r>
-              <a:rPr lang="en-US" altLang="zh-CN" sz="2000" dirty="0"/>
-              <a:t>$curl = new </a:t>
-            </a:r>
-            <a:r>
-              <a:rPr lang="en-US" altLang="zh-CN" sz="2000" dirty="0" err="1"/>
-              <a:t>anlutro</a:t>
-            </a:r>
-            <a:r>
-              <a:rPr lang="en-US" altLang="zh-CN" sz="2000" dirty="0"/>
-              <a:t>\</a:t>
-            </a:r>
-            <a:r>
-              <a:rPr lang="en-US" altLang="zh-CN" sz="2000" dirty="0" err="1"/>
-              <a:t>cURL</a:t>
-            </a:r>
-            <a:r>
-              <a:rPr lang="en-US" altLang="zh-CN" sz="2000" dirty="0"/>
-              <a:t>\</a:t>
-            </a:r>
-            <a:r>
-              <a:rPr lang="en-US" altLang="zh-CN" sz="2000" dirty="0" err="1"/>
-              <a:t>cURL</a:t>
-            </a:r>
-            <a:r>
-              <a:rPr lang="en-US" altLang="zh-CN" sz="2000" dirty="0"/>
-              <a:t>;</a:t>
-            </a:r>
-          </a:p>
-          <a:p>
-            <a:r>
-              <a:rPr lang="en-US" altLang="zh-CN" sz="2000" dirty="0"/>
-              <a:t>$</a:t>
-            </a:r>
-            <a:r>
-              <a:rPr lang="en-US" altLang="zh-CN" sz="2000" dirty="0" err="1"/>
-              <a:t>url</a:t>
-            </a:r>
-            <a:r>
-              <a:rPr lang="en-US" altLang="zh-CN" sz="2000" dirty="0"/>
-              <a:t> = 'http://www.hzwjia.com/shop/weixin/fileupload.php';</a:t>
-            </a:r>
-          </a:p>
-          <a:p>
-            <a:r>
-              <a:rPr lang="en-US" altLang="zh-CN" sz="2000" dirty="0"/>
-              <a:t>$file = new </a:t>
-            </a:r>
-            <a:r>
-              <a:rPr lang="en-US" altLang="zh-CN" sz="2000" dirty="0" err="1"/>
-              <a:t>CURLFile</a:t>
-            </a:r>
-            <a:r>
-              <a:rPr lang="en-US" altLang="zh-CN" sz="2000" dirty="0"/>
-              <a:t>('upload_test.jpg');</a:t>
-            </a:r>
-          </a:p>
-          <a:p>
-            <a:r>
-              <a:rPr lang="en-US" altLang="zh-CN" sz="2000" dirty="0"/>
-              <a:t>$ret = $curl-&gt;</a:t>
-            </a:r>
-            <a:r>
-              <a:rPr lang="en-US" altLang="zh-CN" sz="2000" dirty="0" err="1"/>
-              <a:t>rawPost</a:t>
-            </a:r>
-            <a:r>
-              <a:rPr lang="en-US" altLang="zh-CN" sz="2000" dirty="0"/>
+            <a:pPr marL="285750" indent="-285750">
+              <a:lnSpc>
+                <a:spcPct val="150000"/>
+              </a:lnSpc>
+              <a:buFont typeface="Arial" panose="020B0604020202020204" pitchFamily="34" charset="0"/>
+              <a:buChar char="•"/>
+            </a:pPr>
+            <a:r>
+              <a:rPr lang="en-US" altLang="zh-CN" sz="2000" dirty="0">
+                <a:latin typeface="微软雅黑" panose="020B0503020204020204" pitchFamily="34" charset="-122"/>
+                <a:ea typeface="微软雅黑" panose="020B0503020204020204" pitchFamily="34" charset="-122"/>
+              </a:rPr>
+              <a:t>PHP</a:t>
+            </a:r>
+            <a:r>
+              <a:rPr lang="zh-CN" altLang="en-US" sz="2000" dirty="0">
+                <a:latin typeface="微软雅黑" panose="020B0503020204020204" pitchFamily="34" charset="-122"/>
+                <a:ea typeface="微软雅黑" panose="020B0503020204020204" pitchFamily="34" charset="-122"/>
+              </a:rPr>
+              <a:t>处理：</a:t>
+            </a:r>
+            <a:endParaRPr lang="en-US" altLang="zh-CN" sz="2000" dirty="0">
+              <a:latin typeface="微软雅黑" panose="020B0503020204020204" pitchFamily="34" charset="-122"/>
+              <a:ea typeface="微软雅黑" panose="020B0503020204020204" pitchFamily="34" charset="-122"/>
+            </a:endParaRPr>
+          </a:p>
+          <a:p>
+            <a:pPr marL="742950" lvl="1" indent="-285750">
+              <a:lnSpc>
+                <a:spcPct val="150000"/>
+              </a:lnSpc>
+              <a:buFont typeface="Arial" panose="020B0604020202020204" pitchFamily="34" charset="0"/>
+              <a:buChar char="•"/>
+            </a:pPr>
+            <a:r>
+              <a:rPr lang="en-US" altLang="zh-CN" sz="2000" dirty="0" err="1">
+                <a:latin typeface="微软雅黑" panose="020B0503020204020204" pitchFamily="34" charset="-122"/>
+                <a:ea typeface="微软雅黑" panose="020B0503020204020204" pitchFamily="34" charset="-122"/>
+              </a:rPr>
+              <a:t>json_encode</a:t>
+            </a:r>
+            <a:r>
+              <a:rPr lang="en-US" altLang="zh-CN" sz="2000" dirty="0">
+                <a:latin typeface="微软雅黑" panose="020B0503020204020204" pitchFamily="34" charset="-122"/>
+                <a:ea typeface="微软雅黑" panose="020B0503020204020204" pitchFamily="34" charset="-122"/>
+              </a:rPr>
               <a:t>($</a:t>
             </a:r>
             <a:r>
-              <a:rPr lang="en-US" altLang="zh-CN" sz="2000" dirty="0" err="1"/>
-              <a:t>url</a:t>
-            </a:r>
-            <a:r>
-              <a:rPr lang="en-US" altLang="zh-CN" sz="2000" dirty="0"/>
-              <a:t>, ['upload' =&gt; $file]);</a:t>
-            </a:r>
-          </a:p>
-          <a:p>
-            <a:r>
-              <a:rPr lang="en-US" altLang="zh-CN" sz="2000" dirty="0"/>
-              <a:t>exit($ret);</a:t>
-            </a:r>
-            <a:endParaRPr lang="zh-CN" altLang="en-US" sz="2000" dirty="0"/>
+              <a:rPr lang="en-US" altLang="zh-CN" sz="2000" dirty="0" err="1">
+                <a:latin typeface="微软雅黑" panose="020B0503020204020204" pitchFamily="34" charset="-122"/>
+                <a:ea typeface="微软雅黑" panose="020B0503020204020204" pitchFamily="34" charset="-122"/>
+              </a:rPr>
+              <a:t>data,$options</a:t>
+            </a:r>
+            <a:r>
+              <a:rPr lang="en-US" altLang="zh-CN" sz="2000" dirty="0">
+                <a:latin typeface="微软雅黑" panose="020B0503020204020204" pitchFamily="34" charset="-122"/>
+                <a:ea typeface="微软雅黑" panose="020B0503020204020204" pitchFamily="34" charset="-122"/>
+              </a:rPr>
+              <a:t>);</a:t>
+            </a:r>
+            <a:r>
+              <a:rPr lang="zh-CN" altLang="en-US" sz="2000" dirty="0">
+                <a:latin typeface="微软雅黑" panose="020B0503020204020204" pitchFamily="34" charset="-122"/>
+                <a:ea typeface="微软雅黑" panose="020B0503020204020204" pitchFamily="34" charset="-122"/>
+              </a:rPr>
+              <a:t>把数组转换成</a:t>
+            </a:r>
+            <a:r>
+              <a:rPr lang="en-US" altLang="zh-CN" sz="2000" dirty="0">
+                <a:latin typeface="微软雅黑" panose="020B0503020204020204" pitchFamily="34" charset="-122"/>
+                <a:ea typeface="微软雅黑" panose="020B0503020204020204" pitchFamily="34" charset="-122"/>
+              </a:rPr>
+              <a:t>JSON</a:t>
+            </a:r>
+            <a:r>
+              <a:rPr lang="zh-CN" altLang="en-US" sz="2000" dirty="0">
+                <a:latin typeface="微软雅黑" panose="020B0503020204020204" pitchFamily="34" charset="-122"/>
+                <a:ea typeface="微软雅黑" panose="020B0503020204020204" pitchFamily="34" charset="-122"/>
+              </a:rPr>
+              <a:t>格式字符串。</a:t>
+            </a:r>
+            <a:endParaRPr lang="en-US" altLang="zh-CN" sz="2000" dirty="0">
+              <a:latin typeface="微软雅黑" panose="020B0503020204020204" pitchFamily="34" charset="-122"/>
+              <a:ea typeface="微软雅黑" panose="020B0503020204020204" pitchFamily="34" charset="-122"/>
+            </a:endParaRPr>
+          </a:p>
+          <a:p>
+            <a:pPr marL="742950" lvl="1" indent="-285750">
+              <a:lnSpc>
+                <a:spcPct val="150000"/>
+              </a:lnSpc>
+              <a:buFont typeface="Arial" panose="020B0604020202020204" pitchFamily="34" charset="0"/>
+              <a:buChar char="•"/>
+            </a:pPr>
+            <a:r>
+              <a:rPr lang="en-US" altLang="zh-CN" sz="2000" dirty="0" err="1">
+                <a:latin typeface="微软雅黑" panose="020B0503020204020204" pitchFamily="34" charset="-122"/>
+                <a:ea typeface="微软雅黑" panose="020B0503020204020204" pitchFamily="34" charset="-122"/>
+              </a:rPr>
+              <a:t>json_decode</a:t>
+            </a:r>
+            <a:r>
+              <a:rPr lang="en-US" altLang="zh-CN" sz="2000" dirty="0">
+                <a:latin typeface="微软雅黑" panose="020B0503020204020204" pitchFamily="34" charset="-122"/>
+                <a:ea typeface="微软雅黑" panose="020B0503020204020204" pitchFamily="34" charset="-122"/>
+              </a:rPr>
+              <a:t>($</a:t>
+            </a:r>
+            <a:r>
+              <a:rPr lang="en-US" altLang="zh-CN" sz="2000" dirty="0" err="1">
+                <a:latin typeface="微软雅黑" panose="020B0503020204020204" pitchFamily="34" charset="-122"/>
+                <a:ea typeface="微软雅黑" panose="020B0503020204020204" pitchFamily="34" charset="-122"/>
+              </a:rPr>
+              <a:t>data,true</a:t>
+            </a:r>
+            <a:r>
+              <a:rPr lang="en-US" altLang="zh-CN" sz="2000" dirty="0">
+                <a:latin typeface="微软雅黑" panose="020B0503020204020204" pitchFamily="34" charset="-122"/>
+                <a:ea typeface="微软雅黑" panose="020B0503020204020204" pitchFamily="34" charset="-122"/>
+              </a:rPr>
+              <a:t>);</a:t>
+            </a:r>
+            <a:r>
+              <a:rPr lang="zh-CN" altLang="en-US" sz="2000" dirty="0">
+                <a:latin typeface="微软雅黑" panose="020B0503020204020204" pitchFamily="34" charset="-122"/>
+                <a:ea typeface="微软雅黑" panose="020B0503020204020204" pitchFamily="34" charset="-122"/>
+              </a:rPr>
+              <a:t>把</a:t>
+            </a:r>
+            <a:r>
+              <a:rPr lang="en-US" altLang="zh-CN" sz="2000" dirty="0">
+                <a:latin typeface="微软雅黑" panose="020B0503020204020204" pitchFamily="34" charset="-122"/>
+                <a:ea typeface="微软雅黑" panose="020B0503020204020204" pitchFamily="34" charset="-122"/>
+              </a:rPr>
+              <a:t>JSON</a:t>
+            </a:r>
+            <a:r>
+              <a:rPr lang="zh-CN" altLang="en-US" sz="2000" dirty="0">
+                <a:latin typeface="微软雅黑" panose="020B0503020204020204" pitchFamily="34" charset="-122"/>
+                <a:ea typeface="微软雅黑" panose="020B0503020204020204" pitchFamily="34" charset="-122"/>
+              </a:rPr>
+              <a:t>格式字符串转换成</a:t>
+            </a:r>
+            <a:r>
+              <a:rPr lang="en-US" altLang="zh-CN" sz="2000" dirty="0">
+                <a:latin typeface="微软雅黑" panose="020B0503020204020204" pitchFamily="34" charset="-122"/>
+                <a:ea typeface="微软雅黑" panose="020B0503020204020204" pitchFamily="34" charset="-122"/>
+              </a:rPr>
+              <a:t>PHP</a:t>
+            </a:r>
+            <a:r>
+              <a:rPr lang="zh-CN" altLang="en-US" sz="2000" dirty="0">
+                <a:latin typeface="微软雅黑" panose="020B0503020204020204" pitchFamily="34" charset="-122"/>
+                <a:ea typeface="微软雅黑" panose="020B0503020204020204" pitchFamily="34" charset="-122"/>
+              </a:rPr>
+              <a:t>数组。</a:t>
+            </a:r>
+            <a:endParaRPr lang="en-US" altLang="zh-CN" sz="2000" dirty="0">
+              <a:latin typeface="微软雅黑" panose="020B0503020204020204" pitchFamily="34" charset="-122"/>
+              <a:ea typeface="微软雅黑" panose="020B0503020204020204" pitchFamily="34" charset="-122"/>
+            </a:endParaRPr>
+          </a:p>
+          <a:p>
+            <a:pPr marL="342900" indent="-342900">
+              <a:lnSpc>
+                <a:spcPct val="150000"/>
+              </a:lnSpc>
+              <a:buFont typeface="Arial" panose="020B0604020202020204" pitchFamily="34" charset="0"/>
+              <a:buChar char="•"/>
+            </a:pPr>
+            <a:r>
+              <a:rPr lang="zh-CN" altLang="en-US" sz="2000" dirty="0">
+                <a:latin typeface="微软雅黑" panose="020B0503020204020204" pitchFamily="34" charset="-122"/>
+                <a:ea typeface="微软雅黑" panose="020B0503020204020204" pitchFamily="34" charset="-122"/>
+              </a:rPr>
+              <a:t>通常可以直接使用</a:t>
+            </a:r>
+            <a:r>
+              <a:rPr lang="en-US" altLang="zh-CN" sz="2000" dirty="0" err="1">
+                <a:latin typeface="微软雅黑" panose="020B0503020204020204" pitchFamily="34" charset="-122"/>
+                <a:ea typeface="微软雅黑" panose="020B0503020204020204" pitchFamily="34" charset="-122"/>
+              </a:rPr>
+              <a:t>json_encode</a:t>
+            </a:r>
+            <a:r>
+              <a:rPr lang="en-US" altLang="zh-CN" sz="2000" dirty="0">
+                <a:latin typeface="微软雅黑" panose="020B0503020204020204" pitchFamily="34" charset="-122"/>
+                <a:ea typeface="微软雅黑" panose="020B0503020204020204" pitchFamily="34" charset="-122"/>
+              </a:rPr>
+              <a:t>($data);</a:t>
+            </a:r>
+            <a:r>
+              <a:rPr lang="zh-CN" altLang="en-US" sz="2000" dirty="0">
+                <a:latin typeface="微软雅黑" panose="020B0503020204020204" pitchFamily="34" charset="-122"/>
+                <a:ea typeface="微软雅黑" panose="020B0503020204020204" pitchFamily="34" charset="-122"/>
+              </a:rPr>
+              <a:t>后面的参数选项可以没有，网站开发过程中前后端显示数据不会有问题，但是微信服务器会检测数据编码，如果没有参数，在传递</a:t>
+            </a:r>
+            <a:r>
+              <a:rPr lang="en-US" altLang="zh-CN" sz="2000" dirty="0" err="1">
+                <a:latin typeface="微软雅黑" panose="020B0503020204020204" pitchFamily="34" charset="-122"/>
+                <a:ea typeface="微软雅黑" panose="020B0503020204020204" pitchFamily="34" charset="-122"/>
+              </a:rPr>
+              <a:t>json_encode</a:t>
+            </a:r>
+            <a:r>
+              <a:rPr lang="zh-CN" altLang="en-US" sz="2000" dirty="0">
+                <a:latin typeface="微软雅黑" panose="020B0503020204020204" pitchFamily="34" charset="-122"/>
+                <a:ea typeface="微软雅黑" panose="020B0503020204020204" pitchFamily="34" charset="-122"/>
+              </a:rPr>
+              <a:t>编码后的</a:t>
+            </a:r>
+            <a:r>
+              <a:rPr lang="en-US" altLang="zh-CN" sz="2000" dirty="0">
+                <a:latin typeface="微软雅黑" panose="020B0503020204020204" pitchFamily="34" charset="-122"/>
+                <a:ea typeface="微软雅黑" panose="020B0503020204020204" pitchFamily="34" charset="-122"/>
+              </a:rPr>
+              <a:t>JSON</a:t>
+            </a:r>
+            <a:r>
+              <a:rPr lang="zh-CN" altLang="en-US" sz="2000" dirty="0">
+                <a:latin typeface="微软雅黑" panose="020B0503020204020204" pitchFamily="34" charset="-122"/>
+                <a:ea typeface="微软雅黑" panose="020B0503020204020204" pitchFamily="34" charset="-122"/>
+              </a:rPr>
+              <a:t>数据会返回错误信息。这种情况要使用</a:t>
+            </a:r>
+            <a:r>
+              <a:rPr lang="en-US" altLang="zh-CN" sz="2000" dirty="0" err="1">
+                <a:latin typeface="微软雅黑" panose="020B0503020204020204" pitchFamily="34" charset="-122"/>
+                <a:ea typeface="微软雅黑" panose="020B0503020204020204" pitchFamily="34" charset="-122"/>
+              </a:rPr>
+              <a:t>json_encode</a:t>
+            </a:r>
+            <a:r>
+              <a:rPr lang="en-US" altLang="zh-CN" sz="2000" dirty="0">
+                <a:latin typeface="微软雅黑" panose="020B0503020204020204" pitchFamily="34" charset="-122"/>
+                <a:ea typeface="微软雅黑" panose="020B0503020204020204" pitchFamily="34" charset="-122"/>
+              </a:rPr>
+              <a:t>($data, JSON_UNESCAPED_UNICODE);</a:t>
+            </a:r>
+            <a:r>
+              <a:rPr lang="zh-CN" altLang="en-US" sz="2000" dirty="0">
+                <a:latin typeface="微软雅黑" panose="020B0503020204020204" pitchFamily="34" charset="-122"/>
+                <a:ea typeface="微软雅黑" panose="020B0503020204020204" pitchFamily="34" charset="-122"/>
+              </a:rPr>
+              <a:t>处理数据。</a:t>
+            </a:r>
+            <a:endParaRPr lang="en-US" altLang="zh-CN" sz="2000" dirty="0">
+              <a:latin typeface="微软雅黑" panose="020B0503020204020204" pitchFamily="34" charset="-122"/>
+              <a:ea typeface="微软雅黑" panose="020B0503020204020204" pitchFamily="34" charset="-122"/>
+            </a:endParaRPr>
           </a:p>
         </p:txBody>
       </p:sp>
     </p:spTree>
     <p:extLst>
       <p:ext uri="{BB962C8B-B14F-4D97-AF65-F5344CB8AC3E}">
-        <p14:creationId xmlns:p14="http://schemas.microsoft.com/office/powerpoint/2010/main" val="3632675253"/>
+        <p14:creationId xmlns:p14="http://schemas.microsoft.com/office/powerpoint/2010/main" val="2418051394"/>
       </p:ext>
     </p:extLst>
   </p:cSld>
@@ -15534,33 +15525,37 @@
             <p:ph sz="quarter" idx="13"/>
           </p:nvPr>
         </p:nvSpPr>
-        <p:spPr/>
+        <p:spPr>
+          <a:xfrm>
+            <a:off x="1054099" y="543636"/>
+            <a:ext cx="5846763" cy="685800"/>
+          </a:xfrm>
+        </p:spPr>
         <p:txBody>
           <a:bodyPr/>
           <a:lstStyle/>
           <a:p>
             <a:r>
-              <a:rPr lang="en-US" altLang="zh-CN" dirty="0" smtClean="0"/>
+              <a:rPr lang="en-US" altLang="zh-CN" b="0" dirty="0"/>
               <a:t>JSON</a:t>
             </a:r>
             <a:r>
-              <a:rPr lang="zh-CN" altLang="en-US" dirty="0" smtClean="0"/>
-              <a:t>基础</a:t>
-            </a:r>
-            <a:endParaRPr lang="zh-CN" altLang="en-US" dirty="0"/>
-          </a:p>
-        </p:txBody>
-      </p:sp>
-      <p:sp>
-        <p:nvSpPr>
-          <p:cNvPr id="4" name="文本框 3"/>
+              <a:rPr lang="zh-CN" altLang="en-US" b="0" dirty="0"/>
+              <a:t>解析对比</a:t>
+            </a:r>
+          </a:p>
+        </p:txBody>
+      </p:sp>
+      <p:sp>
+        <p:nvSpPr>
+          <p:cNvPr id="6" name="文本框 5"/>
           <p:cNvSpPr txBox="1"/>
           <p:nvPr/>
         </p:nvSpPr>
         <p:spPr>
           <a:xfrm>
-            <a:off x="1054101" y="1614488"/>
-            <a:ext cx="6832600" cy="4662815"/>
+            <a:off x="1054099" y="4329232"/>
+            <a:ext cx="9672637" cy="1921552"/>
           </a:xfrm>
           <a:prstGeom prst="rect">
             <a:avLst/>
@@ -15573,598 +15568,161 @@
           </a:bodyPr>
           <a:lstStyle/>
           <a:p>
-            <a:pPr marL="285750" indent="-285750">
+            <a:pPr marL="342900" indent="-342900">
               <a:lnSpc>
-                <a:spcPct val="150000"/>
+                <a:spcPts val="2900"/>
               </a:lnSpc>
               <a:buFont typeface="Arial" panose="020B0604020202020204" pitchFamily="34" charset="0"/>
               <a:buChar char="•"/>
             </a:pPr>
             <a:r>
-              <a:rPr lang="en-US" altLang="zh-CN" dirty="0">
-                <a:latin typeface="微软雅黑" panose="020B0503020204020204" pitchFamily="34" charset="-122"/>
-                <a:ea typeface="微软雅黑" panose="020B0503020204020204" pitchFamily="34" charset="-122"/>
-              </a:rPr>
-              <a:t>JSON </a:t>
-            </a:r>
-            <a:r>
-              <a:rPr lang="zh-CN" altLang="en-US" dirty="0">
-                <a:latin typeface="微软雅黑" panose="020B0503020204020204" pitchFamily="34" charset="-122"/>
-                <a:ea typeface="微软雅黑" panose="020B0503020204020204" pitchFamily="34" charset="-122"/>
-              </a:rPr>
-              <a:t>是存储和交换文本信息的语法。类似 </a:t>
-            </a:r>
-            <a:r>
-              <a:rPr lang="en-US" altLang="zh-CN" dirty="0">
-                <a:latin typeface="微软雅黑" panose="020B0503020204020204" pitchFamily="34" charset="-122"/>
-                <a:ea typeface="微软雅黑" panose="020B0503020204020204" pitchFamily="34" charset="-122"/>
-              </a:rPr>
-              <a:t>XML</a:t>
-            </a:r>
-            <a:r>
-              <a:rPr lang="zh-CN" altLang="en-US" dirty="0" smtClean="0">
-                <a:latin typeface="微软雅黑" panose="020B0503020204020204" pitchFamily="34" charset="-122"/>
-                <a:ea typeface="微软雅黑" panose="020B0503020204020204" pitchFamily="34" charset="-122"/>
-              </a:rPr>
-              <a:t>。</a:t>
-            </a:r>
-            <a:endParaRPr lang="en-US" altLang="zh-CN" dirty="0" smtClean="0">
-              <a:latin typeface="微软雅黑" panose="020B0503020204020204" pitchFamily="34" charset="-122"/>
-              <a:ea typeface="微软雅黑" panose="020B0503020204020204" pitchFamily="34" charset="-122"/>
-            </a:endParaRPr>
-          </a:p>
-          <a:p>
-            <a:pPr marL="285750" indent="-285750">
+              <a:rPr lang="en-US" altLang="zh-CN" sz="2000" dirty="0" err="1">
+                <a:latin typeface="微软雅黑" panose="020B0503020204020204" pitchFamily="34" charset="-122"/>
+                <a:ea typeface="微软雅黑" panose="020B0503020204020204" pitchFamily="34" charset="-122"/>
+              </a:rPr>
+              <a:t>json_encode</a:t>
+            </a:r>
+            <a:r>
+              <a:rPr lang="en-US" altLang="zh-CN" sz="2000" dirty="0">
+                <a:latin typeface="微软雅黑" panose="020B0503020204020204" pitchFamily="34" charset="-122"/>
+                <a:ea typeface="微软雅黑" panose="020B0503020204020204" pitchFamily="34" charset="-122"/>
+              </a:rPr>
+              <a:t>($data)</a:t>
+            </a:r>
+            <a:r>
+              <a:rPr lang="zh-CN" altLang="en-US" sz="2000" dirty="0">
+                <a:latin typeface="微软雅黑" panose="020B0503020204020204" pitchFamily="34" charset="-122"/>
+                <a:ea typeface="微软雅黑" panose="020B0503020204020204" pitchFamily="34" charset="-122"/>
+              </a:rPr>
+              <a:t>返回数据：</a:t>
+            </a:r>
+            <a:endParaRPr lang="en-US" altLang="zh-CN" sz="2000" dirty="0"/>
+          </a:p>
+          <a:p>
+            <a:pPr lvl="1">
               <a:lnSpc>
-                <a:spcPct val="150000"/>
+                <a:spcPts val="2900"/>
+              </a:lnSpc>
+            </a:pPr>
+            <a:r>
+              <a:rPr lang="pl-PL" altLang="zh-CN" sz="2000" dirty="0"/>
+              <a:t>{"name":"\u6cb3\u5317\u5e08\u8303\u5927\u5b66","address":"\u6cb3\u5317\u77f3\u5bb6\u5e84\u88d5\u534e\u533a\u5357\u4e8c\u73af"}</a:t>
+            </a:r>
+            <a:endParaRPr lang="en-US" altLang="zh-CN" sz="2000" dirty="0"/>
+          </a:p>
+          <a:p>
+            <a:pPr marL="342900" indent="-342900">
+              <a:lnSpc>
+                <a:spcPts val="2900"/>
               </a:lnSpc>
               <a:buFont typeface="Arial" panose="020B0604020202020204" pitchFamily="34" charset="0"/>
               <a:buChar char="•"/>
             </a:pPr>
             <a:r>
-              <a:rPr lang="en-US" altLang="zh-CN" dirty="0">
-                <a:latin typeface="微软雅黑" panose="020B0503020204020204" pitchFamily="34" charset="-122"/>
-                <a:ea typeface="微软雅黑" panose="020B0503020204020204" pitchFamily="34" charset="-122"/>
-              </a:rPr>
-              <a:t>JSON </a:t>
-            </a:r>
-            <a:r>
-              <a:rPr lang="zh-CN" altLang="en-US" dirty="0">
-                <a:latin typeface="微软雅黑" panose="020B0503020204020204" pitchFamily="34" charset="-122"/>
-                <a:ea typeface="微软雅黑" panose="020B0503020204020204" pitchFamily="34" charset="-122"/>
-              </a:rPr>
-              <a:t>比 </a:t>
-            </a:r>
-            <a:r>
-              <a:rPr lang="en-US" altLang="zh-CN" dirty="0">
-                <a:latin typeface="微软雅黑" panose="020B0503020204020204" pitchFamily="34" charset="-122"/>
-                <a:ea typeface="微软雅黑" panose="020B0503020204020204" pitchFamily="34" charset="-122"/>
-              </a:rPr>
-              <a:t>XML </a:t>
-            </a:r>
-            <a:r>
-              <a:rPr lang="zh-CN" altLang="en-US" dirty="0">
-                <a:latin typeface="微软雅黑" panose="020B0503020204020204" pitchFamily="34" charset="-122"/>
-                <a:ea typeface="微软雅黑" panose="020B0503020204020204" pitchFamily="34" charset="-122"/>
-              </a:rPr>
-              <a:t>更小、更快，更易解析</a:t>
-            </a:r>
-            <a:r>
-              <a:rPr lang="zh-CN" altLang="en-US" dirty="0" smtClean="0">
-                <a:latin typeface="微软雅黑" panose="020B0503020204020204" pitchFamily="34" charset="-122"/>
-                <a:ea typeface="微软雅黑" panose="020B0503020204020204" pitchFamily="34" charset="-122"/>
-              </a:rPr>
-              <a:t>。</a:t>
-            </a:r>
-            <a:endParaRPr lang="en-US" altLang="zh-CN" dirty="0" smtClean="0">
+              <a:rPr lang="en-US" altLang="zh-CN" sz="2000" dirty="0" err="1">
+                <a:latin typeface="微软雅黑" panose="020B0503020204020204" pitchFamily="34" charset="-122"/>
+                <a:ea typeface="微软雅黑" panose="020B0503020204020204" pitchFamily="34" charset="-122"/>
+              </a:rPr>
+              <a:t>json_encode</a:t>
+            </a:r>
+            <a:r>
+              <a:rPr lang="en-US" altLang="zh-CN" sz="2000" dirty="0">
+                <a:latin typeface="微软雅黑" panose="020B0503020204020204" pitchFamily="34" charset="-122"/>
+                <a:ea typeface="微软雅黑" panose="020B0503020204020204" pitchFamily="34" charset="-122"/>
+              </a:rPr>
+              <a:t>($data, JSON_UNESCAPED_UNICODE)</a:t>
+            </a:r>
+            <a:r>
+              <a:rPr lang="zh-CN" altLang="en-US" sz="2000" dirty="0">
+                <a:latin typeface="微软雅黑" panose="020B0503020204020204" pitchFamily="34" charset="-122"/>
+                <a:ea typeface="微软雅黑" panose="020B0503020204020204" pitchFamily="34" charset="-122"/>
+              </a:rPr>
+              <a:t>返回数据：</a:t>
+            </a:r>
+            <a:endParaRPr lang="en-US" altLang="zh-CN" sz="2000" dirty="0">
               <a:latin typeface="微软雅黑" panose="020B0503020204020204" pitchFamily="34" charset="-122"/>
               <a:ea typeface="微软雅黑" panose="020B0503020204020204" pitchFamily="34" charset="-122"/>
             </a:endParaRPr>
           </a:p>
           <a:p>
-            <a:pPr marL="285750" indent="-285750">
+            <a:pPr lvl="1">
               <a:lnSpc>
-                <a:spcPct val="150000"/>
+                <a:spcPts val="2900"/>
               </a:lnSpc>
-              <a:buFont typeface="Arial" panose="020B0604020202020204" pitchFamily="34" charset="0"/>
-              <a:buChar char="•"/>
             </a:pPr>
             <a:r>
-              <a:rPr lang="en-US" altLang="zh-CN" dirty="0">
-                <a:latin typeface="微软雅黑" panose="020B0503020204020204" pitchFamily="34" charset="-122"/>
-                <a:ea typeface="微软雅黑" panose="020B0503020204020204" pitchFamily="34" charset="-122"/>
-              </a:rPr>
-              <a:t>JSON </a:t>
-            </a:r>
-            <a:r>
-              <a:rPr lang="zh-CN" altLang="en-US" dirty="0">
-                <a:latin typeface="微软雅黑" panose="020B0503020204020204" pitchFamily="34" charset="-122"/>
-                <a:ea typeface="微软雅黑" panose="020B0503020204020204" pitchFamily="34" charset="-122"/>
-              </a:rPr>
-              <a:t>使用 </a:t>
-            </a:r>
-            <a:r>
-              <a:rPr lang="en-US" altLang="zh-CN" dirty="0" err="1">
-                <a:latin typeface="微软雅黑" panose="020B0503020204020204" pitchFamily="34" charset="-122"/>
-                <a:ea typeface="微软雅黑" panose="020B0503020204020204" pitchFamily="34" charset="-122"/>
-              </a:rPr>
-              <a:t>Javascript</a:t>
-            </a:r>
-            <a:r>
-              <a:rPr lang="zh-CN" altLang="en-US" dirty="0">
-                <a:latin typeface="微软雅黑" panose="020B0503020204020204" pitchFamily="34" charset="-122"/>
-                <a:ea typeface="微软雅黑" panose="020B0503020204020204" pitchFamily="34" charset="-122"/>
-              </a:rPr>
-              <a:t>语法来描述数据对象，但是 </a:t>
-            </a:r>
-            <a:r>
-              <a:rPr lang="en-US" altLang="zh-CN" dirty="0">
-                <a:latin typeface="微软雅黑" panose="020B0503020204020204" pitchFamily="34" charset="-122"/>
-                <a:ea typeface="微软雅黑" panose="020B0503020204020204" pitchFamily="34" charset="-122"/>
-              </a:rPr>
-              <a:t>JSON </a:t>
-            </a:r>
-            <a:r>
-              <a:rPr lang="zh-CN" altLang="en-US" dirty="0">
-                <a:latin typeface="微软雅黑" panose="020B0503020204020204" pitchFamily="34" charset="-122"/>
-                <a:ea typeface="微软雅黑" panose="020B0503020204020204" pitchFamily="34" charset="-122"/>
-              </a:rPr>
-              <a:t>仍然独立于语言和平台。</a:t>
-            </a:r>
-            <a:r>
-              <a:rPr lang="en-US" altLang="zh-CN" dirty="0">
-                <a:latin typeface="微软雅黑" panose="020B0503020204020204" pitchFamily="34" charset="-122"/>
-                <a:ea typeface="微软雅黑" panose="020B0503020204020204" pitchFamily="34" charset="-122"/>
-              </a:rPr>
-              <a:t>JSON </a:t>
-            </a:r>
-            <a:r>
-              <a:rPr lang="zh-CN" altLang="en-US" dirty="0">
-                <a:latin typeface="微软雅黑" panose="020B0503020204020204" pitchFamily="34" charset="-122"/>
-                <a:ea typeface="微软雅黑" panose="020B0503020204020204" pitchFamily="34" charset="-122"/>
-              </a:rPr>
-              <a:t>解析器和 </a:t>
-            </a:r>
-            <a:r>
-              <a:rPr lang="en-US" altLang="zh-CN" dirty="0">
-                <a:latin typeface="微软雅黑" panose="020B0503020204020204" pitchFamily="34" charset="-122"/>
-                <a:ea typeface="微软雅黑" panose="020B0503020204020204" pitchFamily="34" charset="-122"/>
-              </a:rPr>
-              <a:t>JSON </a:t>
-            </a:r>
-            <a:r>
-              <a:rPr lang="zh-CN" altLang="en-US" dirty="0">
-                <a:latin typeface="微软雅黑" panose="020B0503020204020204" pitchFamily="34" charset="-122"/>
-                <a:ea typeface="微软雅黑" panose="020B0503020204020204" pitchFamily="34" charset="-122"/>
-              </a:rPr>
-              <a:t>库支持许多不同的编程语言</a:t>
-            </a:r>
-            <a:r>
-              <a:rPr lang="zh-CN" altLang="en-US" dirty="0" smtClean="0">
-                <a:latin typeface="微软雅黑" panose="020B0503020204020204" pitchFamily="34" charset="-122"/>
-                <a:ea typeface="微软雅黑" panose="020B0503020204020204" pitchFamily="34" charset="-122"/>
-              </a:rPr>
-              <a:t>。</a:t>
-            </a:r>
-            <a:endParaRPr lang="en-US" altLang="zh-CN" dirty="0" smtClean="0">
+              <a:rPr lang="en-US" altLang="zh-CN" sz="2000" dirty="0"/>
+              <a:t>{"name":"</a:t>
+            </a:r>
+            <a:r>
+              <a:rPr lang="zh-CN" altLang="en-US" sz="2000" dirty="0"/>
+              <a:t>河北师范大学</a:t>
+            </a:r>
+            <a:r>
+              <a:rPr lang="en-US" altLang="zh-CN" sz="2000" dirty="0"/>
+              <a:t>","address":"</a:t>
+            </a:r>
+            <a:r>
+              <a:rPr lang="zh-CN" altLang="en-US" sz="2000" dirty="0"/>
+              <a:t>河北石家庄裕华区南二环</a:t>
+            </a:r>
+            <a:r>
+              <a:rPr lang="en-US" altLang="zh-CN" sz="2000" dirty="0"/>
+              <a:t>"}</a:t>
+            </a:r>
+            <a:endParaRPr lang="en-US" altLang="zh-CN" sz="2000" dirty="0">
               <a:latin typeface="微软雅黑" panose="020B0503020204020204" pitchFamily="34" charset="-122"/>
               <a:ea typeface="微软雅黑" panose="020B0503020204020204" pitchFamily="34" charset="-122"/>
             </a:endParaRPr>
           </a:p>
-          <a:p>
-            <a:pPr marL="285750" indent="-285750">
-              <a:lnSpc>
-                <a:spcPct val="150000"/>
-              </a:lnSpc>
-              <a:buFont typeface="Arial" panose="020B0604020202020204" pitchFamily="34" charset="0"/>
-              <a:buChar char="•"/>
-            </a:pPr>
-            <a:r>
-              <a:rPr lang="en-US" altLang="zh-CN" dirty="0">
-                <a:latin typeface="微软雅黑" panose="020B0503020204020204" pitchFamily="34" charset="-122"/>
-                <a:ea typeface="微软雅黑" panose="020B0503020204020204" pitchFamily="34" charset="-122"/>
-              </a:rPr>
-              <a:t>JSON </a:t>
-            </a:r>
-            <a:r>
-              <a:rPr lang="zh-CN" altLang="en-US" dirty="0">
-                <a:latin typeface="微软雅黑" panose="020B0503020204020204" pitchFamily="34" charset="-122"/>
-                <a:ea typeface="微软雅黑" panose="020B0503020204020204" pitchFamily="34" charset="-122"/>
-              </a:rPr>
-              <a:t>语法是 </a:t>
-            </a:r>
-            <a:r>
-              <a:rPr lang="en-US" altLang="zh-CN" dirty="0">
-                <a:latin typeface="微软雅黑" panose="020B0503020204020204" pitchFamily="34" charset="-122"/>
-                <a:ea typeface="微软雅黑" panose="020B0503020204020204" pitchFamily="34" charset="-122"/>
-              </a:rPr>
-              <a:t>JavaScript </a:t>
-            </a:r>
-            <a:r>
-              <a:rPr lang="zh-CN" altLang="en-US" dirty="0">
-                <a:latin typeface="微软雅黑" panose="020B0503020204020204" pitchFamily="34" charset="-122"/>
-                <a:ea typeface="微软雅黑" panose="020B0503020204020204" pitchFamily="34" charset="-122"/>
-              </a:rPr>
-              <a:t>语法的子集。</a:t>
-            </a:r>
-            <a:endParaRPr lang="en-US" altLang="zh-CN" dirty="0" smtClean="0">
-              <a:latin typeface="微软雅黑" panose="020B0503020204020204" pitchFamily="34" charset="-122"/>
-              <a:ea typeface="微软雅黑" panose="020B0503020204020204" pitchFamily="34" charset="-122"/>
-            </a:endParaRPr>
-          </a:p>
-          <a:p>
-            <a:pPr marL="285750" indent="-285750">
-              <a:lnSpc>
-                <a:spcPct val="150000"/>
-              </a:lnSpc>
-              <a:buFont typeface="Arial" panose="020B0604020202020204" pitchFamily="34" charset="0"/>
-              <a:buChar char="•"/>
-            </a:pPr>
-            <a:r>
-              <a:rPr lang="en-US" altLang="zh-CN" dirty="0">
-                <a:latin typeface="微软雅黑" panose="020B0503020204020204" pitchFamily="34" charset="-122"/>
-                <a:ea typeface="微软雅黑" panose="020B0503020204020204" pitchFamily="34" charset="-122"/>
-              </a:rPr>
-              <a:t>JSON </a:t>
-            </a:r>
-            <a:r>
-              <a:rPr lang="zh-CN" altLang="en-US" dirty="0">
-                <a:latin typeface="微软雅黑" panose="020B0503020204020204" pitchFamily="34" charset="-122"/>
-                <a:ea typeface="微软雅黑" panose="020B0503020204020204" pitchFamily="34" charset="-122"/>
-              </a:rPr>
-              <a:t>语法是 </a:t>
-            </a:r>
-            <a:r>
-              <a:rPr lang="en-US" altLang="zh-CN" dirty="0">
-                <a:latin typeface="微软雅黑" panose="020B0503020204020204" pitchFamily="34" charset="-122"/>
-                <a:ea typeface="微软雅黑" panose="020B0503020204020204" pitchFamily="34" charset="-122"/>
-              </a:rPr>
-              <a:t>JavaScript </a:t>
-            </a:r>
-            <a:r>
-              <a:rPr lang="zh-CN" altLang="en-US" dirty="0">
-                <a:latin typeface="微软雅黑" panose="020B0503020204020204" pitchFamily="34" charset="-122"/>
-                <a:ea typeface="微软雅黑" panose="020B0503020204020204" pitchFamily="34" charset="-122"/>
-              </a:rPr>
-              <a:t>对象表示法语法的</a:t>
-            </a:r>
-            <a:r>
-              <a:rPr lang="zh-CN" altLang="en-US" dirty="0" smtClean="0">
-                <a:latin typeface="微软雅黑" panose="020B0503020204020204" pitchFamily="34" charset="-122"/>
-                <a:ea typeface="微软雅黑" panose="020B0503020204020204" pitchFamily="34" charset="-122"/>
-              </a:rPr>
-              <a:t>子集：</a:t>
-            </a:r>
-            <a:endParaRPr lang="zh-CN" altLang="en-US" dirty="0">
-              <a:latin typeface="微软雅黑" panose="020B0503020204020204" pitchFamily="34" charset="-122"/>
-              <a:ea typeface="微软雅黑" panose="020B0503020204020204" pitchFamily="34" charset="-122"/>
-            </a:endParaRPr>
-          </a:p>
-          <a:p>
-            <a:pPr lvl="1">
-              <a:lnSpc>
-                <a:spcPct val="150000"/>
-              </a:lnSpc>
-            </a:pPr>
-            <a:r>
-              <a:rPr lang="zh-CN" altLang="en-US" dirty="0">
-                <a:latin typeface="微软雅黑" panose="020B0503020204020204" pitchFamily="34" charset="-122"/>
-                <a:ea typeface="微软雅黑" panose="020B0503020204020204" pitchFamily="34" charset="-122"/>
-              </a:rPr>
-              <a:t>    数据在名称</a:t>
-            </a:r>
-            <a:r>
-              <a:rPr lang="en-US" altLang="zh-CN" dirty="0">
-                <a:latin typeface="微软雅黑" panose="020B0503020204020204" pitchFamily="34" charset="-122"/>
-                <a:ea typeface="微软雅黑" panose="020B0503020204020204" pitchFamily="34" charset="-122"/>
-              </a:rPr>
-              <a:t>/</a:t>
-            </a:r>
-            <a:r>
-              <a:rPr lang="zh-CN" altLang="en-US" dirty="0">
-                <a:latin typeface="微软雅黑" panose="020B0503020204020204" pitchFamily="34" charset="-122"/>
-                <a:ea typeface="微软雅黑" panose="020B0503020204020204" pitchFamily="34" charset="-122"/>
-              </a:rPr>
-              <a:t>值对中</a:t>
-            </a:r>
-          </a:p>
-          <a:p>
-            <a:pPr lvl="1">
-              <a:lnSpc>
-                <a:spcPct val="150000"/>
-              </a:lnSpc>
-            </a:pPr>
-            <a:r>
-              <a:rPr lang="zh-CN" altLang="en-US" dirty="0">
-                <a:latin typeface="微软雅黑" panose="020B0503020204020204" pitchFamily="34" charset="-122"/>
-                <a:ea typeface="微软雅黑" panose="020B0503020204020204" pitchFamily="34" charset="-122"/>
-              </a:rPr>
-              <a:t>    数据由逗号分隔</a:t>
-            </a:r>
-          </a:p>
-          <a:p>
-            <a:pPr lvl="1">
-              <a:lnSpc>
-                <a:spcPct val="150000"/>
-              </a:lnSpc>
-            </a:pPr>
-            <a:r>
-              <a:rPr lang="zh-CN" altLang="en-US" dirty="0">
-                <a:latin typeface="微软雅黑" panose="020B0503020204020204" pitchFamily="34" charset="-122"/>
-                <a:ea typeface="微软雅黑" panose="020B0503020204020204" pitchFamily="34" charset="-122"/>
-              </a:rPr>
-              <a:t>    大括号保存对象</a:t>
-            </a:r>
-          </a:p>
-          <a:p>
-            <a:pPr lvl="1">
-              <a:lnSpc>
-                <a:spcPct val="150000"/>
-              </a:lnSpc>
-            </a:pPr>
-            <a:r>
-              <a:rPr lang="zh-CN" altLang="en-US" dirty="0">
-                <a:latin typeface="微软雅黑" panose="020B0503020204020204" pitchFamily="34" charset="-122"/>
-                <a:ea typeface="微软雅黑" panose="020B0503020204020204" pitchFamily="34" charset="-122"/>
-              </a:rPr>
-              <a:t>    中括号保存</a:t>
-            </a:r>
-            <a:r>
-              <a:rPr lang="zh-CN" altLang="en-US" dirty="0" smtClean="0">
-                <a:latin typeface="微软雅黑" panose="020B0503020204020204" pitchFamily="34" charset="-122"/>
-                <a:ea typeface="微软雅黑" panose="020B0503020204020204" pitchFamily="34" charset="-122"/>
-              </a:rPr>
-              <a:t>数组</a:t>
-            </a:r>
-            <a:endParaRPr lang="zh-CN" altLang="en-US" dirty="0">
-              <a:latin typeface="微软雅黑" panose="020B0503020204020204" pitchFamily="34" charset="-122"/>
-              <a:ea typeface="微软雅黑" panose="020B0503020204020204" pitchFamily="34" charset="-122"/>
-            </a:endParaRPr>
-          </a:p>
-        </p:txBody>
-      </p:sp>
-      <p:sp>
-        <p:nvSpPr>
-          <p:cNvPr id="5" name="文本框 4"/>
-          <p:cNvSpPr txBox="1"/>
+        </p:txBody>
+      </p:sp>
+      <p:pic>
+        <p:nvPicPr>
+          <p:cNvPr id="7" name="图片 6">
+            <a:extLst>
+              <a:ext uri="{FF2B5EF4-FFF2-40B4-BE49-F238E27FC236}">
+                <a16:creationId xmlns:a16="http://schemas.microsoft.com/office/drawing/2014/main" id="{F5795D11-2042-4115-9D38-4989D14736A9}"/>
+              </a:ext>
+            </a:extLst>
+          </p:cNvPr>
+          <p:cNvPicPr>
+            <a:picLocks noChangeAspect="1"/>
+          </p:cNvPicPr>
           <p:nvPr/>
-        </p:nvSpPr>
+        </p:nvPicPr>
+        <p:blipFill>
+          <a:blip r:embed="rId2">
+            <a:extLst>
+              <a:ext uri="{28A0092B-C50C-407E-A947-70E740481C1C}">
+                <a14:useLocalDpi xmlns:a14="http://schemas.microsoft.com/office/drawing/2010/main" val="0"/>
+              </a:ext>
+            </a:extLst>
+          </a:blip>
+          <a:stretch>
+            <a:fillRect/>
+          </a:stretch>
+        </p:blipFill>
         <p:spPr>
           <a:xfrm>
-            <a:off x="8129589" y="1614488"/>
-            <a:ext cx="3786187" cy="3970318"/>
+            <a:off x="1054099" y="1628315"/>
+            <a:ext cx="9047868" cy="2365615"/>
           </a:xfrm>
           <a:prstGeom prst="rect">
             <a:avLst/>
           </a:prstGeom>
-          <a:noFill/>
         </p:spPr>
-        <p:txBody>
-          <a:bodyPr wrap="square" rtlCol="0">
-            <a:spAutoFit/>
-          </a:bodyPr>
-          <a:lstStyle/>
-          <a:p>
-            <a:r>
-              <a:rPr lang="zh-CN" altLang="en-US" dirty="0" smtClean="0"/>
-              <a:t>示例：</a:t>
-            </a:r>
-            <a:endParaRPr lang="en-US" altLang="zh-CN" dirty="0" smtClean="0"/>
-          </a:p>
-          <a:p>
-            <a:r>
-              <a:rPr lang="en-US" altLang="zh-CN" dirty="0" smtClean="0"/>
-              <a:t>{</a:t>
-            </a:r>
-          </a:p>
-          <a:p>
-            <a:r>
-              <a:rPr lang="en-US" altLang="zh-CN" dirty="0"/>
-              <a:t> </a:t>
-            </a:r>
-            <a:r>
-              <a:rPr lang="en-US" altLang="zh-CN" dirty="0" smtClean="0"/>
-              <a:t>   "</a:t>
-            </a:r>
-            <a:r>
-              <a:rPr lang="en-US" altLang="zh-CN" dirty="0"/>
-              <a:t>name":"</a:t>
-            </a:r>
-            <a:r>
-              <a:rPr lang="en-US" altLang="zh-CN" dirty="0" err="1"/>
-              <a:t>AlbertWang</a:t>
-            </a:r>
-            <a:r>
-              <a:rPr lang="en-US" altLang="zh-CN" dirty="0" smtClean="0"/>
-              <a:t>",</a:t>
-            </a:r>
-          </a:p>
-          <a:p>
-            <a:r>
-              <a:rPr lang="en-US" altLang="zh-CN" dirty="0" smtClean="0"/>
-              <a:t>    </a:t>
-            </a:r>
-            <a:r>
-              <a:rPr lang="en-US" altLang="zh-CN" dirty="0"/>
-              <a:t>"age":"27",    </a:t>
-            </a:r>
-            <a:r>
-              <a:rPr lang="en-US" altLang="zh-CN" dirty="0" smtClean="0"/>
-              <a:t>        </a:t>
-            </a:r>
-          </a:p>
-          <a:p>
-            <a:r>
-              <a:rPr lang="en-US" altLang="zh-CN" dirty="0"/>
-              <a:t> </a:t>
-            </a:r>
-            <a:r>
-              <a:rPr lang="en-US" altLang="zh-CN" dirty="0" smtClean="0"/>
-              <a:t>   "</a:t>
-            </a:r>
-            <a:r>
-              <a:rPr lang="en-US" altLang="zh-CN" dirty="0"/>
-              <a:t>info</a:t>
-            </a:r>
-            <a:r>
-              <a:rPr lang="en-US" altLang="zh-CN" dirty="0" smtClean="0"/>
-              <a:t>":{</a:t>
-            </a:r>
-          </a:p>
-          <a:p>
-            <a:r>
-              <a:rPr lang="en-US" altLang="zh-CN" dirty="0"/>
-              <a:t> </a:t>
-            </a:r>
-            <a:r>
-              <a:rPr lang="en-US" altLang="zh-CN" dirty="0" smtClean="0"/>
-              <a:t>         </a:t>
-            </a:r>
-            <a:r>
-              <a:rPr lang="en-US" altLang="zh-CN" dirty="0"/>
-              <a:t>"</a:t>
-            </a:r>
-            <a:r>
-              <a:rPr lang="en-US" altLang="zh-CN" dirty="0" err="1"/>
-              <a:t>sex":"male</a:t>
-            </a:r>
-            <a:r>
-              <a:rPr lang="en-US" altLang="zh-CN" dirty="0"/>
-              <a:t>",      </a:t>
-            </a:r>
-            <a:r>
-              <a:rPr lang="en-US" altLang="zh-CN" dirty="0" smtClean="0"/>
-              <a:t>  </a:t>
-            </a:r>
-          </a:p>
-          <a:p>
-            <a:r>
-              <a:rPr lang="en-US" altLang="zh-CN" dirty="0"/>
-              <a:t> </a:t>
-            </a:r>
-            <a:r>
-              <a:rPr lang="en-US" altLang="zh-CN" dirty="0" smtClean="0"/>
-              <a:t>         "</a:t>
-            </a:r>
-            <a:r>
-              <a:rPr lang="en-US" altLang="zh-CN" dirty="0" err="1"/>
-              <a:t>native_place":"</a:t>
-            </a:r>
-            <a:r>
-              <a:rPr lang="en-US" altLang="zh-CN" dirty="0" err="1" smtClean="0"/>
-              <a:t>Hebei</a:t>
-            </a:r>
-            <a:r>
-              <a:rPr lang="en-US" altLang="zh-CN" dirty="0" smtClean="0"/>
-              <a:t>“</a:t>
-            </a:r>
-          </a:p>
-          <a:p>
-            <a:r>
-              <a:rPr lang="en-US" altLang="zh-CN" dirty="0" smtClean="0"/>
-              <a:t>    },</a:t>
-            </a:r>
-          </a:p>
-          <a:p>
-            <a:r>
-              <a:rPr lang="en-US" altLang="zh-CN" dirty="0" smtClean="0"/>
-              <a:t>    </a:t>
-            </a:r>
-            <a:r>
-              <a:rPr lang="en-US" altLang="zh-CN" dirty="0"/>
-              <a:t>"skill</a:t>
-            </a:r>
-            <a:r>
-              <a:rPr lang="en-US" altLang="zh-CN" dirty="0" smtClean="0"/>
-              <a:t>":[</a:t>
-            </a:r>
-          </a:p>
-          <a:p>
-            <a:r>
-              <a:rPr lang="en-US" altLang="zh-CN" dirty="0"/>
-              <a:t> </a:t>
-            </a:r>
-            <a:r>
-              <a:rPr lang="en-US" altLang="zh-CN" dirty="0" smtClean="0"/>
-              <a:t>        </a:t>
-            </a:r>
-            <a:r>
-              <a:rPr lang="en-US" altLang="zh-CN" dirty="0"/>
-              <a:t>"PHP</a:t>
-            </a:r>
-            <a:r>
-              <a:rPr lang="en-US" altLang="zh-CN" dirty="0" smtClean="0"/>
-              <a:t>",</a:t>
-            </a:r>
-          </a:p>
-          <a:p>
-            <a:r>
-              <a:rPr lang="en-US" altLang="zh-CN" dirty="0"/>
-              <a:t> </a:t>
-            </a:r>
-            <a:r>
-              <a:rPr lang="en-US" altLang="zh-CN" dirty="0" smtClean="0"/>
-              <a:t>        </a:t>
-            </a:r>
-            <a:r>
-              <a:rPr lang="en-US" altLang="zh-CN" dirty="0"/>
-              <a:t>"Python</a:t>
-            </a:r>
-            <a:r>
-              <a:rPr lang="en-US" altLang="zh-CN" dirty="0" smtClean="0"/>
-              <a:t>",</a:t>
-            </a:r>
-          </a:p>
-          <a:p>
-            <a:r>
-              <a:rPr lang="en-US" altLang="zh-CN" dirty="0"/>
-              <a:t> </a:t>
-            </a:r>
-            <a:r>
-              <a:rPr lang="en-US" altLang="zh-CN" dirty="0" smtClean="0"/>
-              <a:t>        </a:t>
-            </a:r>
-            <a:r>
-              <a:rPr lang="en-US" altLang="zh-CN" dirty="0"/>
-              <a:t>"</a:t>
-            </a:r>
-            <a:r>
-              <a:rPr lang="en-US" altLang="zh-CN" dirty="0" smtClean="0"/>
-              <a:t>Linux“</a:t>
-            </a:r>
-          </a:p>
-          <a:p>
-            <a:r>
-              <a:rPr lang="en-US" altLang="zh-CN" dirty="0" smtClean="0"/>
-              <a:t>    ]</a:t>
-            </a:r>
-          </a:p>
-          <a:p>
-            <a:r>
-              <a:rPr lang="en-US" altLang="zh-CN" dirty="0" smtClean="0"/>
-              <a:t>}</a:t>
-            </a:r>
-            <a:endParaRPr lang="zh-CN" altLang="en-US" dirty="0"/>
-          </a:p>
-        </p:txBody>
-      </p:sp>
+      </p:pic>
     </p:spTree>
     <p:extLst>
       <p:ext uri="{BB962C8B-B14F-4D97-AF65-F5344CB8AC3E}">
-        <p14:creationId xmlns:p14="http://schemas.microsoft.com/office/powerpoint/2010/main" val="2100823401"/>
+        <p14:creationId xmlns:p14="http://schemas.microsoft.com/office/powerpoint/2010/main" val="1025370542"/>
       </p:ext>
     </p:extLst>
   </p:cSld>
   <p:clrMapOvr>
     <a:masterClrMapping/>
   </p:clrMapOvr>
-  <p:timing>
-    <p:tnLst>
-      <p:par>
-        <p:cTn id="1" dur="indefinite" restart="never" nodeType="tmRoot"/>
-      </p:par>
-    </p:tnLst>
-  </p:timing>
 </p:sld>
 </file>
 
@@ -16197,8 +15755,8 @@
         </p:nvSpPr>
         <p:spPr>
           <a:xfrm>
-            <a:off x="1054099" y="543636"/>
-            <a:ext cx="5846763" cy="685800"/>
+            <a:off x="1054100" y="543636"/>
+            <a:ext cx="7304088" cy="685800"/>
           </a:xfrm>
         </p:spPr>
         <p:txBody>
@@ -16206,27 +15764,22 @@
           <a:lstStyle/>
           <a:p>
             <a:r>
-              <a:rPr lang="en-US" altLang="zh-CN" dirty="0" smtClean="0"/>
-              <a:t>JSON</a:t>
-            </a:r>
-            <a:r>
-              <a:rPr lang="zh-CN" altLang="en-US" dirty="0" smtClean="0"/>
-              <a:t>格式解析处理</a:t>
-            </a:r>
-            <a:endParaRPr lang="zh-CN" altLang="en-US" dirty="0"/>
-          </a:p>
-        </p:txBody>
-      </p:sp>
-      <p:sp>
-        <p:nvSpPr>
-          <p:cNvPr id="6" name="文本框 5"/>
+              <a:rPr lang="zh-CN" altLang="en-US" dirty="0"/>
+              <a:t>第三讲</a:t>
+            </a:r>
+          </a:p>
+        </p:txBody>
+      </p:sp>
+      <p:sp>
+        <p:nvSpPr>
+          <p:cNvPr id="4" name="文本框 3"/>
           <p:cNvSpPr txBox="1"/>
           <p:nvPr/>
         </p:nvSpPr>
         <p:spPr>
           <a:xfrm>
-            <a:off x="1243013" y="1814513"/>
-            <a:ext cx="9672637" cy="2807948"/>
+            <a:off x="4058444" y="2343152"/>
+            <a:ext cx="4699794" cy="2062103"/>
           </a:xfrm>
           <a:prstGeom prst="rect">
             <a:avLst/>
@@ -16239,340 +15792,127 @@
           </a:bodyPr>
           <a:lstStyle/>
           <a:p>
-            <a:pPr marL="285750" indent="-285750">
+            <a:pPr marL="514350" indent="-514350">
               <a:lnSpc>
-                <a:spcPct val="150000"/>
+                <a:spcPct val="200000"/>
               </a:lnSpc>
-              <a:buFont typeface="Arial" panose="020B0604020202020204" pitchFamily="34" charset="0"/>
-              <a:buChar char="•"/>
+              <a:buFont typeface="+mj-ea"/>
+              <a:buAutoNum type="ea1JpnChsDbPeriod"/>
             </a:pPr>
             <a:r>
-              <a:rPr lang="en-US" altLang="zh-CN" sz="2000" dirty="0" smtClean="0">
-                <a:latin typeface="微软雅黑" panose="020B0503020204020204" pitchFamily="34" charset="-122"/>
-                <a:ea typeface="微软雅黑" panose="020B0503020204020204" pitchFamily="34" charset="-122"/>
-              </a:rPr>
-              <a:t>PHP</a:t>
-            </a:r>
-            <a:r>
-              <a:rPr lang="zh-CN" altLang="en-US" sz="2000" dirty="0" smtClean="0">
-                <a:latin typeface="微软雅黑" panose="020B0503020204020204" pitchFamily="34" charset="-122"/>
-                <a:ea typeface="微软雅黑" panose="020B0503020204020204" pitchFamily="34" charset="-122"/>
-              </a:rPr>
-              <a:t>处理：</a:t>
-            </a:r>
-            <a:endParaRPr lang="en-US" altLang="zh-CN" sz="2000" dirty="0" smtClean="0">
+              <a:rPr lang="zh-CN" altLang="en-US" sz="2000" dirty="0">
+                <a:solidFill>
+                  <a:schemeClr val="tx1">
+                    <a:lumMod val="65000"/>
+                    <a:lumOff val="35000"/>
+                  </a:schemeClr>
+                </a:solidFill>
+                <a:latin typeface="微软雅黑" panose="020B0503020204020204" pitchFamily="34" charset="-122"/>
+                <a:ea typeface="微软雅黑" panose="020B0503020204020204" pitchFamily="34" charset="-122"/>
+              </a:rPr>
+              <a:t>使用微信测试号</a:t>
+            </a:r>
+            <a:endParaRPr lang="en-US" altLang="zh-CN" sz="2000" dirty="0">
+              <a:solidFill>
+                <a:schemeClr val="tx1">
+                  <a:lumMod val="65000"/>
+                  <a:lumOff val="35000"/>
+                </a:schemeClr>
+              </a:solidFill>
               <a:latin typeface="微软雅黑" panose="020B0503020204020204" pitchFamily="34" charset="-122"/>
               <a:ea typeface="微软雅黑" panose="020B0503020204020204" pitchFamily="34" charset="-122"/>
             </a:endParaRPr>
           </a:p>
           <a:p>
-            <a:pPr marL="742950" lvl="1" indent="-285750">
+            <a:pPr marL="514350" indent="-514350">
               <a:lnSpc>
-                <a:spcPct val="150000"/>
+                <a:spcPct val="200000"/>
               </a:lnSpc>
-              <a:buFont typeface="Arial" panose="020B0604020202020204" pitchFamily="34" charset="0"/>
-              <a:buChar char="•"/>
+              <a:buFont typeface="+mj-ea"/>
+              <a:buAutoNum type="ea1JpnChsDbPeriod"/>
             </a:pPr>
             <a:r>
-              <a:rPr lang="en-US" altLang="zh-CN" sz="2000" dirty="0" err="1" smtClean="0">
-                <a:latin typeface="微软雅黑" panose="020B0503020204020204" pitchFamily="34" charset="-122"/>
-                <a:ea typeface="微软雅黑" panose="020B0503020204020204" pitchFamily="34" charset="-122"/>
-              </a:rPr>
-              <a:t>json_encode</a:t>
-            </a:r>
-            <a:r>
-              <a:rPr lang="en-US" altLang="zh-CN" sz="2000" dirty="0" smtClean="0">
-                <a:latin typeface="微软雅黑" panose="020B0503020204020204" pitchFamily="34" charset="-122"/>
-                <a:ea typeface="微软雅黑" panose="020B0503020204020204" pitchFamily="34" charset="-122"/>
-              </a:rPr>
-              <a:t>($data);</a:t>
-            </a:r>
-            <a:r>
-              <a:rPr lang="zh-CN" altLang="en-US" sz="2000" dirty="0" smtClean="0">
-                <a:latin typeface="微软雅黑" panose="020B0503020204020204" pitchFamily="34" charset="-122"/>
-                <a:ea typeface="微软雅黑" panose="020B0503020204020204" pitchFamily="34" charset="-122"/>
-              </a:rPr>
-              <a:t>把数组转换成</a:t>
-            </a:r>
-            <a:r>
-              <a:rPr lang="en-US" altLang="zh-CN" sz="2000" dirty="0" smtClean="0">
+              <a:rPr lang="en-US" altLang="zh-CN" sz="2000" dirty="0">
+                <a:solidFill>
+                  <a:schemeClr val="tx1">
+                    <a:lumMod val="65000"/>
+                    <a:lumOff val="35000"/>
+                  </a:schemeClr>
+                </a:solidFill>
+                <a:latin typeface="微软雅黑" panose="020B0503020204020204" pitchFamily="34" charset="-122"/>
+                <a:ea typeface="微软雅黑" panose="020B0503020204020204" pitchFamily="34" charset="-122"/>
+              </a:rPr>
+              <a:t>CURL</a:t>
+            </a:r>
+            <a:r>
+              <a:rPr lang="zh-CN" altLang="en-US" sz="2000" dirty="0">
+                <a:solidFill>
+                  <a:schemeClr val="tx1">
+                    <a:lumMod val="65000"/>
+                    <a:lumOff val="35000"/>
+                  </a:schemeClr>
+                </a:solidFill>
+                <a:latin typeface="微软雅黑" panose="020B0503020204020204" pitchFamily="34" charset="-122"/>
+                <a:ea typeface="微软雅黑" panose="020B0503020204020204" pitchFamily="34" charset="-122"/>
+              </a:rPr>
+              <a:t>与</a:t>
+            </a:r>
+            <a:r>
+              <a:rPr lang="en-US" altLang="zh-CN" sz="2000" dirty="0">
+                <a:solidFill>
+                  <a:schemeClr val="tx1">
+                    <a:lumMod val="65000"/>
+                    <a:lumOff val="35000"/>
+                  </a:schemeClr>
+                </a:solidFill>
                 <a:latin typeface="微软雅黑" panose="020B0503020204020204" pitchFamily="34" charset="-122"/>
                 <a:ea typeface="微软雅黑" panose="020B0503020204020204" pitchFamily="34" charset="-122"/>
               </a:rPr>
               <a:t>JSON</a:t>
             </a:r>
-            <a:r>
-              <a:rPr lang="zh-CN" altLang="en-US" sz="2000" dirty="0" smtClean="0">
-                <a:latin typeface="微软雅黑" panose="020B0503020204020204" pitchFamily="34" charset="-122"/>
-                <a:ea typeface="微软雅黑" panose="020B0503020204020204" pitchFamily="34" charset="-122"/>
-              </a:rPr>
-              <a:t>格式字符串。</a:t>
-            </a:r>
-            <a:endParaRPr lang="en-US" altLang="zh-CN" sz="2000" dirty="0" smtClean="0">
+          </a:p>
+          <a:p>
+            <a:pPr marL="514350" indent="-514350">
+              <a:lnSpc>
+                <a:spcPct val="200000"/>
+              </a:lnSpc>
+              <a:buFont typeface="+mj-ea"/>
+              <a:buAutoNum type="ea1JpnChsDbPeriod"/>
+            </a:pPr>
+            <a:r>
+              <a:rPr lang="zh-CN" altLang="en-US" sz="2400" dirty="0">
+                <a:solidFill>
+                  <a:schemeClr val="accent6">
+                    <a:lumMod val="75000"/>
+                  </a:schemeClr>
+                </a:solidFill>
+                <a:latin typeface="微软雅黑" panose="020B0503020204020204" pitchFamily="34" charset="-122"/>
+                <a:ea typeface="微软雅黑" panose="020B0503020204020204" pitchFamily="34" charset="-122"/>
+              </a:rPr>
+              <a:t>自定义菜单</a:t>
+            </a:r>
+            <a:endParaRPr lang="en-US" altLang="zh-CN" sz="2400" dirty="0">
+              <a:solidFill>
+                <a:schemeClr val="accent6">
+                  <a:lumMod val="75000"/>
+                </a:schemeClr>
+              </a:solidFill>
               <a:latin typeface="微软雅黑" panose="020B0503020204020204" pitchFamily="34" charset="-122"/>
               <a:ea typeface="微软雅黑" panose="020B0503020204020204" pitchFamily="34" charset="-122"/>
             </a:endParaRPr>
           </a:p>
-          <a:p>
-            <a:pPr marL="742950" lvl="1" indent="-285750">
-              <a:lnSpc>
-                <a:spcPct val="150000"/>
-              </a:lnSpc>
-              <a:buFont typeface="Arial" panose="020B0604020202020204" pitchFamily="34" charset="0"/>
-              <a:buChar char="•"/>
-            </a:pPr>
-            <a:r>
-              <a:rPr lang="en-US" altLang="zh-CN" sz="2000" dirty="0" err="1">
-                <a:latin typeface="微软雅黑" panose="020B0503020204020204" pitchFamily="34" charset="-122"/>
-                <a:ea typeface="微软雅黑" panose="020B0503020204020204" pitchFamily="34" charset="-122"/>
-              </a:rPr>
-              <a:t>j</a:t>
-            </a:r>
-            <a:r>
-              <a:rPr lang="en-US" altLang="zh-CN" sz="2000" dirty="0" err="1" smtClean="0">
-                <a:latin typeface="微软雅黑" panose="020B0503020204020204" pitchFamily="34" charset="-122"/>
-                <a:ea typeface="微软雅黑" panose="020B0503020204020204" pitchFamily="34" charset="-122"/>
-              </a:rPr>
-              <a:t>son_decode</a:t>
-            </a:r>
-            <a:r>
-              <a:rPr lang="en-US" altLang="zh-CN" sz="2000" dirty="0" smtClean="0">
-                <a:latin typeface="微软雅黑" panose="020B0503020204020204" pitchFamily="34" charset="-122"/>
-                <a:ea typeface="微软雅黑" panose="020B0503020204020204" pitchFamily="34" charset="-122"/>
-              </a:rPr>
-              <a:t>($</a:t>
-            </a:r>
-            <a:r>
-              <a:rPr lang="en-US" altLang="zh-CN" sz="2000" dirty="0" err="1" smtClean="0">
-                <a:latin typeface="微软雅黑" panose="020B0503020204020204" pitchFamily="34" charset="-122"/>
-                <a:ea typeface="微软雅黑" panose="020B0503020204020204" pitchFamily="34" charset="-122"/>
-              </a:rPr>
-              <a:t>data,true</a:t>
-            </a:r>
-            <a:r>
-              <a:rPr lang="en-US" altLang="zh-CN" sz="2000" dirty="0" smtClean="0">
-                <a:latin typeface="微软雅黑" panose="020B0503020204020204" pitchFamily="34" charset="-122"/>
-                <a:ea typeface="微软雅黑" panose="020B0503020204020204" pitchFamily="34" charset="-122"/>
-              </a:rPr>
-              <a:t>);</a:t>
-            </a:r>
-            <a:r>
-              <a:rPr lang="zh-CN" altLang="en-US" sz="2000" dirty="0" smtClean="0">
-                <a:latin typeface="微软雅黑" panose="020B0503020204020204" pitchFamily="34" charset="-122"/>
-                <a:ea typeface="微软雅黑" panose="020B0503020204020204" pitchFamily="34" charset="-122"/>
-              </a:rPr>
-              <a:t>把</a:t>
-            </a:r>
-            <a:r>
-              <a:rPr lang="en-US" altLang="zh-CN" sz="2000" dirty="0">
-                <a:latin typeface="微软雅黑" panose="020B0503020204020204" pitchFamily="34" charset="-122"/>
-                <a:ea typeface="微软雅黑" panose="020B0503020204020204" pitchFamily="34" charset="-122"/>
-              </a:rPr>
-              <a:t>JSON</a:t>
-            </a:r>
-            <a:r>
-              <a:rPr lang="zh-CN" altLang="en-US" sz="2000" dirty="0">
-                <a:latin typeface="微软雅黑" panose="020B0503020204020204" pitchFamily="34" charset="-122"/>
-                <a:ea typeface="微软雅黑" panose="020B0503020204020204" pitchFamily="34" charset="-122"/>
-              </a:rPr>
-              <a:t>格式</a:t>
-            </a:r>
-            <a:r>
-              <a:rPr lang="zh-CN" altLang="en-US" sz="2000" dirty="0" smtClean="0">
-                <a:latin typeface="微软雅黑" panose="020B0503020204020204" pitchFamily="34" charset="-122"/>
-                <a:ea typeface="微软雅黑" panose="020B0503020204020204" pitchFamily="34" charset="-122"/>
-              </a:rPr>
-              <a:t>字符串转换成</a:t>
-            </a:r>
-            <a:r>
-              <a:rPr lang="en-US" altLang="zh-CN" sz="2000" dirty="0" smtClean="0">
-                <a:latin typeface="微软雅黑" panose="020B0503020204020204" pitchFamily="34" charset="-122"/>
-                <a:ea typeface="微软雅黑" panose="020B0503020204020204" pitchFamily="34" charset="-122"/>
-              </a:rPr>
-              <a:t>PHP</a:t>
-            </a:r>
-            <a:r>
-              <a:rPr lang="zh-CN" altLang="en-US" sz="2000" dirty="0" smtClean="0">
-                <a:latin typeface="微软雅黑" panose="020B0503020204020204" pitchFamily="34" charset="-122"/>
-                <a:ea typeface="微软雅黑" panose="020B0503020204020204" pitchFamily="34" charset="-122"/>
-              </a:rPr>
-              <a:t>数组。</a:t>
-            </a:r>
-            <a:endParaRPr lang="en-US" altLang="zh-CN" sz="2000" dirty="0" smtClean="0">
-              <a:latin typeface="微软雅黑" panose="020B0503020204020204" pitchFamily="34" charset="-122"/>
-              <a:ea typeface="微软雅黑" panose="020B0503020204020204" pitchFamily="34" charset="-122"/>
-            </a:endParaRPr>
-          </a:p>
-          <a:p>
-            <a:pPr marL="285750" indent="-285750">
-              <a:lnSpc>
-                <a:spcPct val="150000"/>
-              </a:lnSpc>
-              <a:buFont typeface="Arial" panose="020B0604020202020204" pitchFamily="34" charset="0"/>
-              <a:buChar char="•"/>
-            </a:pPr>
-            <a:r>
-              <a:rPr lang="en-US" altLang="zh-CN" sz="2000" dirty="0" smtClean="0">
-                <a:latin typeface="微软雅黑" panose="020B0503020204020204" pitchFamily="34" charset="-122"/>
-                <a:ea typeface="微软雅黑" panose="020B0503020204020204" pitchFamily="34" charset="-122"/>
-              </a:rPr>
-              <a:t>JS</a:t>
-            </a:r>
-            <a:r>
-              <a:rPr lang="zh-CN" altLang="en-US" sz="2000" dirty="0" smtClean="0">
-                <a:latin typeface="微软雅黑" panose="020B0503020204020204" pitchFamily="34" charset="-122"/>
-                <a:ea typeface="微软雅黑" panose="020B0503020204020204" pitchFamily="34" charset="-122"/>
-              </a:rPr>
-              <a:t>处理方式：</a:t>
-            </a:r>
-            <a:endParaRPr lang="en-US" altLang="zh-CN" sz="2000" dirty="0" smtClean="0">
-              <a:latin typeface="微软雅黑" panose="020B0503020204020204" pitchFamily="34" charset="-122"/>
-              <a:ea typeface="微软雅黑" panose="020B0503020204020204" pitchFamily="34" charset="-122"/>
-            </a:endParaRPr>
-          </a:p>
-          <a:p>
-            <a:pPr marL="742950" lvl="1" indent="-285750">
-              <a:lnSpc>
-                <a:spcPct val="150000"/>
-              </a:lnSpc>
-              <a:buFont typeface="Arial" panose="020B0604020202020204" pitchFamily="34" charset="0"/>
-              <a:buChar char="•"/>
-            </a:pPr>
-            <a:r>
-              <a:rPr lang="en-US" altLang="zh-CN" sz="2000" dirty="0" err="1" smtClean="0">
-                <a:latin typeface="微软雅黑" panose="020B0503020204020204" pitchFamily="34" charset="-122"/>
-                <a:ea typeface="微软雅黑" panose="020B0503020204020204" pitchFamily="34" charset="-122"/>
-              </a:rPr>
-              <a:t>JSON.parse</a:t>
-            </a:r>
-            <a:r>
-              <a:rPr lang="en-US" altLang="zh-CN" sz="2000" dirty="0" smtClean="0">
-                <a:latin typeface="微软雅黑" panose="020B0503020204020204" pitchFamily="34" charset="-122"/>
-                <a:ea typeface="微软雅黑" panose="020B0503020204020204" pitchFamily="34" charset="-122"/>
-              </a:rPr>
-              <a:t>(data);</a:t>
-            </a:r>
-            <a:r>
-              <a:rPr lang="zh-CN" altLang="en-US" sz="2000" dirty="0" smtClean="0">
-                <a:latin typeface="微软雅黑" panose="020B0503020204020204" pitchFamily="34" charset="-122"/>
-                <a:ea typeface="微软雅黑" panose="020B0503020204020204" pitchFamily="34" charset="-122"/>
-              </a:rPr>
-              <a:t>把</a:t>
-            </a:r>
-            <a:r>
-              <a:rPr lang="en-US" altLang="zh-CN" sz="2000" dirty="0" smtClean="0">
-                <a:latin typeface="微软雅黑" panose="020B0503020204020204" pitchFamily="34" charset="-122"/>
-                <a:ea typeface="微软雅黑" panose="020B0503020204020204" pitchFamily="34" charset="-122"/>
-              </a:rPr>
-              <a:t>JSON</a:t>
-            </a:r>
-            <a:r>
-              <a:rPr lang="zh-CN" altLang="en-US" sz="2000" dirty="0" smtClean="0">
-                <a:latin typeface="微软雅黑" panose="020B0503020204020204" pitchFamily="34" charset="-122"/>
-                <a:ea typeface="微软雅黑" panose="020B0503020204020204" pitchFamily="34" charset="-122"/>
-              </a:rPr>
-              <a:t>格式的字符串转换成</a:t>
-            </a:r>
-            <a:r>
-              <a:rPr lang="en-US" altLang="zh-CN" sz="2000" dirty="0" smtClean="0">
-                <a:latin typeface="微软雅黑" panose="020B0503020204020204" pitchFamily="34" charset="-122"/>
-                <a:ea typeface="微软雅黑" panose="020B0503020204020204" pitchFamily="34" charset="-122"/>
-              </a:rPr>
-              <a:t>JSON</a:t>
-            </a:r>
-            <a:r>
-              <a:rPr lang="zh-CN" altLang="en-US" sz="2000" dirty="0" smtClean="0">
-                <a:latin typeface="微软雅黑" panose="020B0503020204020204" pitchFamily="34" charset="-122"/>
-                <a:ea typeface="微软雅黑" panose="020B0503020204020204" pitchFamily="34" charset="-122"/>
-              </a:rPr>
-              <a:t>对象</a:t>
-            </a:r>
-            <a:endParaRPr lang="en-US" altLang="zh-CN" sz="2000" dirty="0" smtClean="0">
-              <a:latin typeface="微软雅黑" panose="020B0503020204020204" pitchFamily="34" charset="-122"/>
-              <a:ea typeface="微软雅黑" panose="020B0503020204020204" pitchFamily="34" charset="-122"/>
-            </a:endParaRPr>
-          </a:p>
-          <a:p>
-            <a:pPr marL="742950" lvl="1" indent="-285750">
-              <a:lnSpc>
-                <a:spcPct val="150000"/>
-              </a:lnSpc>
-              <a:buFont typeface="Arial" panose="020B0604020202020204" pitchFamily="34" charset="0"/>
-              <a:buChar char="•"/>
-            </a:pPr>
-            <a:r>
-              <a:rPr lang="en-US" altLang="zh-CN" sz="2000" dirty="0" err="1" smtClean="0">
-                <a:latin typeface="微软雅黑" panose="020B0503020204020204" pitchFamily="34" charset="-122"/>
-                <a:ea typeface="微软雅黑" panose="020B0503020204020204" pitchFamily="34" charset="-122"/>
-              </a:rPr>
-              <a:t>JSON.stringify</a:t>
-            </a:r>
-            <a:r>
-              <a:rPr lang="en-US" altLang="zh-CN" sz="2000" dirty="0" smtClean="0">
-                <a:latin typeface="微软雅黑" panose="020B0503020204020204" pitchFamily="34" charset="-122"/>
-                <a:ea typeface="微软雅黑" panose="020B0503020204020204" pitchFamily="34" charset="-122"/>
-              </a:rPr>
-              <a:t>(data);</a:t>
-            </a:r>
-            <a:r>
-              <a:rPr lang="zh-CN" altLang="en-US" sz="2000" dirty="0" smtClean="0">
-                <a:latin typeface="微软雅黑" panose="020B0503020204020204" pitchFamily="34" charset="-122"/>
-                <a:ea typeface="微软雅黑" panose="020B0503020204020204" pitchFamily="34" charset="-122"/>
-              </a:rPr>
-              <a:t>把</a:t>
-            </a:r>
-            <a:r>
-              <a:rPr lang="en-US" altLang="zh-CN" sz="2000" dirty="0" err="1" smtClean="0">
-                <a:latin typeface="微软雅黑" panose="020B0503020204020204" pitchFamily="34" charset="-122"/>
-                <a:ea typeface="微软雅黑" panose="020B0503020204020204" pitchFamily="34" charset="-122"/>
-              </a:rPr>
-              <a:t>js</a:t>
-            </a:r>
-            <a:r>
-              <a:rPr lang="zh-CN" altLang="en-US" sz="2000" dirty="0" smtClean="0">
-                <a:latin typeface="微软雅黑" panose="020B0503020204020204" pitchFamily="34" charset="-122"/>
-                <a:ea typeface="微软雅黑" panose="020B0503020204020204" pitchFamily="34" charset="-122"/>
-              </a:rPr>
-              <a:t>对象转换成</a:t>
-            </a:r>
-            <a:r>
-              <a:rPr lang="en-US" altLang="zh-CN" sz="2000" dirty="0" smtClean="0">
-                <a:latin typeface="微软雅黑" panose="020B0503020204020204" pitchFamily="34" charset="-122"/>
-                <a:ea typeface="微软雅黑" panose="020B0503020204020204" pitchFamily="34" charset="-122"/>
-              </a:rPr>
-              <a:t>JSON</a:t>
-            </a:r>
-            <a:r>
-              <a:rPr lang="zh-CN" altLang="en-US" sz="2000" dirty="0" smtClean="0">
-                <a:latin typeface="微软雅黑" panose="020B0503020204020204" pitchFamily="34" charset="-122"/>
-                <a:ea typeface="微软雅黑" panose="020B0503020204020204" pitchFamily="34" charset="-122"/>
-              </a:rPr>
-              <a:t>格式字符串</a:t>
-            </a:r>
-            <a:endParaRPr lang="zh-CN" altLang="en-US" sz="2000" dirty="0">
-              <a:latin typeface="微软雅黑" panose="020B0503020204020204" pitchFamily="34" charset="-122"/>
-              <a:ea typeface="微软雅黑" panose="020B0503020204020204" pitchFamily="34" charset="-122"/>
-            </a:endParaRPr>
-          </a:p>
         </p:txBody>
       </p:sp>
     </p:spTree>
     <p:extLst>
       <p:ext uri="{BB962C8B-B14F-4D97-AF65-F5344CB8AC3E}">
-        <p14:creationId xmlns:p14="http://schemas.microsoft.com/office/powerpoint/2010/main" val="134963268"/>
+        <p14:creationId xmlns:p14="http://schemas.microsoft.com/office/powerpoint/2010/main" val="1928010297"/>
       </p:ext>
     </p:extLst>
   </p:cSld>
   <p:clrMapOvr>
     <a:masterClrMapping/>
   </p:clrMapOvr>
-  <p:timing>
-    <p:tnLst>
-      <p:par>
-        <p:cTn id="1" dur="indefinite" restart="never" nodeType="tmRoot"/>
-      </p:par>
-    </p:tnLst>
-  </p:timing>
 </p:sld>
 </file>
 
@@ -16603,21 +15943,19 @@
             <p:ph sz="quarter" idx="13"/>
           </p:nvPr>
         </p:nvSpPr>
-        <p:spPr>
-          <a:xfrm>
-            <a:off x="1054100" y="543636"/>
-            <a:ext cx="7304088" cy="685800"/>
-          </a:xfrm>
-        </p:spPr>
+        <p:spPr/>
         <p:txBody>
           <a:bodyPr/>
           <a:lstStyle/>
           <a:p>
             <a:r>
-              <a:rPr lang="zh-CN" altLang="en-US" dirty="0" smtClean="0"/>
-              <a:t>第三讲</a:t>
-            </a:r>
-            <a:endParaRPr lang="zh-CN" altLang="en-US" dirty="0"/>
+              <a:rPr lang="en-US" altLang="zh-CN" b="0" dirty="0"/>
+              <a:t>IP</a:t>
+            </a:r>
+            <a:r>
+              <a:rPr lang="zh-CN" altLang="en-US" b="0" dirty="0"/>
+              <a:t>白名单</a:t>
+            </a:r>
           </a:p>
         </p:txBody>
       </p:sp>
@@ -16629,8 +15967,8 @@
         </p:nvSpPr>
         <p:spPr>
           <a:xfrm>
-            <a:off x="4058444" y="2343152"/>
-            <a:ext cx="4699794" cy="2062103"/>
+            <a:off x="1054100" y="1857375"/>
+            <a:ext cx="9861550" cy="1938992"/>
           </a:xfrm>
           <a:prstGeom prst="rect">
             <a:avLst/>
@@ -16643,131 +15981,119 @@
           </a:bodyPr>
           <a:lstStyle/>
           <a:p>
-            <a:pPr marL="514350" indent="-514350">
+            <a:pPr marL="285750" indent="-285750">
               <a:lnSpc>
-                <a:spcPct val="200000"/>
+                <a:spcPct val="150000"/>
               </a:lnSpc>
-              <a:buFont typeface="+mj-ea"/>
-              <a:buAutoNum type="ea1JpnChsDbPeriod"/>
+              <a:buFont typeface="Arial" panose="020B0604020202020204" pitchFamily="34" charset="0"/>
+              <a:buChar char="•"/>
             </a:pPr>
             <a:r>
               <a:rPr lang="zh-CN" altLang="en-US" sz="2000" dirty="0">
-                <a:solidFill>
-                  <a:schemeClr val="tx1">
-                    <a:lumMod val="65000"/>
-                    <a:lumOff val="35000"/>
-                  </a:schemeClr>
-                </a:solidFill>
-                <a:latin typeface="微软雅黑" panose="020B0503020204020204" pitchFamily="34" charset="-122"/>
-                <a:ea typeface="微软雅黑" panose="020B0503020204020204" pitchFamily="34" charset="-122"/>
-              </a:rPr>
-              <a:t>使用微信测试号</a:t>
+                <a:latin typeface="微软雅黑" panose="020B0503020204020204" pitchFamily="34" charset="-122"/>
+                <a:ea typeface="微软雅黑" panose="020B0503020204020204" pitchFamily="34" charset="-122"/>
+              </a:rPr>
+              <a:t>调用接口以前需要先把开发者服务器的</a:t>
+            </a:r>
+            <a:r>
+              <a:rPr lang="en-US" altLang="zh-CN" sz="2000" dirty="0">
+                <a:latin typeface="微软雅黑" panose="020B0503020204020204" pitchFamily="34" charset="-122"/>
+                <a:ea typeface="微软雅黑" panose="020B0503020204020204" pitchFamily="34" charset="-122"/>
+              </a:rPr>
+              <a:t>IP</a:t>
+            </a:r>
+            <a:r>
+              <a:rPr lang="zh-CN" altLang="en-US" sz="2000" dirty="0">
+                <a:latin typeface="微软雅黑" panose="020B0503020204020204" pitchFamily="34" charset="-122"/>
+                <a:ea typeface="微软雅黑" panose="020B0503020204020204" pitchFamily="34" charset="-122"/>
+              </a:rPr>
+              <a:t>地址加入白名单列表</a:t>
             </a:r>
             <a:endParaRPr lang="en-US" altLang="zh-CN" sz="2000" dirty="0">
-              <a:solidFill>
-                <a:schemeClr val="tx1">
-                  <a:lumMod val="65000"/>
-                  <a:lumOff val="35000"/>
-                </a:schemeClr>
-              </a:solidFill>
               <a:latin typeface="微软雅黑" panose="020B0503020204020204" pitchFamily="34" charset="-122"/>
               <a:ea typeface="微软雅黑" panose="020B0503020204020204" pitchFamily="34" charset="-122"/>
             </a:endParaRPr>
           </a:p>
           <a:p>
-            <a:pPr marL="514350" indent="-514350">
+            <a:pPr marL="285750" indent="-285750">
               <a:lnSpc>
-                <a:spcPct val="200000"/>
+                <a:spcPct val="150000"/>
               </a:lnSpc>
-              <a:buFont typeface="+mj-ea"/>
-              <a:buAutoNum type="ea1JpnChsDbPeriod"/>
+              <a:buFont typeface="Arial" panose="020B0604020202020204" pitchFamily="34" charset="0"/>
+              <a:buChar char="•"/>
             </a:pPr>
             <a:r>
-              <a:rPr lang="en-US" altLang="zh-CN" sz="2000" dirty="0" smtClean="0">
-                <a:solidFill>
-                  <a:schemeClr val="tx1">
-                    <a:lumMod val="65000"/>
-                    <a:lumOff val="35000"/>
-                  </a:schemeClr>
-                </a:solidFill>
-                <a:latin typeface="微软雅黑" panose="020B0503020204020204" pitchFamily="34" charset="-122"/>
-                <a:ea typeface="微软雅黑" panose="020B0503020204020204" pitchFamily="34" charset="-122"/>
-              </a:rPr>
-              <a:t>CURL</a:t>
-            </a:r>
-            <a:r>
-              <a:rPr lang="zh-CN" altLang="en-US" sz="2000" dirty="0" smtClean="0">
-                <a:solidFill>
-                  <a:schemeClr val="tx1">
-                    <a:lumMod val="65000"/>
-                    <a:lumOff val="35000"/>
-                  </a:schemeClr>
-                </a:solidFill>
-                <a:latin typeface="微软雅黑" panose="020B0503020204020204" pitchFamily="34" charset="-122"/>
-                <a:ea typeface="微软雅黑" panose="020B0503020204020204" pitchFamily="34" charset="-122"/>
-              </a:rPr>
-              <a:t>与</a:t>
-            </a:r>
-            <a:r>
-              <a:rPr lang="en-US" altLang="zh-CN" sz="2000" dirty="0" smtClean="0">
-                <a:solidFill>
-                  <a:schemeClr val="tx1">
-                    <a:lumMod val="65000"/>
-                    <a:lumOff val="35000"/>
-                  </a:schemeClr>
-                </a:solidFill>
-                <a:latin typeface="微软雅黑" panose="020B0503020204020204" pitchFamily="34" charset="-122"/>
-                <a:ea typeface="微软雅黑" panose="020B0503020204020204" pitchFamily="34" charset="-122"/>
-              </a:rPr>
-              <a:t>JSON</a:t>
+              <a:rPr lang="zh-CN" altLang="en-US" sz="2000" dirty="0">
+                <a:latin typeface="微软雅黑" panose="020B0503020204020204" pitchFamily="34" charset="-122"/>
+                <a:ea typeface="微软雅黑" panose="020B0503020204020204" pitchFamily="34" charset="-122"/>
+              </a:rPr>
+              <a:t>如果在本地测试，则把本地所在公网</a:t>
+            </a:r>
+            <a:r>
+              <a:rPr lang="en-US" altLang="zh-CN" sz="2000" dirty="0">
+                <a:latin typeface="微软雅黑" panose="020B0503020204020204" pitchFamily="34" charset="-122"/>
+                <a:ea typeface="微软雅黑" panose="020B0503020204020204" pitchFamily="34" charset="-122"/>
+              </a:rPr>
+              <a:t>IP</a:t>
+            </a:r>
+            <a:r>
+              <a:rPr lang="zh-CN" altLang="en-US" sz="2000" dirty="0">
+                <a:latin typeface="微软雅黑" panose="020B0503020204020204" pitchFamily="34" charset="-122"/>
+                <a:ea typeface="微软雅黑" panose="020B0503020204020204" pitchFamily="34" charset="-122"/>
+              </a:rPr>
+              <a:t>也加入到白名单</a:t>
             </a:r>
             <a:endParaRPr lang="en-US" altLang="zh-CN" sz="2000" dirty="0">
-              <a:solidFill>
-                <a:schemeClr val="tx1">
-                  <a:lumMod val="65000"/>
-                  <a:lumOff val="35000"/>
-                </a:schemeClr>
-              </a:solidFill>
               <a:latin typeface="微软雅黑" panose="020B0503020204020204" pitchFamily="34" charset="-122"/>
               <a:ea typeface="微软雅黑" panose="020B0503020204020204" pitchFamily="34" charset="-122"/>
             </a:endParaRPr>
           </a:p>
           <a:p>
-            <a:pPr marL="514350" indent="-514350">
+            <a:pPr marL="285750" indent="-285750">
               <a:lnSpc>
-                <a:spcPct val="200000"/>
+                <a:spcPct val="150000"/>
               </a:lnSpc>
-              <a:buFont typeface="+mj-ea"/>
-              <a:buAutoNum type="ea1JpnChsDbPeriod"/>
+              <a:buFont typeface="Arial" panose="020B0604020202020204" pitchFamily="34" charset="0"/>
+              <a:buChar char="•"/>
             </a:pPr>
             <a:r>
-              <a:rPr lang="zh-CN" altLang="en-US" sz="2400" dirty="0">
-                <a:solidFill>
-                  <a:schemeClr val="accent6">
-                    <a:lumMod val="75000"/>
-                  </a:schemeClr>
-                </a:solidFill>
-                <a:latin typeface="微软雅黑" panose="020B0503020204020204" pitchFamily="34" charset="-122"/>
-                <a:ea typeface="微软雅黑" panose="020B0503020204020204" pitchFamily="34" charset="-122"/>
-              </a:rPr>
-              <a:t>自定义菜单</a:t>
-            </a:r>
-            <a:endParaRPr lang="en-US" altLang="zh-CN" sz="2400" dirty="0">
-              <a:solidFill>
-                <a:schemeClr val="accent6">
-                  <a:lumMod val="75000"/>
-                </a:schemeClr>
-              </a:solidFill>
+              <a:rPr lang="zh-CN" altLang="en-US" sz="2000" dirty="0">
+                <a:latin typeface="微软雅黑" panose="020B0503020204020204" pitchFamily="34" charset="-122"/>
+                <a:ea typeface="微软雅黑" panose="020B0503020204020204" pitchFamily="34" charset="-122"/>
+              </a:rPr>
+              <a:t>不加入白名单，调用接口会失败</a:t>
+            </a:r>
+            <a:endParaRPr lang="en-US" altLang="zh-CN" sz="2000" dirty="0">
               <a:latin typeface="微软雅黑" panose="020B0503020204020204" pitchFamily="34" charset="-122"/>
               <a:ea typeface="微软雅黑" panose="020B0503020204020204" pitchFamily="34" charset="-122"/>
             </a:endParaRPr>
           </a:p>
+          <a:p>
+            <a:pPr marL="285750" indent="-285750">
+              <a:lnSpc>
+                <a:spcPct val="150000"/>
+              </a:lnSpc>
+              <a:buFont typeface="Arial" panose="020B0604020202020204" pitchFamily="34" charset="0"/>
+              <a:buChar char="•"/>
+            </a:pPr>
+            <a:r>
+              <a:rPr lang="zh-CN" altLang="en-US" sz="2000" dirty="0">
+                <a:latin typeface="微软雅黑" panose="020B0503020204020204" pitchFamily="34" charset="-122"/>
+                <a:ea typeface="微软雅黑" panose="020B0503020204020204" pitchFamily="34" charset="-122"/>
+              </a:rPr>
+              <a:t>白名单机制是为了安全性考虑</a:t>
+            </a:r>
+            <a:endParaRPr lang="en-US" altLang="zh-CN" sz="2000" dirty="0">
+              <a:latin typeface="微软雅黑" panose="020B0503020204020204" pitchFamily="34" charset="-122"/>
+              <a:ea typeface="微软雅黑" panose="020B0503020204020204" pitchFamily="34" charset="-122"/>
+            </a:endParaRPr>
+          </a:p>
         </p:txBody>
       </p:sp>
     </p:spTree>
     <p:extLst>
       <p:ext uri="{BB962C8B-B14F-4D97-AF65-F5344CB8AC3E}">
-        <p14:creationId xmlns:p14="http://schemas.microsoft.com/office/powerpoint/2010/main" val="1928010297"/>
+        <p14:creationId xmlns:p14="http://schemas.microsoft.com/office/powerpoint/2010/main" val="1256594085"/>
       </p:ext>
     </p:extLst>
   </p:cSld>
@@ -16810,10 +16136,9 @@
           <a:lstStyle/>
           <a:p>
             <a:r>
-              <a:rPr lang="zh-CN" altLang="en-US" dirty="0" smtClean="0"/>
+              <a:rPr lang="zh-CN" altLang="en-US" dirty="0"/>
               <a:t>本次课程目录</a:t>
             </a:r>
-            <a:endParaRPr lang="zh-CN" altLang="en-US" dirty="0"/>
           </a:p>
         </p:txBody>
       </p:sp>
@@ -16847,7 +16172,7 @@
               <a:buAutoNum type="ea1JpnChsDbPeriod"/>
             </a:pPr>
             <a:r>
-              <a:rPr lang="zh-CN" altLang="en-US" sz="2400" dirty="0" smtClean="0">
+              <a:rPr lang="zh-CN" altLang="en-US" sz="2400" dirty="0">
                 <a:solidFill>
                   <a:schemeClr val="tx1">
                     <a:lumMod val="65000"/>
@@ -16879,7 +16204,7 @@
               <a:buAutoNum type="ea1JpnChsDbPeriod"/>
             </a:pPr>
             <a:r>
-              <a:rPr lang="en-US" altLang="zh-CN" sz="2400" dirty="0" smtClean="0">
+              <a:rPr lang="en-US" altLang="zh-CN" sz="2400" dirty="0">
                 <a:solidFill>
                   <a:schemeClr val="tx1">
                     <a:lumMod val="65000"/>
@@ -16892,7 +16217,7 @@
               <a:t>CURL</a:t>
             </a:r>
             <a:r>
-              <a:rPr lang="zh-CN" altLang="en-US" sz="2400" dirty="0" smtClean="0">
+              <a:rPr lang="zh-CN" altLang="en-US" sz="2400" dirty="0">
                 <a:solidFill>
                   <a:schemeClr val="tx1">
                     <a:lumMod val="65000"/>
@@ -16905,7 +16230,7 @@
               <a:t>与</a:t>
             </a:r>
             <a:r>
-              <a:rPr lang="en-US" altLang="zh-CN" sz="2400" dirty="0" smtClean="0">
+              <a:rPr lang="en-US" altLang="zh-CN" sz="2400" dirty="0">
                 <a:solidFill>
                   <a:schemeClr val="tx1">
                     <a:lumMod val="65000"/>
@@ -16916,6 +16241,28 @@
                 <a:ea typeface="微软雅黑" panose="020B0503020204020204" pitchFamily="34" charset="-122"/>
               </a:rPr>
               <a:t>JSON</a:t>
+            </a:r>
+          </a:p>
+          <a:p>
+            <a:pPr marL="514350" indent="-514350">
+              <a:lnSpc>
+                <a:spcPct val="200000"/>
+              </a:lnSpc>
+              <a:buFont typeface="+mj-ea"/>
+              <a:buAutoNum type="ea1JpnChsDbPeriod"/>
+            </a:pPr>
+            <a:r>
+              <a:rPr lang="zh-CN" altLang="en-US" sz="2400" dirty="0">
+                <a:solidFill>
+                  <a:schemeClr val="tx1">
+                    <a:lumMod val="65000"/>
+                    <a:lumOff val="35000"/>
+                  </a:schemeClr>
+                </a:solidFill>
+                <a:latin typeface="微软雅黑" panose="020B0503020204020204" pitchFamily="34" charset="-122"/>
+                <a:ea typeface="微软雅黑" panose="020B0503020204020204" pitchFamily="34" charset="-122"/>
+              </a:rPr>
+              <a:t>自定义菜单</a:t>
             </a:r>
             <a:endParaRPr lang="en-US" altLang="zh-CN" sz="2400" dirty="0">
               <a:solidFill>
@@ -16928,38 +16275,6 @@
               <a:ea typeface="微软雅黑" panose="020B0503020204020204" pitchFamily="34" charset="-122"/>
             </a:endParaRPr>
           </a:p>
-          <a:p>
-            <a:pPr marL="514350" indent="-514350">
-              <a:lnSpc>
-                <a:spcPct val="200000"/>
-              </a:lnSpc>
-              <a:buFont typeface="+mj-ea"/>
-              <a:buAutoNum type="ea1JpnChsDbPeriod"/>
-            </a:pPr>
-            <a:r>
-              <a:rPr lang="zh-CN" altLang="en-US" sz="2400" dirty="0">
-                <a:solidFill>
-                  <a:schemeClr val="tx1">
-                    <a:lumMod val="65000"/>
-                    <a:lumOff val="35000"/>
-                  </a:schemeClr>
-                </a:solidFill>
-                <a:latin typeface="微软雅黑" panose="020B0503020204020204" pitchFamily="34" charset="-122"/>
-                <a:ea typeface="微软雅黑" panose="020B0503020204020204" pitchFamily="34" charset="-122"/>
-              </a:rPr>
-              <a:t>自定义菜单</a:t>
-            </a:r>
-            <a:endParaRPr lang="en-US" altLang="zh-CN" sz="2400" dirty="0">
-              <a:solidFill>
-                <a:schemeClr val="tx1">
-                  <a:lumMod val="65000"/>
-                  <a:lumOff val="35000"/>
-                </a:schemeClr>
-              </a:solidFill>
-              <a:latin typeface="微软雅黑" panose="020B0503020204020204" pitchFamily="34" charset="-122"/>
-              <a:ea typeface="微软雅黑" panose="020B0503020204020204" pitchFamily="34" charset="-122"/>
-            </a:endParaRPr>
-          </a:p>
         </p:txBody>
       </p:sp>
     </p:spTree>
@@ -16972,13 +16287,6 @@
   <p:clrMapOvr>
     <a:masterClrMapping/>
   </p:clrMapOvr>
-  <p:timing>
-    <p:tnLst>
-      <p:par>
-        <p:cTn id="1" dur="indefinite" restart="never" nodeType="tmRoot"/>
-      </p:par>
-    </p:tnLst>
-  </p:timing>
 </p:sld>
 </file>
 
@@ -17015,14 +16323,10 @@
           <a:lstStyle/>
           <a:p>
             <a:r>
-              <a:rPr lang="en-US" altLang="zh-CN" dirty="0" smtClean="0"/>
-              <a:t>IP</a:t>
-            </a:r>
-            <a:r>
-              <a:rPr lang="zh-CN" altLang="en-US" dirty="0" smtClean="0"/>
-              <a:t>白名单</a:t>
-            </a:r>
-            <a:endParaRPr lang="zh-CN" altLang="en-US" dirty="0"/>
+              <a:rPr lang="en-US" altLang="zh-CN" b="0" dirty="0" err="1"/>
+              <a:t>access_token</a:t>
+            </a:r>
+            <a:endParaRPr lang="zh-CN" altLang="en-US" b="0" dirty="0"/>
           </a:p>
         </p:txBody>
       </p:sp>
@@ -17034,8 +16338,8 @@
         </p:nvSpPr>
         <p:spPr>
           <a:xfrm>
-            <a:off x="1054100" y="1857375"/>
-            <a:ext cx="9861550" cy="1938992"/>
+            <a:off x="1157288" y="1814513"/>
+            <a:ext cx="10372725" cy="2346283"/>
           </a:xfrm>
           <a:prstGeom prst="rect">
             <a:avLst/>
@@ -17056,27 +16360,34 @@
               <a:buChar char="•"/>
             </a:pPr>
             <a:r>
-              <a:rPr lang="zh-CN" altLang="en-US" sz="2000" dirty="0" smtClean="0">
-                <a:latin typeface="微软雅黑" panose="020B0503020204020204" pitchFamily="34" charset="-122"/>
-                <a:ea typeface="微软雅黑" panose="020B0503020204020204" pitchFamily="34" charset="-122"/>
-              </a:rPr>
-              <a:t>调用接口以前需要先把开发者服务器的</a:t>
-            </a:r>
-            <a:r>
-              <a:rPr lang="en-US" altLang="zh-CN" sz="2000" dirty="0" smtClean="0">
-                <a:latin typeface="微软雅黑" panose="020B0503020204020204" pitchFamily="34" charset="-122"/>
-                <a:ea typeface="微软雅黑" panose="020B0503020204020204" pitchFamily="34" charset="-122"/>
-              </a:rPr>
-              <a:t>IP</a:t>
-            </a:r>
-            <a:r>
-              <a:rPr lang="zh-CN" altLang="en-US" sz="2000" dirty="0" smtClean="0">
-                <a:latin typeface="微软雅黑" panose="020B0503020204020204" pitchFamily="34" charset="-122"/>
-                <a:ea typeface="微软雅黑" panose="020B0503020204020204" pitchFamily="34" charset="-122"/>
-              </a:rPr>
-              <a:t>地址加入白名单列表</a:t>
-            </a:r>
-            <a:endParaRPr lang="en-US" altLang="zh-CN" sz="2000" dirty="0" smtClean="0">
+              <a:rPr lang="en-US" altLang="zh-CN" sz="2000" dirty="0">
+                <a:latin typeface="微软雅黑" panose="020B0503020204020204" pitchFamily="34" charset="-122"/>
+                <a:ea typeface="微软雅黑" panose="020B0503020204020204" pitchFamily="34" charset="-122"/>
+              </a:rPr>
+              <a:t>access_token</a:t>
+            </a:r>
+            <a:r>
+              <a:rPr lang="zh-CN" altLang="en-US" sz="2000" dirty="0">
+                <a:latin typeface="微软雅黑" panose="020B0503020204020204" pitchFamily="34" charset="-122"/>
+                <a:ea typeface="微软雅黑" panose="020B0503020204020204" pitchFamily="34" charset="-122"/>
+              </a:rPr>
+              <a:t>是公众号的全局唯一接口调用凭据，公众号调用各接口时都需使用</a:t>
+            </a:r>
+            <a:r>
+              <a:rPr lang="en-US" altLang="zh-CN" sz="2000" dirty="0">
+                <a:latin typeface="微软雅黑" panose="020B0503020204020204" pitchFamily="34" charset="-122"/>
+                <a:ea typeface="微软雅黑" panose="020B0503020204020204" pitchFamily="34" charset="-122"/>
+              </a:rPr>
+              <a:t>access_token</a:t>
+            </a:r>
+            <a:r>
+              <a:rPr lang="zh-CN" altLang="en-US" sz="2000" dirty="0">
+                <a:latin typeface="微软雅黑" panose="020B0503020204020204" pitchFamily="34" charset="-122"/>
+                <a:ea typeface="微软雅黑" panose="020B0503020204020204" pitchFamily="34" charset="-122"/>
+              </a:rPr>
+              <a:t>。</a:t>
+            </a:r>
+            <a:endParaRPr lang="en-US" altLang="zh-CN" sz="2000" dirty="0">
               <a:latin typeface="微软雅黑" panose="020B0503020204020204" pitchFamily="34" charset="-122"/>
               <a:ea typeface="微软雅黑" panose="020B0503020204020204" pitchFamily="34" charset="-122"/>
             </a:endParaRPr>
@@ -17090,27 +16401,34 @@
               <a:buChar char="•"/>
             </a:pPr>
             <a:r>
-              <a:rPr lang="zh-CN" altLang="en-US" sz="2000" dirty="0" smtClean="0">
-                <a:latin typeface="微软雅黑" panose="020B0503020204020204" pitchFamily="34" charset="-122"/>
-                <a:ea typeface="微软雅黑" panose="020B0503020204020204" pitchFamily="34" charset="-122"/>
-              </a:rPr>
-              <a:t>如果在本地测试，则把本地所在公网</a:t>
-            </a:r>
-            <a:r>
-              <a:rPr lang="en-US" altLang="zh-CN" sz="2000" dirty="0" smtClean="0">
-                <a:latin typeface="微软雅黑" panose="020B0503020204020204" pitchFamily="34" charset="-122"/>
-                <a:ea typeface="微软雅黑" panose="020B0503020204020204" pitchFamily="34" charset="-122"/>
-              </a:rPr>
-              <a:t>IP</a:t>
-            </a:r>
-            <a:r>
-              <a:rPr lang="zh-CN" altLang="en-US" sz="2000" dirty="0" smtClean="0">
-                <a:latin typeface="微软雅黑" panose="020B0503020204020204" pitchFamily="34" charset="-122"/>
-                <a:ea typeface="微软雅黑" panose="020B0503020204020204" pitchFamily="34" charset="-122"/>
-              </a:rPr>
-              <a:t>也加入到白名单</a:t>
-            </a:r>
-            <a:endParaRPr lang="en-US" altLang="zh-CN" sz="2000" dirty="0" smtClean="0">
+              <a:rPr lang="en-US" altLang="zh-CN" sz="2000" dirty="0">
+                <a:latin typeface="微软雅黑" panose="020B0503020204020204" pitchFamily="34" charset="-122"/>
+                <a:ea typeface="微软雅黑" panose="020B0503020204020204" pitchFamily="34" charset="-122"/>
+              </a:rPr>
+              <a:t>access_token</a:t>
+            </a:r>
+            <a:r>
+              <a:rPr lang="zh-CN" altLang="en-US" sz="2000" dirty="0">
+                <a:latin typeface="微软雅黑" panose="020B0503020204020204" pitchFamily="34" charset="-122"/>
+                <a:ea typeface="微软雅黑" panose="020B0503020204020204" pitchFamily="34" charset="-122"/>
+              </a:rPr>
+              <a:t>的存储至少要保留</a:t>
+            </a:r>
+            <a:r>
+              <a:rPr lang="en-US" altLang="zh-CN" sz="2000" dirty="0">
+                <a:latin typeface="微软雅黑" panose="020B0503020204020204" pitchFamily="34" charset="-122"/>
+                <a:ea typeface="微软雅黑" panose="020B0503020204020204" pitchFamily="34" charset="-122"/>
+              </a:rPr>
+              <a:t>512</a:t>
+            </a:r>
+            <a:r>
+              <a:rPr lang="zh-CN" altLang="en-US" sz="2000" dirty="0">
+                <a:latin typeface="微软雅黑" panose="020B0503020204020204" pitchFamily="34" charset="-122"/>
+                <a:ea typeface="微软雅黑" panose="020B0503020204020204" pitchFamily="34" charset="-122"/>
+              </a:rPr>
+              <a:t>个字符空间。</a:t>
+            </a:r>
+            <a:endParaRPr lang="en-US" altLang="zh-CN" sz="2000" dirty="0">
               <a:latin typeface="微软雅黑" panose="020B0503020204020204" pitchFamily="34" charset="-122"/>
               <a:ea typeface="微软雅黑" panose="020B0503020204020204" pitchFamily="34" charset="-122"/>
             </a:endParaRPr>
@@ -17124,20 +16442,34 @@
               <a:buChar char="•"/>
             </a:pPr>
             <a:r>
+              <a:rPr lang="en-US" altLang="zh-CN" sz="2000" dirty="0">
+                <a:latin typeface="微软雅黑" panose="020B0503020204020204" pitchFamily="34" charset="-122"/>
+                <a:ea typeface="微软雅黑" panose="020B0503020204020204" pitchFamily="34" charset="-122"/>
+              </a:rPr>
+              <a:t>access_token</a:t>
+            </a:r>
+            <a:r>
               <a:rPr lang="zh-CN" altLang="en-US" sz="2000" dirty="0">
                 <a:latin typeface="微软雅黑" panose="020B0503020204020204" pitchFamily="34" charset="-122"/>
                 <a:ea typeface="微软雅黑" panose="020B0503020204020204" pitchFamily="34" charset="-122"/>
               </a:rPr>
-              <a:t>不</a:t>
-            </a:r>
-            <a:r>
-              <a:rPr lang="zh-CN" altLang="en-US" sz="2000" dirty="0" smtClean="0">
-                <a:latin typeface="微软雅黑" panose="020B0503020204020204" pitchFamily="34" charset="-122"/>
-                <a:ea typeface="微软雅黑" panose="020B0503020204020204" pitchFamily="34" charset="-122"/>
-              </a:rPr>
-              <a:t>加入白名单，调用接口会失败</a:t>
-            </a:r>
-            <a:endParaRPr lang="en-US" altLang="zh-CN" sz="2000" dirty="0" smtClean="0">
+              <a:t>的有效期目前为</a:t>
+            </a:r>
+            <a:r>
+              <a:rPr lang="en-US" altLang="zh-CN" sz="2000" dirty="0">
+                <a:latin typeface="微软雅黑" panose="020B0503020204020204" pitchFamily="34" charset="-122"/>
+                <a:ea typeface="微软雅黑" panose="020B0503020204020204" pitchFamily="34" charset="-122"/>
+              </a:rPr>
+              <a:t>2</a:t>
+            </a:r>
+            <a:r>
+              <a:rPr lang="zh-CN" altLang="en-US" sz="2000" dirty="0">
+                <a:latin typeface="微软雅黑" panose="020B0503020204020204" pitchFamily="34" charset="-122"/>
+                <a:ea typeface="微软雅黑" panose="020B0503020204020204" pitchFamily="34" charset="-122"/>
+              </a:rPr>
+              <a:t>个小时，需定时刷新。</a:t>
+            </a:r>
+            <a:endParaRPr lang="en-US" altLang="zh-CN" sz="2000" dirty="0">
               <a:latin typeface="微软雅黑" panose="020B0503020204020204" pitchFamily="34" charset="-122"/>
               <a:ea typeface="微软雅黑" panose="020B0503020204020204" pitchFamily="34" charset="-122"/>
             </a:endParaRPr>
@@ -17155,26 +16487,29 @@
                 <a:latin typeface="微软雅黑" panose="020B0503020204020204" pitchFamily="34" charset="-122"/>
                 <a:ea typeface="微软雅黑" panose="020B0503020204020204" pitchFamily="34" charset="-122"/>
               </a:rPr>
-              <a:t>白名单</a:t>
-            </a:r>
-            <a:r>
-              <a:rPr lang="zh-CN" altLang="en-US" sz="2000" dirty="0" smtClean="0">
-                <a:latin typeface="微软雅黑" panose="020B0503020204020204" pitchFamily="34" charset="-122"/>
-                <a:ea typeface="微软雅黑" panose="020B0503020204020204" pitchFamily="34" charset="-122"/>
-              </a:rPr>
-              <a:t>机制是为了安全性考虑</a:t>
-            </a:r>
-            <a:endParaRPr lang="en-US" altLang="zh-CN" sz="2000" dirty="0" smtClean="0">
-              <a:latin typeface="微软雅黑" panose="020B0503020204020204" pitchFamily="34" charset="-122"/>
-              <a:ea typeface="微软雅黑" panose="020B0503020204020204" pitchFamily="34" charset="-122"/>
-            </a:endParaRPr>
+              <a:t>重复获取将导致上次获取的</a:t>
+            </a:r>
+            <a:r>
+              <a:rPr lang="en-US" altLang="zh-CN" sz="2000" dirty="0">
+                <a:latin typeface="微软雅黑" panose="020B0503020204020204" pitchFamily="34" charset="-122"/>
+                <a:ea typeface="微软雅黑" panose="020B0503020204020204" pitchFamily="34" charset="-122"/>
+              </a:rPr>
+              <a:t>access_token</a:t>
+            </a:r>
+            <a:r>
+              <a:rPr lang="zh-CN" altLang="en-US" sz="2000" dirty="0">
+                <a:latin typeface="微软雅黑" panose="020B0503020204020204" pitchFamily="34" charset="-122"/>
+                <a:ea typeface="微软雅黑" panose="020B0503020204020204" pitchFamily="34" charset="-122"/>
+              </a:rPr>
+              <a:t>失效。</a:t>
+            </a:r>
           </a:p>
         </p:txBody>
       </p:sp>
     </p:spTree>
     <p:extLst>
       <p:ext uri="{BB962C8B-B14F-4D97-AF65-F5344CB8AC3E}">
-        <p14:creationId xmlns:p14="http://schemas.microsoft.com/office/powerpoint/2010/main" val="1256594085"/>
+        <p14:creationId xmlns:p14="http://schemas.microsoft.com/office/powerpoint/2010/main" val="3923890876"/>
       </p:ext>
     </p:extLst>
   </p:cSld>
@@ -17211,20 +16546,20 @@
             <p:ph sz="quarter" idx="13"/>
           </p:nvPr>
         </p:nvSpPr>
-        <p:spPr/>
+        <p:spPr>
+          <a:xfrm>
+            <a:off x="1054099" y="543636"/>
+            <a:ext cx="6003925" cy="685800"/>
+          </a:xfrm>
+        </p:spPr>
         <p:txBody>
           <a:bodyPr/>
           <a:lstStyle/>
           <a:p>
             <a:r>
-              <a:rPr lang="en-US" altLang="zh-CN" dirty="0" err="1"/>
-              <a:t>a</a:t>
-            </a:r>
-            <a:r>
-              <a:rPr lang="en-US" altLang="zh-CN" dirty="0" err="1" smtClean="0"/>
-              <a:t>ccess_token</a:t>
-            </a:r>
-            <a:endParaRPr lang="zh-CN" altLang="en-US" dirty="0"/>
+              <a:rPr lang="zh-CN" altLang="en-US" b="0" dirty="0"/>
+              <a:t>调用微信接口的凭据</a:t>
+            </a:r>
           </a:p>
         </p:txBody>
       </p:sp>
@@ -17236,8 +16571,8 @@
         </p:nvSpPr>
         <p:spPr>
           <a:xfrm>
-            <a:off x="1157288" y="1814513"/>
-            <a:ext cx="10372725" cy="2346283"/>
+            <a:off x="1054099" y="1685925"/>
+            <a:ext cx="10372725" cy="2862322"/>
           </a:xfrm>
           <a:prstGeom prst="rect">
             <a:avLst/>
@@ -17258,34 +16593,55 @@
               <a:buChar char="•"/>
             </a:pPr>
             <a:r>
+              <a:rPr lang="zh-CN" altLang="en-US" sz="2000" dirty="0">
+                <a:latin typeface="微软雅黑" panose="020B0503020204020204" pitchFamily="34" charset="-122"/>
+                <a:ea typeface="微软雅黑" panose="020B0503020204020204" pitchFamily="34" charset="-122"/>
+              </a:rPr>
+              <a:t>开发者</a:t>
+            </a:r>
+            <a:r>
               <a:rPr lang="en-US" altLang="zh-CN" sz="2000" dirty="0">
                 <a:latin typeface="微软雅黑" panose="020B0503020204020204" pitchFamily="34" charset="-122"/>
                 <a:ea typeface="微软雅黑" panose="020B0503020204020204" pitchFamily="34" charset="-122"/>
               </a:rPr>
-              <a:t>access_token</a:t>
+              <a:t>ID</a:t>
             </a:r>
             <a:r>
               <a:rPr lang="zh-CN" altLang="en-US" sz="2000" dirty="0">
                 <a:latin typeface="微软雅黑" panose="020B0503020204020204" pitchFamily="34" charset="-122"/>
                 <a:ea typeface="微软雅黑" panose="020B0503020204020204" pitchFamily="34" charset="-122"/>
               </a:rPr>
-              <a:t>是公众号的全局唯一接口调用凭据，公众号调用各接口时都需使用</a:t>
+              <a:t>（</a:t>
             </a:r>
             <a:r>
               <a:rPr lang="en-US" altLang="zh-CN" sz="2000" dirty="0">
                 <a:latin typeface="微软雅黑" panose="020B0503020204020204" pitchFamily="34" charset="-122"/>
                 <a:ea typeface="微软雅黑" panose="020B0503020204020204" pitchFamily="34" charset="-122"/>
               </a:rPr>
-              <a:t>access_token</a:t>
-            </a:r>
-            <a:r>
-              <a:rPr lang="zh-CN" altLang="en-US" sz="2000" dirty="0" smtClean="0">
-                <a:latin typeface="微软雅黑" panose="020B0503020204020204" pitchFamily="34" charset="-122"/>
-                <a:ea typeface="微软雅黑" panose="020B0503020204020204" pitchFamily="34" charset="-122"/>
-              </a:rPr>
-              <a:t>。</a:t>
-            </a:r>
-            <a:endParaRPr lang="en-US" altLang="zh-CN" sz="2000" dirty="0" smtClean="0">
+              <a:t>AppId</a:t>
+            </a:r>
+            <a:r>
+              <a:rPr lang="zh-CN" altLang="en-US" sz="2000" dirty="0">
+                <a:latin typeface="微软雅黑" panose="020B0503020204020204" pitchFamily="34" charset="-122"/>
+                <a:ea typeface="微软雅黑" panose="020B0503020204020204" pitchFamily="34" charset="-122"/>
+              </a:rPr>
+              <a:t>）：申请微信公众号产生的唯一</a:t>
+            </a:r>
+            <a:r>
+              <a:rPr lang="en-US" altLang="zh-CN" sz="2000" dirty="0">
+                <a:latin typeface="微软雅黑" panose="020B0503020204020204" pitchFamily="34" charset="-122"/>
+                <a:ea typeface="微软雅黑" panose="020B0503020204020204" pitchFamily="34" charset="-122"/>
+              </a:rPr>
+              <a:t>ID</a:t>
+            </a:r>
+            <a:r>
+              <a:rPr lang="zh-CN" altLang="en-US" sz="2000" dirty="0">
+                <a:latin typeface="微软雅黑" panose="020B0503020204020204" pitchFamily="34" charset="-122"/>
+                <a:ea typeface="微软雅黑" panose="020B0503020204020204" pitchFamily="34" charset="-122"/>
+              </a:rPr>
+              <a:t>标识</a:t>
+            </a:r>
+            <a:endParaRPr lang="en-US" altLang="zh-CN" sz="2000" dirty="0">
               <a:latin typeface="微软雅黑" panose="020B0503020204020204" pitchFamily="34" charset="-122"/>
               <a:ea typeface="微软雅黑" panose="020B0503020204020204" pitchFamily="34" charset="-122"/>
             </a:endParaRPr>
@@ -17299,41 +16655,27 @@
               <a:buChar char="•"/>
             </a:pPr>
             <a:r>
+              <a:rPr lang="zh-CN" altLang="en-US" sz="2000" dirty="0">
+                <a:latin typeface="微软雅黑" panose="020B0503020204020204" pitchFamily="34" charset="-122"/>
+                <a:ea typeface="微软雅黑" panose="020B0503020204020204" pitchFamily="34" charset="-122"/>
+              </a:rPr>
+              <a:t>开发者密码（</a:t>
+            </a:r>
+            <a:r>
               <a:rPr lang="en-US" altLang="zh-CN" sz="2000" dirty="0">
                 <a:latin typeface="微软雅黑" panose="020B0503020204020204" pitchFamily="34" charset="-122"/>
                 <a:ea typeface="微软雅黑" panose="020B0503020204020204" pitchFamily="34" charset="-122"/>
               </a:rPr>
-              <a:t>access_token</a:t>
+              <a:t>AppSecret</a:t>
             </a:r>
             <a:r>
               <a:rPr lang="zh-CN" altLang="en-US" sz="2000" dirty="0">
                 <a:latin typeface="微软雅黑" panose="020B0503020204020204" pitchFamily="34" charset="-122"/>
                 <a:ea typeface="微软雅黑" panose="020B0503020204020204" pitchFamily="34" charset="-122"/>
               </a:rPr>
-              <a:t>的存储至少要保留</a:t>
-            </a:r>
-            <a:r>
-              <a:rPr lang="en-US" altLang="zh-CN" sz="2000" dirty="0">
-                <a:latin typeface="微软雅黑" panose="020B0503020204020204" pitchFamily="34" charset="-122"/>
-                <a:ea typeface="微软雅黑" panose="020B0503020204020204" pitchFamily="34" charset="-122"/>
-              </a:rPr>
-              <a:t>512</a:t>
-            </a:r>
-            <a:r>
-              <a:rPr lang="zh-CN" altLang="en-US" sz="2000" dirty="0">
-                <a:latin typeface="微软雅黑" panose="020B0503020204020204" pitchFamily="34" charset="-122"/>
-                <a:ea typeface="微软雅黑" panose="020B0503020204020204" pitchFamily="34" charset="-122"/>
-              </a:rPr>
-              <a:t>个字符空间</a:t>
-            </a:r>
-            <a:r>
-              <a:rPr lang="zh-CN" altLang="en-US" sz="2000" dirty="0" smtClean="0">
-                <a:latin typeface="微软雅黑" panose="020B0503020204020204" pitchFamily="34" charset="-122"/>
-                <a:ea typeface="微软雅黑" panose="020B0503020204020204" pitchFamily="34" charset="-122"/>
-              </a:rPr>
-              <a:t>。</a:t>
-            </a:r>
-            <a:endParaRPr lang="en-US" altLang="zh-CN" sz="2000" dirty="0" smtClean="0">
+              <a:t>）：开发者密码是校验公众号开发者身份的密码</a:t>
+            </a:r>
+            <a:endParaRPr lang="en-US" altLang="zh-CN" sz="2000" dirty="0">
               <a:latin typeface="微软雅黑" panose="020B0503020204020204" pitchFamily="34" charset="-122"/>
               <a:ea typeface="微软雅黑" panose="020B0503020204020204" pitchFamily="34" charset="-122"/>
             </a:endParaRPr>
@@ -17347,7 +16689,7 @@
               <a:buChar char="•"/>
             </a:pPr>
             <a:r>
-              <a:rPr lang="en-US" altLang="zh-CN" sz="2000" dirty="0" smtClean="0">
+              <a:rPr lang="en-US" altLang="zh-CN" sz="2000" dirty="0" err="1">
                 <a:latin typeface="微软雅黑" panose="020B0503020204020204" pitchFamily="34" charset="-122"/>
                 <a:ea typeface="微软雅黑" panose="020B0503020204020204" pitchFamily="34" charset="-122"/>
               </a:rPr>
@@ -17358,30 +16700,23 @@
                 <a:latin typeface="微软雅黑" panose="020B0503020204020204" pitchFamily="34" charset="-122"/>
                 <a:ea typeface="微软雅黑" panose="020B0503020204020204" pitchFamily="34" charset="-122"/>
               </a:rPr>
-              <a:t>的有效期目前为</a:t>
-            </a:r>
-            <a:r>
-              <a:rPr lang="en-US" altLang="zh-CN" sz="2000" dirty="0">
-                <a:latin typeface="微软雅黑" panose="020B0503020204020204" pitchFamily="34" charset="-122"/>
-                <a:ea typeface="微软雅黑" panose="020B0503020204020204" pitchFamily="34" charset="-122"/>
-              </a:rPr>
-              <a:t>2</a:t>
+              <a:t>：每次由获取</a:t>
+            </a:r>
+            <a:r>
+              <a:rPr lang="en-US" altLang="zh-CN" sz="2000" dirty="0" err="1">
+                <a:latin typeface="微软雅黑" panose="020B0503020204020204" pitchFamily="34" charset="-122"/>
+                <a:ea typeface="微软雅黑" panose="020B0503020204020204" pitchFamily="34" charset="-122"/>
+              </a:rPr>
+              <a:t>access_token</a:t>
             </a:r>
             <a:r>
               <a:rPr lang="zh-CN" altLang="en-US" sz="2000" dirty="0">
                 <a:latin typeface="微软雅黑" panose="020B0503020204020204" pitchFamily="34" charset="-122"/>
                 <a:ea typeface="微软雅黑" panose="020B0503020204020204" pitchFamily="34" charset="-122"/>
               </a:rPr>
-              <a:t>个小时，需定时</a:t>
-            </a:r>
-            <a:r>
-              <a:rPr lang="zh-CN" altLang="en-US" sz="2000" dirty="0" smtClean="0">
-                <a:latin typeface="微软雅黑" panose="020B0503020204020204" pitchFamily="34" charset="-122"/>
-                <a:ea typeface="微软雅黑" panose="020B0503020204020204" pitchFamily="34" charset="-122"/>
-              </a:rPr>
-              <a:t>刷新。</a:t>
-            </a:r>
-            <a:endParaRPr lang="en-US" altLang="zh-CN" sz="2000" dirty="0" smtClean="0">
+              <a:t>接口获取后保存并用于其他接口的调用</a:t>
+            </a:r>
+            <a:endParaRPr lang="en-US" altLang="zh-CN" sz="2000" dirty="0">
               <a:latin typeface="微软雅黑" panose="020B0503020204020204" pitchFamily="34" charset="-122"/>
               <a:ea typeface="微软雅黑" panose="020B0503020204020204" pitchFamily="34" charset="-122"/>
             </a:endParaRPr>
@@ -17395,32 +16730,114 @@
               <a:buChar char="•"/>
             </a:pPr>
             <a:r>
-              <a:rPr lang="zh-CN" altLang="en-US" sz="2000" dirty="0" smtClean="0">
-                <a:latin typeface="微软雅黑" panose="020B0503020204020204" pitchFamily="34" charset="-122"/>
-                <a:ea typeface="微软雅黑" panose="020B0503020204020204" pitchFamily="34" charset="-122"/>
-              </a:rPr>
-              <a:t>重复</a:t>
-            </a:r>
-            <a:r>
               <a:rPr lang="zh-CN" altLang="en-US" sz="2000" dirty="0">
                 <a:latin typeface="微软雅黑" panose="020B0503020204020204" pitchFamily="34" charset="-122"/>
                 <a:ea typeface="微软雅黑" panose="020B0503020204020204" pitchFamily="34" charset="-122"/>
               </a:rPr>
-              <a:t>获取将导致上次获取的</a:t>
+              <a:t>除</a:t>
+            </a:r>
+            <a:r>
+              <a:rPr lang="en-US" altLang="zh-CN" sz="2000" dirty="0" err="1">
+                <a:latin typeface="微软雅黑" panose="020B0503020204020204" pitchFamily="34" charset="-122"/>
+                <a:ea typeface="微软雅黑" panose="020B0503020204020204" pitchFamily="34" charset="-122"/>
+              </a:rPr>
+              <a:t>access_token</a:t>
+            </a:r>
+            <a:r>
+              <a:rPr lang="zh-CN" altLang="en-US" sz="2000" dirty="0">
+                <a:latin typeface="微软雅黑" panose="020B0503020204020204" pitchFamily="34" charset="-122"/>
+                <a:ea typeface="微软雅黑" panose="020B0503020204020204" pitchFamily="34" charset="-122"/>
+              </a:rPr>
+              <a:t>接口以外，其他接口的调用流程：</a:t>
+            </a:r>
+            <a:endParaRPr lang="en-US" altLang="zh-CN" sz="2000" dirty="0">
+              <a:latin typeface="微软雅黑" panose="020B0503020204020204" pitchFamily="34" charset="-122"/>
+              <a:ea typeface="微软雅黑" panose="020B0503020204020204" pitchFamily="34" charset="-122"/>
+            </a:endParaRPr>
+          </a:p>
+          <a:p>
+            <a:pPr marL="914400" lvl="1" indent="-457200">
+              <a:lnSpc>
+                <a:spcPct val="150000"/>
+              </a:lnSpc>
+              <a:buFont typeface="+mj-lt"/>
+              <a:buAutoNum type="arabicPeriod"/>
+            </a:pPr>
+            <a:r>
+              <a:rPr lang="zh-CN" altLang="en-US" sz="2000" dirty="0">
+                <a:latin typeface="微软雅黑" panose="020B0503020204020204" pitchFamily="34" charset="-122"/>
+                <a:ea typeface="微软雅黑" panose="020B0503020204020204" pitchFamily="34" charset="-122"/>
+              </a:rPr>
+              <a:t>先使用</a:t>
             </a:r>
             <a:r>
               <a:rPr lang="en-US" altLang="zh-CN" sz="2000" dirty="0">
                 <a:latin typeface="微软雅黑" panose="020B0503020204020204" pitchFamily="34" charset="-122"/>
                 <a:ea typeface="微软雅黑" panose="020B0503020204020204" pitchFamily="34" charset="-122"/>
               </a:rPr>
+              <a:t>AppId</a:t>
+            </a:r>
+            <a:r>
+              <a:rPr lang="zh-CN" altLang="en-US" sz="2000" dirty="0">
+                <a:latin typeface="微软雅黑" panose="020B0503020204020204" pitchFamily="34" charset="-122"/>
+                <a:ea typeface="微软雅黑" panose="020B0503020204020204" pitchFamily="34" charset="-122"/>
+              </a:rPr>
+              <a:t>与</a:t>
+            </a:r>
+            <a:r>
+              <a:rPr lang="en-US" altLang="zh-CN" sz="2000" dirty="0">
+                <a:latin typeface="微软雅黑" panose="020B0503020204020204" pitchFamily="34" charset="-122"/>
+                <a:ea typeface="微软雅黑" panose="020B0503020204020204" pitchFamily="34" charset="-122"/>
+              </a:rPr>
+              <a:t>AppSecret</a:t>
+            </a:r>
+            <a:r>
+              <a:rPr lang="zh-CN" altLang="en-US" sz="2000" dirty="0">
+                <a:latin typeface="微软雅黑" panose="020B0503020204020204" pitchFamily="34" charset="-122"/>
+                <a:ea typeface="微软雅黑" panose="020B0503020204020204" pitchFamily="34" charset="-122"/>
+              </a:rPr>
+              <a:t>获取有效的</a:t>
+            </a:r>
+            <a:r>
+              <a:rPr lang="en-US" altLang="zh-CN" sz="2000" dirty="0" err="1">
+                <a:latin typeface="微软雅黑" panose="020B0503020204020204" pitchFamily="34" charset="-122"/>
+                <a:ea typeface="微软雅黑" panose="020B0503020204020204" pitchFamily="34" charset="-122"/>
+              </a:rPr>
               <a:t>access_token</a:t>
             </a:r>
+            <a:endParaRPr lang="en-US" altLang="zh-CN" sz="2000" dirty="0">
+              <a:latin typeface="微软雅黑" panose="020B0503020204020204" pitchFamily="34" charset="-122"/>
+              <a:ea typeface="微软雅黑" panose="020B0503020204020204" pitchFamily="34" charset="-122"/>
+            </a:endParaRPr>
+          </a:p>
+          <a:p>
+            <a:pPr marL="914400" lvl="1" indent="-457200">
+              <a:lnSpc>
+                <a:spcPct val="150000"/>
+              </a:lnSpc>
+              <a:buFont typeface="+mj-lt"/>
+              <a:buAutoNum type="arabicPeriod"/>
+            </a:pPr>
             <a:r>
               <a:rPr lang="zh-CN" altLang="en-US" sz="2000" dirty="0">
                 <a:latin typeface="微软雅黑" panose="020B0503020204020204" pitchFamily="34" charset="-122"/>
                 <a:ea typeface="微软雅黑" panose="020B0503020204020204" pitchFamily="34" charset="-122"/>
               </a:rPr>
-              <a:t>失效。</a:t>
+              <a:t>之后要通过</a:t>
+            </a:r>
+            <a:r>
+              <a:rPr lang="en-US" altLang="zh-CN" sz="2000" dirty="0" err="1">
+                <a:latin typeface="微软雅黑" panose="020B0503020204020204" pitchFamily="34" charset="-122"/>
+                <a:ea typeface="微软雅黑" panose="020B0503020204020204" pitchFamily="34" charset="-122"/>
+              </a:rPr>
+              <a:t>access_token</a:t>
+            </a:r>
+            <a:r>
+              <a:rPr lang="zh-CN" altLang="en-US" sz="2000" dirty="0">
+                <a:latin typeface="微软雅黑" panose="020B0503020204020204" pitchFamily="34" charset="-122"/>
+                <a:ea typeface="微软雅黑" panose="020B0503020204020204" pitchFamily="34" charset="-122"/>
+              </a:rPr>
+              <a:t>与其他参数调用接口</a:t>
             </a:r>
           </a:p>
         </p:txBody>
@@ -17428,7 +16845,7 @@
     </p:spTree>
     <p:extLst>
       <p:ext uri="{BB962C8B-B14F-4D97-AF65-F5344CB8AC3E}">
-        <p14:creationId xmlns:p14="http://schemas.microsoft.com/office/powerpoint/2010/main" val="3923890876"/>
+        <p14:creationId xmlns:p14="http://schemas.microsoft.com/office/powerpoint/2010/main" val="3631587936"/>
       </p:ext>
     </p:extLst>
   </p:cSld>
@@ -17467,8 +16884,8 @@
         </p:nvSpPr>
         <p:spPr>
           <a:xfrm>
-            <a:off x="1054099" y="543636"/>
-            <a:ext cx="6003925" cy="685800"/>
+            <a:off x="1054100" y="543636"/>
+            <a:ext cx="6546850" cy="685800"/>
           </a:xfrm>
         </p:spPr>
         <p:txBody>
@@ -17476,10 +16893,14 @@
           <a:lstStyle/>
           <a:p>
             <a:r>
-              <a:rPr lang="zh-CN" altLang="en-US" dirty="0" smtClean="0"/>
-              <a:t>调用微信接口的凭据</a:t>
-            </a:r>
-            <a:endParaRPr lang="zh-CN" altLang="en-US" dirty="0"/>
+              <a:rPr lang="zh-CN" altLang="en-US" b="0" dirty="0"/>
+              <a:t>获取</a:t>
+            </a:r>
+            <a:r>
+              <a:rPr lang="en-US" altLang="zh-CN" b="0" dirty="0" err="1"/>
+              <a:t>access_token</a:t>
+            </a:r>
+            <a:endParaRPr lang="zh-CN" altLang="en-US" b="0" dirty="0"/>
           </a:p>
         </p:txBody>
       </p:sp>
@@ -17491,8 +16912,8 @@
         </p:nvSpPr>
         <p:spPr>
           <a:xfrm>
-            <a:off x="1054099" y="1685925"/>
-            <a:ext cx="10372725" cy="2862322"/>
+            <a:off x="1054100" y="1568177"/>
+            <a:ext cx="10515600" cy="969496"/>
           </a:xfrm>
           <a:prstGeom prst="rect">
             <a:avLst/>
@@ -17517,280 +16938,639 @@
                 <a:latin typeface="微软雅黑" panose="020B0503020204020204" pitchFamily="34" charset="-122"/>
                 <a:ea typeface="微软雅黑" panose="020B0503020204020204" pitchFamily="34" charset="-122"/>
               </a:rPr>
-              <a:t>开发者</a:t>
-            </a:r>
-            <a:r>
-              <a:rPr lang="en-US" altLang="zh-CN" sz="2000" dirty="0" smtClean="0">
-                <a:latin typeface="微软雅黑" panose="020B0503020204020204" pitchFamily="34" charset="-122"/>
-                <a:ea typeface="微软雅黑" panose="020B0503020204020204" pitchFamily="34" charset="-122"/>
-              </a:rPr>
-              <a:t>ID</a:t>
-            </a:r>
-            <a:r>
-              <a:rPr lang="zh-CN" altLang="en-US" sz="2000" dirty="0" smtClean="0">
-                <a:latin typeface="微软雅黑" panose="020B0503020204020204" pitchFamily="34" charset="-122"/>
-                <a:ea typeface="微软雅黑" panose="020B0503020204020204" pitchFamily="34" charset="-122"/>
-              </a:rPr>
-              <a:t>（</a:t>
-            </a:r>
-            <a:r>
-              <a:rPr lang="en-US" altLang="zh-CN" sz="2000" dirty="0" smtClean="0">
-                <a:latin typeface="微软雅黑" panose="020B0503020204020204" pitchFamily="34" charset="-122"/>
-                <a:ea typeface="微软雅黑" panose="020B0503020204020204" pitchFamily="34" charset="-122"/>
-              </a:rPr>
-              <a:t>AppId</a:t>
-            </a:r>
-            <a:r>
-              <a:rPr lang="zh-CN" altLang="en-US" sz="2000" dirty="0" smtClean="0">
-                <a:latin typeface="微软雅黑" panose="020B0503020204020204" pitchFamily="34" charset="-122"/>
-                <a:ea typeface="微软雅黑" panose="020B0503020204020204" pitchFamily="34" charset="-122"/>
-              </a:rPr>
-              <a:t>）：申请微信公众号产生的唯一</a:t>
-            </a:r>
-            <a:r>
-              <a:rPr lang="en-US" altLang="zh-CN" sz="2000" dirty="0" smtClean="0">
-                <a:latin typeface="微软雅黑" panose="020B0503020204020204" pitchFamily="34" charset="-122"/>
-                <a:ea typeface="微软雅黑" panose="020B0503020204020204" pitchFamily="34" charset="-122"/>
-              </a:rPr>
-              <a:t>ID</a:t>
-            </a:r>
-            <a:r>
-              <a:rPr lang="zh-CN" altLang="en-US" sz="2000" dirty="0" smtClean="0">
-                <a:latin typeface="微软雅黑" panose="020B0503020204020204" pitchFamily="34" charset="-122"/>
-                <a:ea typeface="微软雅黑" panose="020B0503020204020204" pitchFamily="34" charset="-122"/>
-              </a:rPr>
-              <a:t>标识</a:t>
-            </a:r>
-            <a:endParaRPr lang="en-US" altLang="zh-CN" sz="2000" dirty="0" smtClean="0">
+              <a:t>获取</a:t>
+            </a:r>
+            <a:r>
+              <a:rPr lang="en-US" altLang="zh-CN" sz="2000" dirty="0" err="1">
+                <a:latin typeface="微软雅黑" panose="020B0503020204020204" pitchFamily="34" charset="-122"/>
+                <a:ea typeface="微软雅黑" panose="020B0503020204020204" pitchFamily="34" charset="-122"/>
+              </a:rPr>
+              <a:t>access_token</a:t>
+            </a:r>
+            <a:r>
+              <a:rPr lang="zh-CN" altLang="en-US" sz="2000" dirty="0">
+                <a:latin typeface="微软雅黑" panose="020B0503020204020204" pitchFamily="34" charset="-122"/>
+                <a:ea typeface="微软雅黑" panose="020B0503020204020204" pitchFamily="34" charset="-122"/>
+              </a:rPr>
+              <a:t>接口</a:t>
+            </a:r>
+            <a:endParaRPr lang="en-US" altLang="zh-CN" sz="2000" dirty="0">
               <a:latin typeface="微软雅黑" panose="020B0503020204020204" pitchFamily="34" charset="-122"/>
               <a:ea typeface="微软雅黑" panose="020B0503020204020204" pitchFamily="34" charset="-122"/>
             </a:endParaRPr>
           </a:p>
           <a:p>
-            <a:pPr marL="285750" indent="-285750">
+            <a:pPr lvl="1">
               <a:lnSpc>
                 <a:spcPct val="150000"/>
               </a:lnSpc>
+            </a:pPr>
+            <a:r>
+              <a:rPr lang="en-US" altLang="zh-CN" dirty="0">
+                <a:latin typeface="Calibri" panose="020F0502020204030204" pitchFamily="34" charset="0"/>
+                <a:ea typeface="微软雅黑" panose="020B0503020204020204" pitchFamily="34" charset="-122"/>
+                <a:cs typeface="Calibri" panose="020F0502020204030204" pitchFamily="34" charset="0"/>
+              </a:rPr>
+              <a:t>https://api.weixin.qq.com/cgi-bin/token?grant_type=client_credential&amp;appid=APPID&amp;secret=APPSECRET</a:t>
+            </a:r>
+          </a:p>
+        </p:txBody>
+      </p:sp>
+      <p:graphicFrame>
+        <p:nvGraphicFramePr>
+          <p:cNvPr id="5" name="表格 4">
+            <a:extLst>
+              <a:ext uri="{FF2B5EF4-FFF2-40B4-BE49-F238E27FC236}">
+                <a16:creationId xmlns:a16="http://schemas.microsoft.com/office/drawing/2014/main" id="{0F923CA5-A562-4F63-974D-0F8CE9ADA4FE}"/>
+              </a:ext>
+            </a:extLst>
+          </p:cNvPr>
+          <p:cNvGraphicFramePr>
+            <a:graphicFrameLocks noGrp="1"/>
+          </p:cNvGraphicFramePr>
+          <p:nvPr>
+            <p:extLst>
+              <p:ext uri="{D42A27DB-BD31-4B8C-83A1-F6EECF244321}">
+                <p14:modId xmlns:p14="http://schemas.microsoft.com/office/powerpoint/2010/main" val="217330159"/>
+              </p:ext>
+            </p:extLst>
+          </p:nvPr>
+        </p:nvGraphicFramePr>
+        <p:xfrm>
+          <a:off x="1178308" y="2709173"/>
+          <a:ext cx="9416118" cy="1515988"/>
+        </p:xfrm>
+        <a:graphic>
+          <a:graphicData uri="http://schemas.openxmlformats.org/drawingml/2006/table">
+            <a:tbl>
+              <a:tblPr/>
+              <a:tblGrid>
+                <a:gridCol w="1765522">
+                  <a:extLst>
+                    <a:ext uri="{9D8B030D-6E8A-4147-A177-3AD203B41FA5}">
+                      <a16:colId xmlns:a16="http://schemas.microsoft.com/office/drawing/2014/main" val="659894200"/>
+                    </a:ext>
+                  </a:extLst>
+                </a:gridCol>
+                <a:gridCol w="1765522">
+                  <a:extLst>
+                    <a:ext uri="{9D8B030D-6E8A-4147-A177-3AD203B41FA5}">
+                      <a16:colId xmlns:a16="http://schemas.microsoft.com/office/drawing/2014/main" val="2372074123"/>
+                    </a:ext>
+                  </a:extLst>
+                </a:gridCol>
+                <a:gridCol w="5885074">
+                  <a:extLst>
+                    <a:ext uri="{9D8B030D-6E8A-4147-A177-3AD203B41FA5}">
+                      <a16:colId xmlns:a16="http://schemas.microsoft.com/office/drawing/2014/main" val="1010133272"/>
+                    </a:ext>
+                  </a:extLst>
+                </a:gridCol>
+              </a:tblGrid>
+              <a:tr h="378997">
+                <a:tc>
+                  <a:txBody>
+                    <a:bodyPr/>
+                    <a:lstStyle/>
+                    <a:p>
+                      <a:pPr algn="ctr"/>
+                      <a:r>
+                        <a:rPr lang="zh-CN" altLang="en-US" b="1" dirty="0">
+                          <a:effectLst/>
+                          <a:latin typeface="微软雅黑" panose="020B0503020204020204" pitchFamily="34" charset="-122"/>
+                          <a:ea typeface="微软雅黑" panose="020B0503020204020204" pitchFamily="34" charset="-122"/>
+                        </a:rPr>
+                        <a:t>参数 </a:t>
+                      </a:r>
+                      <a:endParaRPr lang="zh-CN" altLang="en-US" b="1" dirty="0">
+                        <a:effectLst/>
+                      </a:endParaRPr>
+                    </a:p>
+                  </a:txBody>
+                  <a:tcPr marL="30480" marR="30480" marT="30480" marB="30480" anchor="ctr">
+                    <a:lnL>
+                      <a:noFill/>
+                    </a:lnL>
+                    <a:lnR>
+                      <a:noFill/>
+                    </a:lnR>
+                    <a:lnT>
+                      <a:noFill/>
+                    </a:lnT>
+                    <a:lnB>
+                      <a:noFill/>
+                    </a:lnB>
+                  </a:tcPr>
+                </a:tc>
+                <a:tc>
+                  <a:txBody>
+                    <a:bodyPr/>
+                    <a:lstStyle/>
+                    <a:p>
+                      <a:pPr algn="ctr"/>
+                      <a:r>
+                        <a:rPr lang="zh-CN" altLang="en-US" b="1">
+                          <a:effectLst/>
+                          <a:latin typeface="微软雅黑" panose="020B0503020204020204" pitchFamily="34" charset="-122"/>
+                          <a:ea typeface="微软雅黑" panose="020B0503020204020204" pitchFamily="34" charset="-122"/>
+                        </a:rPr>
+                        <a:t>是否必须 </a:t>
+                      </a:r>
+                      <a:endParaRPr lang="zh-CN" altLang="en-US" b="1">
+                        <a:effectLst/>
+                      </a:endParaRPr>
+                    </a:p>
+                  </a:txBody>
+                  <a:tcPr marL="30480" marR="30480" marT="30480" marB="30480" anchor="ctr">
+                    <a:lnL>
+                      <a:noFill/>
+                    </a:lnL>
+                    <a:lnR>
+                      <a:noFill/>
+                    </a:lnR>
+                    <a:lnT>
+                      <a:noFill/>
+                    </a:lnT>
+                    <a:lnB>
+                      <a:noFill/>
+                    </a:lnB>
+                  </a:tcPr>
+                </a:tc>
+                <a:tc>
+                  <a:txBody>
+                    <a:bodyPr/>
+                    <a:lstStyle/>
+                    <a:p>
+                      <a:pPr algn="ctr"/>
+                      <a:r>
+                        <a:rPr lang="zh-CN" altLang="en-US" b="1" dirty="0">
+                          <a:effectLst/>
+                          <a:latin typeface="微软雅黑" panose="020B0503020204020204" pitchFamily="34" charset="-122"/>
+                          <a:ea typeface="微软雅黑" panose="020B0503020204020204" pitchFamily="34" charset="-122"/>
+                        </a:rPr>
+                        <a:t>说明</a:t>
+                      </a:r>
+                      <a:endParaRPr lang="zh-CN" altLang="en-US" b="1" dirty="0"/>
+                    </a:p>
+                  </a:txBody>
+                  <a:tcPr marL="30480" marR="30480" marT="30480" marB="30480" anchor="ctr">
+                    <a:lnL>
+                      <a:noFill/>
+                    </a:lnL>
+                    <a:lnR>
+                      <a:noFill/>
+                    </a:lnR>
+                    <a:lnT>
+                      <a:noFill/>
+                    </a:lnT>
+                    <a:lnB>
+                      <a:noFill/>
+                    </a:lnB>
+                  </a:tcPr>
+                </a:tc>
+                <a:extLst>
+                  <a:ext uri="{0D108BD9-81ED-4DB2-BD59-A6C34878D82A}">
+                    <a16:rowId xmlns:a16="http://schemas.microsoft.com/office/drawing/2014/main" val="3617476463"/>
+                  </a:ext>
+                </a:extLst>
+              </a:tr>
+              <a:tr h="378997">
+                <a:tc>
+                  <a:txBody>
+                    <a:bodyPr/>
+                    <a:lstStyle/>
+                    <a:p>
+                      <a:pPr algn="ctr"/>
+                      <a:r>
+                        <a:rPr lang="en-US">
+                          <a:effectLst/>
+                          <a:latin typeface="微软雅黑" panose="020B0503020204020204" pitchFamily="34" charset="-122"/>
+                          <a:ea typeface="微软雅黑" panose="020B0503020204020204" pitchFamily="34" charset="-122"/>
+                        </a:rPr>
+                        <a:t>grant_type</a:t>
+                      </a:r>
+                      <a:endParaRPr lang="en-US"/>
+                    </a:p>
+                  </a:txBody>
+                  <a:tcPr marL="30480" marR="30480" marT="30480" marB="30480" anchor="ctr">
+                    <a:lnL>
+                      <a:noFill/>
+                    </a:lnL>
+                    <a:lnR>
+                      <a:noFill/>
+                    </a:lnR>
+                    <a:lnT>
+                      <a:noFill/>
+                    </a:lnT>
+                    <a:lnB>
+                      <a:noFill/>
+                    </a:lnB>
+                  </a:tcPr>
+                </a:tc>
+                <a:tc>
+                  <a:txBody>
+                    <a:bodyPr/>
+                    <a:lstStyle/>
+                    <a:p>
+                      <a:pPr algn="ctr"/>
+                      <a:r>
+                        <a:rPr lang="zh-CN" altLang="en-US">
+                          <a:effectLst/>
+                          <a:latin typeface="微软雅黑" panose="020B0503020204020204" pitchFamily="34" charset="-122"/>
+                          <a:ea typeface="微软雅黑" panose="020B0503020204020204" pitchFamily="34" charset="-122"/>
+                        </a:rPr>
+                        <a:t>是</a:t>
+                      </a:r>
+                      <a:endParaRPr lang="zh-CN" altLang="en-US"/>
+                    </a:p>
+                  </a:txBody>
+                  <a:tcPr marL="30480" marR="30480" marT="30480" marB="30480" anchor="ctr">
+                    <a:lnL>
+                      <a:noFill/>
+                    </a:lnL>
+                    <a:lnR>
+                      <a:noFill/>
+                    </a:lnR>
+                    <a:lnT>
+                      <a:noFill/>
+                    </a:lnT>
+                    <a:lnB>
+                      <a:noFill/>
+                    </a:lnB>
+                  </a:tcPr>
+                </a:tc>
+                <a:tc>
+                  <a:txBody>
+                    <a:bodyPr/>
+                    <a:lstStyle/>
+                    <a:p>
+                      <a:pPr algn="ctr"/>
+                      <a:r>
+                        <a:rPr lang="zh-CN" altLang="en-US">
+                          <a:effectLst/>
+                          <a:latin typeface="微软雅黑" panose="020B0503020204020204" pitchFamily="34" charset="-122"/>
+                          <a:ea typeface="微软雅黑" panose="020B0503020204020204" pitchFamily="34" charset="-122"/>
+                        </a:rPr>
+                        <a:t>获取</a:t>
+                      </a:r>
+                      <a:r>
+                        <a:rPr lang="en-US">
+                          <a:effectLst/>
+                          <a:latin typeface="微软雅黑" panose="020B0503020204020204" pitchFamily="34" charset="-122"/>
+                          <a:ea typeface="微软雅黑" panose="020B0503020204020204" pitchFamily="34" charset="-122"/>
+                        </a:rPr>
+                        <a:t>access_token</a:t>
+                      </a:r>
+                      <a:r>
+                        <a:rPr lang="zh-CN" altLang="en-US">
+                          <a:effectLst/>
+                          <a:latin typeface="微软雅黑" panose="020B0503020204020204" pitchFamily="34" charset="-122"/>
+                          <a:ea typeface="微软雅黑" panose="020B0503020204020204" pitchFamily="34" charset="-122"/>
+                        </a:rPr>
+                        <a:t>填写</a:t>
+                      </a:r>
+                      <a:r>
+                        <a:rPr lang="en-US">
+                          <a:effectLst/>
+                          <a:latin typeface="微软雅黑" panose="020B0503020204020204" pitchFamily="34" charset="-122"/>
+                          <a:ea typeface="微软雅黑" panose="020B0503020204020204" pitchFamily="34" charset="-122"/>
+                        </a:rPr>
+                        <a:t>client_credential</a:t>
+                      </a:r>
+                      <a:endParaRPr lang="en-US"/>
+                    </a:p>
+                  </a:txBody>
+                  <a:tcPr marL="30480" marR="30480" marT="30480" marB="30480" anchor="ctr">
+                    <a:lnL>
+                      <a:noFill/>
+                    </a:lnL>
+                    <a:lnR>
+                      <a:noFill/>
+                    </a:lnR>
+                    <a:lnT>
+                      <a:noFill/>
+                    </a:lnT>
+                    <a:lnB>
+                      <a:noFill/>
+                    </a:lnB>
+                  </a:tcPr>
+                </a:tc>
+                <a:extLst>
+                  <a:ext uri="{0D108BD9-81ED-4DB2-BD59-A6C34878D82A}">
+                    <a16:rowId xmlns:a16="http://schemas.microsoft.com/office/drawing/2014/main" val="1603946300"/>
+                  </a:ext>
+                </a:extLst>
+              </a:tr>
+              <a:tr h="378997">
+                <a:tc>
+                  <a:txBody>
+                    <a:bodyPr/>
+                    <a:lstStyle/>
+                    <a:p>
+                      <a:pPr algn="ctr"/>
+                      <a:r>
+                        <a:rPr lang="en-US" dirty="0" err="1">
+                          <a:effectLst/>
+                          <a:latin typeface="微软雅黑" panose="020B0503020204020204" pitchFamily="34" charset="-122"/>
+                          <a:ea typeface="微软雅黑" panose="020B0503020204020204" pitchFamily="34" charset="-122"/>
+                        </a:rPr>
+                        <a:t>appid</a:t>
+                      </a:r>
+                      <a:endParaRPr lang="en-US" dirty="0"/>
+                    </a:p>
+                  </a:txBody>
+                  <a:tcPr marL="30480" marR="30480" marT="30480" marB="30480" anchor="ctr">
+                    <a:lnL>
+                      <a:noFill/>
+                    </a:lnL>
+                    <a:lnR>
+                      <a:noFill/>
+                    </a:lnR>
+                    <a:lnT>
+                      <a:noFill/>
+                    </a:lnT>
+                    <a:lnB>
+                      <a:noFill/>
+                    </a:lnB>
+                  </a:tcPr>
+                </a:tc>
+                <a:tc>
+                  <a:txBody>
+                    <a:bodyPr/>
+                    <a:lstStyle/>
+                    <a:p>
+                      <a:pPr algn="ctr"/>
+                      <a:r>
+                        <a:rPr lang="zh-CN" altLang="en-US">
+                          <a:effectLst/>
+                          <a:latin typeface="微软雅黑" panose="020B0503020204020204" pitchFamily="34" charset="-122"/>
+                          <a:ea typeface="微软雅黑" panose="020B0503020204020204" pitchFamily="34" charset="-122"/>
+                        </a:rPr>
+                        <a:t>是</a:t>
+                      </a:r>
+                      <a:endParaRPr lang="zh-CN" altLang="en-US"/>
+                    </a:p>
+                  </a:txBody>
+                  <a:tcPr marL="30480" marR="30480" marT="30480" marB="30480" anchor="ctr">
+                    <a:lnL>
+                      <a:noFill/>
+                    </a:lnL>
+                    <a:lnR>
+                      <a:noFill/>
+                    </a:lnR>
+                    <a:lnT>
+                      <a:noFill/>
+                    </a:lnT>
+                    <a:lnB>
+                      <a:noFill/>
+                    </a:lnB>
+                  </a:tcPr>
+                </a:tc>
+                <a:tc>
+                  <a:txBody>
+                    <a:bodyPr/>
+                    <a:lstStyle/>
+                    <a:p>
+                      <a:pPr algn="ctr"/>
+                      <a:r>
+                        <a:rPr lang="zh-CN" altLang="en-US">
+                          <a:effectLst/>
+                          <a:latin typeface="微软雅黑" panose="020B0503020204020204" pitchFamily="34" charset="-122"/>
+                          <a:ea typeface="微软雅黑" panose="020B0503020204020204" pitchFamily="34" charset="-122"/>
+                        </a:rPr>
+                        <a:t>第三方用户唯一凭证</a:t>
+                      </a:r>
+                      <a:endParaRPr lang="zh-CN" altLang="en-US"/>
+                    </a:p>
+                  </a:txBody>
+                  <a:tcPr marL="30480" marR="30480" marT="30480" marB="30480" anchor="ctr">
+                    <a:lnL>
+                      <a:noFill/>
+                    </a:lnL>
+                    <a:lnR>
+                      <a:noFill/>
+                    </a:lnR>
+                    <a:lnT>
+                      <a:noFill/>
+                    </a:lnT>
+                    <a:lnB>
+                      <a:noFill/>
+                    </a:lnB>
+                  </a:tcPr>
+                </a:tc>
+                <a:extLst>
+                  <a:ext uri="{0D108BD9-81ED-4DB2-BD59-A6C34878D82A}">
+                    <a16:rowId xmlns:a16="http://schemas.microsoft.com/office/drawing/2014/main" val="1162917254"/>
+                  </a:ext>
+                </a:extLst>
+              </a:tr>
+              <a:tr h="378997">
+                <a:tc>
+                  <a:txBody>
+                    <a:bodyPr/>
+                    <a:lstStyle/>
+                    <a:p>
+                      <a:pPr algn="ctr"/>
+                      <a:r>
+                        <a:rPr lang="en-US" dirty="0">
+                          <a:effectLst/>
+                          <a:latin typeface="微软雅黑" panose="020B0503020204020204" pitchFamily="34" charset="-122"/>
+                          <a:ea typeface="微软雅黑" panose="020B0503020204020204" pitchFamily="34" charset="-122"/>
+                        </a:rPr>
+                        <a:t>secret</a:t>
+                      </a:r>
+                      <a:endParaRPr lang="en-US" dirty="0"/>
+                    </a:p>
+                  </a:txBody>
+                  <a:tcPr marL="30480" marR="30480" marT="30480" marB="30480" anchor="ctr">
+                    <a:lnL>
+                      <a:noFill/>
+                    </a:lnL>
+                    <a:lnR>
+                      <a:noFill/>
+                    </a:lnR>
+                    <a:lnT>
+                      <a:noFill/>
+                    </a:lnT>
+                    <a:lnB>
+                      <a:noFill/>
+                    </a:lnB>
+                  </a:tcPr>
+                </a:tc>
+                <a:tc>
+                  <a:txBody>
+                    <a:bodyPr/>
+                    <a:lstStyle/>
+                    <a:p>
+                      <a:pPr algn="ctr"/>
+                      <a:r>
+                        <a:rPr lang="zh-CN" altLang="en-US">
+                          <a:effectLst/>
+                          <a:latin typeface="微软雅黑" panose="020B0503020204020204" pitchFamily="34" charset="-122"/>
+                          <a:ea typeface="微软雅黑" panose="020B0503020204020204" pitchFamily="34" charset="-122"/>
+                        </a:rPr>
+                        <a:t>是</a:t>
+                      </a:r>
+                      <a:endParaRPr lang="zh-CN" altLang="en-US"/>
+                    </a:p>
+                  </a:txBody>
+                  <a:tcPr marL="30480" marR="30480" marT="30480" marB="30480" anchor="ctr">
+                    <a:lnL>
+                      <a:noFill/>
+                    </a:lnL>
+                    <a:lnR>
+                      <a:noFill/>
+                    </a:lnR>
+                    <a:lnT>
+                      <a:noFill/>
+                    </a:lnT>
+                    <a:lnB>
+                      <a:noFill/>
+                    </a:lnB>
+                  </a:tcPr>
+                </a:tc>
+                <a:tc>
+                  <a:txBody>
+                    <a:bodyPr/>
+                    <a:lstStyle/>
+                    <a:p>
+                      <a:pPr algn="ctr"/>
+                      <a:r>
+                        <a:rPr lang="zh-CN" altLang="en-US" dirty="0">
+                          <a:effectLst/>
+                          <a:latin typeface="微软雅黑" panose="020B0503020204020204" pitchFamily="34" charset="-122"/>
+                          <a:ea typeface="微软雅黑" panose="020B0503020204020204" pitchFamily="34" charset="-122"/>
+                        </a:rPr>
+                        <a:t>第三方用户唯一凭证密钥，即</a:t>
+                      </a:r>
+                      <a:r>
+                        <a:rPr lang="en-US" altLang="zh-CN" dirty="0" err="1">
+                          <a:effectLst/>
+                          <a:latin typeface="微软雅黑" panose="020B0503020204020204" pitchFamily="34" charset="-122"/>
+                          <a:ea typeface="微软雅黑" panose="020B0503020204020204" pitchFamily="34" charset="-122"/>
+                        </a:rPr>
+                        <a:t>appsecret</a:t>
+                      </a:r>
+                      <a:endParaRPr lang="zh-CN" altLang="en-US" dirty="0"/>
+                    </a:p>
+                  </a:txBody>
+                  <a:tcPr marL="30480" marR="30480" marT="30480" marB="30480" anchor="ctr">
+                    <a:lnL>
+                      <a:noFill/>
+                    </a:lnL>
+                    <a:lnR>
+                      <a:noFill/>
+                    </a:lnR>
+                    <a:lnT>
+                      <a:noFill/>
+                    </a:lnT>
+                    <a:lnB>
+                      <a:noFill/>
+                    </a:lnB>
+                  </a:tcPr>
+                </a:tc>
+                <a:extLst>
+                  <a:ext uri="{0D108BD9-81ED-4DB2-BD59-A6C34878D82A}">
+                    <a16:rowId xmlns:a16="http://schemas.microsoft.com/office/drawing/2014/main" val="2577628270"/>
+                  </a:ext>
+                </a:extLst>
+              </a:tr>
+            </a:tbl>
+          </a:graphicData>
+        </a:graphic>
+      </p:graphicFrame>
+      <p:sp>
+        <p:nvSpPr>
+          <p:cNvPr id="6" name="文本框 5">
+            <a:extLst>
+              <a:ext uri="{FF2B5EF4-FFF2-40B4-BE49-F238E27FC236}">
+                <a16:creationId xmlns:a16="http://schemas.microsoft.com/office/drawing/2014/main" id="{A0800983-57EC-43E5-B7B1-FE97DD3876EF}"/>
+              </a:ext>
+            </a:extLst>
+          </p:cNvPr>
+          <p:cNvSpPr txBox="1"/>
+          <p:nvPr/>
+        </p:nvSpPr>
+        <p:spPr>
+          <a:xfrm>
+            <a:off x="1355834" y="4656083"/>
+            <a:ext cx="7273159" cy="1200329"/>
+          </a:xfrm>
+          <a:prstGeom prst="rect">
+            <a:avLst/>
+          </a:prstGeom>
+          <a:noFill/>
+        </p:spPr>
+        <p:txBody>
+          <a:bodyPr wrap="square" rtlCol="0">
+            <a:spAutoFit/>
+          </a:bodyPr>
+          <a:lstStyle/>
+          <a:p>
+            <a:pPr marL="285750" indent="-285750">
               <a:buFont typeface="Arial" panose="020B0604020202020204" pitchFamily="34" charset="0"/>
               <a:buChar char="•"/>
             </a:pPr>
             <a:r>
-              <a:rPr lang="zh-CN" altLang="en-US" sz="2000" dirty="0">
-                <a:latin typeface="微软雅黑" panose="020B0503020204020204" pitchFamily="34" charset="-122"/>
-                <a:ea typeface="微软雅黑" panose="020B0503020204020204" pitchFamily="34" charset="-122"/>
-              </a:rPr>
-              <a:t>开发者</a:t>
-            </a:r>
-            <a:r>
-              <a:rPr lang="zh-CN" altLang="en-US" sz="2000" dirty="0" smtClean="0">
-                <a:latin typeface="微软雅黑" panose="020B0503020204020204" pitchFamily="34" charset="-122"/>
-                <a:ea typeface="微软雅黑" panose="020B0503020204020204" pitchFamily="34" charset="-122"/>
-              </a:rPr>
-              <a:t>密码（</a:t>
-            </a:r>
-            <a:r>
-              <a:rPr lang="en-US" altLang="zh-CN" sz="2000" dirty="0" smtClean="0">
-                <a:latin typeface="微软雅黑" panose="020B0503020204020204" pitchFamily="34" charset="-122"/>
-                <a:ea typeface="微软雅黑" panose="020B0503020204020204" pitchFamily="34" charset="-122"/>
-              </a:rPr>
-              <a:t>AppSecret</a:t>
-            </a:r>
-            <a:r>
-              <a:rPr lang="zh-CN" altLang="en-US" sz="2000" dirty="0" smtClean="0">
-                <a:latin typeface="微软雅黑" panose="020B0503020204020204" pitchFamily="34" charset="-122"/>
-                <a:ea typeface="微软雅黑" panose="020B0503020204020204" pitchFamily="34" charset="-122"/>
-              </a:rPr>
-              <a:t>）：</a:t>
-            </a:r>
-            <a:r>
-              <a:rPr lang="zh-CN" altLang="en-US" sz="2000" dirty="0">
-                <a:latin typeface="微软雅黑" panose="020B0503020204020204" pitchFamily="34" charset="-122"/>
-                <a:ea typeface="微软雅黑" panose="020B0503020204020204" pitchFamily="34" charset="-122"/>
-              </a:rPr>
-              <a:t>开发者密码是校验公众号开发者身份的密码</a:t>
-            </a:r>
-            <a:endParaRPr lang="en-US" altLang="zh-CN" sz="2000" dirty="0" smtClean="0">
-              <a:latin typeface="微软雅黑" panose="020B0503020204020204" pitchFamily="34" charset="-122"/>
-              <a:ea typeface="微软雅黑" panose="020B0503020204020204" pitchFamily="34" charset="-122"/>
-            </a:endParaRPr>
+              <a:rPr lang="zh-CN" altLang="en-US" dirty="0">
+                <a:latin typeface="微软雅黑" panose="020B0503020204020204" pitchFamily="34" charset="-122"/>
+                <a:ea typeface="微软雅黑" panose="020B0503020204020204" pitchFamily="34" charset="-122"/>
+              </a:rPr>
+              <a:t>成功调用返回</a:t>
+            </a:r>
+            <a:r>
+              <a:rPr lang="zh-CN" altLang="en-US" dirty="0"/>
+              <a:t>：</a:t>
+            </a:r>
+            <a:endParaRPr lang="en-US" altLang="zh-CN" dirty="0"/>
+          </a:p>
+          <a:p>
+            <a:pPr lvl="1"/>
+            <a:r>
+              <a:rPr lang="en-US" altLang="zh-CN" dirty="0"/>
+              <a:t>{"access_token":"ACCESS_TOKEN","expires_in":7200}</a:t>
+            </a:r>
           </a:p>
           <a:p>
             <a:pPr marL="285750" indent="-285750">
-              <a:lnSpc>
-                <a:spcPct val="150000"/>
-              </a:lnSpc>
               <a:buFont typeface="Arial" panose="020B0604020202020204" pitchFamily="34" charset="0"/>
               <a:buChar char="•"/>
             </a:pPr>
             <a:r>
-              <a:rPr lang="en-US" altLang="zh-CN" sz="2000" dirty="0" err="1">
-                <a:latin typeface="微软雅黑" panose="020B0503020204020204" pitchFamily="34" charset="-122"/>
-                <a:ea typeface="微软雅黑" panose="020B0503020204020204" pitchFamily="34" charset="-122"/>
-              </a:rPr>
-              <a:t>a</a:t>
-            </a:r>
-            <a:r>
-              <a:rPr lang="en-US" altLang="zh-CN" sz="2000" dirty="0" err="1" smtClean="0">
-                <a:latin typeface="微软雅黑" panose="020B0503020204020204" pitchFamily="34" charset="-122"/>
-                <a:ea typeface="微软雅黑" panose="020B0503020204020204" pitchFamily="34" charset="-122"/>
-              </a:rPr>
-              <a:t>ccess_token</a:t>
-            </a:r>
-            <a:r>
-              <a:rPr lang="zh-CN" altLang="en-US" sz="2000" dirty="0" smtClean="0">
-                <a:latin typeface="微软雅黑" panose="020B0503020204020204" pitchFamily="34" charset="-122"/>
-                <a:ea typeface="微软雅黑" panose="020B0503020204020204" pitchFamily="34" charset="-122"/>
-              </a:rPr>
-              <a:t>：每次由获取</a:t>
-            </a:r>
-            <a:r>
-              <a:rPr lang="en-US" altLang="zh-CN" sz="2000" dirty="0" err="1" smtClean="0">
-                <a:latin typeface="微软雅黑" panose="020B0503020204020204" pitchFamily="34" charset="-122"/>
-                <a:ea typeface="微软雅黑" panose="020B0503020204020204" pitchFamily="34" charset="-122"/>
-              </a:rPr>
-              <a:t>access_token</a:t>
-            </a:r>
-            <a:r>
-              <a:rPr lang="zh-CN" altLang="en-US" sz="2000" dirty="0" smtClean="0">
-                <a:latin typeface="微软雅黑" panose="020B0503020204020204" pitchFamily="34" charset="-122"/>
-                <a:ea typeface="微软雅黑" panose="020B0503020204020204" pitchFamily="34" charset="-122"/>
-              </a:rPr>
-              <a:t>接口获取后保存并用于其他接口的调用</a:t>
-            </a:r>
-            <a:endParaRPr lang="en-US" altLang="zh-CN" sz="2000" dirty="0" smtClean="0">
-              <a:latin typeface="微软雅黑" panose="020B0503020204020204" pitchFamily="34" charset="-122"/>
-              <a:ea typeface="微软雅黑" panose="020B0503020204020204" pitchFamily="34" charset="-122"/>
-            </a:endParaRPr>
-          </a:p>
-          <a:p>
-            <a:pPr marL="285750" indent="-285750">
-              <a:lnSpc>
-                <a:spcPct val="150000"/>
-              </a:lnSpc>
-              <a:buFont typeface="Arial" panose="020B0604020202020204" pitchFamily="34" charset="0"/>
-              <a:buChar char="•"/>
-            </a:pPr>
-            <a:r>
-              <a:rPr lang="zh-CN" altLang="en-US" sz="2000" dirty="0" smtClean="0">
-                <a:latin typeface="微软雅黑" panose="020B0503020204020204" pitchFamily="34" charset="-122"/>
-                <a:ea typeface="微软雅黑" panose="020B0503020204020204" pitchFamily="34" charset="-122"/>
-              </a:rPr>
-              <a:t>除</a:t>
-            </a:r>
-            <a:r>
-              <a:rPr lang="en-US" altLang="zh-CN" sz="2000" dirty="0" err="1" smtClean="0">
-                <a:latin typeface="微软雅黑" panose="020B0503020204020204" pitchFamily="34" charset="-122"/>
-                <a:ea typeface="微软雅黑" panose="020B0503020204020204" pitchFamily="34" charset="-122"/>
-              </a:rPr>
-              <a:t>access_token</a:t>
-            </a:r>
-            <a:r>
-              <a:rPr lang="zh-CN" altLang="en-US" sz="2000" dirty="0" smtClean="0">
-                <a:latin typeface="微软雅黑" panose="020B0503020204020204" pitchFamily="34" charset="-122"/>
-                <a:ea typeface="微软雅黑" panose="020B0503020204020204" pitchFamily="34" charset="-122"/>
-              </a:rPr>
-              <a:t>接口以外，其他接口的调用流程：</a:t>
-            </a:r>
-            <a:endParaRPr lang="en-US" altLang="zh-CN" sz="2000" dirty="0" smtClean="0">
-              <a:latin typeface="微软雅黑" panose="020B0503020204020204" pitchFamily="34" charset="-122"/>
-              <a:ea typeface="微软雅黑" panose="020B0503020204020204" pitchFamily="34" charset="-122"/>
-            </a:endParaRPr>
-          </a:p>
-          <a:p>
-            <a:pPr marL="914400" lvl="1" indent="-457200">
-              <a:lnSpc>
-                <a:spcPct val="150000"/>
-              </a:lnSpc>
-              <a:buFont typeface="+mj-lt"/>
-              <a:buAutoNum type="arabicPeriod"/>
-            </a:pPr>
-            <a:r>
-              <a:rPr lang="zh-CN" altLang="en-US" sz="2000" dirty="0" smtClean="0">
-                <a:latin typeface="微软雅黑" panose="020B0503020204020204" pitchFamily="34" charset="-122"/>
-                <a:ea typeface="微软雅黑" panose="020B0503020204020204" pitchFamily="34" charset="-122"/>
-              </a:rPr>
-              <a:t>先使用</a:t>
-            </a:r>
-            <a:r>
-              <a:rPr lang="en-US" altLang="zh-CN" sz="2000" dirty="0" smtClean="0">
-                <a:latin typeface="微软雅黑" panose="020B0503020204020204" pitchFamily="34" charset="-122"/>
-                <a:ea typeface="微软雅黑" panose="020B0503020204020204" pitchFamily="34" charset="-122"/>
-              </a:rPr>
-              <a:t>AppId</a:t>
-            </a:r>
-            <a:r>
-              <a:rPr lang="zh-CN" altLang="en-US" sz="2000" dirty="0" smtClean="0">
-                <a:latin typeface="微软雅黑" panose="020B0503020204020204" pitchFamily="34" charset="-122"/>
-                <a:ea typeface="微软雅黑" panose="020B0503020204020204" pitchFamily="34" charset="-122"/>
-              </a:rPr>
-              <a:t>与</a:t>
-            </a:r>
-            <a:r>
-              <a:rPr lang="en-US" altLang="zh-CN" sz="2000" dirty="0" smtClean="0">
-                <a:latin typeface="微软雅黑" panose="020B0503020204020204" pitchFamily="34" charset="-122"/>
-                <a:ea typeface="微软雅黑" panose="020B0503020204020204" pitchFamily="34" charset="-122"/>
-              </a:rPr>
-              <a:t>AppSecret</a:t>
-            </a:r>
-            <a:r>
-              <a:rPr lang="zh-CN" altLang="en-US" sz="2000" dirty="0" smtClean="0">
-                <a:latin typeface="微软雅黑" panose="020B0503020204020204" pitchFamily="34" charset="-122"/>
-                <a:ea typeface="微软雅黑" panose="020B0503020204020204" pitchFamily="34" charset="-122"/>
-              </a:rPr>
-              <a:t>获取有效的</a:t>
-            </a:r>
-            <a:r>
-              <a:rPr lang="en-US" altLang="zh-CN" sz="2000" dirty="0" err="1" smtClean="0">
-                <a:latin typeface="微软雅黑" panose="020B0503020204020204" pitchFamily="34" charset="-122"/>
-                <a:ea typeface="微软雅黑" panose="020B0503020204020204" pitchFamily="34" charset="-122"/>
-              </a:rPr>
-              <a:t>access_token</a:t>
-            </a:r>
-            <a:endParaRPr lang="en-US" altLang="zh-CN" sz="2000" dirty="0" smtClean="0">
-              <a:latin typeface="微软雅黑" panose="020B0503020204020204" pitchFamily="34" charset="-122"/>
-              <a:ea typeface="微软雅黑" panose="020B0503020204020204" pitchFamily="34" charset="-122"/>
-            </a:endParaRPr>
-          </a:p>
-          <a:p>
-            <a:pPr marL="914400" lvl="1" indent="-457200">
-              <a:lnSpc>
-                <a:spcPct val="150000"/>
-              </a:lnSpc>
-              <a:buFont typeface="+mj-lt"/>
-              <a:buAutoNum type="arabicPeriod"/>
-            </a:pPr>
-            <a:r>
-              <a:rPr lang="zh-CN" altLang="en-US" sz="2000" dirty="0" smtClean="0">
-                <a:latin typeface="微软雅黑" panose="020B0503020204020204" pitchFamily="34" charset="-122"/>
-                <a:ea typeface="微软雅黑" panose="020B0503020204020204" pitchFamily="34" charset="-122"/>
-              </a:rPr>
-              <a:t>之后要通过</a:t>
-            </a:r>
-            <a:r>
-              <a:rPr lang="en-US" altLang="zh-CN" sz="2000" dirty="0" err="1" smtClean="0">
-                <a:latin typeface="微软雅黑" panose="020B0503020204020204" pitchFamily="34" charset="-122"/>
-                <a:ea typeface="微软雅黑" panose="020B0503020204020204" pitchFamily="34" charset="-122"/>
-              </a:rPr>
-              <a:t>access_token</a:t>
-            </a:r>
-            <a:r>
-              <a:rPr lang="zh-CN" altLang="en-US" sz="2000" dirty="0" smtClean="0">
-                <a:latin typeface="微软雅黑" panose="020B0503020204020204" pitchFamily="34" charset="-122"/>
-                <a:ea typeface="微软雅黑" panose="020B0503020204020204" pitchFamily="34" charset="-122"/>
-              </a:rPr>
-              <a:t>与其他参数调用接口</a:t>
-            </a:r>
-            <a:endParaRPr lang="zh-CN" altLang="en-US" sz="2000" dirty="0">
-              <a:latin typeface="微软雅黑" panose="020B0503020204020204" pitchFamily="34" charset="-122"/>
-              <a:ea typeface="微软雅黑" panose="020B0503020204020204" pitchFamily="34" charset="-122"/>
-            </a:endParaRPr>
+              <a:rPr lang="zh-CN" altLang="en-US" dirty="0">
+                <a:latin typeface="微软雅黑" panose="020B0503020204020204" pitchFamily="34" charset="-122"/>
+                <a:ea typeface="微软雅黑" panose="020B0503020204020204" pitchFamily="34" charset="-122"/>
+              </a:rPr>
+              <a:t>出错</a:t>
+            </a:r>
+            <a:r>
+              <a:rPr lang="zh-CN" altLang="en-US" dirty="0"/>
+              <a:t>：</a:t>
+            </a:r>
+            <a:endParaRPr lang="en-US" altLang="zh-CN" dirty="0"/>
+          </a:p>
+          <a:p>
+            <a:pPr lvl="1"/>
+            <a:r>
+              <a:rPr lang="en-US" altLang="zh-CN" dirty="0"/>
+              <a:t>{"errcode":40013,"errmsg":"invalid </a:t>
+            </a:r>
+            <a:r>
+              <a:rPr lang="en-US" altLang="zh-CN" dirty="0" err="1"/>
+              <a:t>appid</a:t>
+            </a:r>
+            <a:r>
+              <a:rPr lang="en-US" altLang="zh-CN" dirty="0"/>
+              <a:t>"}</a:t>
+            </a:r>
+            <a:endParaRPr lang="zh-CN" altLang="en-US" dirty="0"/>
           </a:p>
         </p:txBody>
       </p:sp>
     </p:spTree>
     <p:extLst>
       <p:ext uri="{BB962C8B-B14F-4D97-AF65-F5344CB8AC3E}">
-        <p14:creationId xmlns:p14="http://schemas.microsoft.com/office/powerpoint/2010/main" val="3631587936"/>
+        <p14:creationId xmlns:p14="http://schemas.microsoft.com/office/powerpoint/2010/main" val="3188514249"/>
       </p:ext>
     </p:extLst>
   </p:cSld>
@@ -17819,18 +17599,18 @@
       </p:grpSpPr>
       <p:sp>
         <p:nvSpPr>
-          <p:cNvPr id="2" name="内容占位符 1"/>
+          <p:cNvPr id="3" name="内容占位符 2"/>
           <p:cNvSpPr>
             <a:spLocks noGrp="1"/>
           </p:cNvSpPr>
           <p:nvPr>
-            <p:ph sz="quarter" idx="13"/>
+            <p:ph sz="quarter" idx="15"/>
           </p:nvPr>
         </p:nvSpPr>
         <p:spPr>
           <a:xfrm>
-            <a:off x="1054100" y="543636"/>
-            <a:ext cx="6546850" cy="685800"/>
+            <a:off x="917622" y="516340"/>
+            <a:ext cx="4852557" cy="685800"/>
           </a:xfrm>
         </p:spPr>
         <p:txBody>
@@ -17838,27 +17618,22 @@
           <a:lstStyle/>
           <a:p>
             <a:r>
-              <a:rPr lang="zh-CN" altLang="en-US" dirty="0" smtClean="0"/>
-              <a:t>获取</a:t>
-            </a:r>
-            <a:r>
-              <a:rPr lang="en-US" altLang="zh-CN" dirty="0" err="1" smtClean="0"/>
-              <a:t>access_token</a:t>
-            </a:r>
-            <a:endParaRPr lang="zh-CN" altLang="en-US" dirty="0"/>
-          </a:p>
-        </p:txBody>
-      </p:sp>
-      <p:sp>
-        <p:nvSpPr>
-          <p:cNvPr id="4" name="文本框 3"/>
+              <a:rPr lang="zh-CN" altLang="en-US" b="0" dirty="0"/>
+              <a:t>创建自定义菜单</a:t>
+            </a:r>
+          </a:p>
+        </p:txBody>
+      </p:sp>
+      <p:sp>
+        <p:nvSpPr>
+          <p:cNvPr id="6" name="文本框 5"/>
           <p:cNvSpPr txBox="1"/>
           <p:nvPr/>
         </p:nvSpPr>
         <p:spPr>
           <a:xfrm>
-            <a:off x="1157288" y="1757363"/>
-            <a:ext cx="10515600" cy="4555093"/>
+            <a:off x="917622" y="1603874"/>
+            <a:ext cx="10498455" cy="2862322"/>
           </a:xfrm>
           <a:prstGeom prst="rect">
             <a:avLst/>
@@ -17871,7 +17646,7 @@
           </a:bodyPr>
           <a:lstStyle/>
           <a:p>
-            <a:pPr marL="285750" indent="-285750">
+            <a:pPr marL="342900" indent="-342900">
               <a:lnSpc>
                 <a:spcPct val="150000"/>
               </a:lnSpc>
@@ -17879,334 +17654,187 @@
               <a:buChar char="•"/>
             </a:pPr>
             <a:r>
-              <a:rPr lang="zh-CN" altLang="en-US" sz="2000" dirty="0" smtClean="0">
-                <a:latin typeface="微软雅黑" panose="020B0503020204020204" pitchFamily="34" charset="-122"/>
-                <a:ea typeface="微软雅黑" panose="020B0503020204020204" pitchFamily="34" charset="-122"/>
-              </a:rPr>
-              <a:t>调用微信接口，获取</a:t>
-            </a:r>
-            <a:r>
-              <a:rPr lang="en-US" altLang="zh-CN" sz="2000" dirty="0" err="1" smtClean="0">
+              <a:rPr lang="zh-CN" altLang="en-US" sz="2000" dirty="0">
+                <a:latin typeface="微软雅黑" panose="020B0503020204020204" pitchFamily="34" charset="-122"/>
+                <a:ea typeface="微软雅黑" panose="020B0503020204020204" pitchFamily="34" charset="-122"/>
+              </a:rPr>
+              <a:t>在以上代码基础上实现自定义菜单功能：</a:t>
+            </a:r>
+            <a:r>
+              <a:rPr lang="en-US" altLang="zh-CN" sz="2000" dirty="0">
+                <a:latin typeface="微软雅黑" panose="020B0503020204020204" pitchFamily="34" charset="-122"/>
+                <a:ea typeface="微软雅黑" panose="020B0503020204020204" pitchFamily="34" charset="-122"/>
+              </a:rPr>
+              <a:t> </a:t>
+            </a:r>
+            <a:r>
+              <a:rPr lang="en-US" altLang="zh-CN" sz="2000" dirty="0">
+                <a:latin typeface="微软雅黑" panose="020B0503020204020204" pitchFamily="34" charset="-122"/>
+                <a:ea typeface="微软雅黑" panose="020B0503020204020204" pitchFamily="34" charset="-122"/>
+                <a:hlinkClick r:id="rId2"/>
+              </a:rPr>
+              <a:t>https://api.weixin.qq.com/cgi-bin/menu/create?access_token=ACCESS_TOKEN</a:t>
+            </a:r>
+            <a:r>
+              <a:rPr lang="zh-CN" altLang="en-US" sz="2000" dirty="0">
+                <a:latin typeface="微软雅黑" panose="020B0503020204020204" pitchFamily="34" charset="-122"/>
+                <a:ea typeface="微软雅黑" panose="020B0503020204020204" pitchFamily="34" charset="-122"/>
+              </a:rPr>
+              <a:t>是创建自定义菜单的接口，把之前获取到的</a:t>
+            </a:r>
+            <a:r>
+              <a:rPr lang="en-US" altLang="zh-CN" sz="2000" dirty="0" err="1">
                 <a:latin typeface="微软雅黑" panose="020B0503020204020204" pitchFamily="34" charset="-122"/>
                 <a:ea typeface="微软雅黑" panose="020B0503020204020204" pitchFamily="34" charset="-122"/>
               </a:rPr>
               <a:t>access_token</a:t>
             </a:r>
-            <a:endParaRPr lang="en-US" altLang="zh-CN" sz="2000" dirty="0" smtClean="0">
+            <a:r>
+              <a:rPr lang="zh-CN" altLang="en-US" sz="2000" dirty="0">
+                <a:latin typeface="微软雅黑" panose="020B0503020204020204" pitchFamily="34" charset="-122"/>
+                <a:ea typeface="微软雅黑" panose="020B0503020204020204" pitchFamily="34" charset="-122"/>
+              </a:rPr>
+              <a:t>作为</a:t>
+            </a:r>
+            <a:r>
+              <a:rPr lang="en-US" altLang="zh-CN" sz="2000" dirty="0">
+                <a:latin typeface="微软雅黑" panose="020B0503020204020204" pitchFamily="34" charset="-122"/>
+                <a:ea typeface="微软雅黑" panose="020B0503020204020204" pitchFamily="34" charset="-122"/>
+              </a:rPr>
+              <a:t>get</a:t>
+            </a:r>
+            <a:r>
+              <a:rPr lang="zh-CN" altLang="en-US" sz="2000" dirty="0">
+                <a:latin typeface="微软雅黑" panose="020B0503020204020204" pitchFamily="34" charset="-122"/>
+                <a:ea typeface="微软雅黑" panose="020B0503020204020204" pitchFamily="34" charset="-122"/>
+              </a:rPr>
+              <a:t>参数，</a:t>
+            </a:r>
+            <a:r>
+              <a:rPr lang="en-US" altLang="zh-CN" sz="2000" dirty="0">
+                <a:latin typeface="微软雅黑" panose="020B0503020204020204" pitchFamily="34" charset="-122"/>
+                <a:ea typeface="微软雅黑" panose="020B0503020204020204" pitchFamily="34" charset="-122"/>
+              </a:rPr>
+              <a:t>JSON</a:t>
+            </a:r>
+            <a:r>
+              <a:rPr lang="zh-CN" altLang="en-US" sz="2000" dirty="0">
+                <a:latin typeface="微软雅黑" panose="020B0503020204020204" pitchFamily="34" charset="-122"/>
+                <a:ea typeface="微软雅黑" panose="020B0503020204020204" pitchFamily="34" charset="-122"/>
+              </a:rPr>
+              <a:t>格式的文本数据使用</a:t>
+            </a:r>
+            <a:r>
+              <a:rPr lang="en-US" altLang="zh-CN" sz="2000" dirty="0">
+                <a:latin typeface="微软雅黑" panose="020B0503020204020204" pitchFamily="34" charset="-122"/>
+                <a:ea typeface="微软雅黑" panose="020B0503020204020204" pitchFamily="34" charset="-122"/>
+              </a:rPr>
+              <a:t>POST</a:t>
+            </a:r>
+            <a:r>
+              <a:rPr lang="zh-CN" altLang="en-US" sz="2000" dirty="0">
+                <a:latin typeface="微软雅黑" panose="020B0503020204020204" pitchFamily="34" charset="-122"/>
+                <a:ea typeface="微软雅黑" panose="020B0503020204020204" pitchFamily="34" charset="-122"/>
+              </a:rPr>
+              <a:t>传递。</a:t>
+            </a:r>
+            <a:endParaRPr lang="en-US" altLang="zh-CN" sz="2000" dirty="0">
               <a:latin typeface="微软雅黑" panose="020B0503020204020204" pitchFamily="34" charset="-122"/>
               <a:ea typeface="微软雅黑" panose="020B0503020204020204" pitchFamily="34" charset="-122"/>
             </a:endParaRPr>
           </a:p>
           <a:p>
+            <a:pPr marL="342900" indent="-342900">
+              <a:lnSpc>
+                <a:spcPct val="150000"/>
+              </a:lnSpc>
+              <a:buFont typeface="Arial" panose="020B0604020202020204" pitchFamily="34" charset="0"/>
+              <a:buChar char="•"/>
+            </a:pPr>
+            <a:r>
+              <a:rPr lang="zh-CN" altLang="en-US" sz="2000" dirty="0">
+                <a:latin typeface="微软雅黑" panose="020B0503020204020204" pitchFamily="34" charset="-122"/>
+                <a:ea typeface="微软雅黑" panose="020B0503020204020204" pitchFamily="34" charset="-122"/>
+              </a:rPr>
+              <a:t>返回值为</a:t>
+            </a:r>
+            <a:r>
+              <a:rPr lang="en-US" altLang="zh-CN" sz="2000" dirty="0">
+                <a:latin typeface="微软雅黑" panose="020B0503020204020204" pitchFamily="34" charset="-122"/>
+                <a:ea typeface="微软雅黑" panose="020B0503020204020204" pitchFamily="34" charset="-122"/>
+              </a:rPr>
+              <a:t>JSON</a:t>
+            </a:r>
+            <a:r>
+              <a:rPr lang="zh-CN" altLang="en-US" sz="2000" dirty="0">
+                <a:latin typeface="微软雅黑" panose="020B0503020204020204" pitchFamily="34" charset="-122"/>
+                <a:ea typeface="微软雅黑" panose="020B0503020204020204" pitchFamily="34" charset="-122"/>
+              </a:rPr>
+              <a:t>格式的文本数据：</a:t>
+            </a:r>
+            <a:endParaRPr lang="en-US" altLang="zh-CN" sz="2000" dirty="0">
+              <a:latin typeface="微软雅黑" panose="020B0503020204020204" pitchFamily="34" charset="-122"/>
+              <a:ea typeface="微软雅黑" panose="020B0503020204020204" pitchFamily="34" charset="-122"/>
+            </a:endParaRPr>
+          </a:p>
+          <a:p>
             <a:pPr lvl="1">
               <a:lnSpc>
-                <a:spcPts val="2400"/>
+                <a:spcPct val="150000"/>
               </a:lnSpc>
             </a:pPr>
             <a:r>
-              <a:rPr lang="en-US" altLang="zh-CN" sz="2000" dirty="0"/>
-              <a:t>$</a:t>
-            </a:r>
-            <a:r>
-              <a:rPr lang="en-US" altLang="zh-CN" sz="2000" dirty="0" err="1"/>
-              <a:t>appid</a:t>
-            </a:r>
-            <a:r>
-              <a:rPr lang="en-US" altLang="zh-CN" sz="2000" dirty="0" smtClean="0"/>
-              <a:t>=‘wx02935b5sj83ca898’;//</a:t>
-            </a:r>
-            <a:r>
-              <a:rPr lang="zh-CN" altLang="en-US" sz="2000" dirty="0" smtClean="0"/>
-              <a:t>公众号</a:t>
-            </a:r>
-            <a:r>
-              <a:rPr lang="en-US" altLang="zh-CN" sz="2000" dirty="0" err="1"/>
-              <a:t>A</a:t>
-            </a:r>
-            <a:r>
-              <a:rPr lang="en-US" altLang="zh-CN" sz="2000" dirty="0" err="1" smtClean="0"/>
-              <a:t>ppID</a:t>
-            </a:r>
-            <a:endParaRPr lang="en-US" altLang="zh-CN" sz="2000" dirty="0"/>
+              <a:rPr lang="zh-CN" altLang="en-US" sz="2000" dirty="0">
+                <a:latin typeface="微软雅黑" panose="020B0503020204020204" pitchFamily="34" charset="-122"/>
+                <a:ea typeface="微软雅黑" panose="020B0503020204020204" pitchFamily="34" charset="-122"/>
+              </a:rPr>
+              <a:t>正确返回数据格式：</a:t>
+            </a:r>
+            <a:r>
+              <a:rPr lang="en-US" altLang="zh-CN" sz="2000" dirty="0">
+                <a:latin typeface="微软雅黑" panose="020B0503020204020204" pitchFamily="34" charset="-122"/>
+                <a:ea typeface="微软雅黑" panose="020B0503020204020204" pitchFamily="34" charset="-122"/>
+              </a:rPr>
+              <a:t>{"errcode":0,"errmsg":"ok"}</a:t>
+            </a:r>
           </a:p>
           <a:p>
             <a:pPr lvl="1">
               <a:lnSpc>
-                <a:spcPts val="2400"/>
+                <a:spcPct val="150000"/>
               </a:lnSpc>
             </a:pPr>
             <a:r>
-              <a:rPr lang="en-US" altLang="zh-CN" sz="2000" dirty="0"/>
-              <a:t>$secret</a:t>
-            </a:r>
-            <a:r>
-              <a:rPr lang="en-US" altLang="zh-CN" sz="2000" dirty="0" smtClean="0"/>
-              <a:t>=‘xa7060168afdd5410293c8as0e6b07f1’;//</a:t>
-            </a:r>
-            <a:r>
-              <a:rPr lang="zh-CN" altLang="en-US" sz="2000" dirty="0" smtClean="0"/>
-              <a:t>公众号 </a:t>
-            </a:r>
-            <a:r>
-              <a:rPr lang="en-US" altLang="zh-CN" sz="2000" dirty="0" smtClean="0"/>
-              <a:t>AppSecret</a:t>
-            </a:r>
-            <a:endParaRPr lang="en-US" altLang="zh-CN" sz="2000" dirty="0"/>
-          </a:p>
-          <a:p>
-            <a:pPr lvl="1">
-              <a:lnSpc>
-                <a:spcPts val="2400"/>
-              </a:lnSpc>
-            </a:pPr>
-            <a:r>
-              <a:rPr lang="en-US" altLang="zh-CN" sz="2000" dirty="0"/>
-              <a:t>$</a:t>
-            </a:r>
-            <a:r>
-              <a:rPr lang="en-US" altLang="zh-CN" sz="2000" dirty="0" err="1"/>
-              <a:t>url</a:t>
-            </a:r>
-            <a:r>
-              <a:rPr lang="en-US" altLang="zh-CN" sz="2000" dirty="0"/>
-              <a:t> = 'https://api.weixin.qq.com/</a:t>
-            </a:r>
-            <a:r>
-              <a:rPr lang="en-US" altLang="zh-CN" sz="2000" dirty="0" err="1"/>
-              <a:t>cgi</a:t>
-            </a:r>
-            <a:r>
-              <a:rPr lang="en-US" altLang="zh-CN" sz="2000" dirty="0"/>
-              <a:t>-bin/</a:t>
-            </a:r>
-            <a:r>
-              <a:rPr lang="en-US" altLang="zh-CN" sz="2000" dirty="0" err="1"/>
-              <a:t>token?grant_type</a:t>
-            </a:r>
-            <a:r>
-              <a:rPr lang="en-US" altLang="zh-CN" sz="2000" dirty="0"/>
-              <a:t>=</a:t>
-            </a:r>
-            <a:r>
-              <a:rPr lang="en-US" altLang="zh-CN" sz="2000" dirty="0" err="1"/>
-              <a:t>client_credential&amp;appid</a:t>
-            </a:r>
-            <a:r>
-              <a:rPr lang="en-US" altLang="zh-CN" sz="2000" dirty="0"/>
-              <a:t>='.</a:t>
-            </a:r>
-          </a:p>
-          <a:p>
-            <a:pPr lvl="1">
-              <a:lnSpc>
-                <a:spcPts val="2400"/>
-              </a:lnSpc>
-            </a:pPr>
-            <a:r>
-              <a:rPr lang="en-US" altLang="zh-CN" sz="2000" dirty="0" smtClean="0"/>
-              <a:t>$</a:t>
-            </a:r>
-            <a:r>
-              <a:rPr lang="en-US" altLang="zh-CN" sz="2000" dirty="0" err="1"/>
-              <a:t>appid</a:t>
-            </a:r>
-            <a:r>
-              <a:rPr lang="en-US" altLang="zh-CN" sz="2000" dirty="0"/>
-              <a:t>.'&amp;secret='.$secret</a:t>
-            </a:r>
-            <a:r>
-              <a:rPr lang="en-US" altLang="zh-CN" sz="2000" dirty="0" smtClean="0"/>
-              <a:t>;</a:t>
-            </a:r>
-            <a:endParaRPr lang="en-US" altLang="zh-CN" sz="2000" dirty="0"/>
-          </a:p>
-          <a:p>
-            <a:pPr lvl="1">
-              <a:lnSpc>
-                <a:spcPts val="2400"/>
-              </a:lnSpc>
-            </a:pPr>
-            <a:r>
-              <a:rPr lang="en-US" altLang="zh-CN" sz="2000" dirty="0"/>
-              <a:t>$c = </a:t>
-            </a:r>
-            <a:r>
-              <a:rPr lang="en-US" altLang="zh-CN" sz="2000" dirty="0" err="1"/>
-              <a:t>curl_init</a:t>
-            </a:r>
-            <a:r>
-              <a:rPr lang="en-US" altLang="zh-CN" sz="2000" dirty="0"/>
-              <a:t>($</a:t>
-            </a:r>
-            <a:r>
-              <a:rPr lang="en-US" altLang="zh-CN" sz="2000" dirty="0" err="1"/>
-              <a:t>url</a:t>
-            </a:r>
-            <a:r>
-              <a:rPr lang="en-US" altLang="zh-CN" sz="2000" dirty="0"/>
-              <a:t>);</a:t>
-            </a:r>
-          </a:p>
-          <a:p>
-            <a:pPr lvl="1">
-              <a:lnSpc>
-                <a:spcPts val="2400"/>
-              </a:lnSpc>
-            </a:pPr>
-            <a:r>
-              <a:rPr lang="en-US" altLang="zh-CN" sz="2000" dirty="0"/>
-              <a:t>if(!$c){</a:t>
-            </a:r>
-          </a:p>
-          <a:p>
-            <a:pPr lvl="1">
-              <a:lnSpc>
-                <a:spcPts val="2400"/>
-              </a:lnSpc>
-            </a:pPr>
-            <a:r>
-              <a:rPr lang="en-US" altLang="zh-CN" sz="2000" dirty="0"/>
-              <a:t>  </a:t>
-            </a:r>
-            <a:r>
-              <a:rPr lang="en-US" altLang="zh-CN" sz="2000" dirty="0" smtClean="0"/>
-              <a:t>  exit</a:t>
-            </a:r>
-            <a:r>
-              <a:rPr lang="en-US" altLang="zh-CN" sz="2000" dirty="0"/>
-              <a:t>("failed to open </a:t>
-            </a:r>
-            <a:r>
-              <a:rPr lang="en-US" altLang="zh-CN" sz="2000" dirty="0" err="1"/>
-              <a:t>url</a:t>
-            </a:r>
-            <a:r>
-              <a:rPr lang="en-US" altLang="zh-CN" sz="2000" dirty="0"/>
-              <a:t>");</a:t>
-            </a:r>
-          </a:p>
-          <a:p>
-            <a:pPr lvl="1">
-              <a:lnSpc>
-                <a:spcPts val="2400"/>
-              </a:lnSpc>
-            </a:pPr>
-            <a:r>
-              <a:rPr lang="en-US" altLang="zh-CN" sz="2000" dirty="0"/>
-              <a:t>}</a:t>
-            </a:r>
-          </a:p>
-          <a:p>
-            <a:pPr lvl="1">
-              <a:lnSpc>
-                <a:spcPts val="2400"/>
-              </a:lnSpc>
-            </a:pPr>
-            <a:r>
-              <a:rPr lang="en-US" altLang="zh-CN" sz="2000" dirty="0" err="1"/>
-              <a:t>curl_setopt</a:t>
-            </a:r>
-            <a:r>
-              <a:rPr lang="en-US" altLang="zh-CN" sz="2000" dirty="0"/>
-              <a:t>($</a:t>
-            </a:r>
-            <a:r>
-              <a:rPr lang="en-US" altLang="zh-CN" sz="2000" dirty="0" err="1"/>
-              <a:t>c,CURLOPT_RETURNTRANSFER,true</a:t>
-            </a:r>
-            <a:r>
-              <a:rPr lang="en-US" altLang="zh-CN" sz="2000" dirty="0"/>
-              <a:t>);</a:t>
-            </a:r>
-          </a:p>
-          <a:p>
-            <a:pPr lvl="1">
-              <a:lnSpc>
-                <a:spcPts val="2400"/>
-              </a:lnSpc>
-            </a:pPr>
-            <a:r>
-              <a:rPr lang="en-US" altLang="zh-CN" sz="2000" dirty="0" err="1"/>
-              <a:t>curl_setopt</a:t>
-            </a:r>
-            <a:r>
-              <a:rPr lang="en-US" altLang="zh-CN" sz="2000" dirty="0"/>
-              <a:t>($</a:t>
-            </a:r>
-            <a:r>
-              <a:rPr lang="en-US" altLang="zh-CN" sz="2000" dirty="0" err="1"/>
-              <a:t>c,CURLOPT_SSL_VERIFYPEER,false</a:t>
-            </a:r>
-            <a:r>
-              <a:rPr lang="en-US" altLang="zh-CN" sz="2000" dirty="0"/>
-              <a:t>);</a:t>
-            </a:r>
-          </a:p>
-          <a:p>
-            <a:pPr lvl="1">
-              <a:lnSpc>
-                <a:spcPts val="2400"/>
-              </a:lnSpc>
-            </a:pPr>
-            <a:r>
-              <a:rPr lang="en-US" altLang="zh-CN" sz="2000" dirty="0"/>
-              <a:t>$ret = </a:t>
-            </a:r>
-            <a:r>
-              <a:rPr lang="en-US" altLang="zh-CN" sz="2000" dirty="0" err="1"/>
-              <a:t>curl_exec</a:t>
-            </a:r>
-            <a:r>
-              <a:rPr lang="en-US" altLang="zh-CN" sz="2000" dirty="0"/>
-              <a:t>($c);</a:t>
-            </a:r>
-          </a:p>
-          <a:p>
-            <a:pPr lvl="1">
-              <a:lnSpc>
-                <a:spcPts val="2400"/>
-              </a:lnSpc>
-            </a:pPr>
-            <a:r>
-              <a:rPr lang="en-US" altLang="zh-CN" sz="2000" dirty="0" err="1"/>
-              <a:t>curl_close</a:t>
-            </a:r>
-            <a:r>
-              <a:rPr lang="en-US" altLang="zh-CN" sz="2000" dirty="0"/>
-              <a:t>($c);</a:t>
-            </a:r>
-          </a:p>
-          <a:p>
-            <a:pPr lvl="1">
-              <a:lnSpc>
-                <a:spcPts val="2400"/>
-              </a:lnSpc>
-            </a:pPr>
-            <a:r>
-              <a:rPr lang="en-US" altLang="zh-CN" sz="2000" dirty="0"/>
-              <a:t>echo $ret;</a:t>
-            </a:r>
-            <a:endParaRPr lang="en-US" altLang="zh-CN" sz="2000" dirty="0" smtClean="0"/>
+              <a:rPr lang="zh-CN" altLang="en-US" sz="2000" dirty="0">
+                <a:latin typeface="微软雅黑" panose="020B0503020204020204" pitchFamily="34" charset="-122"/>
+                <a:ea typeface="微软雅黑" panose="020B0503020204020204" pitchFamily="34" charset="-122"/>
+              </a:rPr>
+              <a:t>错误返回数据格式：</a:t>
+            </a:r>
+            <a:r>
+              <a:rPr lang="en-US" altLang="zh-CN" sz="2000" dirty="0">
+                <a:latin typeface="微软雅黑" panose="020B0503020204020204" pitchFamily="34" charset="-122"/>
+                <a:ea typeface="微软雅黑" panose="020B0503020204020204" pitchFamily="34" charset="-122"/>
+              </a:rPr>
+              <a:t>{"errcode":40018,"errmsg":"invalid button name size"}</a:t>
+            </a:r>
+            <a:endParaRPr lang="zh-CN" altLang="en-US" sz="2000" dirty="0">
+              <a:latin typeface="微软雅黑" panose="020B0503020204020204" pitchFamily="34" charset="-122"/>
+              <a:ea typeface="微软雅黑" panose="020B0503020204020204" pitchFamily="34" charset="-122"/>
+            </a:endParaRPr>
           </a:p>
         </p:txBody>
       </p:sp>
     </p:spTree>
     <p:extLst>
       <p:ext uri="{BB962C8B-B14F-4D97-AF65-F5344CB8AC3E}">
-        <p14:creationId xmlns:p14="http://schemas.microsoft.com/office/powerpoint/2010/main" val="3188514249"/>
+        <p14:creationId xmlns:p14="http://schemas.microsoft.com/office/powerpoint/2010/main" val="2026224558"/>
       </p:ext>
     </p:extLst>
   </p:cSld>
   <p:clrMapOvr>
     <a:masterClrMapping/>
   </p:clrMapOvr>
-  <p:timing>
-    <p:tnLst>
-      <p:par>
-        <p:cTn id="1" dur="indefinite" restart="never" nodeType="tmRoot"/>
-      </p:par>
-    </p:tnLst>
-  </p:timing>
 </p:sld>
 </file>
 
@@ -18229,40 +17857,41 @@
       </p:grpSpPr>
       <p:sp>
         <p:nvSpPr>
-          <p:cNvPr id="3" name="内容占位符 2"/>
+          <p:cNvPr id="2" name="内容占位符 1"/>
           <p:cNvSpPr>
             <a:spLocks noGrp="1"/>
           </p:cNvSpPr>
           <p:nvPr>
-            <p:ph sz="quarter" idx="15"/>
+            <p:ph sz="quarter" idx="13"/>
           </p:nvPr>
         </p:nvSpPr>
-        <p:spPr/>
+        <p:spPr>
+          <a:xfrm>
+            <a:off x="1054099" y="543636"/>
+            <a:ext cx="6975475" cy="685800"/>
+          </a:xfrm>
+        </p:spPr>
         <p:txBody>
           <a:bodyPr/>
           <a:lstStyle/>
           <a:p>
             <a:r>
-              <a:rPr lang="zh-CN" altLang="en-US" dirty="0" smtClean="0"/>
-              <a:t>实现自定义</a:t>
-            </a:r>
-            <a:r>
-              <a:rPr lang="zh-CN" altLang="en-US" dirty="0"/>
-              <a:t>菜单</a:t>
-            </a:r>
-          </a:p>
-        </p:txBody>
-      </p:sp>
-      <p:sp>
-        <p:nvSpPr>
-          <p:cNvPr id="6" name="文本框 5"/>
+              <a:rPr lang="zh-CN" altLang="en-US" b="0" dirty="0"/>
+              <a:t>获取自定义菜单</a:t>
+            </a:r>
+          </a:p>
+        </p:txBody>
+      </p:sp>
+      <p:sp>
+        <p:nvSpPr>
+          <p:cNvPr id="4" name="文本框 3"/>
           <p:cNvSpPr txBox="1"/>
           <p:nvPr/>
         </p:nvSpPr>
         <p:spPr>
           <a:xfrm>
-            <a:off x="917622" y="1603874"/>
-            <a:ext cx="10498455" cy="2862322"/>
+            <a:off x="1157287" y="1600200"/>
+            <a:ext cx="9043987" cy="1429622"/>
           </a:xfrm>
           <a:prstGeom prst="rect">
             <a:avLst/>
@@ -18275,7 +17904,7 @@
           </a:bodyPr>
           <a:lstStyle/>
           <a:p>
-            <a:pPr marL="342900" indent="-342900">
+            <a:pPr marL="285750" indent="-285750">
               <a:lnSpc>
                 <a:spcPct val="150000"/>
               </a:lnSpc>
@@ -18283,113 +17912,29 @@
               <a:buChar char="•"/>
             </a:pPr>
             <a:r>
-              <a:rPr lang="zh-CN" altLang="en-US" sz="2000" dirty="0" smtClean="0">
-                <a:latin typeface="微软雅黑" panose="020B0503020204020204" pitchFamily="34" charset="-122"/>
-                <a:ea typeface="微软雅黑" panose="020B0503020204020204" pitchFamily="34" charset="-122"/>
-              </a:rPr>
-              <a:t>在以上代码基础上实现自定义菜单功能：</a:t>
-            </a:r>
-            <a:r>
-              <a:rPr lang="en-US" altLang="zh-CN" sz="2000" dirty="0">
-                <a:latin typeface="微软雅黑" panose="020B0503020204020204" pitchFamily="34" charset="-122"/>
-                <a:ea typeface="微软雅黑" panose="020B0503020204020204" pitchFamily="34" charset="-122"/>
-              </a:rPr>
-              <a:t> </a:t>
-            </a:r>
-            <a:r>
-              <a:rPr lang="en-US" altLang="zh-CN" sz="2000" dirty="0" smtClean="0">
-                <a:latin typeface="微软雅黑" panose="020B0503020204020204" pitchFamily="34" charset="-122"/>
-                <a:ea typeface="微软雅黑" panose="020B0503020204020204" pitchFamily="34" charset="-122"/>
-                <a:hlinkClick r:id="rId2"/>
-              </a:rPr>
-              <a:t>https</a:t>
-            </a:r>
-            <a:r>
-              <a:rPr lang="en-US" altLang="zh-CN" sz="2000" dirty="0">
-                <a:latin typeface="微软雅黑" panose="020B0503020204020204" pitchFamily="34" charset="-122"/>
-                <a:ea typeface="微软雅黑" panose="020B0503020204020204" pitchFamily="34" charset="-122"/>
-                <a:hlinkClick r:id="rId2"/>
-              </a:rPr>
-              <a:t>://</a:t>
-            </a:r>
-            <a:r>
-              <a:rPr lang="en-US" altLang="zh-CN" sz="2000" dirty="0" smtClean="0">
-                <a:latin typeface="微软雅黑" panose="020B0503020204020204" pitchFamily="34" charset="-122"/>
-                <a:ea typeface="微软雅黑" panose="020B0503020204020204" pitchFamily="34" charset="-122"/>
-                <a:hlinkClick r:id="rId2"/>
-              </a:rPr>
-              <a:t>api.weixin.qq.com/cgi-bin/menu/create?access_token=ACCESS_TOKEN</a:t>
-            </a:r>
-            <a:r>
-              <a:rPr lang="zh-CN" altLang="en-US" sz="2000" dirty="0" smtClean="0">
-                <a:latin typeface="微软雅黑" panose="020B0503020204020204" pitchFamily="34" charset="-122"/>
-                <a:ea typeface="微软雅黑" panose="020B0503020204020204" pitchFamily="34" charset="-122"/>
-              </a:rPr>
-              <a:t>是创建自定义菜单的接口，把之前获取到的</a:t>
-            </a:r>
-            <a:r>
-              <a:rPr lang="en-US" altLang="zh-CN" sz="2000" dirty="0" err="1" smtClean="0">
-                <a:latin typeface="微软雅黑" panose="020B0503020204020204" pitchFamily="34" charset="-122"/>
-                <a:ea typeface="微软雅黑" panose="020B0503020204020204" pitchFamily="34" charset="-122"/>
+              <a:rPr lang="zh-CN" altLang="en-US" sz="2000" dirty="0">
+                <a:latin typeface="Calibri" panose="020F0502020204030204" pitchFamily="34" charset="0"/>
+                <a:ea typeface="微软雅黑" panose="020B0503020204020204" pitchFamily="34" charset="-122"/>
+                <a:cs typeface="Calibri" panose="020F0502020204030204" pitchFamily="34" charset="0"/>
+              </a:rPr>
+              <a:t>获取</a:t>
+            </a:r>
+            <a:r>
+              <a:rPr lang="en-US" altLang="zh-CN" sz="2000" dirty="0" err="1">
+                <a:latin typeface="Calibri" panose="020F0502020204030204" pitchFamily="34" charset="0"/>
+                <a:ea typeface="微软雅黑" panose="020B0503020204020204" pitchFamily="34" charset="-122"/>
+                <a:cs typeface="Calibri" panose="020F0502020204030204" pitchFamily="34" charset="0"/>
               </a:rPr>
               <a:t>access_token</a:t>
             </a:r>
-            <a:r>
-              <a:rPr lang="zh-CN" altLang="en-US" sz="2000" dirty="0" smtClean="0">
-                <a:latin typeface="微软雅黑" panose="020B0503020204020204" pitchFamily="34" charset="-122"/>
-                <a:ea typeface="微软雅黑" panose="020B0503020204020204" pitchFamily="34" charset="-122"/>
-              </a:rPr>
-              <a:t>作为</a:t>
-            </a:r>
-            <a:r>
-              <a:rPr lang="en-US" altLang="zh-CN" sz="2000" dirty="0" smtClean="0">
-                <a:latin typeface="微软雅黑" panose="020B0503020204020204" pitchFamily="34" charset="-122"/>
-                <a:ea typeface="微软雅黑" panose="020B0503020204020204" pitchFamily="34" charset="-122"/>
-              </a:rPr>
-              <a:t>get</a:t>
-            </a:r>
-            <a:r>
-              <a:rPr lang="zh-CN" altLang="en-US" sz="2000" dirty="0" smtClean="0">
-                <a:latin typeface="微软雅黑" panose="020B0503020204020204" pitchFamily="34" charset="-122"/>
-                <a:ea typeface="微软雅黑" panose="020B0503020204020204" pitchFamily="34" charset="-122"/>
-              </a:rPr>
-              <a:t>参数，</a:t>
-            </a:r>
-            <a:r>
-              <a:rPr lang="en-US" altLang="zh-CN" sz="2000" dirty="0" smtClean="0">
-                <a:latin typeface="微软雅黑" panose="020B0503020204020204" pitchFamily="34" charset="-122"/>
-                <a:ea typeface="微软雅黑" panose="020B0503020204020204" pitchFamily="34" charset="-122"/>
-              </a:rPr>
-              <a:t>JSON</a:t>
-            </a:r>
-            <a:r>
-              <a:rPr lang="zh-CN" altLang="en-US" sz="2000" dirty="0" smtClean="0">
-                <a:latin typeface="微软雅黑" panose="020B0503020204020204" pitchFamily="34" charset="-122"/>
-                <a:ea typeface="微软雅黑" panose="020B0503020204020204" pitchFamily="34" charset="-122"/>
-              </a:rPr>
-              <a:t>格式的文本数据使用</a:t>
-            </a:r>
-            <a:r>
-              <a:rPr lang="en-US" altLang="zh-CN" sz="2000" dirty="0" smtClean="0">
-                <a:latin typeface="微软雅黑" panose="020B0503020204020204" pitchFamily="34" charset="-122"/>
-                <a:ea typeface="微软雅黑" panose="020B0503020204020204" pitchFamily="34" charset="-122"/>
-              </a:rPr>
-              <a:t>POST</a:t>
-            </a:r>
-            <a:r>
-              <a:rPr lang="zh-CN" altLang="en-US" sz="2000" dirty="0" smtClean="0">
-                <a:latin typeface="微软雅黑" panose="020B0503020204020204" pitchFamily="34" charset="-122"/>
-                <a:ea typeface="微软雅黑" panose="020B0503020204020204" pitchFamily="34" charset="-122"/>
-              </a:rPr>
-              <a:t>传递。</a:t>
-            </a:r>
-            <a:endParaRPr lang="en-US" altLang="zh-CN" sz="2000" dirty="0" smtClean="0">
-              <a:latin typeface="微软雅黑" panose="020B0503020204020204" pitchFamily="34" charset="-122"/>
+            <a:endParaRPr lang="en-US" altLang="zh-CN" sz="2000" dirty="0">
+              <a:latin typeface="Calibri" panose="020F0502020204030204" pitchFamily="34" charset="0"/>
               <a:ea typeface="微软雅黑" panose="020B0503020204020204" pitchFamily="34" charset="-122"/>
+              <a:cs typeface="Calibri" panose="020F0502020204030204" pitchFamily="34" charset="0"/>
             </a:endParaRPr>
           </a:p>
           <a:p>
-            <a:pPr marL="342900" indent="-342900">
+            <a:pPr marL="285750" indent="-285750">
               <a:lnSpc>
                 <a:spcPct val="150000"/>
               </a:lnSpc>
@@ -18398,35 +17943,16 @@
             </a:pPr>
             <a:r>
               <a:rPr lang="zh-CN" altLang="en-US" sz="2000" dirty="0">
-                <a:latin typeface="微软雅黑" panose="020B0503020204020204" pitchFamily="34" charset="-122"/>
-                <a:ea typeface="微软雅黑" panose="020B0503020204020204" pitchFamily="34" charset="-122"/>
-              </a:rPr>
-              <a:t>返回</a:t>
-            </a:r>
-            <a:r>
-              <a:rPr lang="zh-CN" altLang="en-US" sz="2000" dirty="0" smtClean="0">
-                <a:latin typeface="微软雅黑" panose="020B0503020204020204" pitchFamily="34" charset="-122"/>
-                <a:ea typeface="微软雅黑" panose="020B0503020204020204" pitchFamily="34" charset="-122"/>
-              </a:rPr>
-              <a:t>值为</a:t>
-            </a:r>
-            <a:r>
-              <a:rPr lang="en-US" altLang="zh-CN" sz="2000" dirty="0" smtClean="0">
-                <a:latin typeface="微软雅黑" panose="020B0503020204020204" pitchFamily="34" charset="-122"/>
-                <a:ea typeface="微软雅黑" panose="020B0503020204020204" pitchFamily="34" charset="-122"/>
-              </a:rPr>
-              <a:t>JSON</a:t>
-            </a:r>
-            <a:r>
-              <a:rPr lang="zh-CN" altLang="en-US" sz="2000" dirty="0" smtClean="0">
-                <a:latin typeface="微软雅黑" panose="020B0503020204020204" pitchFamily="34" charset="-122"/>
-                <a:ea typeface="微软雅黑" panose="020B0503020204020204" pitchFamily="34" charset="-122"/>
-              </a:rPr>
-              <a:t>格式的文本数据：</a:t>
-            </a:r>
-            <a:endParaRPr lang="en-US" altLang="zh-CN" sz="2000" dirty="0" smtClean="0">
-              <a:latin typeface="微软雅黑" panose="020B0503020204020204" pitchFamily="34" charset="-122"/>
+                <a:latin typeface="Calibri" panose="020F0502020204030204" pitchFamily="34" charset="0"/>
+                <a:ea typeface="微软雅黑" panose="020B0503020204020204" pitchFamily="34" charset="-122"/>
+                <a:cs typeface="Calibri" panose="020F0502020204030204" pitchFamily="34" charset="0"/>
+              </a:rPr>
+              <a:t>调用接口：</a:t>
+            </a:r>
+            <a:endParaRPr lang="en-US" altLang="zh-CN" sz="2000" dirty="0">
+              <a:latin typeface="Calibri" panose="020F0502020204030204" pitchFamily="34" charset="0"/>
               <a:ea typeface="微软雅黑" panose="020B0503020204020204" pitchFamily="34" charset="-122"/>
+              <a:cs typeface="Calibri" panose="020F0502020204030204" pitchFamily="34" charset="0"/>
             </a:endParaRPr>
           </a:p>
           <a:p>
@@ -18436,71 +17962,26 @@
               </a:lnSpc>
             </a:pPr>
             <a:r>
-              <a:rPr lang="zh-CN" altLang="en-US" sz="2000" dirty="0" smtClean="0">
-                <a:latin typeface="微软雅黑" panose="020B0503020204020204" pitchFamily="34" charset="-122"/>
-                <a:ea typeface="微软雅黑" panose="020B0503020204020204" pitchFamily="34" charset="-122"/>
-              </a:rPr>
-              <a:t>正确返回数据格式：</a:t>
-            </a:r>
-            <a:r>
               <a:rPr lang="en-US" altLang="zh-CN" sz="2000" dirty="0">
-                <a:latin typeface="微软雅黑" panose="020B0503020204020204" pitchFamily="34" charset="-122"/>
-                <a:ea typeface="微软雅黑" panose="020B0503020204020204" pitchFamily="34" charset="-122"/>
-              </a:rPr>
-              <a:t>{"errcode":0,"errmsg":"ok</a:t>
-            </a:r>
-            <a:r>
-              <a:rPr lang="en-US" altLang="zh-CN" sz="2000" dirty="0" smtClean="0">
-                <a:latin typeface="微软雅黑" panose="020B0503020204020204" pitchFamily="34" charset="-122"/>
-                <a:ea typeface="微软雅黑" panose="020B0503020204020204" pitchFamily="34" charset="-122"/>
-              </a:rPr>
-              <a:t>"}</a:t>
-            </a:r>
-          </a:p>
-          <a:p>
-            <a:pPr lvl="1">
-              <a:lnSpc>
-                <a:spcPct val="150000"/>
-              </a:lnSpc>
-            </a:pPr>
-            <a:r>
-              <a:rPr lang="zh-CN" altLang="en-US" sz="2000" dirty="0" smtClean="0">
-                <a:latin typeface="微软雅黑" panose="020B0503020204020204" pitchFamily="34" charset="-122"/>
-                <a:ea typeface="微软雅黑" panose="020B0503020204020204" pitchFamily="34" charset="-122"/>
-              </a:rPr>
-              <a:t>错误返回数据格式：</a:t>
-            </a:r>
-            <a:r>
-              <a:rPr lang="en-US" altLang="zh-CN" sz="2000" dirty="0">
-                <a:latin typeface="微软雅黑" panose="020B0503020204020204" pitchFamily="34" charset="-122"/>
-                <a:ea typeface="微软雅黑" panose="020B0503020204020204" pitchFamily="34" charset="-122"/>
-              </a:rPr>
-              <a:t>{"errcode":40018,"errmsg":"invalid button name size"}</a:t>
-            </a:r>
-            <a:endParaRPr lang="zh-CN" altLang="en-US" sz="2000" dirty="0">
-              <a:latin typeface="微软雅黑" panose="020B0503020204020204" pitchFamily="34" charset="-122"/>
-              <a:ea typeface="微软雅黑" panose="020B0503020204020204" pitchFamily="34" charset="-122"/>
-            </a:endParaRPr>
+                <a:latin typeface="Calibri" panose="020F0502020204030204" pitchFamily="34" charset="0"/>
+                <a:ea typeface="微软雅黑" panose="020B0503020204020204" pitchFamily="34" charset="-122"/>
+                <a:cs typeface="Calibri" panose="020F0502020204030204" pitchFamily="34" charset="0"/>
+              </a:rPr>
+              <a:t>https://api.weixin.qq.com/cgi-bin/menu/get?access_token=ACCESS_TOKEN</a:t>
+            </a:r>
           </a:p>
         </p:txBody>
       </p:sp>
     </p:spTree>
     <p:extLst>
       <p:ext uri="{BB962C8B-B14F-4D97-AF65-F5344CB8AC3E}">
-        <p14:creationId xmlns:p14="http://schemas.microsoft.com/office/powerpoint/2010/main" val="2026224558"/>
+        <p14:creationId xmlns:p14="http://schemas.microsoft.com/office/powerpoint/2010/main" val="1233054786"/>
       </p:ext>
     </p:extLst>
   </p:cSld>
   <p:clrMapOvr>
     <a:masterClrMapping/>
   </p:clrMapOvr>
-  <p:timing>
-    <p:tnLst>
-      <p:par>
-        <p:cTn id="1" dur="indefinite" restart="never" nodeType="tmRoot"/>
-      </p:par>
-    </p:tnLst>
-  </p:timing>
 </p:sld>
 </file>
 
@@ -18533,8 +18014,8 @@
         </p:nvSpPr>
         <p:spPr>
           <a:xfrm>
-            <a:off x="1054100" y="543636"/>
-            <a:ext cx="6546850" cy="685800"/>
+            <a:off x="1054099" y="543636"/>
+            <a:ext cx="6975475" cy="685800"/>
           </a:xfrm>
         </p:spPr>
         <p:txBody>
@@ -18542,14 +18023,9 @@
           <a:lstStyle/>
           <a:p>
             <a:r>
-              <a:rPr lang="en-US" altLang="zh-CN" dirty="0" smtClean="0"/>
-              <a:t>JSON</a:t>
-            </a:r>
-            <a:r>
-              <a:rPr lang="zh-CN" altLang="en-US" dirty="0" smtClean="0"/>
-              <a:t>格式的字符串</a:t>
-            </a:r>
-            <a:endParaRPr lang="zh-CN" altLang="en-US" dirty="0"/>
+              <a:rPr lang="zh-CN" altLang="en-US" b="0" dirty="0"/>
+              <a:t>删除自定义菜单</a:t>
+            </a:r>
           </a:p>
         </p:txBody>
       </p:sp>
@@ -18561,8 +18037,8 @@
         </p:nvSpPr>
         <p:spPr>
           <a:xfrm>
-            <a:off x="2425700" y="1831300"/>
-            <a:ext cx="4960938" cy="4401205"/>
+            <a:off x="1157287" y="1600200"/>
+            <a:ext cx="9043987" cy="1938992"/>
           </a:xfrm>
           <a:prstGeom prst="rect">
             <a:avLst/>
@@ -18575,307 +18051,110 @@
           </a:bodyPr>
           <a:lstStyle/>
           <a:p>
-            <a:r>
-              <a:rPr lang="en-US" altLang="zh-CN" sz="2000" dirty="0" smtClean="0">
-                <a:latin typeface="微软雅黑" panose="020B0503020204020204" pitchFamily="34" charset="-122"/>
-                <a:ea typeface="微软雅黑" panose="020B0503020204020204" pitchFamily="34" charset="-122"/>
-              </a:rPr>
-              <a:t>'{</a:t>
-            </a:r>
-          </a:p>
-          <a:p>
-            <a:r>
-              <a:rPr lang="en-US" altLang="zh-CN" sz="2000" dirty="0" smtClean="0">
-                <a:latin typeface="微软雅黑" panose="020B0503020204020204" pitchFamily="34" charset="-122"/>
-                <a:ea typeface="微软雅黑" panose="020B0503020204020204" pitchFamily="34" charset="-122"/>
-              </a:rPr>
-              <a:t>  "</a:t>
-            </a:r>
+            <a:pPr marL="285750" indent="-285750">
+              <a:lnSpc>
+                <a:spcPct val="150000"/>
+              </a:lnSpc>
+              <a:buFont typeface="Arial" panose="020B0604020202020204" pitchFamily="34" charset="0"/>
+              <a:buChar char="•"/>
+            </a:pPr>
+            <a:r>
+              <a:rPr lang="zh-CN" altLang="en-US" sz="2000" dirty="0">
+                <a:latin typeface="Calibri" panose="020F0502020204030204" pitchFamily="34" charset="0"/>
+                <a:ea typeface="微软雅黑" panose="020B0503020204020204" pitchFamily="34" charset="-122"/>
+                <a:cs typeface="Calibri" panose="020F0502020204030204" pitchFamily="34" charset="0"/>
+              </a:rPr>
+              <a:t>删除自定义菜单接口：</a:t>
+            </a:r>
+            <a:endParaRPr lang="en-US" altLang="zh-CN" sz="2000" dirty="0">
+              <a:latin typeface="Calibri" panose="020F0502020204030204" pitchFamily="34" charset="0"/>
+              <a:ea typeface="微软雅黑" panose="020B0503020204020204" pitchFamily="34" charset="-122"/>
+              <a:cs typeface="Calibri" panose="020F0502020204030204" pitchFamily="34" charset="0"/>
+            </a:endParaRPr>
+          </a:p>
+          <a:p>
+            <a:pPr lvl="1">
+              <a:lnSpc>
+                <a:spcPct val="150000"/>
+              </a:lnSpc>
+            </a:pPr>
             <a:r>
               <a:rPr lang="en-US" altLang="zh-CN" sz="2000" dirty="0">
-                <a:latin typeface="微软雅黑" panose="020B0503020204020204" pitchFamily="34" charset="-122"/>
-                <a:ea typeface="微软雅黑" panose="020B0503020204020204" pitchFamily="34" charset="-122"/>
-              </a:rPr>
-              <a:t>button":[</a:t>
-            </a:r>
-          </a:p>
-          <a:p>
+                <a:latin typeface="Calibri" panose="020F0502020204030204" pitchFamily="34" charset="0"/>
+                <a:ea typeface="微软雅黑" panose="020B0503020204020204" pitchFamily="34" charset="-122"/>
+                <a:cs typeface="Calibri" panose="020F0502020204030204" pitchFamily="34" charset="0"/>
+                <a:hlinkClick r:id="rId2"/>
+              </a:rPr>
+              <a:t>https://api.weixin.qq.com/cgi-bin/menu/delete?access_token=ACCESS_TOKEN</a:t>
+            </a:r>
+            <a:endParaRPr lang="en-US" altLang="zh-CN" sz="2000" dirty="0">
+              <a:latin typeface="Calibri" panose="020F0502020204030204" pitchFamily="34" charset="0"/>
+              <a:ea typeface="微软雅黑" panose="020B0503020204020204" pitchFamily="34" charset="-122"/>
+              <a:cs typeface="Calibri" panose="020F0502020204030204" pitchFamily="34" charset="0"/>
+            </a:endParaRPr>
+          </a:p>
+          <a:p>
+            <a:pPr marL="342900" indent="-342900">
+              <a:lnSpc>
+                <a:spcPct val="150000"/>
+              </a:lnSpc>
+              <a:buFont typeface="Arial" panose="020B0604020202020204" pitchFamily="34" charset="0"/>
+              <a:buChar char="•"/>
+            </a:pPr>
+            <a:r>
+              <a:rPr lang="zh-CN" altLang="en-US" sz="2000" dirty="0">
+                <a:latin typeface="Calibri" panose="020F0502020204030204" pitchFamily="34" charset="0"/>
+                <a:ea typeface="微软雅黑" panose="020B0503020204020204" pitchFamily="34" charset="-122"/>
+                <a:cs typeface="Calibri" panose="020F0502020204030204" pitchFamily="34" charset="0"/>
+              </a:rPr>
+              <a:t>对应创建接口，正确的</a:t>
+            </a:r>
+            <a:r>
+              <a:rPr lang="en-US" altLang="zh-CN" sz="2000" dirty="0" err="1">
+                <a:latin typeface="Calibri" panose="020F0502020204030204" pitchFamily="34" charset="0"/>
+                <a:ea typeface="微软雅黑" panose="020B0503020204020204" pitchFamily="34" charset="-122"/>
+                <a:cs typeface="Calibri" panose="020F0502020204030204" pitchFamily="34" charset="0"/>
+              </a:rPr>
+              <a:t>Json</a:t>
+            </a:r>
+            <a:r>
+              <a:rPr lang="zh-CN" altLang="en-US" sz="2000" dirty="0">
+                <a:latin typeface="Calibri" panose="020F0502020204030204" pitchFamily="34" charset="0"/>
+                <a:ea typeface="微软雅黑" panose="020B0503020204020204" pitchFamily="34" charset="-122"/>
+                <a:cs typeface="Calibri" panose="020F0502020204030204" pitchFamily="34" charset="0"/>
+              </a:rPr>
+              <a:t>返回结果</a:t>
+            </a:r>
             <a:r>
               <a:rPr lang="en-US" altLang="zh-CN" sz="2000" dirty="0">
-                <a:latin typeface="微软雅黑" panose="020B0503020204020204" pitchFamily="34" charset="-122"/>
-                <a:ea typeface="微软雅黑" panose="020B0503020204020204" pitchFamily="34" charset="-122"/>
-              </a:rPr>
-              <a:t>    </a:t>
-            </a:r>
-            <a:r>
-              <a:rPr lang="en-US" altLang="zh-CN" sz="2000" dirty="0" smtClean="0">
-                <a:latin typeface="微软雅黑" panose="020B0503020204020204" pitchFamily="34" charset="-122"/>
-                <a:ea typeface="微软雅黑" panose="020B0503020204020204" pitchFamily="34" charset="-122"/>
-              </a:rPr>
-              <a:t> {</a:t>
-            </a:r>
-          </a:p>
-          <a:p>
+                <a:latin typeface="Calibri" panose="020F0502020204030204" pitchFamily="34" charset="0"/>
+                <a:ea typeface="微软雅黑" panose="020B0503020204020204" pitchFamily="34" charset="-122"/>
+                <a:cs typeface="Calibri" panose="020F0502020204030204" pitchFamily="34" charset="0"/>
+              </a:rPr>
+              <a:t>:</a:t>
+            </a:r>
+          </a:p>
+          <a:p>
+            <a:pPr lvl="1">
+              <a:lnSpc>
+                <a:spcPct val="150000"/>
+              </a:lnSpc>
+            </a:pPr>
             <a:r>
               <a:rPr lang="en-US" altLang="zh-CN" sz="2000" dirty="0">
-                <a:latin typeface="微软雅黑" panose="020B0503020204020204" pitchFamily="34" charset="-122"/>
-                <a:ea typeface="微软雅黑" panose="020B0503020204020204" pitchFamily="34" charset="-122"/>
-              </a:rPr>
-              <a:t> </a:t>
-            </a:r>
-            <a:r>
-              <a:rPr lang="en-US" altLang="zh-CN" sz="2000" dirty="0" smtClean="0">
-                <a:latin typeface="微软雅黑" panose="020B0503020204020204" pitchFamily="34" charset="-122"/>
-                <a:ea typeface="微软雅黑" panose="020B0503020204020204" pitchFamily="34" charset="-122"/>
-              </a:rPr>
-              <a:t>        "</a:t>
-            </a:r>
-            <a:r>
-              <a:rPr lang="en-US" altLang="zh-CN" sz="2000" dirty="0">
-                <a:latin typeface="微软雅黑" panose="020B0503020204020204" pitchFamily="34" charset="-122"/>
-                <a:ea typeface="微软雅黑" panose="020B0503020204020204" pitchFamily="34" charset="-122"/>
-              </a:rPr>
-              <a:t>name":"</a:t>
-            </a:r>
-            <a:r>
-              <a:rPr lang="zh-CN" altLang="en-US" sz="2000" dirty="0">
-                <a:latin typeface="微软雅黑" panose="020B0503020204020204" pitchFamily="34" charset="-122"/>
-                <a:ea typeface="微软雅黑" panose="020B0503020204020204" pitchFamily="34" charset="-122"/>
-              </a:rPr>
-              <a:t>搜索</a:t>
-            </a:r>
-            <a:r>
-              <a:rPr lang="en-US" altLang="zh-CN" sz="2000" dirty="0">
-                <a:latin typeface="微软雅黑" panose="020B0503020204020204" pitchFamily="34" charset="-122"/>
-                <a:ea typeface="微软雅黑" panose="020B0503020204020204" pitchFamily="34" charset="-122"/>
-              </a:rPr>
-              <a:t>",</a:t>
-            </a:r>
-          </a:p>
-          <a:p>
-            <a:r>
-              <a:rPr lang="en-US" altLang="zh-CN" sz="2000" dirty="0">
-                <a:latin typeface="微软雅黑" panose="020B0503020204020204" pitchFamily="34" charset="-122"/>
-                <a:ea typeface="微软雅黑" panose="020B0503020204020204" pitchFamily="34" charset="-122"/>
-              </a:rPr>
-              <a:t>      </a:t>
-            </a:r>
-            <a:r>
-              <a:rPr lang="en-US" altLang="zh-CN" sz="2000" dirty="0" smtClean="0">
-                <a:latin typeface="微软雅黑" panose="020B0503020204020204" pitchFamily="34" charset="-122"/>
-                <a:ea typeface="微软雅黑" panose="020B0503020204020204" pitchFamily="34" charset="-122"/>
-              </a:rPr>
-              <a:t>   "</a:t>
-            </a:r>
-            <a:r>
-              <a:rPr lang="en-US" altLang="zh-CN" sz="2000" dirty="0" err="1">
-                <a:latin typeface="微软雅黑" panose="020B0503020204020204" pitchFamily="34" charset="-122"/>
-                <a:ea typeface="微软雅黑" panose="020B0503020204020204" pitchFamily="34" charset="-122"/>
-              </a:rPr>
-              <a:t>sub_button</a:t>
-            </a:r>
-            <a:r>
-              <a:rPr lang="en-US" altLang="zh-CN" sz="2000" dirty="0">
-                <a:latin typeface="微软雅黑" panose="020B0503020204020204" pitchFamily="34" charset="-122"/>
-                <a:ea typeface="微软雅黑" panose="020B0503020204020204" pitchFamily="34" charset="-122"/>
-              </a:rPr>
-              <a:t>":[</a:t>
-            </a:r>
-          </a:p>
-          <a:p>
-            <a:r>
-              <a:rPr lang="en-US" altLang="zh-CN" sz="2000" dirty="0">
-                <a:latin typeface="微软雅黑" panose="020B0503020204020204" pitchFamily="34" charset="-122"/>
-                <a:ea typeface="微软雅黑" panose="020B0503020204020204" pitchFamily="34" charset="-122"/>
-              </a:rPr>
-              <a:t>        </a:t>
-            </a:r>
-            <a:r>
-              <a:rPr lang="en-US" altLang="zh-CN" sz="2000" dirty="0" smtClean="0">
-                <a:latin typeface="微软雅黑" panose="020B0503020204020204" pitchFamily="34" charset="-122"/>
-                <a:ea typeface="微软雅黑" panose="020B0503020204020204" pitchFamily="34" charset="-122"/>
-              </a:rPr>
-              <a:t>     {</a:t>
-            </a:r>
-            <a:endParaRPr lang="en-US" altLang="zh-CN" sz="2000" dirty="0">
-              <a:latin typeface="微软雅黑" panose="020B0503020204020204" pitchFamily="34" charset="-122"/>
-              <a:ea typeface="微软雅黑" panose="020B0503020204020204" pitchFamily="34" charset="-122"/>
-            </a:endParaRPr>
-          </a:p>
-          <a:p>
-            <a:r>
-              <a:rPr lang="en-US" altLang="zh-CN" sz="2000" dirty="0">
-                <a:latin typeface="微软雅黑" panose="020B0503020204020204" pitchFamily="34" charset="-122"/>
-                <a:ea typeface="微软雅黑" panose="020B0503020204020204" pitchFamily="34" charset="-122"/>
-              </a:rPr>
-              <a:t>          </a:t>
-            </a:r>
-            <a:r>
-              <a:rPr lang="en-US" altLang="zh-CN" sz="2000" dirty="0" smtClean="0">
-                <a:latin typeface="微软雅黑" panose="020B0503020204020204" pitchFamily="34" charset="-122"/>
-                <a:ea typeface="微软雅黑" panose="020B0503020204020204" pitchFamily="34" charset="-122"/>
-              </a:rPr>
-              <a:t>      "</a:t>
-            </a:r>
-            <a:r>
-              <a:rPr lang="en-US" altLang="zh-CN" sz="2000" dirty="0" err="1">
-                <a:latin typeface="微软雅黑" panose="020B0503020204020204" pitchFamily="34" charset="-122"/>
-                <a:ea typeface="微软雅黑" panose="020B0503020204020204" pitchFamily="34" charset="-122"/>
-              </a:rPr>
-              <a:t>type":"view</a:t>
-            </a:r>
-            <a:r>
-              <a:rPr lang="en-US" altLang="zh-CN" sz="2000" dirty="0">
-                <a:latin typeface="微软雅黑" panose="020B0503020204020204" pitchFamily="34" charset="-122"/>
-                <a:ea typeface="微软雅黑" panose="020B0503020204020204" pitchFamily="34" charset="-122"/>
-              </a:rPr>
-              <a:t>",</a:t>
-            </a:r>
-          </a:p>
-          <a:p>
-            <a:r>
-              <a:rPr lang="en-US" altLang="zh-CN" sz="2000" dirty="0">
-                <a:latin typeface="微软雅黑" panose="020B0503020204020204" pitchFamily="34" charset="-122"/>
-                <a:ea typeface="微软雅黑" panose="020B0503020204020204" pitchFamily="34" charset="-122"/>
-              </a:rPr>
-              <a:t>          </a:t>
-            </a:r>
-            <a:r>
-              <a:rPr lang="en-US" altLang="zh-CN" sz="2000" dirty="0" smtClean="0">
-                <a:latin typeface="微软雅黑" panose="020B0503020204020204" pitchFamily="34" charset="-122"/>
-                <a:ea typeface="微软雅黑" panose="020B0503020204020204" pitchFamily="34" charset="-122"/>
-              </a:rPr>
-              <a:t>      "</a:t>
-            </a:r>
-            <a:r>
-              <a:rPr lang="en-US" altLang="zh-CN" sz="2000" dirty="0" err="1">
-                <a:latin typeface="微软雅黑" panose="020B0503020204020204" pitchFamily="34" charset="-122"/>
-                <a:ea typeface="微软雅黑" panose="020B0503020204020204" pitchFamily="34" charset="-122"/>
-              </a:rPr>
-              <a:t>name":"Bing</a:t>
-            </a:r>
-            <a:r>
-              <a:rPr lang="en-US" altLang="zh-CN" sz="2000" dirty="0">
-                <a:latin typeface="微软雅黑" panose="020B0503020204020204" pitchFamily="34" charset="-122"/>
-                <a:ea typeface="微软雅黑" panose="020B0503020204020204" pitchFamily="34" charset="-122"/>
-              </a:rPr>
-              <a:t>",</a:t>
-            </a:r>
-          </a:p>
-          <a:p>
-            <a:r>
-              <a:rPr lang="en-US" altLang="zh-CN" sz="2000" dirty="0">
-                <a:latin typeface="微软雅黑" panose="020B0503020204020204" pitchFamily="34" charset="-122"/>
-                <a:ea typeface="微软雅黑" panose="020B0503020204020204" pitchFamily="34" charset="-122"/>
-              </a:rPr>
-              <a:t>          </a:t>
-            </a:r>
-            <a:r>
-              <a:rPr lang="en-US" altLang="zh-CN" sz="2000" dirty="0" smtClean="0">
-                <a:latin typeface="微软雅黑" panose="020B0503020204020204" pitchFamily="34" charset="-122"/>
-                <a:ea typeface="微软雅黑" panose="020B0503020204020204" pitchFamily="34" charset="-122"/>
-              </a:rPr>
-              <a:t>      "</a:t>
-            </a:r>
-            <a:r>
-              <a:rPr lang="en-US" altLang="zh-CN" sz="2000" dirty="0" err="1">
-                <a:latin typeface="微软雅黑" panose="020B0503020204020204" pitchFamily="34" charset="-122"/>
-                <a:ea typeface="微软雅黑" panose="020B0503020204020204" pitchFamily="34" charset="-122"/>
-              </a:rPr>
-              <a:t>url</a:t>
-            </a:r>
-            <a:r>
-              <a:rPr lang="en-US" altLang="zh-CN" sz="2000" dirty="0">
-                <a:latin typeface="微软雅黑" panose="020B0503020204020204" pitchFamily="34" charset="-122"/>
-                <a:ea typeface="微软雅黑" panose="020B0503020204020204" pitchFamily="34" charset="-122"/>
-              </a:rPr>
-              <a:t>":"http://cn.bing.com/"</a:t>
-            </a:r>
-          </a:p>
-          <a:p>
-            <a:r>
-              <a:rPr lang="en-US" altLang="zh-CN" sz="2000" dirty="0">
-                <a:latin typeface="微软雅黑" panose="020B0503020204020204" pitchFamily="34" charset="-122"/>
-                <a:ea typeface="微软雅黑" panose="020B0503020204020204" pitchFamily="34" charset="-122"/>
-              </a:rPr>
-              <a:t>        </a:t>
-            </a:r>
-            <a:r>
-              <a:rPr lang="en-US" altLang="zh-CN" sz="2000" dirty="0" smtClean="0">
-                <a:latin typeface="微软雅黑" panose="020B0503020204020204" pitchFamily="34" charset="-122"/>
-                <a:ea typeface="微软雅黑" panose="020B0503020204020204" pitchFamily="34" charset="-122"/>
-              </a:rPr>
-              <a:t>     }</a:t>
-            </a:r>
-          </a:p>
-          <a:p>
-            <a:r>
-              <a:rPr lang="en-US" altLang="zh-CN" sz="2000" dirty="0">
-                <a:latin typeface="微软雅黑" panose="020B0503020204020204" pitchFamily="34" charset="-122"/>
-                <a:ea typeface="微软雅黑" panose="020B0503020204020204" pitchFamily="34" charset="-122"/>
-              </a:rPr>
-              <a:t> </a:t>
-            </a:r>
-            <a:r>
-              <a:rPr lang="en-US" altLang="zh-CN" sz="2000" dirty="0" smtClean="0">
-                <a:latin typeface="微软雅黑" panose="020B0503020204020204" pitchFamily="34" charset="-122"/>
-                <a:ea typeface="微软雅黑" panose="020B0503020204020204" pitchFamily="34" charset="-122"/>
-              </a:rPr>
-              <a:t>        ]</a:t>
-            </a:r>
-            <a:endParaRPr lang="en-US" altLang="zh-CN" sz="2000" dirty="0">
-              <a:latin typeface="微软雅黑" panose="020B0503020204020204" pitchFamily="34" charset="-122"/>
-              <a:ea typeface="微软雅黑" panose="020B0503020204020204" pitchFamily="34" charset="-122"/>
-            </a:endParaRPr>
-          </a:p>
-          <a:p>
-            <a:r>
-              <a:rPr lang="en-US" altLang="zh-CN" sz="2000" dirty="0">
-                <a:latin typeface="微软雅黑" panose="020B0503020204020204" pitchFamily="34" charset="-122"/>
-                <a:ea typeface="微软雅黑" panose="020B0503020204020204" pitchFamily="34" charset="-122"/>
-              </a:rPr>
-              <a:t>    </a:t>
-            </a:r>
-            <a:r>
-              <a:rPr lang="en-US" altLang="zh-CN" sz="2000" dirty="0" smtClean="0">
-                <a:latin typeface="微软雅黑" panose="020B0503020204020204" pitchFamily="34" charset="-122"/>
-                <a:ea typeface="微软雅黑" panose="020B0503020204020204" pitchFamily="34" charset="-122"/>
-              </a:rPr>
-              <a:t> },</a:t>
-            </a:r>
-            <a:endParaRPr lang="en-US" altLang="zh-CN" sz="2000" dirty="0">
-              <a:latin typeface="微软雅黑" panose="020B0503020204020204" pitchFamily="34" charset="-122"/>
-              <a:ea typeface="微软雅黑" panose="020B0503020204020204" pitchFamily="34" charset="-122"/>
-            </a:endParaRPr>
-          </a:p>
-          <a:p>
-            <a:r>
-              <a:rPr lang="en-US" altLang="zh-CN" sz="2000" dirty="0" smtClean="0">
-                <a:latin typeface="微软雅黑" panose="020B0503020204020204" pitchFamily="34" charset="-122"/>
-                <a:ea typeface="微软雅黑" panose="020B0503020204020204" pitchFamily="34" charset="-122"/>
-              </a:rPr>
-              <a:t>  ]</a:t>
-            </a:r>
-          </a:p>
-          <a:p>
-            <a:r>
-              <a:rPr lang="en-US" altLang="zh-CN" sz="2000" dirty="0" smtClean="0">
-                <a:latin typeface="微软雅黑" panose="020B0503020204020204" pitchFamily="34" charset="-122"/>
-                <a:ea typeface="微软雅黑" panose="020B0503020204020204" pitchFamily="34" charset="-122"/>
-              </a:rPr>
-              <a:t>}';</a:t>
-            </a:r>
-            <a:endParaRPr lang="zh-CN" altLang="en-US" sz="2000" dirty="0">
-              <a:latin typeface="微软雅黑" panose="020B0503020204020204" pitchFamily="34" charset="-122"/>
-              <a:ea typeface="微软雅黑" panose="020B0503020204020204" pitchFamily="34" charset="-122"/>
-            </a:endParaRPr>
+                <a:latin typeface="Calibri" panose="020F0502020204030204" pitchFamily="34" charset="0"/>
+                <a:ea typeface="微软雅黑" panose="020B0503020204020204" pitchFamily="34" charset="-122"/>
+                <a:cs typeface="Calibri" panose="020F0502020204030204" pitchFamily="34" charset="0"/>
+              </a:rPr>
+              <a:t>{"errcode":0,"errmsg":"ok"}</a:t>
+            </a:r>
           </a:p>
         </p:txBody>
       </p:sp>
     </p:spTree>
     <p:extLst>
       <p:ext uri="{BB962C8B-B14F-4D97-AF65-F5344CB8AC3E}">
-        <p14:creationId xmlns:p14="http://schemas.microsoft.com/office/powerpoint/2010/main" val="2456805677"/>
+        <p14:creationId xmlns:p14="http://schemas.microsoft.com/office/powerpoint/2010/main" val="1036375799"/>
       </p:ext>
     </p:extLst>
   </p:cSld>
@@ -18886,922 +18165,6 @@
 </file>
 
 <file path=ppt/slides/slide26.xml><?xml version="1.0" encoding="utf-8"?>
-<p:sld xmlns:a="http://schemas.openxmlformats.org/drawingml/2006/main" xmlns:r="http://schemas.openxmlformats.org/officeDocument/2006/relationships" xmlns:p="http://schemas.openxmlformats.org/presentationml/2006/main">
-  <p:cSld>
-    <p:spTree>
-      <p:nvGrpSpPr>
-        <p:cNvPr id="1" name=""/>
-        <p:cNvGrpSpPr/>
-        <p:nvPr/>
-      </p:nvGrpSpPr>
-      <p:grpSpPr>
-        <a:xfrm>
-          <a:off x="0" y="0"/>
-          <a:ext cx="0" cy="0"/>
-          <a:chOff x="0" y="0"/>
-          <a:chExt cx="0" cy="0"/>
-        </a:xfrm>
-      </p:grpSpPr>
-      <p:sp>
-        <p:nvSpPr>
-          <p:cNvPr id="2" name="内容占位符 1"/>
-          <p:cNvSpPr>
-            <a:spLocks noGrp="1"/>
-          </p:cNvSpPr>
-          <p:nvPr>
-            <p:ph sz="quarter" idx="13"/>
-          </p:nvPr>
-        </p:nvSpPr>
-        <p:spPr>
-          <a:xfrm>
-            <a:off x="1054099" y="543636"/>
-            <a:ext cx="7432676" cy="685800"/>
-          </a:xfrm>
-        </p:spPr>
-        <p:txBody>
-          <a:bodyPr/>
-          <a:lstStyle/>
-          <a:p>
-            <a:r>
-              <a:rPr lang="en-US" altLang="zh-CN" dirty="0" smtClean="0"/>
-              <a:t>CURL</a:t>
-            </a:r>
-            <a:r>
-              <a:rPr lang="zh-CN" altLang="en-US" dirty="0" smtClean="0"/>
-              <a:t>调用创建菜单接口</a:t>
-            </a:r>
-            <a:endParaRPr lang="zh-CN" altLang="en-US" dirty="0"/>
-          </a:p>
-        </p:txBody>
-      </p:sp>
-      <p:sp>
-        <p:nvSpPr>
-          <p:cNvPr id="4" name="文本框 3"/>
-          <p:cNvSpPr txBox="1"/>
-          <p:nvPr/>
-        </p:nvSpPr>
-        <p:spPr>
-          <a:xfrm>
-            <a:off x="1054099" y="1657350"/>
-            <a:ext cx="9661525" cy="4708981"/>
-          </a:xfrm>
-          <a:prstGeom prst="rect">
-            <a:avLst/>
-          </a:prstGeom>
-          <a:noFill/>
-        </p:spPr>
-        <p:txBody>
-          <a:bodyPr wrap="square" rtlCol="0">
-            <a:spAutoFit/>
-          </a:bodyPr>
-          <a:lstStyle/>
-          <a:p>
-            <a:r>
-              <a:rPr lang="en-US" altLang="zh-CN" sz="2000" dirty="0"/>
-              <a:t>$</a:t>
-            </a:r>
-            <a:r>
-              <a:rPr lang="en-US" altLang="zh-CN" sz="2000" dirty="0" err="1"/>
-              <a:t>wx_menu_create_api</a:t>
-            </a:r>
-            <a:r>
-              <a:rPr lang="en-US" altLang="zh-CN" sz="2000" dirty="0"/>
-              <a:t>='https://api.weixin.qq.com/</a:t>
-            </a:r>
-            <a:r>
-              <a:rPr lang="en-US" altLang="zh-CN" sz="2000" dirty="0" err="1"/>
-              <a:t>cgi</a:t>
-            </a:r>
-            <a:r>
-              <a:rPr lang="en-US" altLang="zh-CN" sz="2000" dirty="0"/>
-              <a:t>-bin/menu/</a:t>
-            </a:r>
-            <a:r>
-              <a:rPr lang="en-US" altLang="zh-CN" sz="2000" dirty="0" err="1"/>
-              <a:t>create?access_token</a:t>
-            </a:r>
-            <a:r>
-              <a:rPr lang="en-US" altLang="zh-CN" sz="2000" dirty="0"/>
-              <a:t>=';</a:t>
-            </a:r>
-          </a:p>
-          <a:p>
-            <a:r>
-              <a:rPr lang="en-US" altLang="zh-CN" sz="2000" dirty="0"/>
-              <a:t>$</a:t>
-            </a:r>
-            <a:r>
-              <a:rPr lang="en-US" altLang="zh-CN" sz="2000" dirty="0" err="1"/>
-              <a:t>wx_menu_create_api</a:t>
-            </a:r>
-            <a:r>
-              <a:rPr lang="en-US" altLang="zh-CN" sz="2000" dirty="0"/>
-              <a:t> .= $token['</a:t>
-            </a:r>
-            <a:r>
-              <a:rPr lang="en-US" altLang="zh-CN" sz="2000" dirty="0" err="1"/>
-              <a:t>access_token</a:t>
-            </a:r>
-            <a:r>
-              <a:rPr lang="en-US" altLang="zh-CN" sz="2000" dirty="0"/>
-              <a:t>'];</a:t>
-            </a:r>
-          </a:p>
-          <a:p>
-            <a:endParaRPr lang="en-US" altLang="zh-CN" sz="2000" dirty="0"/>
-          </a:p>
-          <a:p>
-            <a:r>
-              <a:rPr lang="en-US" altLang="zh-CN" sz="2000" dirty="0"/>
-              <a:t>$</a:t>
-            </a:r>
-            <a:r>
-              <a:rPr lang="en-US" altLang="zh-CN" sz="2000" dirty="0" err="1"/>
-              <a:t>mch</a:t>
-            </a:r>
-            <a:r>
-              <a:rPr lang="en-US" altLang="zh-CN" sz="2000" dirty="0"/>
-              <a:t> = </a:t>
-            </a:r>
-            <a:r>
-              <a:rPr lang="en-US" altLang="zh-CN" sz="2000" dirty="0" err="1"/>
-              <a:t>curl_init</a:t>
-            </a:r>
-            <a:r>
-              <a:rPr lang="en-US" altLang="zh-CN" sz="2000" dirty="0"/>
-              <a:t>($</a:t>
-            </a:r>
-            <a:r>
-              <a:rPr lang="en-US" altLang="zh-CN" sz="2000" dirty="0" err="1"/>
-              <a:t>wx_menu_create_api</a:t>
-            </a:r>
-            <a:r>
-              <a:rPr lang="en-US" altLang="zh-CN" sz="2000" dirty="0"/>
-              <a:t>);</a:t>
-            </a:r>
-          </a:p>
-          <a:p>
-            <a:r>
-              <a:rPr lang="en-US" altLang="zh-CN" sz="2000" dirty="0"/>
-              <a:t>if(!$</a:t>
-            </a:r>
-            <a:r>
-              <a:rPr lang="en-US" altLang="zh-CN" sz="2000" dirty="0" err="1"/>
-              <a:t>mch</a:t>
-            </a:r>
-            <a:r>
-              <a:rPr lang="en-US" altLang="zh-CN" sz="2000" dirty="0"/>
-              <a:t>){</a:t>
-            </a:r>
-          </a:p>
-          <a:p>
-            <a:r>
-              <a:rPr lang="en-US" altLang="zh-CN" sz="2000" dirty="0"/>
-              <a:t>  exit("failed to open </a:t>
-            </a:r>
-            <a:r>
-              <a:rPr lang="en-US" altLang="zh-CN" sz="2000" dirty="0" err="1"/>
-              <a:t>url</a:t>
-            </a:r>
-            <a:r>
-              <a:rPr lang="en-US" altLang="zh-CN" sz="2000" dirty="0"/>
-              <a:t>");</a:t>
-            </a:r>
-          </a:p>
-          <a:p>
-            <a:r>
-              <a:rPr lang="en-US" altLang="zh-CN" sz="2000" dirty="0"/>
-              <a:t>}</a:t>
-            </a:r>
-          </a:p>
-          <a:p>
-            <a:r>
-              <a:rPr lang="en-US" altLang="zh-CN" sz="2000" dirty="0" err="1"/>
-              <a:t>curl_setopt</a:t>
-            </a:r>
-            <a:r>
-              <a:rPr lang="en-US" altLang="zh-CN" sz="2000" dirty="0"/>
-              <a:t>($</a:t>
-            </a:r>
-            <a:r>
-              <a:rPr lang="en-US" altLang="zh-CN" sz="2000" dirty="0" err="1"/>
-              <a:t>mch,CURLOPT_RETURNTRANSFER,true</a:t>
-            </a:r>
-            <a:r>
-              <a:rPr lang="en-US" altLang="zh-CN" sz="2000" dirty="0"/>
-              <a:t>);</a:t>
-            </a:r>
-          </a:p>
-          <a:p>
-            <a:r>
-              <a:rPr lang="en-US" altLang="zh-CN" sz="2000" dirty="0" err="1"/>
-              <a:t>curl_setopt</a:t>
-            </a:r>
-            <a:r>
-              <a:rPr lang="en-US" altLang="zh-CN" sz="2000" dirty="0"/>
-              <a:t>($</a:t>
-            </a:r>
-            <a:r>
-              <a:rPr lang="en-US" altLang="zh-CN" sz="2000" dirty="0" err="1"/>
-              <a:t>mch,CURLOPT_SSL_VERIFYPEER,false</a:t>
-            </a:r>
-            <a:r>
-              <a:rPr lang="en-US" altLang="zh-CN" sz="2000" dirty="0"/>
-              <a:t>);</a:t>
-            </a:r>
-          </a:p>
-          <a:p>
-            <a:r>
-              <a:rPr lang="en-US" altLang="zh-CN" sz="2000" dirty="0" err="1"/>
-              <a:t>curl_setopt</a:t>
-            </a:r>
-            <a:r>
-              <a:rPr lang="en-US" altLang="zh-CN" sz="2000" dirty="0"/>
-              <a:t>($</a:t>
-            </a:r>
-            <a:r>
-              <a:rPr lang="en-US" altLang="zh-CN" sz="2000" dirty="0" err="1"/>
-              <a:t>mch</a:t>
-            </a:r>
-            <a:r>
-              <a:rPr lang="en-US" altLang="zh-CN" sz="2000" dirty="0"/>
-              <a:t>, CURLOPT_POST, true);</a:t>
-            </a:r>
-          </a:p>
-          <a:p>
-            <a:r>
-              <a:rPr lang="en-US" altLang="zh-CN" sz="2000" dirty="0" err="1"/>
-              <a:t>curl_setopt</a:t>
-            </a:r>
-            <a:r>
-              <a:rPr lang="en-US" altLang="zh-CN" sz="2000" dirty="0"/>
-              <a:t>($</a:t>
-            </a:r>
-            <a:r>
-              <a:rPr lang="en-US" altLang="zh-CN" sz="2000" dirty="0" err="1"/>
-              <a:t>mch</a:t>
-            </a:r>
-            <a:r>
-              <a:rPr lang="en-US" altLang="zh-CN" sz="2000" dirty="0"/>
-              <a:t>, CURLOPT_POSTFIELDS, $</a:t>
-            </a:r>
-            <a:r>
-              <a:rPr lang="en-US" altLang="zh-CN" sz="2000" dirty="0" err="1"/>
-              <a:t>json_menu</a:t>
-            </a:r>
-            <a:r>
-              <a:rPr lang="en-US" altLang="zh-CN" sz="2000" dirty="0"/>
-              <a:t>);</a:t>
-            </a:r>
-          </a:p>
-          <a:p>
-            <a:endParaRPr lang="en-US" altLang="zh-CN" sz="2000" dirty="0"/>
-          </a:p>
-          <a:p>
-            <a:r>
-              <a:rPr lang="en-US" altLang="zh-CN" sz="2000" dirty="0"/>
-              <a:t>$</a:t>
-            </a:r>
-            <a:r>
-              <a:rPr lang="en-US" altLang="zh-CN" sz="2000" dirty="0" err="1"/>
-              <a:t>mr</a:t>
-            </a:r>
-            <a:r>
-              <a:rPr lang="en-US" altLang="zh-CN" sz="2000" dirty="0"/>
-              <a:t>=</a:t>
-            </a:r>
-            <a:r>
-              <a:rPr lang="en-US" altLang="zh-CN" sz="2000" dirty="0" err="1"/>
-              <a:t>curl_exec</a:t>
-            </a:r>
-            <a:r>
-              <a:rPr lang="en-US" altLang="zh-CN" sz="2000" dirty="0"/>
-              <a:t>($</a:t>
-            </a:r>
-            <a:r>
-              <a:rPr lang="en-US" altLang="zh-CN" sz="2000" dirty="0" err="1"/>
-              <a:t>mch</a:t>
-            </a:r>
-            <a:r>
-              <a:rPr lang="en-US" altLang="zh-CN" sz="2000" dirty="0"/>
-              <a:t>);</a:t>
-            </a:r>
-          </a:p>
-          <a:p>
-            <a:r>
-              <a:rPr lang="en-US" altLang="zh-CN" sz="2000" dirty="0" err="1"/>
-              <a:t>curl_close</a:t>
-            </a:r>
-            <a:r>
-              <a:rPr lang="en-US" altLang="zh-CN" sz="2000" dirty="0"/>
-              <a:t>($</a:t>
-            </a:r>
-            <a:r>
-              <a:rPr lang="en-US" altLang="zh-CN" sz="2000" dirty="0" err="1"/>
-              <a:t>mch</a:t>
-            </a:r>
-            <a:r>
-              <a:rPr lang="en-US" altLang="zh-CN" sz="2000" dirty="0"/>
-              <a:t>);</a:t>
-            </a:r>
-          </a:p>
-          <a:p>
-            <a:r>
-              <a:rPr lang="en-US" altLang="zh-CN" sz="2000" dirty="0"/>
-              <a:t>exit($</a:t>
-            </a:r>
-            <a:r>
-              <a:rPr lang="en-US" altLang="zh-CN" sz="2000" dirty="0" err="1"/>
-              <a:t>mr</a:t>
-            </a:r>
-            <a:r>
-              <a:rPr lang="en-US" altLang="zh-CN" sz="2000" dirty="0"/>
-              <a:t>);</a:t>
-            </a:r>
-            <a:endParaRPr lang="zh-CN" altLang="en-US" sz="2000" dirty="0"/>
-          </a:p>
-        </p:txBody>
-      </p:sp>
-    </p:spTree>
-    <p:extLst>
-      <p:ext uri="{BB962C8B-B14F-4D97-AF65-F5344CB8AC3E}">
-        <p14:creationId xmlns:p14="http://schemas.microsoft.com/office/powerpoint/2010/main" val="449583257"/>
-      </p:ext>
-    </p:extLst>
-  </p:cSld>
-  <p:clrMapOvr>
-    <a:masterClrMapping/>
-  </p:clrMapOvr>
-</p:sld>
-</file>
-
-<file path=ppt/slides/slide27.xml><?xml version="1.0" encoding="utf-8"?>
-<p:sld xmlns:a="http://schemas.openxmlformats.org/drawingml/2006/main" xmlns:r="http://schemas.openxmlformats.org/officeDocument/2006/relationships" xmlns:p="http://schemas.openxmlformats.org/presentationml/2006/main">
-  <p:cSld>
-    <p:spTree>
-      <p:nvGrpSpPr>
-        <p:cNvPr id="1" name=""/>
-        <p:cNvGrpSpPr/>
-        <p:nvPr/>
-      </p:nvGrpSpPr>
-      <p:grpSpPr>
-        <a:xfrm>
-          <a:off x="0" y="0"/>
-          <a:ext cx="0" cy="0"/>
-          <a:chOff x="0" y="0"/>
-          <a:chExt cx="0" cy="0"/>
-        </a:xfrm>
-      </p:grpSpPr>
-      <p:sp>
-        <p:nvSpPr>
-          <p:cNvPr id="2" name="内容占位符 1"/>
-          <p:cNvSpPr>
-            <a:spLocks noGrp="1"/>
-          </p:cNvSpPr>
-          <p:nvPr>
-            <p:ph sz="quarter" idx="13"/>
-          </p:nvPr>
-        </p:nvSpPr>
-        <p:spPr>
-          <a:xfrm>
-            <a:off x="1054099" y="543636"/>
-            <a:ext cx="6975475" cy="685800"/>
-          </a:xfrm>
-        </p:spPr>
-        <p:txBody>
-          <a:bodyPr/>
-          <a:lstStyle/>
-          <a:p>
-            <a:r>
-              <a:rPr lang="en-US" altLang="zh-CN" dirty="0" smtClean="0"/>
-              <a:t>CURL</a:t>
-            </a:r>
-            <a:r>
-              <a:rPr lang="zh-CN" altLang="en-US" dirty="0" smtClean="0"/>
-              <a:t>第三方扩展创建菜单</a:t>
-            </a:r>
-            <a:endParaRPr lang="zh-CN" altLang="en-US" dirty="0"/>
-          </a:p>
-        </p:txBody>
-      </p:sp>
-      <p:sp>
-        <p:nvSpPr>
-          <p:cNvPr id="4" name="文本框 3"/>
-          <p:cNvSpPr txBox="1"/>
-          <p:nvPr/>
-        </p:nvSpPr>
-        <p:spPr>
-          <a:xfrm>
-            <a:off x="1157287" y="1600200"/>
-            <a:ext cx="9043987" cy="4093428"/>
-          </a:xfrm>
-          <a:prstGeom prst="rect">
-            <a:avLst/>
-          </a:prstGeom>
-          <a:noFill/>
-        </p:spPr>
-        <p:txBody>
-          <a:bodyPr wrap="square" rtlCol="0">
-            <a:spAutoFit/>
-          </a:bodyPr>
-          <a:lstStyle/>
-          <a:p>
-            <a:pPr marL="285750" indent="-285750">
-              <a:lnSpc>
-                <a:spcPct val="150000"/>
-              </a:lnSpc>
-              <a:buFont typeface="Arial" panose="020B0604020202020204" pitchFamily="34" charset="0"/>
-              <a:buChar char="•"/>
-            </a:pPr>
-            <a:r>
-              <a:rPr lang="zh-CN" altLang="en-US" sz="2000" dirty="0" smtClean="0">
-                <a:latin typeface="Calibri" panose="020F0502020204030204" pitchFamily="34" charset="0"/>
-                <a:ea typeface="微软雅黑" panose="020B0503020204020204" pitchFamily="34" charset="-122"/>
-                <a:cs typeface="Calibri" panose="020F0502020204030204" pitchFamily="34" charset="0"/>
-              </a:rPr>
-              <a:t>获取</a:t>
-            </a:r>
-            <a:r>
-              <a:rPr lang="en-US" altLang="zh-CN" sz="2000" dirty="0" err="1" smtClean="0">
-                <a:latin typeface="Calibri" panose="020F0502020204030204" pitchFamily="34" charset="0"/>
-                <a:ea typeface="微软雅黑" panose="020B0503020204020204" pitchFamily="34" charset="-122"/>
-                <a:cs typeface="Calibri" panose="020F0502020204030204" pitchFamily="34" charset="0"/>
-              </a:rPr>
-              <a:t>access_token</a:t>
-            </a:r>
-            <a:r>
-              <a:rPr lang="zh-CN" altLang="en-US" sz="2000" dirty="0" smtClean="0">
-                <a:latin typeface="Calibri" panose="020F0502020204030204" pitchFamily="34" charset="0"/>
-                <a:ea typeface="微软雅黑" panose="020B0503020204020204" pitchFamily="34" charset="-122"/>
-                <a:cs typeface="Calibri" panose="020F0502020204030204" pitchFamily="34" charset="0"/>
-              </a:rPr>
-              <a:t>：</a:t>
-            </a:r>
-            <a:endParaRPr lang="en-US" altLang="zh-CN" sz="2000" dirty="0">
-              <a:latin typeface="Calibri" panose="020F0502020204030204" pitchFamily="34" charset="0"/>
-              <a:ea typeface="微软雅黑" panose="020B0503020204020204" pitchFamily="34" charset="-122"/>
-              <a:cs typeface="Calibri" panose="020F0502020204030204" pitchFamily="34" charset="0"/>
-            </a:endParaRPr>
-          </a:p>
-          <a:p>
-            <a:pPr lvl="1"/>
-            <a:r>
-              <a:rPr lang="en-US" altLang="zh-CN" sz="2000" dirty="0">
-                <a:latin typeface="Calibri" panose="020F0502020204030204" pitchFamily="34" charset="0"/>
-                <a:ea typeface="微软雅黑" panose="020B0503020204020204" pitchFamily="34" charset="-122"/>
-                <a:cs typeface="Calibri" panose="020F0502020204030204" pitchFamily="34" charset="0"/>
-              </a:rPr>
-              <a:t>$curl = new </a:t>
-            </a:r>
-            <a:r>
-              <a:rPr lang="en-US" altLang="zh-CN" sz="2000" dirty="0" err="1">
-                <a:latin typeface="Calibri" panose="020F0502020204030204" pitchFamily="34" charset="0"/>
-                <a:ea typeface="微软雅黑" panose="020B0503020204020204" pitchFamily="34" charset="-122"/>
-                <a:cs typeface="Calibri" panose="020F0502020204030204" pitchFamily="34" charset="0"/>
-              </a:rPr>
-              <a:t>anlutro</a:t>
-            </a:r>
-            <a:r>
-              <a:rPr lang="en-US" altLang="zh-CN" sz="2000" dirty="0">
-                <a:latin typeface="Calibri" panose="020F0502020204030204" pitchFamily="34" charset="0"/>
-                <a:ea typeface="微软雅黑" panose="020B0503020204020204" pitchFamily="34" charset="-122"/>
-                <a:cs typeface="Calibri" panose="020F0502020204030204" pitchFamily="34" charset="0"/>
-              </a:rPr>
-              <a:t>\</a:t>
-            </a:r>
-            <a:r>
-              <a:rPr lang="en-US" altLang="zh-CN" sz="2000" dirty="0" err="1">
-                <a:latin typeface="Calibri" panose="020F0502020204030204" pitchFamily="34" charset="0"/>
-                <a:ea typeface="微软雅黑" panose="020B0503020204020204" pitchFamily="34" charset="-122"/>
-                <a:cs typeface="Calibri" panose="020F0502020204030204" pitchFamily="34" charset="0"/>
-              </a:rPr>
-              <a:t>cURL</a:t>
-            </a:r>
-            <a:r>
-              <a:rPr lang="en-US" altLang="zh-CN" sz="2000" dirty="0">
-                <a:latin typeface="Calibri" panose="020F0502020204030204" pitchFamily="34" charset="0"/>
-                <a:ea typeface="微软雅黑" panose="020B0503020204020204" pitchFamily="34" charset="-122"/>
-                <a:cs typeface="Calibri" panose="020F0502020204030204" pitchFamily="34" charset="0"/>
-              </a:rPr>
-              <a:t>\</a:t>
-            </a:r>
-            <a:r>
-              <a:rPr lang="en-US" altLang="zh-CN" sz="2000" dirty="0" err="1">
-                <a:latin typeface="Calibri" panose="020F0502020204030204" pitchFamily="34" charset="0"/>
-                <a:ea typeface="微软雅黑" panose="020B0503020204020204" pitchFamily="34" charset="-122"/>
-                <a:cs typeface="Calibri" panose="020F0502020204030204" pitchFamily="34" charset="0"/>
-              </a:rPr>
-              <a:t>cURL</a:t>
-            </a:r>
-            <a:r>
-              <a:rPr lang="en-US" altLang="zh-CN" sz="2000" dirty="0" smtClean="0">
-                <a:latin typeface="Calibri" panose="020F0502020204030204" pitchFamily="34" charset="0"/>
-                <a:ea typeface="微软雅黑" panose="020B0503020204020204" pitchFamily="34" charset="-122"/>
-                <a:cs typeface="Calibri" panose="020F0502020204030204" pitchFamily="34" charset="0"/>
-              </a:rPr>
-              <a:t>;</a:t>
-            </a:r>
-            <a:endParaRPr lang="en-US" altLang="zh-CN" sz="2000" dirty="0">
-              <a:latin typeface="Calibri" panose="020F0502020204030204" pitchFamily="34" charset="0"/>
-              <a:ea typeface="微软雅黑" panose="020B0503020204020204" pitchFamily="34" charset="-122"/>
-              <a:cs typeface="Calibri" panose="020F0502020204030204" pitchFamily="34" charset="0"/>
-            </a:endParaRPr>
-          </a:p>
-          <a:p>
-            <a:pPr lvl="1"/>
-            <a:r>
-              <a:rPr lang="en-US" altLang="zh-CN" sz="2000" dirty="0">
-                <a:latin typeface="Calibri" panose="020F0502020204030204" pitchFamily="34" charset="0"/>
-                <a:ea typeface="微软雅黑" panose="020B0503020204020204" pitchFamily="34" charset="-122"/>
-                <a:cs typeface="Calibri" panose="020F0502020204030204" pitchFamily="34" charset="0"/>
-              </a:rPr>
-              <a:t>$request = $curl-&gt;</a:t>
-            </a:r>
-            <a:r>
-              <a:rPr lang="en-US" altLang="zh-CN" sz="2000" dirty="0" err="1">
-                <a:latin typeface="Calibri" panose="020F0502020204030204" pitchFamily="34" charset="0"/>
-                <a:ea typeface="微软雅黑" panose="020B0503020204020204" pitchFamily="34" charset="-122"/>
-                <a:cs typeface="Calibri" panose="020F0502020204030204" pitchFamily="34" charset="0"/>
-              </a:rPr>
-              <a:t>newRequest</a:t>
-            </a:r>
-            <a:r>
-              <a:rPr lang="en-US" altLang="zh-CN" sz="2000" dirty="0">
-                <a:latin typeface="Calibri" panose="020F0502020204030204" pitchFamily="34" charset="0"/>
-                <a:ea typeface="微软雅黑" panose="020B0503020204020204" pitchFamily="34" charset="-122"/>
-                <a:cs typeface="Calibri" panose="020F0502020204030204" pitchFamily="34" charset="0"/>
-              </a:rPr>
-              <a:t>('get', $</a:t>
-            </a:r>
-            <a:r>
-              <a:rPr lang="en-US" altLang="zh-CN" sz="2000" dirty="0" err="1">
-                <a:latin typeface="Calibri" panose="020F0502020204030204" pitchFamily="34" charset="0"/>
-                <a:ea typeface="微软雅黑" panose="020B0503020204020204" pitchFamily="34" charset="-122"/>
-                <a:cs typeface="Calibri" panose="020F0502020204030204" pitchFamily="34" charset="0"/>
-              </a:rPr>
-              <a:t>token_api</a:t>
-            </a:r>
-            <a:r>
-              <a:rPr lang="en-US" altLang="zh-CN" sz="2000" dirty="0">
-                <a:latin typeface="Calibri" panose="020F0502020204030204" pitchFamily="34" charset="0"/>
-                <a:ea typeface="微软雅黑" panose="020B0503020204020204" pitchFamily="34" charset="-122"/>
-                <a:cs typeface="Calibri" panose="020F0502020204030204" pitchFamily="34" charset="0"/>
-              </a:rPr>
-              <a:t>,[])</a:t>
-            </a:r>
-          </a:p>
-          <a:p>
-            <a:pPr lvl="1"/>
-            <a:r>
-              <a:rPr lang="en-US" altLang="zh-CN" sz="2000" dirty="0">
-                <a:latin typeface="Calibri" panose="020F0502020204030204" pitchFamily="34" charset="0"/>
-                <a:ea typeface="微软雅黑" panose="020B0503020204020204" pitchFamily="34" charset="-122"/>
-                <a:cs typeface="Calibri" panose="020F0502020204030204" pitchFamily="34" charset="0"/>
-              </a:rPr>
-              <a:t>  </a:t>
-            </a:r>
-            <a:r>
-              <a:rPr lang="en-US" altLang="zh-CN" sz="2000" dirty="0" smtClean="0">
-                <a:latin typeface="Calibri" panose="020F0502020204030204" pitchFamily="34" charset="0"/>
-                <a:ea typeface="微软雅黑" panose="020B0503020204020204" pitchFamily="34" charset="-122"/>
-                <a:cs typeface="Calibri" panose="020F0502020204030204" pitchFamily="34" charset="0"/>
-              </a:rPr>
-              <a:t>  -&gt;</a:t>
-            </a:r>
-            <a:r>
-              <a:rPr lang="en-US" altLang="zh-CN" sz="2000" dirty="0" err="1">
-                <a:latin typeface="Calibri" panose="020F0502020204030204" pitchFamily="34" charset="0"/>
-                <a:ea typeface="微软雅黑" panose="020B0503020204020204" pitchFamily="34" charset="-122"/>
-                <a:cs typeface="Calibri" panose="020F0502020204030204" pitchFamily="34" charset="0"/>
-              </a:rPr>
-              <a:t>setOption</a:t>
-            </a:r>
-            <a:r>
-              <a:rPr lang="en-US" altLang="zh-CN" sz="2000" dirty="0">
-                <a:latin typeface="Calibri" panose="020F0502020204030204" pitchFamily="34" charset="0"/>
-                <a:ea typeface="微软雅黑" panose="020B0503020204020204" pitchFamily="34" charset="-122"/>
-                <a:cs typeface="Calibri" panose="020F0502020204030204" pitchFamily="34" charset="0"/>
-              </a:rPr>
-              <a:t>(CURLOPT_RETURNTRANSFER, true)</a:t>
-            </a:r>
-          </a:p>
-          <a:p>
-            <a:pPr lvl="1"/>
-            <a:r>
-              <a:rPr lang="en-US" altLang="zh-CN" sz="2000">
-                <a:latin typeface="Calibri" panose="020F0502020204030204" pitchFamily="34" charset="0"/>
-                <a:ea typeface="微软雅黑" panose="020B0503020204020204" pitchFamily="34" charset="-122"/>
-                <a:cs typeface="Calibri" panose="020F0502020204030204" pitchFamily="34" charset="0"/>
-              </a:rPr>
-              <a:t>  </a:t>
-            </a:r>
-            <a:r>
-              <a:rPr lang="en-US" altLang="zh-CN" sz="2000" smtClean="0">
-                <a:latin typeface="Calibri" panose="020F0502020204030204" pitchFamily="34" charset="0"/>
-                <a:ea typeface="微软雅黑" panose="020B0503020204020204" pitchFamily="34" charset="-122"/>
-                <a:cs typeface="Calibri" panose="020F0502020204030204" pitchFamily="34" charset="0"/>
-              </a:rPr>
-              <a:t>  -&gt;</a:t>
-            </a:r>
-            <a:r>
-              <a:rPr lang="en-US" altLang="zh-CN" sz="2000" dirty="0" err="1">
-                <a:latin typeface="Calibri" panose="020F0502020204030204" pitchFamily="34" charset="0"/>
-                <a:ea typeface="微软雅黑" panose="020B0503020204020204" pitchFamily="34" charset="-122"/>
-                <a:cs typeface="Calibri" panose="020F0502020204030204" pitchFamily="34" charset="0"/>
-              </a:rPr>
-              <a:t>setOption</a:t>
-            </a:r>
-            <a:r>
-              <a:rPr lang="en-US" altLang="zh-CN" sz="2000" dirty="0">
-                <a:latin typeface="Calibri" panose="020F0502020204030204" pitchFamily="34" charset="0"/>
-                <a:ea typeface="微软雅黑" panose="020B0503020204020204" pitchFamily="34" charset="-122"/>
-                <a:cs typeface="Calibri" panose="020F0502020204030204" pitchFamily="34" charset="0"/>
-              </a:rPr>
-              <a:t>(CURLOPT_SSL_VERIFYPEER, false);</a:t>
-            </a:r>
-          </a:p>
-          <a:p>
-            <a:pPr lvl="1"/>
-            <a:r>
-              <a:rPr lang="en-US" altLang="zh-CN" sz="2000" dirty="0">
-                <a:latin typeface="Calibri" panose="020F0502020204030204" pitchFamily="34" charset="0"/>
-                <a:ea typeface="微软雅黑" panose="020B0503020204020204" pitchFamily="34" charset="-122"/>
-                <a:cs typeface="Calibri" panose="020F0502020204030204" pitchFamily="34" charset="0"/>
-              </a:rPr>
-              <a:t>$</a:t>
-            </a:r>
-            <a:r>
-              <a:rPr lang="en-US" altLang="zh-CN" sz="2000" dirty="0" err="1">
-                <a:latin typeface="Calibri" panose="020F0502020204030204" pitchFamily="34" charset="0"/>
-                <a:ea typeface="微软雅黑" panose="020B0503020204020204" pitchFamily="34" charset="-122"/>
-                <a:cs typeface="Calibri" panose="020F0502020204030204" pitchFamily="34" charset="0"/>
-              </a:rPr>
-              <a:t>token_str</a:t>
-            </a:r>
-            <a:r>
-              <a:rPr lang="en-US" altLang="zh-CN" sz="2000" dirty="0">
-                <a:latin typeface="Calibri" panose="020F0502020204030204" pitchFamily="34" charset="0"/>
-                <a:ea typeface="微软雅黑" panose="020B0503020204020204" pitchFamily="34" charset="-122"/>
-                <a:cs typeface="Calibri" panose="020F0502020204030204" pitchFamily="34" charset="0"/>
-              </a:rPr>
-              <a:t> = $request-&gt;send</a:t>
-            </a:r>
-            <a:r>
-              <a:rPr lang="en-US" altLang="zh-CN" sz="2000" dirty="0" smtClean="0">
-                <a:latin typeface="Calibri" panose="020F0502020204030204" pitchFamily="34" charset="0"/>
-                <a:ea typeface="微软雅黑" panose="020B0503020204020204" pitchFamily="34" charset="-122"/>
-                <a:cs typeface="Calibri" panose="020F0502020204030204" pitchFamily="34" charset="0"/>
-              </a:rPr>
-              <a:t>();</a:t>
-            </a:r>
-            <a:endParaRPr lang="en-US" altLang="zh-CN" sz="2000" dirty="0">
-              <a:latin typeface="Calibri" panose="020F0502020204030204" pitchFamily="34" charset="0"/>
-              <a:ea typeface="微软雅黑" panose="020B0503020204020204" pitchFamily="34" charset="-122"/>
-              <a:cs typeface="Calibri" panose="020F0502020204030204" pitchFamily="34" charset="0"/>
-            </a:endParaRPr>
-          </a:p>
-          <a:p>
-            <a:pPr marL="285750" indent="-285750">
-              <a:lnSpc>
-                <a:spcPct val="150000"/>
-              </a:lnSpc>
-              <a:buFont typeface="Arial" panose="020B0604020202020204" pitchFamily="34" charset="0"/>
-              <a:buChar char="•"/>
-            </a:pPr>
-            <a:r>
-              <a:rPr lang="zh-CN" altLang="en-US" sz="2000" dirty="0" smtClean="0">
-                <a:latin typeface="Calibri" panose="020F0502020204030204" pitchFamily="34" charset="0"/>
-                <a:ea typeface="微软雅黑" panose="020B0503020204020204" pitchFamily="34" charset="-122"/>
-                <a:cs typeface="Calibri" panose="020F0502020204030204" pitchFamily="34" charset="0"/>
-              </a:rPr>
-              <a:t>创建菜单接口：</a:t>
-            </a:r>
-            <a:endParaRPr lang="en-US" altLang="zh-CN" sz="2000" dirty="0" smtClean="0">
-              <a:latin typeface="Calibri" panose="020F0502020204030204" pitchFamily="34" charset="0"/>
-              <a:ea typeface="微软雅黑" panose="020B0503020204020204" pitchFamily="34" charset="-122"/>
-              <a:cs typeface="Calibri" panose="020F0502020204030204" pitchFamily="34" charset="0"/>
-            </a:endParaRPr>
-          </a:p>
-          <a:p>
-            <a:pPr lvl="1"/>
-            <a:r>
-              <a:rPr lang="en-US" altLang="zh-CN" sz="2000" dirty="0">
-                <a:latin typeface="Calibri" panose="020F0502020204030204" pitchFamily="34" charset="0"/>
-                <a:ea typeface="微软雅黑" panose="020B0503020204020204" pitchFamily="34" charset="-122"/>
-                <a:cs typeface="Calibri" panose="020F0502020204030204" pitchFamily="34" charset="0"/>
-              </a:rPr>
-              <a:t>$request = $curl-&gt;</a:t>
-            </a:r>
-            <a:r>
-              <a:rPr lang="en-US" altLang="zh-CN" sz="2000" dirty="0" err="1">
-                <a:latin typeface="Calibri" panose="020F0502020204030204" pitchFamily="34" charset="0"/>
-                <a:ea typeface="微软雅黑" panose="020B0503020204020204" pitchFamily="34" charset="-122"/>
-                <a:cs typeface="Calibri" panose="020F0502020204030204" pitchFamily="34" charset="0"/>
-              </a:rPr>
-              <a:t>newRawRequest</a:t>
-            </a:r>
-            <a:r>
-              <a:rPr lang="en-US" altLang="zh-CN" sz="2000" dirty="0">
-                <a:latin typeface="Calibri" panose="020F0502020204030204" pitchFamily="34" charset="0"/>
-                <a:ea typeface="微软雅黑" panose="020B0503020204020204" pitchFamily="34" charset="-122"/>
-                <a:cs typeface="Calibri" panose="020F0502020204030204" pitchFamily="34" charset="0"/>
-              </a:rPr>
-              <a:t>('post', $</a:t>
-            </a:r>
-            <a:r>
-              <a:rPr lang="en-US" altLang="zh-CN" sz="2000" dirty="0" err="1">
-                <a:latin typeface="Calibri" panose="020F0502020204030204" pitchFamily="34" charset="0"/>
-                <a:ea typeface="微软雅黑" panose="020B0503020204020204" pitchFamily="34" charset="-122"/>
-                <a:cs typeface="Calibri" panose="020F0502020204030204" pitchFamily="34" charset="0"/>
-              </a:rPr>
-              <a:t>wx_menu_create_api</a:t>
-            </a:r>
-            <a:r>
-              <a:rPr lang="en-US" altLang="zh-CN" sz="2000" dirty="0">
-                <a:latin typeface="Calibri" panose="020F0502020204030204" pitchFamily="34" charset="0"/>
-                <a:ea typeface="微软雅黑" panose="020B0503020204020204" pitchFamily="34" charset="-122"/>
-                <a:cs typeface="Calibri" panose="020F0502020204030204" pitchFamily="34" charset="0"/>
-              </a:rPr>
-              <a:t>, $</a:t>
-            </a:r>
-            <a:r>
-              <a:rPr lang="en-US" altLang="zh-CN" sz="2000" dirty="0" err="1">
-                <a:latin typeface="Calibri" panose="020F0502020204030204" pitchFamily="34" charset="0"/>
-                <a:ea typeface="微软雅黑" panose="020B0503020204020204" pitchFamily="34" charset="-122"/>
-                <a:cs typeface="Calibri" panose="020F0502020204030204" pitchFamily="34" charset="0"/>
-              </a:rPr>
-              <a:t>json_menu</a:t>
-            </a:r>
-            <a:r>
-              <a:rPr lang="en-US" altLang="zh-CN" sz="2000" dirty="0">
-                <a:latin typeface="Calibri" panose="020F0502020204030204" pitchFamily="34" charset="0"/>
-                <a:ea typeface="微软雅黑" panose="020B0503020204020204" pitchFamily="34" charset="-122"/>
-                <a:cs typeface="Calibri" panose="020F0502020204030204" pitchFamily="34" charset="0"/>
-              </a:rPr>
-              <a:t>)</a:t>
-            </a:r>
-          </a:p>
-          <a:p>
-            <a:pPr lvl="1"/>
-            <a:r>
-              <a:rPr lang="en-US" altLang="zh-CN" sz="2000" dirty="0">
-                <a:latin typeface="Calibri" panose="020F0502020204030204" pitchFamily="34" charset="0"/>
-                <a:ea typeface="微软雅黑" panose="020B0503020204020204" pitchFamily="34" charset="-122"/>
-                <a:cs typeface="Calibri" panose="020F0502020204030204" pitchFamily="34" charset="0"/>
-              </a:rPr>
-              <a:t>  </a:t>
-            </a:r>
-            <a:r>
-              <a:rPr lang="en-US" altLang="zh-CN" sz="2000" dirty="0" smtClean="0">
-                <a:latin typeface="Calibri" panose="020F0502020204030204" pitchFamily="34" charset="0"/>
-                <a:ea typeface="微软雅黑" panose="020B0503020204020204" pitchFamily="34" charset="-122"/>
-                <a:cs typeface="Calibri" panose="020F0502020204030204" pitchFamily="34" charset="0"/>
-              </a:rPr>
-              <a:t>  -&gt;</a:t>
-            </a:r>
-            <a:r>
-              <a:rPr lang="en-US" altLang="zh-CN" sz="2000" dirty="0" err="1">
-                <a:latin typeface="Calibri" panose="020F0502020204030204" pitchFamily="34" charset="0"/>
-                <a:ea typeface="微软雅黑" panose="020B0503020204020204" pitchFamily="34" charset="-122"/>
-                <a:cs typeface="Calibri" panose="020F0502020204030204" pitchFamily="34" charset="0"/>
-              </a:rPr>
-              <a:t>setOption</a:t>
-            </a:r>
-            <a:r>
-              <a:rPr lang="en-US" altLang="zh-CN" sz="2000" dirty="0">
-                <a:latin typeface="Calibri" panose="020F0502020204030204" pitchFamily="34" charset="0"/>
-                <a:ea typeface="微软雅黑" panose="020B0503020204020204" pitchFamily="34" charset="-122"/>
-                <a:cs typeface="Calibri" panose="020F0502020204030204" pitchFamily="34" charset="0"/>
-              </a:rPr>
-              <a:t>(CURLOPT_RETURNTRANSFER, true)</a:t>
-            </a:r>
-          </a:p>
-          <a:p>
-            <a:pPr lvl="1"/>
-            <a:r>
-              <a:rPr lang="en-US" altLang="zh-CN" sz="2000" dirty="0">
-                <a:latin typeface="Calibri" panose="020F0502020204030204" pitchFamily="34" charset="0"/>
-                <a:ea typeface="微软雅黑" panose="020B0503020204020204" pitchFamily="34" charset="-122"/>
-                <a:cs typeface="Calibri" panose="020F0502020204030204" pitchFamily="34" charset="0"/>
-              </a:rPr>
-              <a:t>  </a:t>
-            </a:r>
-            <a:r>
-              <a:rPr lang="en-US" altLang="zh-CN" sz="2000" dirty="0" smtClean="0">
-                <a:latin typeface="Calibri" panose="020F0502020204030204" pitchFamily="34" charset="0"/>
-                <a:ea typeface="微软雅黑" panose="020B0503020204020204" pitchFamily="34" charset="-122"/>
-                <a:cs typeface="Calibri" panose="020F0502020204030204" pitchFamily="34" charset="0"/>
-              </a:rPr>
-              <a:t>  -&gt;</a:t>
-            </a:r>
-            <a:r>
-              <a:rPr lang="en-US" altLang="zh-CN" sz="2000" dirty="0" err="1">
-                <a:latin typeface="Calibri" panose="020F0502020204030204" pitchFamily="34" charset="0"/>
-                <a:ea typeface="微软雅黑" panose="020B0503020204020204" pitchFamily="34" charset="-122"/>
-                <a:cs typeface="Calibri" panose="020F0502020204030204" pitchFamily="34" charset="0"/>
-              </a:rPr>
-              <a:t>setOption</a:t>
-            </a:r>
-            <a:r>
-              <a:rPr lang="en-US" altLang="zh-CN" sz="2000" dirty="0">
-                <a:latin typeface="Calibri" panose="020F0502020204030204" pitchFamily="34" charset="0"/>
-                <a:ea typeface="微软雅黑" panose="020B0503020204020204" pitchFamily="34" charset="-122"/>
-                <a:cs typeface="Calibri" panose="020F0502020204030204" pitchFamily="34" charset="0"/>
-              </a:rPr>
-              <a:t>(CURLOPT_SSL_VERIFYPEER, false)</a:t>
-            </a:r>
-          </a:p>
-          <a:p>
-            <a:pPr lvl="1"/>
-            <a:r>
-              <a:rPr lang="en-US" altLang="zh-CN" sz="2000" dirty="0">
-                <a:latin typeface="Calibri" panose="020F0502020204030204" pitchFamily="34" charset="0"/>
-                <a:ea typeface="微软雅黑" panose="020B0503020204020204" pitchFamily="34" charset="-122"/>
-                <a:cs typeface="Calibri" panose="020F0502020204030204" pitchFamily="34" charset="0"/>
-              </a:rPr>
-              <a:t>  </a:t>
-            </a:r>
-            <a:r>
-              <a:rPr lang="en-US" altLang="zh-CN" sz="2000" dirty="0" smtClean="0">
-                <a:latin typeface="Calibri" panose="020F0502020204030204" pitchFamily="34" charset="0"/>
-                <a:ea typeface="微软雅黑" panose="020B0503020204020204" pitchFamily="34" charset="-122"/>
-                <a:cs typeface="Calibri" panose="020F0502020204030204" pitchFamily="34" charset="0"/>
-              </a:rPr>
-              <a:t>  -&gt;</a:t>
-            </a:r>
-            <a:r>
-              <a:rPr lang="en-US" altLang="zh-CN" sz="2000" dirty="0" err="1">
-                <a:latin typeface="Calibri" panose="020F0502020204030204" pitchFamily="34" charset="0"/>
-                <a:ea typeface="微软雅黑" panose="020B0503020204020204" pitchFamily="34" charset="-122"/>
-                <a:cs typeface="Calibri" panose="020F0502020204030204" pitchFamily="34" charset="0"/>
-              </a:rPr>
-              <a:t>setOption</a:t>
-            </a:r>
-            <a:r>
-              <a:rPr lang="en-US" altLang="zh-CN" sz="2000" dirty="0">
-                <a:latin typeface="Calibri" panose="020F0502020204030204" pitchFamily="34" charset="0"/>
-                <a:ea typeface="微软雅黑" panose="020B0503020204020204" pitchFamily="34" charset="-122"/>
-                <a:cs typeface="Calibri" panose="020F0502020204030204" pitchFamily="34" charset="0"/>
-              </a:rPr>
-              <a:t>(</a:t>
-            </a:r>
-            <a:r>
-              <a:rPr lang="en-US" altLang="zh-CN" sz="2000" dirty="0" err="1">
-                <a:latin typeface="Calibri" panose="020F0502020204030204" pitchFamily="34" charset="0"/>
-                <a:ea typeface="微软雅黑" panose="020B0503020204020204" pitchFamily="34" charset="-122"/>
-                <a:cs typeface="Calibri" panose="020F0502020204030204" pitchFamily="34" charset="0"/>
-              </a:rPr>
-              <a:t>CURLOPT_POST,true</a:t>
-            </a:r>
-            <a:r>
-              <a:rPr lang="en-US" altLang="zh-CN" sz="2000" dirty="0" smtClean="0">
-                <a:latin typeface="Calibri" panose="020F0502020204030204" pitchFamily="34" charset="0"/>
-                <a:ea typeface="微软雅黑" panose="020B0503020204020204" pitchFamily="34" charset="-122"/>
-                <a:cs typeface="Calibri" panose="020F0502020204030204" pitchFamily="34" charset="0"/>
-              </a:rPr>
-              <a:t>);</a:t>
-            </a:r>
-            <a:endParaRPr lang="en-US" altLang="zh-CN" sz="2000" dirty="0">
-              <a:latin typeface="Calibri" panose="020F0502020204030204" pitchFamily="34" charset="0"/>
-              <a:ea typeface="微软雅黑" panose="020B0503020204020204" pitchFamily="34" charset="-122"/>
-              <a:cs typeface="Calibri" panose="020F0502020204030204" pitchFamily="34" charset="0"/>
-            </a:endParaRPr>
-          </a:p>
-          <a:p>
-            <a:pPr lvl="1"/>
-            <a:r>
-              <a:rPr lang="en-US" altLang="zh-CN" sz="2000" dirty="0">
-                <a:latin typeface="Calibri" panose="020F0502020204030204" pitchFamily="34" charset="0"/>
-                <a:ea typeface="微软雅黑" panose="020B0503020204020204" pitchFamily="34" charset="-122"/>
-                <a:cs typeface="Calibri" panose="020F0502020204030204" pitchFamily="34" charset="0"/>
-              </a:rPr>
-              <a:t>$r = $request-&gt;send</a:t>
-            </a:r>
-            <a:r>
-              <a:rPr lang="en-US" altLang="zh-CN" sz="2000" dirty="0" smtClean="0">
-                <a:latin typeface="Calibri" panose="020F0502020204030204" pitchFamily="34" charset="0"/>
-                <a:ea typeface="微软雅黑" panose="020B0503020204020204" pitchFamily="34" charset="-122"/>
-                <a:cs typeface="Calibri" panose="020F0502020204030204" pitchFamily="34" charset="0"/>
-              </a:rPr>
-              <a:t>();</a:t>
-            </a:r>
-          </a:p>
-        </p:txBody>
-      </p:sp>
-    </p:spTree>
-    <p:extLst>
-      <p:ext uri="{BB962C8B-B14F-4D97-AF65-F5344CB8AC3E}">
-        <p14:creationId xmlns:p14="http://schemas.microsoft.com/office/powerpoint/2010/main" val="815336238"/>
-      </p:ext>
-    </p:extLst>
-  </p:cSld>
-  <p:clrMapOvr>
-    <a:masterClrMapping/>
-  </p:clrMapOvr>
-</p:sld>
-</file>
-
-<file path=ppt/slides/slide28.xml><?xml version="1.0" encoding="utf-8"?>
 <p:sld xmlns:a="http://schemas.openxmlformats.org/drawingml/2006/main" xmlns:r="http://schemas.openxmlformats.org/officeDocument/2006/relationships" xmlns:p="http://schemas.openxmlformats.org/presentationml/2006/main">
   <p:cSld>
     <p:spTree>
@@ -20499,13 +18862,6 @@
   <p:clrMapOvr>
     <a:masterClrMapping/>
   </p:clrMapOvr>
-  <p:timing>
-    <p:tnLst>
-      <p:par>
-        <p:cTn id="1" dur="indefinite" restart="never" nodeType="tmRoot"/>
-      </p:par>
-    </p:tnLst>
-  </p:timing>
 </p:sld>
 </file>
 
@@ -20542,10 +18898,9 @@
           <a:lstStyle/>
           <a:p>
             <a:r>
-              <a:rPr lang="zh-CN" altLang="en-US" dirty="0" smtClean="0"/>
+              <a:rPr lang="zh-CN" altLang="en-US" dirty="0"/>
               <a:t>课程概要</a:t>
             </a:r>
-            <a:endParaRPr lang="zh-CN" altLang="en-US" dirty="0"/>
           </a:p>
         </p:txBody>
       </p:sp>
@@ -20579,27 +18934,27 @@
               <a:buChar char="•"/>
             </a:pPr>
             <a:r>
-              <a:rPr lang="zh-CN" altLang="en-US" sz="2000" dirty="0" smtClean="0">
+              <a:rPr lang="zh-CN" altLang="en-US" sz="2000" dirty="0">
                 <a:latin typeface="微软雅黑" panose="020B0503020204020204" pitchFamily="34" charset="-122"/>
                 <a:ea typeface="微软雅黑" panose="020B0503020204020204" pitchFamily="34" charset="-122"/>
               </a:rPr>
               <a:t>了解什么是微信测试号，并配置测试号</a:t>
             </a:r>
             <a:r>
-              <a:rPr lang="en-US" altLang="zh-CN" sz="2000" dirty="0" smtClean="0">
+              <a:rPr lang="en-US" altLang="zh-CN" sz="2000" dirty="0">
                 <a:latin typeface="微软雅黑" panose="020B0503020204020204" pitchFamily="34" charset="-122"/>
                 <a:ea typeface="微软雅黑" panose="020B0503020204020204" pitchFamily="34" charset="-122"/>
               </a:rPr>
               <a:t>URL</a:t>
             </a:r>
             <a:r>
-              <a:rPr lang="zh-CN" altLang="en-US" sz="2000" dirty="0" smtClean="0">
+              <a:rPr lang="zh-CN" altLang="en-US" sz="2000" dirty="0">
                 <a:latin typeface="微软雅黑" panose="020B0503020204020204" pitchFamily="34" charset="-122"/>
                 <a:ea typeface="微软雅黑" panose="020B0503020204020204" pitchFamily="34" charset="-122"/>
               </a:rPr>
               <a:t>。</a:t>
             </a:r>
-            <a:endParaRPr lang="en-US" altLang="zh-CN" sz="2000" dirty="0" smtClean="0">
+            <a:endParaRPr lang="en-US" altLang="zh-CN" sz="2000" dirty="0">
               <a:latin typeface="微软雅黑" panose="020B0503020204020204" pitchFamily="34" charset="-122"/>
               <a:ea typeface="微软雅黑" panose="020B0503020204020204" pitchFamily="34" charset="-122"/>
             </a:endParaRPr>
@@ -20617,86 +18972,79 @@
                 <a:latin typeface="微软雅黑" panose="020B0503020204020204" pitchFamily="34" charset="-122"/>
                 <a:ea typeface="微软雅黑" panose="020B0503020204020204" pitchFamily="34" charset="-122"/>
               </a:rPr>
-              <a:t>微信</a:t>
-            </a:r>
-            <a:r>
-              <a:rPr lang="zh-CN" altLang="en-US" sz="2000" dirty="0" smtClean="0">
-                <a:latin typeface="微软雅黑" panose="020B0503020204020204" pitchFamily="34" charset="-122"/>
-                <a:ea typeface="微软雅黑" panose="020B0503020204020204" pitchFamily="34" charset="-122"/>
-              </a:rPr>
-              <a:t>接口的格式是</a:t>
-            </a:r>
-            <a:r>
-              <a:rPr lang="en-US" altLang="zh-CN" sz="2000" dirty="0" smtClean="0">
+              <a:t>微信接口的格式是</a:t>
+            </a:r>
+            <a:r>
+              <a:rPr lang="en-US" altLang="zh-CN" sz="2000" dirty="0">
                 <a:latin typeface="微软雅黑" panose="020B0503020204020204" pitchFamily="34" charset="-122"/>
                 <a:ea typeface="微软雅黑" panose="020B0503020204020204" pitchFamily="34" charset="-122"/>
               </a:rPr>
               <a:t>JSON</a:t>
             </a:r>
             <a:r>
-              <a:rPr lang="zh-CN" altLang="en-US" sz="2000" dirty="0" smtClean="0">
+              <a:rPr lang="zh-CN" altLang="en-US" sz="2000" dirty="0">
                 <a:latin typeface="微软雅黑" panose="020B0503020204020204" pitchFamily="34" charset="-122"/>
                 <a:ea typeface="微软雅黑" panose="020B0503020204020204" pitchFamily="34" charset="-122"/>
               </a:rPr>
               <a:t>数据，并且发起请求是使用</a:t>
             </a:r>
             <a:r>
-              <a:rPr lang="en-US" altLang="zh-CN" sz="2000" dirty="0" smtClean="0">
+              <a:rPr lang="en-US" altLang="zh-CN" sz="2000" dirty="0">
                 <a:latin typeface="微软雅黑" panose="020B0503020204020204" pitchFamily="34" charset="-122"/>
                 <a:ea typeface="微软雅黑" panose="020B0503020204020204" pitchFamily="34" charset="-122"/>
               </a:rPr>
               <a:t>curl</a:t>
             </a:r>
             <a:r>
-              <a:rPr lang="zh-CN" altLang="en-US" sz="2000" dirty="0" smtClean="0">
+              <a:rPr lang="zh-CN" altLang="en-US" sz="2000" dirty="0">
                 <a:latin typeface="微软雅黑" panose="020B0503020204020204" pitchFamily="34" charset="-122"/>
                 <a:ea typeface="微软雅黑" panose="020B0503020204020204" pitchFamily="34" charset="-122"/>
               </a:rPr>
               <a:t>，先介绍</a:t>
             </a:r>
             <a:r>
-              <a:rPr lang="en-US" altLang="zh-CN" sz="2000" dirty="0" smtClean="0">
+              <a:rPr lang="en-US" altLang="zh-CN" sz="2000" dirty="0">
                 <a:latin typeface="微软雅黑" panose="020B0503020204020204" pitchFamily="34" charset="-122"/>
                 <a:ea typeface="微软雅黑" panose="020B0503020204020204" pitchFamily="34" charset="-122"/>
               </a:rPr>
               <a:t>PHP</a:t>
             </a:r>
             <a:r>
-              <a:rPr lang="zh-CN" altLang="en-US" sz="2000" dirty="0" smtClean="0">
+              <a:rPr lang="zh-CN" altLang="en-US" sz="2000" dirty="0">
                 <a:latin typeface="微软雅黑" panose="020B0503020204020204" pitchFamily="34" charset="-122"/>
                 <a:ea typeface="微软雅黑" panose="020B0503020204020204" pitchFamily="34" charset="-122"/>
               </a:rPr>
               <a:t>的</a:t>
             </a:r>
             <a:r>
-              <a:rPr lang="en-US" altLang="zh-CN" sz="2000" dirty="0" smtClean="0">
+              <a:rPr lang="en-US" altLang="zh-CN" sz="2000" dirty="0">
                 <a:latin typeface="微软雅黑" panose="020B0503020204020204" pitchFamily="34" charset="-122"/>
                 <a:ea typeface="微软雅黑" panose="020B0503020204020204" pitchFamily="34" charset="-122"/>
               </a:rPr>
               <a:t>CURL</a:t>
             </a:r>
             <a:r>
-              <a:rPr lang="zh-CN" altLang="en-US" sz="2000" dirty="0" smtClean="0">
+              <a:rPr lang="zh-CN" altLang="en-US" sz="2000" dirty="0">
                 <a:latin typeface="微软雅黑" panose="020B0503020204020204" pitchFamily="34" charset="-122"/>
                 <a:ea typeface="微软雅黑" panose="020B0503020204020204" pitchFamily="34" charset="-122"/>
               </a:rPr>
               <a:t>扩展以及</a:t>
             </a:r>
             <a:r>
-              <a:rPr lang="en-US" altLang="zh-CN" sz="2000" dirty="0" smtClean="0">
+              <a:rPr lang="en-US" altLang="zh-CN" sz="2000" dirty="0">
                 <a:latin typeface="微软雅黑" panose="020B0503020204020204" pitchFamily="34" charset="-122"/>
                 <a:ea typeface="微软雅黑" panose="020B0503020204020204" pitchFamily="34" charset="-122"/>
               </a:rPr>
               <a:t>JSON</a:t>
             </a:r>
             <a:r>
-              <a:rPr lang="zh-CN" altLang="en-US" sz="2000" dirty="0" smtClean="0">
+              <a:rPr lang="zh-CN" altLang="en-US" sz="2000" dirty="0">
                 <a:latin typeface="微软雅黑" panose="020B0503020204020204" pitchFamily="34" charset="-122"/>
                 <a:ea typeface="微软雅黑" panose="020B0503020204020204" pitchFamily="34" charset="-122"/>
               </a:rPr>
               <a:t>格式化数据</a:t>
             </a:r>
-            <a:endParaRPr lang="en-US" altLang="zh-CN" sz="2000" dirty="0" smtClean="0">
+            <a:endParaRPr lang="en-US" altLang="zh-CN" sz="2000" dirty="0">
               <a:latin typeface="微软雅黑" panose="020B0503020204020204" pitchFamily="34" charset="-122"/>
               <a:ea typeface="微软雅黑" panose="020B0503020204020204" pitchFamily="34" charset="-122"/>
             </a:endParaRPr>
@@ -20714,47 +19062,36 @@
                 <a:latin typeface="微软雅黑" panose="020B0503020204020204" pitchFamily="34" charset="-122"/>
                 <a:ea typeface="微软雅黑" panose="020B0503020204020204" pitchFamily="34" charset="-122"/>
               </a:rPr>
-              <a:t>在</a:t>
-            </a:r>
-            <a:r>
-              <a:rPr lang="zh-CN" altLang="en-US" sz="2000" dirty="0" smtClean="0">
-                <a:latin typeface="微软雅黑" panose="020B0503020204020204" pitchFamily="34" charset="-122"/>
-                <a:ea typeface="微软雅黑" panose="020B0503020204020204" pitchFamily="34" charset="-122"/>
-              </a:rPr>
-              <a:t>以上基础上，讲解微信接口调用流程，获取并使用</a:t>
-            </a:r>
-            <a:r>
-              <a:rPr lang="en-US" altLang="zh-CN" sz="2000" dirty="0" err="1" smtClean="0">
+              <a:t>在以上基础上，讲解微信接口调用流程，获取并使用</a:t>
+            </a:r>
+            <a:r>
+              <a:rPr lang="en-US" altLang="zh-CN" sz="2000" dirty="0" err="1">
                 <a:latin typeface="微软雅黑" panose="020B0503020204020204" pitchFamily="34" charset="-122"/>
                 <a:ea typeface="微软雅黑" panose="020B0503020204020204" pitchFamily="34" charset="-122"/>
               </a:rPr>
               <a:t>access_token</a:t>
             </a:r>
             <a:r>
-              <a:rPr lang="zh-CN" altLang="en-US" sz="2000" dirty="0" smtClean="0">
+              <a:rPr lang="zh-CN" altLang="en-US" sz="2000" dirty="0">
                 <a:latin typeface="微软雅黑" panose="020B0503020204020204" pitchFamily="34" charset="-122"/>
                 <a:ea typeface="微软雅黑" panose="020B0503020204020204" pitchFamily="34" charset="-122"/>
               </a:rPr>
               <a:t>，然后使用</a:t>
             </a:r>
             <a:r>
-              <a:rPr lang="en-US" altLang="zh-CN" sz="2000" dirty="0" err="1" smtClean="0">
+              <a:rPr lang="en-US" altLang="zh-CN" sz="2000" dirty="0" err="1">
                 <a:latin typeface="微软雅黑" panose="020B0503020204020204" pitchFamily="34" charset="-122"/>
                 <a:ea typeface="微软雅黑" panose="020B0503020204020204" pitchFamily="34" charset="-122"/>
               </a:rPr>
               <a:t>access_token</a:t>
             </a:r>
             <a:r>
-              <a:rPr lang="zh-CN" altLang="en-US" sz="2000" dirty="0" smtClean="0">
+              <a:rPr lang="zh-CN" altLang="en-US" sz="2000" dirty="0">
                 <a:latin typeface="微软雅黑" panose="020B0503020204020204" pitchFamily="34" charset="-122"/>
                 <a:ea typeface="微软雅黑" panose="020B0503020204020204" pitchFamily="34" charset="-122"/>
               </a:rPr>
               <a:t>调用微信自定菜单创建接口创建菜单。</a:t>
             </a:r>
-            <a:endParaRPr lang="zh-CN" altLang="en-US" sz="2000" dirty="0">
-              <a:latin typeface="微软雅黑" panose="020B0503020204020204" pitchFamily="34" charset="-122"/>
-              <a:ea typeface="微软雅黑" panose="020B0503020204020204" pitchFamily="34" charset="-122"/>
-            </a:endParaRPr>
           </a:p>
         </p:txBody>
       </p:sp>
@@ -20809,10 +19146,9 @@
           <a:lstStyle/>
           <a:p>
             <a:r>
-              <a:rPr lang="zh-CN" altLang="en-US" dirty="0" smtClean="0"/>
+              <a:rPr lang="zh-CN" altLang="en-US" dirty="0"/>
               <a:t>第一节 </a:t>
             </a:r>
-            <a:endParaRPr lang="zh-CN" altLang="en-US" dirty="0"/>
           </a:p>
         </p:txBody>
       </p:sp>
@@ -20846,7 +19182,7 @@
               <a:buAutoNum type="ea1JpnChsDbPeriod"/>
             </a:pPr>
             <a:r>
-              <a:rPr lang="zh-CN" altLang="en-US" sz="2400" dirty="0" smtClean="0">
+              <a:rPr lang="zh-CN" altLang="en-US" sz="2400" dirty="0">
                 <a:solidFill>
                   <a:schemeClr val="accent6">
                     <a:lumMod val="75000"/>
@@ -20857,7 +19193,7 @@
               </a:rPr>
               <a:t>使用微信测试号</a:t>
             </a:r>
-            <a:endParaRPr lang="en-US" altLang="zh-CN" sz="2400" dirty="0" smtClean="0">
+            <a:endParaRPr lang="en-US" altLang="zh-CN" sz="2400" dirty="0">
               <a:solidFill>
                 <a:schemeClr val="accent6">
                   <a:lumMod val="75000"/>
@@ -20876,7 +19212,7 @@
               <a:buAutoNum type="ea1JpnChsDbPeriod"/>
             </a:pPr>
             <a:r>
-              <a:rPr lang="en-US" altLang="zh-CN" sz="2000" dirty="0" smtClean="0">
+              <a:rPr lang="en-US" altLang="zh-CN" sz="2000" dirty="0">
                 <a:solidFill>
                   <a:schemeClr val="tx1">
                     <a:lumMod val="65000"/>
@@ -20889,7 +19225,7 @@
               <a:t>CURL</a:t>
             </a:r>
             <a:r>
-              <a:rPr lang="zh-CN" altLang="en-US" sz="2000" dirty="0" smtClean="0">
+              <a:rPr lang="zh-CN" altLang="en-US" sz="2000" dirty="0">
                 <a:solidFill>
                   <a:schemeClr val="tx1">
                     <a:lumMod val="65000"/>
@@ -20902,7 +19238,7 @@
               <a:t>与</a:t>
             </a:r>
             <a:r>
-              <a:rPr lang="en-US" altLang="zh-CN" sz="2000" dirty="0" smtClean="0">
+              <a:rPr lang="en-US" altLang="zh-CN" sz="2000" dirty="0">
                 <a:solidFill>
                   <a:schemeClr val="tx1">
                     <a:lumMod val="65000"/>
@@ -20914,16 +19250,6 @@
               </a:rPr>
               <a:t>JSON</a:t>
             </a:r>
-            <a:endParaRPr lang="en-US" altLang="zh-CN" sz="2000" dirty="0">
-              <a:solidFill>
-                <a:schemeClr val="tx1">
-                  <a:lumMod val="65000"/>
-                  <a:lumOff val="35000"/>
-                </a:schemeClr>
-              </a:solidFill>
-              <a:latin typeface="微软雅黑" panose="020B0503020204020204" pitchFamily="34" charset="-122"/>
-              <a:ea typeface="微软雅黑" panose="020B0503020204020204" pitchFamily="34" charset="-122"/>
-            </a:endParaRPr>
           </a:p>
           <a:p>
             <a:pPr marL="514350" indent="-514350">
@@ -20934,7 +19260,7 @@
               <a:buAutoNum type="ea1JpnChsDbPeriod"/>
             </a:pPr>
             <a:r>
-              <a:rPr lang="zh-CN" altLang="en-US" sz="2000" dirty="0" smtClean="0">
+              <a:rPr lang="zh-CN" altLang="en-US" sz="2000" dirty="0">
                 <a:solidFill>
                   <a:schemeClr val="tx1">
                     <a:lumMod val="65000"/>
@@ -21005,10 +19331,9 @@
           <a:lstStyle/>
           <a:p>
             <a:r>
-              <a:rPr lang="zh-CN" altLang="en-US" dirty="0" smtClean="0"/>
+              <a:rPr lang="zh-CN" altLang="en-US" b="0" dirty="0"/>
               <a:t>什么是微信测试号</a:t>
             </a:r>
-            <a:endParaRPr lang="zh-CN" altLang="en-US" dirty="0"/>
           </a:p>
         </p:txBody>
       </p:sp>
@@ -21042,13 +19367,13 @@
               <a:buChar char="•"/>
             </a:pPr>
             <a:r>
-              <a:rPr lang="zh-CN" altLang="en-US" sz="2000" dirty="0" smtClean="0">
+              <a:rPr lang="zh-CN" altLang="en-US" sz="2000" dirty="0">
                 <a:latin typeface="微软雅黑" panose="020B0503020204020204" pitchFamily="34" charset="-122"/>
                 <a:ea typeface="微软雅黑" panose="020B0503020204020204" pitchFamily="34" charset="-122"/>
               </a:rPr>
               <a:t>未认证的服务号以及已认证和未认证的订阅号接口权限有限，很多接口不能调用。微信公众平台提供了测试号可以体验所有的微信接口，用于开发测试之用。</a:t>
             </a:r>
-            <a:endParaRPr lang="en-US" altLang="zh-CN" sz="2000" dirty="0" smtClean="0">
+            <a:endParaRPr lang="en-US" altLang="zh-CN" sz="2000" dirty="0">
               <a:latin typeface="微软雅黑" panose="020B0503020204020204" pitchFamily="34" charset="-122"/>
               <a:ea typeface="微软雅黑" panose="020B0503020204020204" pitchFamily="34" charset="-122"/>
             </a:endParaRPr>
@@ -21062,33 +19387,19 @@
               <a:buChar char="•"/>
             </a:pPr>
             <a:r>
-              <a:rPr lang="zh-CN" altLang="en-US" sz="2000" dirty="0" smtClean="0">
-                <a:latin typeface="微软雅黑" panose="020B0503020204020204" pitchFamily="34" charset="-122"/>
-                <a:ea typeface="微软雅黑" panose="020B0503020204020204" pitchFamily="34" charset="-122"/>
-              </a:rPr>
-              <a:t>在微信公众平台开发者工具里面有公众平台测试账号选项，</a:t>
-            </a:r>
-            <a:r>
               <a:rPr lang="zh-CN" altLang="en-US" sz="2000" dirty="0">
                 <a:latin typeface="微软雅黑" panose="020B0503020204020204" pitchFamily="34" charset="-122"/>
                 <a:ea typeface="微软雅黑" panose="020B0503020204020204" pitchFamily="34" charset="-122"/>
               </a:rPr>
-              <a:t>微信测试号使用微信客户端扫码既可</a:t>
-            </a:r>
-            <a:r>
-              <a:rPr lang="zh-CN" altLang="en-US" sz="2000" dirty="0" smtClean="0">
-                <a:latin typeface="微软雅黑" panose="020B0503020204020204" pitchFamily="34" charset="-122"/>
-                <a:ea typeface="微软雅黑" panose="020B0503020204020204" pitchFamily="34" charset="-122"/>
-              </a:rPr>
-              <a:t>登录。</a:t>
-            </a:r>
-            <a:endParaRPr lang="en-US" altLang="zh-CN" sz="2000" dirty="0" smtClean="0">
+              <a:t>在微信公众平台开发者工具里面有公众平台测试账号选项，微信测试号使用微信客户端扫码既可登录。</a:t>
+            </a:r>
+            <a:endParaRPr lang="en-US" altLang="zh-CN" sz="2000" dirty="0">
               <a:latin typeface="微软雅黑" panose="020B0503020204020204" pitchFamily="34" charset="-122"/>
               <a:ea typeface="微软雅黑" panose="020B0503020204020204" pitchFamily="34" charset="-122"/>
             </a:endParaRPr>
           </a:p>
           <a:p>
-            <a:pPr marL="342900" indent="-342900">
+            <a:pPr marL="285750" indent="-285750">
               <a:lnSpc>
                 <a:spcPct val="150000"/>
               </a:lnSpc>
@@ -21100,16 +19411,9 @@
                 <a:latin typeface="微软雅黑" panose="020B0503020204020204" pitchFamily="34" charset="-122"/>
                 <a:ea typeface="微软雅黑" panose="020B0503020204020204" pitchFamily="34" charset="-122"/>
               </a:rPr>
-              <a:t>测试</a:t>
-            </a:r>
-            <a:r>
-              <a:rPr lang="zh-CN" altLang="en-US" sz="2000" dirty="0" smtClean="0">
-                <a:latin typeface="微软雅黑" panose="020B0503020204020204" pitchFamily="34" charset="-122"/>
-                <a:ea typeface="微软雅黑" panose="020B0503020204020204" pitchFamily="34" charset="-122"/>
-              </a:rPr>
-              <a:t>号无法编辑名称与头像。</a:t>
-            </a:r>
-            <a:endParaRPr lang="zh-CN" altLang="en-US" sz="2000" dirty="0">
+              <a:t>测试号可以使用所有微信公众平台提供的接口，推出的目的就是针对开发者测试使用。</a:t>
+            </a:r>
+            <a:endParaRPr lang="en-US" altLang="zh-CN" sz="2000" dirty="0">
               <a:latin typeface="微软雅黑" panose="020B0503020204020204" pitchFamily="34" charset="-122"/>
               <a:ea typeface="微软雅黑" panose="020B0503020204020204" pitchFamily="34" charset="-122"/>
             </a:endParaRPr>
@@ -21156,16 +19460,151 @@
             <p:ph sz="quarter" idx="13"/>
           </p:nvPr>
         </p:nvSpPr>
-        <p:spPr/>
+        <p:spPr>
+          <a:xfrm>
+            <a:off x="1054099" y="543636"/>
+            <a:ext cx="5935279" cy="685800"/>
+          </a:xfrm>
+        </p:spPr>
         <p:txBody>
           <a:bodyPr/>
           <a:lstStyle/>
           <a:p>
             <a:r>
-              <a:rPr lang="zh-CN" altLang="en-US" dirty="0" smtClean="0"/>
-              <a:t>测试号</a:t>
-            </a:r>
-            <a:endParaRPr lang="zh-CN" altLang="en-US" dirty="0"/>
+              <a:rPr lang="zh-CN" altLang="en-US" b="0" dirty="0"/>
+              <a:t>如何申请微信测试号</a:t>
+            </a:r>
+          </a:p>
+        </p:txBody>
+      </p:sp>
+      <p:sp>
+        <p:nvSpPr>
+          <p:cNvPr id="4" name="文本框 3"/>
+          <p:cNvSpPr txBox="1"/>
+          <p:nvPr/>
+        </p:nvSpPr>
+        <p:spPr>
+          <a:xfrm>
+            <a:off x="1054100" y="1757363"/>
+            <a:ext cx="10101263" cy="1477328"/>
+          </a:xfrm>
+          <a:prstGeom prst="rect">
+            <a:avLst/>
+          </a:prstGeom>
+          <a:noFill/>
+        </p:spPr>
+        <p:txBody>
+          <a:bodyPr wrap="square" rtlCol="0">
+            <a:spAutoFit/>
+          </a:bodyPr>
+          <a:lstStyle/>
+          <a:p>
+            <a:pPr marL="342900" indent="-342900">
+              <a:lnSpc>
+                <a:spcPct val="150000"/>
+              </a:lnSpc>
+              <a:buFont typeface="Arial" panose="020B0604020202020204" pitchFamily="34" charset="0"/>
+              <a:buChar char="•"/>
+            </a:pPr>
+            <a:r>
+              <a:rPr lang="zh-CN" altLang="en-US" sz="2000" dirty="0">
+                <a:latin typeface="微软雅黑" panose="020B0503020204020204" pitchFamily="34" charset="-122"/>
+                <a:ea typeface="微软雅黑" panose="020B0503020204020204" pitchFamily="34" charset="-122"/>
+              </a:rPr>
+              <a:t>登录微信公众号，之后打开左侧导航下边的开发者工具，页面有‘公众平台测试账号’选项，点击进入。之后弹出的页面，直接点击登录会显示二维码，使用手机微信扫码即可登录。</a:t>
+            </a:r>
+            <a:endParaRPr lang="en-US" altLang="zh-CN" sz="2000" dirty="0">
+              <a:latin typeface="微软雅黑" panose="020B0503020204020204" pitchFamily="34" charset="-122"/>
+              <a:ea typeface="微软雅黑" panose="020B0503020204020204" pitchFamily="34" charset="-122"/>
+            </a:endParaRPr>
+          </a:p>
+        </p:txBody>
+      </p:sp>
+      <p:pic>
+        <p:nvPicPr>
+          <p:cNvPr id="5" name="图片 4">
+            <a:extLst>
+              <a:ext uri="{FF2B5EF4-FFF2-40B4-BE49-F238E27FC236}">
+                <a16:creationId xmlns:a16="http://schemas.microsoft.com/office/drawing/2014/main" id="{715DECA7-1F4B-4FEC-A04D-3160E98B0AEB}"/>
+              </a:ext>
+            </a:extLst>
+          </p:cNvPr>
+          <p:cNvPicPr>
+            <a:picLocks noChangeAspect="1"/>
+          </p:cNvPicPr>
+          <p:nvPr/>
+        </p:nvPicPr>
+        <p:blipFill>
+          <a:blip r:embed="rId2">
+            <a:extLst>
+              <a:ext uri="{28A0092B-C50C-407E-A947-70E740481C1C}">
+                <a14:useLocalDpi xmlns:a14="http://schemas.microsoft.com/office/drawing/2010/main" val="0"/>
+              </a:ext>
+            </a:extLst>
+          </a:blip>
+          <a:stretch>
+            <a:fillRect/>
+          </a:stretch>
+        </p:blipFill>
+        <p:spPr>
+          <a:xfrm>
+            <a:off x="1054099" y="3353505"/>
+            <a:ext cx="6736388" cy="3089687"/>
+          </a:xfrm>
+          <a:prstGeom prst="rect">
+            <a:avLst/>
+          </a:prstGeom>
+        </p:spPr>
+      </p:pic>
+    </p:spTree>
+    <p:extLst>
+      <p:ext uri="{BB962C8B-B14F-4D97-AF65-F5344CB8AC3E}">
+        <p14:creationId xmlns:p14="http://schemas.microsoft.com/office/powerpoint/2010/main" val="730956112"/>
+      </p:ext>
+    </p:extLst>
+  </p:cSld>
+  <p:clrMapOvr>
+    <a:masterClrMapping/>
+  </p:clrMapOvr>
+</p:sld>
+</file>
+
+<file path=ppt/slides/slide7.xml><?xml version="1.0" encoding="utf-8"?>
+<p:sld xmlns:a="http://schemas.openxmlformats.org/drawingml/2006/main" xmlns:r="http://schemas.openxmlformats.org/officeDocument/2006/relationships" xmlns:p="http://schemas.openxmlformats.org/presentationml/2006/main">
+  <p:cSld>
+    <p:spTree>
+      <p:nvGrpSpPr>
+        <p:cNvPr id="1" name=""/>
+        <p:cNvGrpSpPr/>
+        <p:nvPr/>
+      </p:nvGrpSpPr>
+      <p:grpSpPr>
+        <a:xfrm>
+          <a:off x="0" y="0"/>
+          <a:ext cx="0" cy="0"/>
+          <a:chOff x="0" y="0"/>
+          <a:chExt cx="0" cy="0"/>
+        </a:xfrm>
+      </p:grpSpPr>
+      <p:sp>
+        <p:nvSpPr>
+          <p:cNvPr id="2" name="内容占位符 1"/>
+          <p:cNvSpPr>
+            <a:spLocks noGrp="1"/>
+          </p:cNvSpPr>
+          <p:nvPr>
+            <p:ph sz="quarter" idx="13"/>
+          </p:nvPr>
+        </p:nvSpPr>
+        <p:spPr/>
+        <p:txBody>
+          <a:bodyPr/>
+          <a:lstStyle/>
+          <a:p>
+            <a:r>
+              <a:rPr lang="zh-CN" altLang="en-US" b="0" dirty="0"/>
+              <a:t>关注测试号</a:t>
+            </a:r>
           </a:p>
         </p:txBody>
       </p:sp>
@@ -21196,14 +19635,7 @@
                 <a:latin typeface="微软雅黑" panose="020B0503020204020204" pitchFamily="34" charset="-122"/>
                 <a:ea typeface="微软雅黑" panose="020B0503020204020204" pitchFamily="34" charset="-122"/>
               </a:rPr>
-              <a:t>登陆后使用自己的微信号</a:t>
-            </a:r>
-            <a:r>
-              <a:rPr lang="zh-CN" altLang="en-US" sz="2000" dirty="0" smtClean="0">
-                <a:latin typeface="微软雅黑" panose="020B0503020204020204" pitchFamily="34" charset="-122"/>
-                <a:ea typeface="微软雅黑" panose="020B0503020204020204" pitchFamily="34" charset="-122"/>
-              </a:rPr>
-              <a:t>关注测试号</a:t>
+              <a:t>登陆后使用自己的微信号关注测试号</a:t>
             </a:r>
             <a:endParaRPr lang="zh-CN" altLang="en-US" sz="2000" dirty="0"/>
           </a:p>
@@ -21252,168 +19684,6 @@
 </p:sld>
 </file>
 
-<file path=ppt/slides/slide7.xml><?xml version="1.0" encoding="utf-8"?>
-<p:sld xmlns:a="http://schemas.openxmlformats.org/drawingml/2006/main" xmlns:r="http://schemas.openxmlformats.org/officeDocument/2006/relationships" xmlns:p="http://schemas.openxmlformats.org/presentationml/2006/main">
-  <p:cSld>
-    <p:spTree>
-      <p:nvGrpSpPr>
-        <p:cNvPr id="1" name=""/>
-        <p:cNvGrpSpPr/>
-        <p:nvPr/>
-      </p:nvGrpSpPr>
-      <p:grpSpPr>
-        <a:xfrm>
-          <a:off x="0" y="0"/>
-          <a:ext cx="0" cy="0"/>
-          <a:chOff x="0" y="0"/>
-          <a:chExt cx="0" cy="0"/>
-        </a:xfrm>
-      </p:grpSpPr>
-      <p:sp>
-        <p:nvSpPr>
-          <p:cNvPr id="2" name="内容占位符 1"/>
-          <p:cNvSpPr>
-            <a:spLocks noGrp="1"/>
-          </p:cNvSpPr>
-          <p:nvPr>
-            <p:ph sz="quarter" idx="13"/>
-          </p:nvPr>
-        </p:nvSpPr>
-        <p:spPr/>
-        <p:txBody>
-          <a:bodyPr/>
-          <a:lstStyle/>
-          <a:p>
-            <a:r>
-              <a:rPr lang="zh-CN" altLang="en-US" dirty="0" smtClean="0"/>
-              <a:t>测试</a:t>
-            </a:r>
-            <a:r>
-              <a:rPr lang="zh-CN" altLang="en-US" dirty="0" smtClean="0"/>
-              <a:t>号与</a:t>
-            </a:r>
-            <a:r>
-              <a:rPr lang="en-US" altLang="zh-CN" dirty="0" smtClean="0"/>
-              <a:t>URL</a:t>
-            </a:r>
-            <a:r>
-              <a:rPr lang="zh-CN" altLang="en-US" dirty="0" smtClean="0"/>
-              <a:t>验证</a:t>
-            </a:r>
-            <a:endParaRPr lang="zh-CN" altLang="en-US" dirty="0"/>
-          </a:p>
-        </p:txBody>
-      </p:sp>
-      <p:sp>
-        <p:nvSpPr>
-          <p:cNvPr id="4" name="文本框 3"/>
-          <p:cNvSpPr txBox="1"/>
-          <p:nvPr/>
-        </p:nvSpPr>
-        <p:spPr>
-          <a:xfrm>
-            <a:off x="1185863" y="1814513"/>
-            <a:ext cx="9801225" cy="1477328"/>
-          </a:xfrm>
-          <a:prstGeom prst="rect">
-            <a:avLst/>
-          </a:prstGeom>
-          <a:noFill/>
-        </p:spPr>
-        <p:txBody>
-          <a:bodyPr wrap="square" rtlCol="0">
-            <a:spAutoFit/>
-          </a:bodyPr>
-          <a:lstStyle/>
-          <a:p>
-            <a:pPr marL="285750" indent="-285750">
-              <a:lnSpc>
-                <a:spcPct val="150000"/>
-              </a:lnSpc>
-              <a:buFont typeface="Arial" panose="020B0604020202020204" pitchFamily="34" charset="0"/>
-              <a:buChar char="•"/>
-            </a:pPr>
-            <a:r>
-              <a:rPr lang="zh-CN" altLang="en-US" sz="2000" dirty="0" smtClean="0">
-                <a:latin typeface="微软雅黑" panose="020B0503020204020204" pitchFamily="34" charset="-122"/>
-                <a:ea typeface="微软雅黑" panose="020B0503020204020204" pitchFamily="34" charset="-122"/>
-              </a:rPr>
-              <a:t>测试号</a:t>
-            </a:r>
-            <a:r>
-              <a:rPr lang="en-US" altLang="zh-CN" sz="2000" dirty="0" smtClean="0">
-                <a:latin typeface="微软雅黑" panose="020B0503020204020204" pitchFamily="34" charset="-122"/>
-                <a:ea typeface="微软雅黑" panose="020B0503020204020204" pitchFamily="34" charset="-122"/>
-              </a:rPr>
-              <a:t>URL</a:t>
-            </a:r>
-            <a:r>
-              <a:rPr lang="zh-CN" altLang="en-US" sz="2000" dirty="0" smtClean="0">
-                <a:latin typeface="微软雅黑" panose="020B0503020204020204" pitchFamily="34" charset="-122"/>
-                <a:ea typeface="微软雅黑" panose="020B0503020204020204" pitchFamily="34" charset="-122"/>
-              </a:rPr>
-              <a:t>验证与普通公众号一致，但是没有加密选项。</a:t>
-            </a:r>
-            <a:endParaRPr lang="en-US" altLang="zh-CN" sz="2000" dirty="0" smtClean="0">
-              <a:latin typeface="微软雅黑" panose="020B0503020204020204" pitchFamily="34" charset="-122"/>
-              <a:ea typeface="微软雅黑" panose="020B0503020204020204" pitchFamily="34" charset="-122"/>
-            </a:endParaRPr>
-          </a:p>
-          <a:p>
-            <a:pPr marL="285750" indent="-285750">
-              <a:lnSpc>
-                <a:spcPct val="150000"/>
-              </a:lnSpc>
-              <a:buFont typeface="Arial" panose="020B0604020202020204" pitchFamily="34" charset="0"/>
-              <a:buChar char="•"/>
-            </a:pPr>
-            <a:r>
-              <a:rPr lang="zh-CN" altLang="en-US" sz="2000" dirty="0" smtClean="0">
-                <a:latin typeface="微软雅黑" panose="020B0503020204020204" pitchFamily="34" charset="-122"/>
-                <a:ea typeface="微软雅黑" panose="020B0503020204020204" pitchFamily="34" charset="-122"/>
-              </a:rPr>
-              <a:t>测试号没有加密功能，仅仅是用于测试</a:t>
-            </a:r>
-            <a:r>
-              <a:rPr lang="zh-CN" altLang="en-US" sz="2000" dirty="0" smtClean="0">
-                <a:latin typeface="微软雅黑" panose="020B0503020204020204" pitchFamily="34" charset="-122"/>
-                <a:ea typeface="微软雅黑" panose="020B0503020204020204" pitchFamily="34" charset="-122"/>
-              </a:rPr>
-              <a:t>。</a:t>
-            </a:r>
-            <a:endParaRPr lang="en-US" altLang="zh-CN" sz="2000" dirty="0">
-              <a:latin typeface="微软雅黑" panose="020B0503020204020204" pitchFamily="34" charset="-122"/>
-              <a:ea typeface="微软雅黑" panose="020B0503020204020204" pitchFamily="34" charset="-122"/>
-            </a:endParaRPr>
-          </a:p>
-          <a:p>
-            <a:pPr marL="285750" indent="-285750">
-              <a:lnSpc>
-                <a:spcPct val="150000"/>
-              </a:lnSpc>
-              <a:buFont typeface="Arial" panose="020B0604020202020204" pitchFamily="34" charset="0"/>
-              <a:buChar char="•"/>
-            </a:pPr>
-            <a:endParaRPr lang="en-US" altLang="zh-CN" sz="2000" dirty="0" smtClean="0">
-              <a:latin typeface="微软雅黑" panose="020B0503020204020204" pitchFamily="34" charset="-122"/>
-              <a:ea typeface="微软雅黑" panose="020B0503020204020204" pitchFamily="34" charset="-122"/>
-            </a:endParaRPr>
-          </a:p>
-        </p:txBody>
-      </p:sp>
-    </p:spTree>
-    <p:extLst>
-      <p:ext uri="{BB962C8B-B14F-4D97-AF65-F5344CB8AC3E}">
-        <p14:creationId xmlns:p14="http://schemas.microsoft.com/office/powerpoint/2010/main" val="1236112881"/>
-      </p:ext>
-    </p:extLst>
-  </p:cSld>
-  <p:clrMapOvr>
-    <a:masterClrMapping/>
-  </p:clrMapOvr>
-</p:sld>
-</file>
-
 <file path=ppt/slides/slide8.xml><?xml version="1.0" encoding="utf-8"?>
 <p:sld xmlns:a="http://schemas.openxmlformats.org/drawingml/2006/main" xmlns:r="http://schemas.openxmlformats.org/officeDocument/2006/relationships" xmlns:p="http://schemas.openxmlformats.org/presentationml/2006/main">
   <p:cSld>
@@ -21447,23 +19717,30 @@
           <a:lstStyle/>
           <a:p>
             <a:r>
-              <a:rPr lang="zh-CN" altLang="en-US" dirty="0" smtClean="0"/>
-              <a:t>第二讲</a:t>
-            </a:r>
-            <a:endParaRPr lang="zh-CN" altLang="en-US" dirty="0"/>
-          </a:p>
-        </p:txBody>
-      </p:sp>
-      <p:sp>
-        <p:nvSpPr>
-          <p:cNvPr id="5" name="文本框 4"/>
+              <a:rPr lang="zh-CN" altLang="en-US" b="0" dirty="0"/>
+              <a:t>测试号与</a:t>
+            </a:r>
+            <a:r>
+              <a:rPr lang="en-US" altLang="zh-CN" b="0" dirty="0"/>
+              <a:t>URL</a:t>
+            </a:r>
+            <a:r>
+              <a:rPr lang="zh-CN" altLang="en-US" b="0" dirty="0"/>
+              <a:t>验证</a:t>
+            </a:r>
+          </a:p>
+        </p:txBody>
+      </p:sp>
+      <p:sp>
+        <p:nvSpPr>
+          <p:cNvPr id="4" name="文本框 3"/>
           <p:cNvSpPr txBox="1"/>
           <p:nvPr/>
         </p:nvSpPr>
         <p:spPr>
           <a:xfrm>
-            <a:off x="4058444" y="2343152"/>
-            <a:ext cx="4699794" cy="2062103"/>
+            <a:off x="1185863" y="1814513"/>
+            <a:ext cx="10270413" cy="961289"/>
           </a:xfrm>
           <a:prstGeom prst="rect">
             <a:avLst/>
@@ -21476,110 +19753,55 @@
           </a:bodyPr>
           <a:lstStyle/>
           <a:p>
-            <a:pPr marL="514350" indent="-514350">
+            <a:pPr marL="285750" indent="-285750">
               <a:lnSpc>
-                <a:spcPct val="200000"/>
+                <a:spcPct val="150000"/>
               </a:lnSpc>
-              <a:buFont typeface="+mj-ea"/>
-              <a:buAutoNum type="ea1JpnChsDbPeriod"/>
+              <a:buFont typeface="Arial" panose="020B0604020202020204" pitchFamily="34" charset="0"/>
+              <a:buChar char="•"/>
             </a:pPr>
             <a:r>
               <a:rPr lang="zh-CN" altLang="en-US" sz="2000" dirty="0">
-                <a:solidFill>
-                  <a:schemeClr val="tx1">
-                    <a:lumMod val="65000"/>
-                    <a:lumOff val="35000"/>
-                  </a:schemeClr>
-                </a:solidFill>
-                <a:latin typeface="微软雅黑" panose="020B0503020204020204" pitchFamily="34" charset="-122"/>
-                <a:ea typeface="微软雅黑" panose="020B0503020204020204" pitchFamily="34" charset="-122"/>
-              </a:rPr>
-              <a:t>使用微信测试号</a:t>
+                <a:latin typeface="微软雅黑" panose="020B0503020204020204" pitchFamily="34" charset="-122"/>
+                <a:ea typeface="微软雅黑" panose="020B0503020204020204" pitchFamily="34" charset="-122"/>
+              </a:rPr>
+              <a:t>测试号</a:t>
+            </a:r>
+            <a:r>
+              <a:rPr lang="en-US" altLang="zh-CN" sz="2000" dirty="0">
+                <a:latin typeface="微软雅黑" panose="020B0503020204020204" pitchFamily="34" charset="-122"/>
+                <a:ea typeface="微软雅黑" panose="020B0503020204020204" pitchFamily="34" charset="-122"/>
+              </a:rPr>
+              <a:t>URL</a:t>
+            </a:r>
+            <a:r>
+              <a:rPr lang="zh-CN" altLang="en-US" sz="2000" dirty="0">
+                <a:latin typeface="微软雅黑" panose="020B0503020204020204" pitchFamily="34" charset="-122"/>
+                <a:ea typeface="微软雅黑" panose="020B0503020204020204" pitchFamily="34" charset="-122"/>
+              </a:rPr>
+              <a:t>验证与普通公众号一致，但是没有加密选项。</a:t>
             </a:r>
             <a:endParaRPr lang="en-US" altLang="zh-CN" sz="2000" dirty="0">
-              <a:solidFill>
-                <a:schemeClr val="tx1">
-                  <a:lumMod val="65000"/>
-                  <a:lumOff val="35000"/>
-                </a:schemeClr>
-              </a:solidFill>
               <a:latin typeface="微软雅黑" panose="020B0503020204020204" pitchFamily="34" charset="-122"/>
               <a:ea typeface="微软雅黑" panose="020B0503020204020204" pitchFamily="34" charset="-122"/>
             </a:endParaRPr>
           </a:p>
           <a:p>
-            <a:pPr marL="514350" indent="-514350">
+            <a:pPr marL="285750" indent="-285750">
               <a:lnSpc>
-                <a:spcPct val="200000"/>
+                <a:spcPct val="150000"/>
               </a:lnSpc>
-              <a:buFont typeface="+mj-ea"/>
-              <a:buAutoNum type="ea1JpnChsDbPeriod"/>
+              <a:buFont typeface="Arial" panose="020B0604020202020204" pitchFamily="34" charset="0"/>
+              <a:buChar char="•"/>
             </a:pPr>
             <a:r>
-              <a:rPr lang="en-US" altLang="zh-CN" sz="2400" dirty="0">
-                <a:solidFill>
-                  <a:schemeClr val="accent6">
-                    <a:lumMod val="75000"/>
-                  </a:schemeClr>
-                </a:solidFill>
-                <a:latin typeface="微软雅黑" panose="020B0503020204020204" pitchFamily="34" charset="-122"/>
-                <a:ea typeface="微软雅黑" panose="020B0503020204020204" pitchFamily="34" charset="-122"/>
-              </a:rPr>
-              <a:t>CURL</a:t>
-            </a:r>
-            <a:r>
-              <a:rPr lang="zh-CN" altLang="en-US" sz="2400" dirty="0">
-                <a:solidFill>
-                  <a:schemeClr val="accent6">
-                    <a:lumMod val="75000"/>
-                  </a:schemeClr>
-                </a:solidFill>
-                <a:latin typeface="微软雅黑" panose="020B0503020204020204" pitchFamily="34" charset="-122"/>
-                <a:ea typeface="微软雅黑" panose="020B0503020204020204" pitchFamily="34" charset="-122"/>
-              </a:rPr>
-              <a:t>与</a:t>
-            </a:r>
-            <a:r>
-              <a:rPr lang="en-US" altLang="zh-CN" sz="2400" dirty="0">
-                <a:solidFill>
-                  <a:schemeClr val="accent6">
-                    <a:lumMod val="75000"/>
-                  </a:schemeClr>
-                </a:solidFill>
-                <a:latin typeface="微软雅黑" panose="020B0503020204020204" pitchFamily="34" charset="-122"/>
-                <a:ea typeface="微软雅黑" panose="020B0503020204020204" pitchFamily="34" charset="-122"/>
-              </a:rPr>
-              <a:t>JSON</a:t>
-            </a:r>
-          </a:p>
-          <a:p>
-            <a:pPr marL="514350" indent="-514350">
-              <a:lnSpc>
-                <a:spcPct val="200000"/>
-              </a:lnSpc>
-              <a:buFont typeface="+mj-ea"/>
-              <a:buAutoNum type="ea1JpnChsDbPeriod"/>
-            </a:pPr>
-            <a:r>
-              <a:rPr lang="zh-CN" altLang="en-US" sz="2000" dirty="0" smtClean="0">
-                <a:solidFill>
-                  <a:schemeClr val="tx1">
-                    <a:lumMod val="65000"/>
-                    <a:lumOff val="35000"/>
-                  </a:schemeClr>
-                </a:solidFill>
-                <a:latin typeface="微软雅黑" panose="020B0503020204020204" pitchFamily="34" charset="-122"/>
-                <a:ea typeface="微软雅黑" panose="020B0503020204020204" pitchFamily="34" charset="-122"/>
-              </a:rPr>
-              <a:t>自定义菜单</a:t>
+              <a:rPr lang="zh-CN" altLang="en-US" sz="2000" dirty="0">
+                <a:latin typeface="微软雅黑" panose="020B0503020204020204" pitchFamily="34" charset="-122"/>
+                <a:ea typeface="微软雅黑" panose="020B0503020204020204" pitchFamily="34" charset="-122"/>
+              </a:rPr>
+              <a:t>测试号没有加密功能，不能配置加密密钥与加密模式。</a:t>
             </a:r>
             <a:endParaRPr lang="en-US" altLang="zh-CN" sz="2000" dirty="0">
-              <a:solidFill>
-                <a:schemeClr val="tx1">
-                  <a:lumMod val="65000"/>
-                  <a:lumOff val="35000"/>
-                </a:schemeClr>
-              </a:solidFill>
               <a:latin typeface="微软雅黑" panose="020B0503020204020204" pitchFamily="34" charset="-122"/>
               <a:ea typeface="微软雅黑" panose="020B0503020204020204" pitchFamily="34" charset="-122"/>
             </a:endParaRPr>
@@ -21589,7 +19811,7 @@
     </p:spTree>
     <p:extLst>
       <p:ext uri="{BB962C8B-B14F-4D97-AF65-F5344CB8AC3E}">
-        <p14:creationId xmlns:p14="http://schemas.microsoft.com/office/powerpoint/2010/main" val="2999457395"/>
+        <p14:creationId xmlns:p14="http://schemas.microsoft.com/office/powerpoint/2010/main" val="1236112881"/>
       </p:ext>
     </p:extLst>
   </p:cSld>
@@ -21632,23 +19854,22 @@
           <a:lstStyle/>
           <a:p>
             <a:r>
-              <a:rPr lang="zh-CN" altLang="en-US" dirty="0" smtClean="0"/>
-              <a:t>什么是微信接口</a:t>
-            </a:r>
-            <a:endParaRPr lang="zh-CN" altLang="en-US" dirty="0"/>
-          </a:p>
-        </p:txBody>
-      </p:sp>
-      <p:sp>
-        <p:nvSpPr>
-          <p:cNvPr id="4" name="文本框 3"/>
+              <a:rPr lang="zh-CN" altLang="en-US" dirty="0"/>
+              <a:t>第二讲</a:t>
+            </a:r>
+          </a:p>
+        </p:txBody>
+      </p:sp>
+      <p:sp>
+        <p:nvSpPr>
+          <p:cNvPr id="5" name="文本框 4"/>
           <p:cNvSpPr txBox="1"/>
           <p:nvPr/>
         </p:nvSpPr>
         <p:spPr>
           <a:xfrm>
-            <a:off x="1166811" y="1585913"/>
-            <a:ext cx="10048877" cy="4809009"/>
+            <a:off x="4058444" y="2343152"/>
+            <a:ext cx="4699794" cy="2062103"/>
           </a:xfrm>
           <a:prstGeom prst="rect">
             <a:avLst/>
@@ -21661,471 +19882,120 @@
           </a:bodyPr>
           <a:lstStyle/>
           <a:p>
-            <a:pPr marL="342900" indent="-342900">
+            <a:pPr marL="514350" indent="-514350">
               <a:lnSpc>
-                <a:spcPts val="2400"/>
+                <a:spcPct val="200000"/>
               </a:lnSpc>
-              <a:buFont typeface="Arial" panose="020B0604020202020204" pitchFamily="34" charset="0"/>
-              <a:buChar char="•"/>
+              <a:buFont typeface="+mj-ea"/>
+              <a:buAutoNum type="ea1JpnChsDbPeriod"/>
             </a:pPr>
             <a:r>
-              <a:rPr lang="zh-CN" altLang="en-US" dirty="0" smtClean="0">
-                <a:latin typeface="微软雅黑" panose="020B0503020204020204" pitchFamily="34" charset="-122"/>
-                <a:ea typeface="微软雅黑" panose="020B0503020204020204" pitchFamily="34" charset="-122"/>
-              </a:rPr>
-              <a:t>微信接口其本质其实就是基于</a:t>
-            </a:r>
-            <a:r>
-              <a:rPr lang="en-US" altLang="zh-CN" dirty="0" smtClean="0">
-                <a:latin typeface="微软雅黑" panose="020B0503020204020204" pitchFamily="34" charset="-122"/>
-                <a:ea typeface="微软雅黑" panose="020B0503020204020204" pitchFamily="34" charset="-122"/>
-              </a:rPr>
-              <a:t>http</a:t>
-            </a:r>
-            <a:r>
-              <a:rPr lang="zh-CN" altLang="en-US" dirty="0" smtClean="0">
-                <a:latin typeface="微软雅黑" panose="020B0503020204020204" pitchFamily="34" charset="-122"/>
-                <a:ea typeface="微软雅黑" panose="020B0503020204020204" pitchFamily="34" charset="-122"/>
-              </a:rPr>
-              <a:t>协议的后台功能，使用</a:t>
-            </a:r>
-            <a:r>
-              <a:rPr lang="en-US" altLang="zh-CN" dirty="0" smtClean="0">
-                <a:latin typeface="微软雅黑" panose="020B0503020204020204" pitchFamily="34" charset="-122"/>
-                <a:ea typeface="微软雅黑" panose="020B0503020204020204" pitchFamily="34" charset="-122"/>
-              </a:rPr>
-              <a:t>http</a:t>
-            </a:r>
-            <a:r>
-              <a:rPr lang="zh-CN" altLang="en-US" dirty="0" smtClean="0">
-                <a:latin typeface="微软雅黑" panose="020B0503020204020204" pitchFamily="34" charset="-122"/>
-                <a:ea typeface="微软雅黑" panose="020B0503020204020204" pitchFamily="34" charset="-122"/>
-              </a:rPr>
-              <a:t>协议传递相应的参数获取需要的数据，返回的结果就是</a:t>
-            </a:r>
-            <a:r>
-              <a:rPr lang="en-US" altLang="zh-CN" dirty="0" smtClean="0">
-                <a:latin typeface="微软雅黑" panose="020B0503020204020204" pitchFamily="34" charset="-122"/>
-                <a:ea typeface="微软雅黑" panose="020B0503020204020204" pitchFamily="34" charset="-122"/>
-              </a:rPr>
-              <a:t>JSON</a:t>
-            </a:r>
-            <a:r>
-              <a:rPr lang="zh-CN" altLang="en-US" dirty="0" smtClean="0">
-                <a:latin typeface="微软雅黑" panose="020B0503020204020204" pitchFamily="34" charset="-122"/>
-                <a:ea typeface="微软雅黑" panose="020B0503020204020204" pitchFamily="34" charset="-122"/>
-              </a:rPr>
-              <a:t>格式的文本数据。若要使用程序调用接口，则需要支持</a:t>
-            </a:r>
-            <a:r>
-              <a:rPr lang="en-US" altLang="zh-CN" dirty="0" smtClean="0">
-                <a:latin typeface="微软雅黑" panose="020B0503020204020204" pitchFamily="34" charset="-122"/>
-                <a:ea typeface="微软雅黑" panose="020B0503020204020204" pitchFamily="34" charset="-122"/>
-              </a:rPr>
-              <a:t>http</a:t>
-            </a:r>
-            <a:r>
-              <a:rPr lang="zh-CN" altLang="en-US" dirty="0" smtClean="0">
-                <a:latin typeface="微软雅黑" panose="020B0503020204020204" pitchFamily="34" charset="-122"/>
-                <a:ea typeface="微软雅黑" panose="020B0503020204020204" pitchFamily="34" charset="-122"/>
-              </a:rPr>
-              <a:t>与</a:t>
-            </a:r>
-            <a:r>
-              <a:rPr lang="en-US" altLang="zh-CN" dirty="0" smtClean="0">
-                <a:latin typeface="微软雅黑" panose="020B0503020204020204" pitchFamily="34" charset="-122"/>
-                <a:ea typeface="微软雅黑" panose="020B0503020204020204" pitchFamily="34" charset="-122"/>
-              </a:rPr>
-              <a:t>https</a:t>
-            </a:r>
-            <a:r>
-              <a:rPr lang="zh-CN" altLang="en-US" dirty="0" smtClean="0">
-                <a:latin typeface="微软雅黑" panose="020B0503020204020204" pitchFamily="34" charset="-122"/>
-                <a:ea typeface="微软雅黑" panose="020B0503020204020204" pitchFamily="34" charset="-122"/>
-              </a:rPr>
-              <a:t>协议的扩展。</a:t>
-            </a:r>
-            <a:endParaRPr lang="en-US" altLang="zh-CN" dirty="0" smtClean="0">
+              <a:rPr lang="zh-CN" altLang="en-US" sz="2000" dirty="0">
+                <a:solidFill>
+                  <a:schemeClr val="tx1">
+                    <a:lumMod val="65000"/>
+                    <a:lumOff val="35000"/>
+                  </a:schemeClr>
+                </a:solidFill>
+                <a:latin typeface="微软雅黑" panose="020B0503020204020204" pitchFamily="34" charset="-122"/>
+                <a:ea typeface="微软雅黑" panose="020B0503020204020204" pitchFamily="34" charset="-122"/>
+              </a:rPr>
+              <a:t>使用微信测试号</a:t>
+            </a:r>
+            <a:endParaRPr lang="en-US" altLang="zh-CN" sz="2000" dirty="0">
+              <a:solidFill>
+                <a:schemeClr val="tx1">
+                  <a:lumMod val="65000"/>
+                  <a:lumOff val="35000"/>
+                </a:schemeClr>
+              </a:solidFill>
               <a:latin typeface="微软雅黑" panose="020B0503020204020204" pitchFamily="34" charset="-122"/>
               <a:ea typeface="微软雅黑" panose="020B0503020204020204" pitchFamily="34" charset="-122"/>
             </a:endParaRPr>
           </a:p>
           <a:p>
-            <a:pPr marL="342900" indent="-342900">
+            <a:pPr marL="514350" indent="-514350">
               <a:lnSpc>
-                <a:spcPts val="2400"/>
+                <a:spcPct val="200000"/>
               </a:lnSpc>
-              <a:buFont typeface="Arial" panose="020B0604020202020204" pitchFamily="34" charset="0"/>
-              <a:buChar char="•"/>
+              <a:buFont typeface="+mj-ea"/>
+              <a:buAutoNum type="ea1JpnChsDbPeriod"/>
             </a:pPr>
             <a:r>
-              <a:rPr lang="zh-CN" altLang="en-US" dirty="0" smtClean="0">
-                <a:latin typeface="微软雅黑" panose="020B0503020204020204" pitchFamily="34" charset="-122"/>
-                <a:ea typeface="微软雅黑" panose="020B0503020204020204" pitchFamily="34" charset="-122"/>
-              </a:rPr>
-              <a:t>使用</a:t>
-            </a:r>
-            <a:r>
-              <a:rPr lang="en-US" altLang="zh-CN" dirty="0" smtClean="0">
-                <a:latin typeface="微软雅黑" panose="020B0503020204020204" pitchFamily="34" charset="-122"/>
-                <a:ea typeface="微软雅黑" panose="020B0503020204020204" pitchFamily="34" charset="-122"/>
-              </a:rPr>
-              <a:t>PHP</a:t>
-            </a:r>
-            <a:r>
-              <a:rPr lang="zh-CN" altLang="en-US" dirty="0" smtClean="0">
-                <a:latin typeface="微软雅黑" panose="020B0503020204020204" pitchFamily="34" charset="-122"/>
-                <a:ea typeface="微软雅黑" panose="020B0503020204020204" pitchFamily="34" charset="-122"/>
-              </a:rPr>
-              <a:t>实现一个简单接口的示例：</a:t>
-            </a:r>
-            <a:endParaRPr lang="en-US" altLang="zh-CN" dirty="0" smtClean="0">
+              <a:rPr lang="en-US" altLang="zh-CN" sz="2400" dirty="0">
+                <a:solidFill>
+                  <a:schemeClr val="accent6">
+                    <a:lumMod val="75000"/>
+                  </a:schemeClr>
+                </a:solidFill>
+                <a:latin typeface="微软雅黑" panose="020B0503020204020204" pitchFamily="34" charset="-122"/>
+                <a:ea typeface="微软雅黑" panose="020B0503020204020204" pitchFamily="34" charset="-122"/>
+              </a:rPr>
+              <a:t>CURL</a:t>
+            </a:r>
+            <a:r>
+              <a:rPr lang="zh-CN" altLang="en-US" sz="2400" dirty="0">
+                <a:solidFill>
+                  <a:schemeClr val="accent6">
+                    <a:lumMod val="75000"/>
+                  </a:schemeClr>
+                </a:solidFill>
+                <a:latin typeface="微软雅黑" panose="020B0503020204020204" pitchFamily="34" charset="-122"/>
+                <a:ea typeface="微软雅黑" panose="020B0503020204020204" pitchFamily="34" charset="-122"/>
+              </a:rPr>
+              <a:t>与</a:t>
+            </a:r>
+            <a:r>
+              <a:rPr lang="en-US" altLang="zh-CN" sz="2400" dirty="0">
+                <a:solidFill>
+                  <a:schemeClr val="accent6">
+                    <a:lumMod val="75000"/>
+                  </a:schemeClr>
+                </a:solidFill>
+                <a:latin typeface="微软雅黑" panose="020B0503020204020204" pitchFamily="34" charset="-122"/>
+                <a:ea typeface="微软雅黑" panose="020B0503020204020204" pitchFamily="34" charset="-122"/>
+              </a:rPr>
+              <a:t>JSON</a:t>
+            </a:r>
+          </a:p>
+          <a:p>
+            <a:pPr marL="514350" indent="-514350">
+              <a:lnSpc>
+                <a:spcPct val="200000"/>
+              </a:lnSpc>
+              <a:buFont typeface="+mj-ea"/>
+              <a:buAutoNum type="ea1JpnChsDbPeriod"/>
+            </a:pPr>
+            <a:r>
+              <a:rPr lang="zh-CN" altLang="en-US" sz="2000" dirty="0">
+                <a:solidFill>
+                  <a:schemeClr val="tx1">
+                    <a:lumMod val="65000"/>
+                    <a:lumOff val="35000"/>
+                  </a:schemeClr>
+                </a:solidFill>
+                <a:latin typeface="微软雅黑" panose="020B0503020204020204" pitchFamily="34" charset="-122"/>
+                <a:ea typeface="微软雅黑" panose="020B0503020204020204" pitchFamily="34" charset="-122"/>
+              </a:rPr>
+              <a:t>自定义菜单</a:t>
+            </a:r>
+            <a:endParaRPr lang="en-US" altLang="zh-CN" sz="2000" dirty="0">
+              <a:solidFill>
+                <a:schemeClr val="tx1">
+                  <a:lumMod val="65000"/>
+                  <a:lumOff val="35000"/>
+                </a:schemeClr>
+              </a:solidFill>
               <a:latin typeface="微软雅黑" panose="020B0503020204020204" pitchFamily="34" charset="-122"/>
               <a:ea typeface="微软雅黑" panose="020B0503020204020204" pitchFamily="34" charset="-122"/>
             </a:endParaRPr>
           </a:p>
-          <a:p>
-            <a:pPr lvl="1">
-              <a:lnSpc>
-                <a:spcPts val="2300"/>
-              </a:lnSpc>
-            </a:pPr>
-            <a:r>
-              <a:rPr lang="en-US" altLang="zh-CN" dirty="0">
-                <a:latin typeface="Calibri" panose="020F0502020204030204" pitchFamily="34" charset="0"/>
-                <a:ea typeface="微软雅黑" panose="020B0503020204020204" pitchFamily="34" charset="-122"/>
-                <a:cs typeface="Calibri" panose="020F0502020204030204" pitchFamily="34" charset="0"/>
-              </a:rPr>
-              <a:t>$act = </a:t>
-            </a:r>
-            <a:r>
-              <a:rPr lang="en-US" altLang="zh-CN" dirty="0" err="1">
-                <a:latin typeface="Calibri" panose="020F0502020204030204" pitchFamily="34" charset="0"/>
-                <a:ea typeface="微软雅黑" panose="020B0503020204020204" pitchFamily="34" charset="-122"/>
-                <a:cs typeface="Calibri" panose="020F0502020204030204" pitchFamily="34" charset="0"/>
-              </a:rPr>
-              <a:t>isset</a:t>
-            </a:r>
-            <a:r>
-              <a:rPr lang="en-US" altLang="zh-CN" dirty="0">
-                <a:latin typeface="Calibri" panose="020F0502020204030204" pitchFamily="34" charset="0"/>
-                <a:ea typeface="微软雅黑" panose="020B0503020204020204" pitchFamily="34" charset="-122"/>
-                <a:cs typeface="Calibri" panose="020F0502020204030204" pitchFamily="34" charset="0"/>
-              </a:rPr>
-              <a:t>($_GET['act'])?$_GET['act']:'none';</a:t>
-            </a:r>
-          </a:p>
-          <a:p>
-            <a:pPr lvl="1">
-              <a:lnSpc>
-                <a:spcPts val="2300"/>
-              </a:lnSpc>
-            </a:pPr>
-            <a:r>
-              <a:rPr lang="en-US" altLang="zh-CN" dirty="0">
-                <a:latin typeface="Calibri" panose="020F0502020204030204" pitchFamily="34" charset="0"/>
-                <a:ea typeface="微软雅黑" panose="020B0503020204020204" pitchFamily="34" charset="-122"/>
-                <a:cs typeface="Calibri" panose="020F0502020204030204" pitchFamily="34" charset="0"/>
-              </a:rPr>
-              <a:t>$data</a:t>
-            </a:r>
-            <a:r>
-              <a:rPr lang="en-US" altLang="zh-CN" dirty="0" smtClean="0">
-                <a:latin typeface="Calibri" panose="020F0502020204030204" pitchFamily="34" charset="0"/>
-                <a:ea typeface="微软雅黑" panose="020B0503020204020204" pitchFamily="34" charset="-122"/>
-                <a:cs typeface="Calibri" panose="020F0502020204030204" pitchFamily="34" charset="0"/>
-              </a:rPr>
-              <a:t>=[];</a:t>
-            </a:r>
-            <a:endParaRPr lang="en-US" altLang="zh-CN" dirty="0">
-              <a:latin typeface="Calibri" panose="020F0502020204030204" pitchFamily="34" charset="0"/>
-              <a:ea typeface="微软雅黑" panose="020B0503020204020204" pitchFamily="34" charset="-122"/>
-              <a:cs typeface="Calibri" panose="020F0502020204030204" pitchFamily="34" charset="0"/>
-            </a:endParaRPr>
-          </a:p>
-          <a:p>
-            <a:pPr lvl="1">
-              <a:lnSpc>
-                <a:spcPts val="2300"/>
-              </a:lnSpc>
-            </a:pPr>
-            <a:r>
-              <a:rPr lang="en-US" altLang="zh-CN" dirty="0">
-                <a:latin typeface="Calibri" panose="020F0502020204030204" pitchFamily="34" charset="0"/>
-                <a:ea typeface="微软雅黑" panose="020B0503020204020204" pitchFamily="34" charset="-122"/>
-                <a:cs typeface="Calibri" panose="020F0502020204030204" pitchFamily="34" charset="0"/>
-              </a:rPr>
-              <a:t>if('info'==$act){</a:t>
-            </a:r>
-          </a:p>
-          <a:p>
-            <a:pPr lvl="1">
-              <a:lnSpc>
-                <a:spcPts val="2300"/>
-              </a:lnSpc>
-            </a:pPr>
-            <a:r>
-              <a:rPr lang="en-US" altLang="zh-CN" dirty="0">
-                <a:latin typeface="Calibri" panose="020F0502020204030204" pitchFamily="34" charset="0"/>
-                <a:ea typeface="微软雅黑" panose="020B0503020204020204" pitchFamily="34" charset="-122"/>
-                <a:cs typeface="Calibri" panose="020F0502020204030204" pitchFamily="34" charset="0"/>
-              </a:rPr>
-              <a:t>  $data = </a:t>
-            </a:r>
-            <a:r>
-              <a:rPr lang="en-US" altLang="zh-CN" dirty="0" smtClean="0">
-                <a:latin typeface="Calibri" panose="020F0502020204030204" pitchFamily="34" charset="0"/>
-                <a:ea typeface="微软雅黑" panose="020B0503020204020204" pitchFamily="34" charset="-122"/>
-                <a:cs typeface="Calibri" panose="020F0502020204030204" pitchFamily="34" charset="0"/>
-              </a:rPr>
-              <a:t>['name'=&gt;'</a:t>
-            </a:r>
-            <a:r>
-              <a:rPr lang="en-US" altLang="zh-CN" dirty="0" err="1" smtClean="0">
-                <a:latin typeface="Calibri" panose="020F0502020204030204" pitchFamily="34" charset="0"/>
-                <a:ea typeface="微软雅黑" panose="020B0503020204020204" pitchFamily="34" charset="-122"/>
-                <a:cs typeface="Calibri" panose="020F0502020204030204" pitchFamily="34" charset="0"/>
-              </a:rPr>
-              <a:t>BraveWang</a:t>
-            </a:r>
-            <a:r>
-              <a:rPr lang="en-US" altLang="zh-CN" dirty="0" smtClean="0">
-                <a:latin typeface="Calibri" panose="020F0502020204030204" pitchFamily="34" charset="0"/>
-                <a:ea typeface="微软雅黑" panose="020B0503020204020204" pitchFamily="34" charset="-122"/>
-                <a:cs typeface="Calibri" panose="020F0502020204030204" pitchFamily="34" charset="0"/>
-              </a:rPr>
-              <a:t>','age</a:t>
-            </a:r>
-            <a:r>
-              <a:rPr lang="en-US" altLang="zh-CN" dirty="0">
-                <a:latin typeface="Calibri" panose="020F0502020204030204" pitchFamily="34" charset="0"/>
-                <a:ea typeface="微软雅黑" panose="020B0503020204020204" pitchFamily="34" charset="-122"/>
-                <a:cs typeface="Calibri" panose="020F0502020204030204" pitchFamily="34" charset="0"/>
-              </a:rPr>
-              <a:t>'=&gt;'27</a:t>
-            </a:r>
-            <a:r>
-              <a:rPr lang="en-US" altLang="zh-CN" dirty="0" smtClean="0">
-                <a:latin typeface="Calibri" panose="020F0502020204030204" pitchFamily="34" charset="0"/>
-                <a:ea typeface="微软雅黑" panose="020B0503020204020204" pitchFamily="34" charset="-122"/>
-                <a:cs typeface="Calibri" panose="020F0502020204030204" pitchFamily="34" charset="0"/>
-              </a:rPr>
-              <a:t>','sex</a:t>
-            </a:r>
-            <a:r>
-              <a:rPr lang="en-US" altLang="zh-CN" dirty="0">
-                <a:latin typeface="Calibri" panose="020F0502020204030204" pitchFamily="34" charset="0"/>
-                <a:ea typeface="微软雅黑" panose="020B0503020204020204" pitchFamily="34" charset="-122"/>
-                <a:cs typeface="Calibri" panose="020F0502020204030204" pitchFamily="34" charset="0"/>
-              </a:rPr>
-              <a:t>'=&gt;'male</a:t>
-            </a:r>
-            <a:r>
-              <a:rPr lang="en-US" altLang="zh-CN" dirty="0" smtClean="0">
-                <a:latin typeface="Calibri" panose="020F0502020204030204" pitchFamily="34" charset="0"/>
-                <a:ea typeface="微软雅黑" panose="020B0503020204020204" pitchFamily="34" charset="-122"/>
-                <a:cs typeface="Calibri" panose="020F0502020204030204" pitchFamily="34" charset="0"/>
-              </a:rPr>
-              <a:t>'];</a:t>
-            </a:r>
-            <a:endParaRPr lang="en-US" altLang="zh-CN" dirty="0">
-              <a:latin typeface="Calibri" panose="020F0502020204030204" pitchFamily="34" charset="0"/>
-              <a:ea typeface="微软雅黑" panose="020B0503020204020204" pitchFamily="34" charset="-122"/>
-              <a:cs typeface="Calibri" panose="020F0502020204030204" pitchFamily="34" charset="0"/>
-            </a:endParaRPr>
-          </a:p>
-          <a:p>
-            <a:pPr lvl="1">
-              <a:lnSpc>
-                <a:spcPts val="2300"/>
-              </a:lnSpc>
-            </a:pPr>
-            <a:r>
-              <a:rPr lang="en-US" altLang="zh-CN" dirty="0">
-                <a:latin typeface="Calibri" panose="020F0502020204030204" pitchFamily="34" charset="0"/>
-                <a:ea typeface="微软雅黑" panose="020B0503020204020204" pitchFamily="34" charset="-122"/>
-                <a:cs typeface="Calibri" panose="020F0502020204030204" pitchFamily="34" charset="0"/>
-              </a:rPr>
-              <a:t>  exit(</a:t>
-            </a:r>
-            <a:r>
-              <a:rPr lang="en-US" altLang="zh-CN" dirty="0" err="1">
-                <a:latin typeface="Calibri" panose="020F0502020204030204" pitchFamily="34" charset="0"/>
-                <a:ea typeface="微软雅黑" panose="020B0503020204020204" pitchFamily="34" charset="-122"/>
-                <a:cs typeface="Calibri" panose="020F0502020204030204" pitchFamily="34" charset="0"/>
-              </a:rPr>
-              <a:t>json_encode</a:t>
-            </a:r>
-            <a:r>
-              <a:rPr lang="en-US" altLang="zh-CN" dirty="0">
-                <a:latin typeface="Calibri" panose="020F0502020204030204" pitchFamily="34" charset="0"/>
-                <a:ea typeface="微软雅黑" panose="020B0503020204020204" pitchFamily="34" charset="-122"/>
-                <a:cs typeface="Calibri" panose="020F0502020204030204" pitchFamily="34" charset="0"/>
-              </a:rPr>
-              <a:t>($data));</a:t>
-            </a:r>
-          </a:p>
-          <a:p>
-            <a:pPr lvl="1">
-              <a:lnSpc>
-                <a:spcPts val="2300"/>
-              </a:lnSpc>
-            </a:pPr>
-            <a:r>
-              <a:rPr lang="en-US" altLang="zh-CN" dirty="0">
-                <a:latin typeface="Calibri" panose="020F0502020204030204" pitchFamily="34" charset="0"/>
-                <a:ea typeface="微软雅黑" panose="020B0503020204020204" pitchFamily="34" charset="-122"/>
-                <a:cs typeface="Calibri" panose="020F0502020204030204" pitchFamily="34" charset="0"/>
-              </a:rPr>
-              <a:t>}</a:t>
-            </a:r>
-          </a:p>
-          <a:p>
-            <a:pPr lvl="1">
-              <a:lnSpc>
-                <a:spcPts val="2300"/>
-              </a:lnSpc>
-            </a:pPr>
-            <a:r>
-              <a:rPr lang="en-US" altLang="zh-CN" dirty="0" err="1">
-                <a:latin typeface="Calibri" panose="020F0502020204030204" pitchFamily="34" charset="0"/>
-                <a:ea typeface="微软雅黑" panose="020B0503020204020204" pitchFamily="34" charset="-122"/>
-                <a:cs typeface="Calibri" panose="020F0502020204030204" pitchFamily="34" charset="0"/>
-              </a:rPr>
-              <a:t>elseif</a:t>
-            </a:r>
-            <a:r>
-              <a:rPr lang="en-US" altLang="zh-CN" dirty="0">
-                <a:latin typeface="Calibri" panose="020F0502020204030204" pitchFamily="34" charset="0"/>
-                <a:ea typeface="微软雅黑" panose="020B0503020204020204" pitchFamily="34" charset="-122"/>
-                <a:cs typeface="Calibri" panose="020F0502020204030204" pitchFamily="34" charset="0"/>
-              </a:rPr>
-              <a:t>('none'==$act){</a:t>
-            </a:r>
-          </a:p>
-          <a:p>
-            <a:pPr lvl="1">
-              <a:lnSpc>
-                <a:spcPts val="2300"/>
-              </a:lnSpc>
-            </a:pPr>
-            <a:r>
-              <a:rPr lang="en-US" altLang="zh-CN" dirty="0">
-                <a:latin typeface="Calibri" panose="020F0502020204030204" pitchFamily="34" charset="0"/>
-                <a:ea typeface="微软雅黑" panose="020B0503020204020204" pitchFamily="34" charset="-122"/>
-                <a:cs typeface="Calibri" panose="020F0502020204030204" pitchFamily="34" charset="0"/>
-              </a:rPr>
-              <a:t>  exit(</a:t>
-            </a:r>
-            <a:r>
-              <a:rPr lang="en-US" altLang="zh-CN" dirty="0" err="1">
-                <a:latin typeface="Calibri" panose="020F0502020204030204" pitchFamily="34" charset="0"/>
-                <a:ea typeface="微软雅黑" panose="020B0503020204020204" pitchFamily="34" charset="-122"/>
-                <a:cs typeface="Calibri" panose="020F0502020204030204" pitchFamily="34" charset="0"/>
-              </a:rPr>
-              <a:t>json_encode</a:t>
-            </a:r>
-            <a:r>
-              <a:rPr lang="en-US" altLang="zh-CN" dirty="0">
-                <a:latin typeface="Calibri" panose="020F0502020204030204" pitchFamily="34" charset="0"/>
-                <a:ea typeface="微软雅黑" panose="020B0503020204020204" pitchFamily="34" charset="-122"/>
-                <a:cs typeface="Calibri" panose="020F0502020204030204" pitchFamily="34" charset="0"/>
-              </a:rPr>
-              <a:t>(['error'=&gt;'null is here']));</a:t>
-            </a:r>
-          </a:p>
-          <a:p>
-            <a:pPr lvl="1">
-              <a:lnSpc>
-                <a:spcPts val="2300"/>
-              </a:lnSpc>
-            </a:pPr>
-            <a:r>
-              <a:rPr lang="en-US" altLang="zh-CN" dirty="0">
-                <a:latin typeface="Calibri" panose="020F0502020204030204" pitchFamily="34" charset="0"/>
-                <a:ea typeface="微软雅黑" panose="020B0503020204020204" pitchFamily="34" charset="-122"/>
-                <a:cs typeface="Calibri" panose="020F0502020204030204" pitchFamily="34" charset="0"/>
-              </a:rPr>
-              <a:t>}</a:t>
-            </a:r>
-            <a:endParaRPr lang="en-US" altLang="zh-CN" dirty="0" smtClean="0">
-              <a:latin typeface="Calibri" panose="020F0502020204030204" pitchFamily="34" charset="0"/>
-              <a:ea typeface="微软雅黑" panose="020B0503020204020204" pitchFamily="34" charset="-122"/>
-              <a:cs typeface="Calibri" panose="020F0502020204030204" pitchFamily="34" charset="0"/>
-            </a:endParaRPr>
-          </a:p>
-          <a:p>
-            <a:pPr lvl="1">
-              <a:lnSpc>
-                <a:spcPct val="150000"/>
-              </a:lnSpc>
-            </a:pPr>
-            <a:r>
-              <a:rPr lang="zh-CN" altLang="en-US" dirty="0" smtClean="0"/>
-              <a:t>访问链接后面加上</a:t>
-            </a:r>
-            <a:r>
-              <a:rPr lang="en-US" altLang="zh-CN" dirty="0" smtClean="0"/>
-              <a:t>?act=info</a:t>
-            </a:r>
-            <a:r>
-              <a:rPr lang="zh-CN" altLang="en-US" dirty="0" smtClean="0"/>
-              <a:t>返回结果：</a:t>
-            </a:r>
-            <a:r>
-              <a:rPr lang="en-US" altLang="zh-CN" dirty="0" smtClean="0"/>
-              <a:t>{"</a:t>
-            </a:r>
-            <a:r>
-              <a:rPr lang="en-US" altLang="zh-CN" dirty="0"/>
-              <a:t>name":"BraveWang","age":"27","sex":"male</a:t>
-            </a:r>
-            <a:r>
-              <a:rPr lang="en-US" altLang="zh-CN" dirty="0" smtClean="0"/>
-              <a:t>"}</a:t>
-            </a:r>
-          </a:p>
-          <a:p>
-            <a:pPr lvl="1">
-              <a:lnSpc>
-                <a:spcPct val="150000"/>
-              </a:lnSpc>
-            </a:pPr>
-            <a:r>
-              <a:rPr lang="zh-CN" altLang="en-US" dirty="0"/>
-              <a:t>什么也不</a:t>
-            </a:r>
-            <a:r>
-              <a:rPr lang="zh-CN" altLang="en-US" dirty="0"/>
-              <a:t>加返回</a:t>
-            </a:r>
-            <a:r>
-              <a:rPr lang="zh-CN" altLang="en-US" dirty="0" smtClean="0"/>
-              <a:t>：</a:t>
-            </a:r>
-            <a:r>
-              <a:rPr lang="en-US" altLang="zh-CN" dirty="0"/>
-              <a:t> {"</a:t>
-            </a:r>
-            <a:r>
-              <a:rPr lang="en-US" altLang="zh-CN" dirty="0" err="1"/>
-              <a:t>error":"null</a:t>
-            </a:r>
-            <a:r>
-              <a:rPr lang="en-US" altLang="zh-CN" dirty="0"/>
-              <a:t> is here</a:t>
-            </a:r>
-            <a:r>
-              <a:rPr lang="en-US" altLang="zh-CN" dirty="0" smtClean="0"/>
-              <a:t>"}</a:t>
-            </a:r>
-          </a:p>
         </p:txBody>
       </p:sp>
     </p:spTree>
     <p:extLst>
       <p:ext uri="{BB962C8B-B14F-4D97-AF65-F5344CB8AC3E}">
-        <p14:creationId xmlns:p14="http://schemas.microsoft.com/office/powerpoint/2010/main" val="2699412093"/>
+        <p14:creationId xmlns:p14="http://schemas.microsoft.com/office/powerpoint/2010/main" val="2999457395"/>
       </p:ext>
     </p:extLst>
   </p:cSld>
